--- a/2017/presentation/study/싸이그래머_소개_스터디뽀개기2017.pptx
+++ b/2017/presentation/study/싸이그래머_소개_스터디뽀개기2017.pptx
@@ -19,6 +19,10 @@
     <p:sldId id="264" r:id="rId13"/>
     <p:sldId id="265" r:id="rId14"/>
     <p:sldId id="266" r:id="rId15"/>
+    <p:sldId id="267" r:id="rId16"/>
+    <p:sldId id="268" r:id="rId17"/>
+    <p:sldId id="269" r:id="rId18"/>
+    <p:sldId id="270" r:id="rId19"/>
   </p:sldIdLst>
   <p:sldSz cy="5143500" cx="9144000"/>
   <p:notesSz cx="6858000" cy="9144000"/>
@@ -494,7 +498,7 @@
   <p:cSld>
     <p:spTree>
       <p:nvGrpSpPr>
-        <p:cNvPr id="104" name="Shape 104"/>
+        <p:cNvPr id="110" name="Shape 110"/>
         <p:cNvGrpSpPr/>
         <p:nvPr/>
       </p:nvGrpSpPr>
@@ -508,7 +512,7 @@
       </p:grpSpPr>
       <p:sp>
         <p:nvSpPr>
-          <p:cNvPr id="105" name="Shape 105"/>
+          <p:cNvPr id="111" name="Shape 111"/>
           <p:cNvSpPr/>
           <p:nvPr>
             <p:ph idx="2" type="sldImg"/>
@@ -542,7 +546,7 @@
       </p:sp>
       <p:sp>
         <p:nvSpPr>
-          <p:cNvPr id="106" name="Shape 106"/>
+          <p:cNvPr id="112" name="Shape 112"/>
           <p:cNvSpPr txBox="1"/>
           <p:nvPr>
             <p:ph idx="1" type="body"/>
@@ -589,7 +593,7 @@
   <p:cSld>
     <p:spTree>
       <p:nvGrpSpPr>
-        <p:cNvPr id="110" name="Shape 110"/>
+        <p:cNvPr id="125" name="Shape 125"/>
         <p:cNvGrpSpPr/>
         <p:nvPr/>
       </p:nvGrpSpPr>
@@ -603,7 +607,7 @@
       </p:grpSpPr>
       <p:sp>
         <p:nvSpPr>
-          <p:cNvPr id="111" name="Shape 111"/>
+          <p:cNvPr id="126" name="Shape 126"/>
           <p:cNvSpPr/>
           <p:nvPr>
             <p:ph idx="2" type="sldImg"/>
@@ -637,7 +641,387 @@
       </p:sp>
       <p:sp>
         <p:nvSpPr>
-          <p:cNvPr id="112" name="Shape 112"/>
+          <p:cNvPr id="127" name="Shape 127"/>
+          <p:cNvSpPr txBox="1"/>
+          <p:nvPr>
+            <p:ph idx="1" type="body"/>
+          </p:nvPr>
+        </p:nvSpPr>
+        <p:spPr>
+          <a:xfrm>
+            <a:off x="685800" y="4343400"/>
+            <a:ext cx="5486400" cy="4114800"/>
+          </a:xfrm>
+          <a:prstGeom prst="rect">
+            <a:avLst/>
+          </a:prstGeom>
+        </p:spPr>
+        <p:txBody>
+          <a:bodyPr anchorCtr="0" anchor="t" bIns="91425" lIns="91425" rIns="91425" wrap="square" tIns="91425">
+            <a:noAutofit/>
+          </a:bodyPr>
+          <a:lstStyle/>
+          <a:p>
+            <a:pPr lvl="0" rtl="0">
+              <a:spcBef>
+                <a:spcPts val="0"/>
+              </a:spcBef>
+              <a:buNone/>
+            </a:pPr>
+            <a:r>
+              <a:t/>
+            </a:r>
+            <a:endParaRPr/>
+          </a:p>
+        </p:txBody>
+      </p:sp>
+    </p:spTree>
+  </p:cSld>
+  <p:clrMapOvr>
+    <a:masterClrMapping/>
+  </p:clrMapOvr>
+</p:notes>
+</file>
+
+<file path=ppt/notesSlides/notesSlide12.xml><?xml version="1.0" encoding="utf-8"?>
+<p:notes xmlns:a="http://schemas.openxmlformats.org/drawingml/2006/main" xmlns:r="http://schemas.openxmlformats.org/officeDocument/2006/relationships" xmlns:mc="http://schemas.openxmlformats.org/markup-compatibility/2006" xmlns:mv="urn:schemas-microsoft-com:mac:vml" xmlns:p="http://schemas.openxmlformats.org/presentationml/2006/main" xmlns:c="http://schemas.openxmlformats.org/drawingml/2006/chart" xmlns:dgm="http://schemas.openxmlformats.org/drawingml/2006/diagram" xmlns:o="urn:schemas-microsoft-com:office:office" xmlns:v="urn:schemas-microsoft-com:vml" xmlns:pvml="urn:schemas-microsoft-com:office:powerpoint" xmlns:com="http://schemas.openxmlformats.org/drawingml/2006/compatibility" xmlns:p14="http://schemas.microsoft.com/office/powerpoint/2010/main" xmlns:p15="http://schemas.microsoft.com/office/powerpoint/2012/main" showMasterPhAnim="0" showMasterSp="0">
+  <p:cSld>
+    <p:spTree>
+      <p:nvGrpSpPr>
+        <p:cNvPr id="131" name="Shape 131"/>
+        <p:cNvGrpSpPr/>
+        <p:nvPr/>
+      </p:nvGrpSpPr>
+      <p:grpSpPr>
+        <a:xfrm>
+          <a:off x="0" y="0"/>
+          <a:ext cx="0" cy="0"/>
+          <a:chOff x="0" y="0"/>
+          <a:chExt cx="0" cy="0"/>
+        </a:xfrm>
+      </p:grpSpPr>
+      <p:sp>
+        <p:nvSpPr>
+          <p:cNvPr id="132" name="Shape 132"/>
+          <p:cNvSpPr/>
+          <p:nvPr>
+            <p:ph idx="2" type="sldImg"/>
+          </p:nvPr>
+        </p:nvSpPr>
+        <p:spPr>
+          <a:xfrm>
+            <a:off x="381300" y="685800"/>
+            <a:ext cx="6096000" cy="3429000"/>
+          </a:xfrm>
+          <a:custGeom>
+            <a:pathLst>
+              <a:path extrusionOk="0" h="120000" w="120000">
+                <a:moveTo>
+                  <a:pt x="0" y="0"/>
+                </a:moveTo>
+                <a:lnTo>
+                  <a:pt x="120000" y="0"/>
+                </a:lnTo>
+                <a:lnTo>
+                  <a:pt x="120000" y="120000"/>
+                </a:lnTo>
+                <a:lnTo>
+                  <a:pt x="0" y="120000"/>
+                </a:lnTo>
+                <a:close/>
+              </a:path>
+            </a:pathLst>
+          </a:custGeom>
+        </p:spPr>
+      </p:sp>
+      <p:sp>
+        <p:nvSpPr>
+          <p:cNvPr id="133" name="Shape 133"/>
+          <p:cNvSpPr txBox="1"/>
+          <p:nvPr>
+            <p:ph idx="1" type="body"/>
+          </p:nvPr>
+        </p:nvSpPr>
+        <p:spPr>
+          <a:xfrm>
+            <a:off x="685800" y="4343400"/>
+            <a:ext cx="5486400" cy="4114800"/>
+          </a:xfrm>
+          <a:prstGeom prst="rect">
+            <a:avLst/>
+          </a:prstGeom>
+        </p:spPr>
+        <p:txBody>
+          <a:bodyPr anchorCtr="0" anchor="t" bIns="91425" lIns="91425" rIns="91425" wrap="square" tIns="91425">
+            <a:noAutofit/>
+          </a:bodyPr>
+          <a:lstStyle/>
+          <a:p>
+            <a:pPr lvl="0" rtl="0">
+              <a:spcBef>
+                <a:spcPts val="0"/>
+              </a:spcBef>
+              <a:buNone/>
+            </a:pPr>
+            <a:r>
+              <a:t/>
+            </a:r>
+            <a:endParaRPr/>
+          </a:p>
+        </p:txBody>
+      </p:sp>
+    </p:spTree>
+  </p:cSld>
+  <p:clrMapOvr>
+    <a:masterClrMapping/>
+  </p:clrMapOvr>
+</p:notes>
+</file>
+
+<file path=ppt/notesSlides/notesSlide13.xml><?xml version="1.0" encoding="utf-8"?>
+<p:notes xmlns:a="http://schemas.openxmlformats.org/drawingml/2006/main" xmlns:r="http://schemas.openxmlformats.org/officeDocument/2006/relationships" xmlns:mc="http://schemas.openxmlformats.org/markup-compatibility/2006" xmlns:mv="urn:schemas-microsoft-com:mac:vml" xmlns:p="http://schemas.openxmlformats.org/presentationml/2006/main" xmlns:c="http://schemas.openxmlformats.org/drawingml/2006/chart" xmlns:dgm="http://schemas.openxmlformats.org/drawingml/2006/diagram" xmlns:o="urn:schemas-microsoft-com:office:office" xmlns:v="urn:schemas-microsoft-com:vml" xmlns:pvml="urn:schemas-microsoft-com:office:powerpoint" xmlns:com="http://schemas.openxmlformats.org/drawingml/2006/compatibility" xmlns:p14="http://schemas.microsoft.com/office/powerpoint/2010/main" xmlns:p15="http://schemas.microsoft.com/office/powerpoint/2012/main" showMasterPhAnim="0" showMasterSp="0">
+  <p:cSld>
+    <p:spTree>
+      <p:nvGrpSpPr>
+        <p:cNvPr id="185" name="Shape 185"/>
+        <p:cNvGrpSpPr/>
+        <p:nvPr/>
+      </p:nvGrpSpPr>
+      <p:grpSpPr>
+        <a:xfrm>
+          <a:off x="0" y="0"/>
+          <a:ext cx="0" cy="0"/>
+          <a:chOff x="0" y="0"/>
+          <a:chExt cx="0" cy="0"/>
+        </a:xfrm>
+      </p:grpSpPr>
+      <p:sp>
+        <p:nvSpPr>
+          <p:cNvPr id="186" name="Shape 186"/>
+          <p:cNvSpPr/>
+          <p:nvPr>
+            <p:ph idx="2" type="sldImg"/>
+          </p:nvPr>
+        </p:nvSpPr>
+        <p:spPr>
+          <a:xfrm>
+            <a:off x="381300" y="685800"/>
+            <a:ext cx="6096000" cy="3429000"/>
+          </a:xfrm>
+          <a:custGeom>
+            <a:pathLst>
+              <a:path extrusionOk="0" h="120000" w="120000">
+                <a:moveTo>
+                  <a:pt x="0" y="0"/>
+                </a:moveTo>
+                <a:lnTo>
+                  <a:pt x="120000" y="0"/>
+                </a:lnTo>
+                <a:lnTo>
+                  <a:pt x="120000" y="120000"/>
+                </a:lnTo>
+                <a:lnTo>
+                  <a:pt x="0" y="120000"/>
+                </a:lnTo>
+                <a:close/>
+              </a:path>
+            </a:pathLst>
+          </a:custGeom>
+        </p:spPr>
+      </p:sp>
+      <p:sp>
+        <p:nvSpPr>
+          <p:cNvPr id="187" name="Shape 187"/>
+          <p:cNvSpPr txBox="1"/>
+          <p:nvPr>
+            <p:ph idx="1" type="body"/>
+          </p:nvPr>
+        </p:nvSpPr>
+        <p:spPr>
+          <a:xfrm>
+            <a:off x="685800" y="4343400"/>
+            <a:ext cx="5486400" cy="4114800"/>
+          </a:xfrm>
+          <a:prstGeom prst="rect">
+            <a:avLst/>
+          </a:prstGeom>
+        </p:spPr>
+        <p:txBody>
+          <a:bodyPr anchorCtr="0" anchor="t" bIns="91425" lIns="91425" rIns="91425" wrap="square" tIns="91425">
+            <a:noAutofit/>
+          </a:bodyPr>
+          <a:lstStyle/>
+          <a:p>
+            <a:pPr lvl="0" rtl="0">
+              <a:spcBef>
+                <a:spcPts val="0"/>
+              </a:spcBef>
+              <a:buNone/>
+            </a:pPr>
+            <a:r>
+              <a:t/>
+            </a:r>
+            <a:endParaRPr/>
+          </a:p>
+        </p:txBody>
+      </p:sp>
+    </p:spTree>
+  </p:cSld>
+  <p:clrMapOvr>
+    <a:masterClrMapping/>
+  </p:clrMapOvr>
+</p:notes>
+</file>
+
+<file path=ppt/notesSlides/notesSlide14.xml><?xml version="1.0" encoding="utf-8"?>
+<p:notes xmlns:a="http://schemas.openxmlformats.org/drawingml/2006/main" xmlns:r="http://schemas.openxmlformats.org/officeDocument/2006/relationships" xmlns:mc="http://schemas.openxmlformats.org/markup-compatibility/2006" xmlns:mv="urn:schemas-microsoft-com:mac:vml" xmlns:p="http://schemas.openxmlformats.org/presentationml/2006/main" xmlns:c="http://schemas.openxmlformats.org/drawingml/2006/chart" xmlns:dgm="http://schemas.openxmlformats.org/drawingml/2006/diagram" xmlns:o="urn:schemas-microsoft-com:office:office" xmlns:v="urn:schemas-microsoft-com:vml" xmlns:pvml="urn:schemas-microsoft-com:office:powerpoint" xmlns:com="http://schemas.openxmlformats.org/drawingml/2006/compatibility" xmlns:p14="http://schemas.microsoft.com/office/powerpoint/2010/main" xmlns:p15="http://schemas.microsoft.com/office/powerpoint/2012/main" showMasterPhAnim="0" showMasterSp="0">
+  <p:cSld>
+    <p:spTree>
+      <p:nvGrpSpPr>
+        <p:cNvPr id="191" name="Shape 191"/>
+        <p:cNvGrpSpPr/>
+        <p:nvPr/>
+      </p:nvGrpSpPr>
+      <p:grpSpPr>
+        <a:xfrm>
+          <a:off x="0" y="0"/>
+          <a:ext cx="0" cy="0"/>
+          <a:chOff x="0" y="0"/>
+          <a:chExt cx="0" cy="0"/>
+        </a:xfrm>
+      </p:grpSpPr>
+      <p:sp>
+        <p:nvSpPr>
+          <p:cNvPr id="192" name="Shape 192"/>
+          <p:cNvSpPr/>
+          <p:nvPr>
+            <p:ph idx="2" type="sldImg"/>
+          </p:nvPr>
+        </p:nvSpPr>
+        <p:spPr>
+          <a:xfrm>
+            <a:off x="381300" y="685800"/>
+            <a:ext cx="6096000" cy="3429000"/>
+          </a:xfrm>
+          <a:custGeom>
+            <a:pathLst>
+              <a:path extrusionOk="0" h="120000" w="120000">
+                <a:moveTo>
+                  <a:pt x="0" y="0"/>
+                </a:moveTo>
+                <a:lnTo>
+                  <a:pt x="120000" y="0"/>
+                </a:lnTo>
+                <a:lnTo>
+                  <a:pt x="120000" y="120000"/>
+                </a:lnTo>
+                <a:lnTo>
+                  <a:pt x="0" y="120000"/>
+                </a:lnTo>
+                <a:close/>
+              </a:path>
+            </a:pathLst>
+          </a:custGeom>
+        </p:spPr>
+      </p:sp>
+      <p:sp>
+        <p:nvSpPr>
+          <p:cNvPr id="193" name="Shape 193"/>
+          <p:cNvSpPr txBox="1"/>
+          <p:nvPr>
+            <p:ph idx="1" type="body"/>
+          </p:nvPr>
+        </p:nvSpPr>
+        <p:spPr>
+          <a:xfrm>
+            <a:off x="685800" y="4343400"/>
+            <a:ext cx="5486400" cy="4114800"/>
+          </a:xfrm>
+          <a:prstGeom prst="rect">
+            <a:avLst/>
+          </a:prstGeom>
+        </p:spPr>
+        <p:txBody>
+          <a:bodyPr anchorCtr="0" anchor="t" bIns="91425" lIns="91425" rIns="91425" wrap="square" tIns="91425">
+            <a:noAutofit/>
+          </a:bodyPr>
+          <a:lstStyle/>
+          <a:p>
+            <a:pPr lvl="0" rtl="0">
+              <a:spcBef>
+                <a:spcPts val="0"/>
+              </a:spcBef>
+              <a:buNone/>
+            </a:pPr>
+            <a:r>
+              <a:t/>
+            </a:r>
+            <a:endParaRPr/>
+          </a:p>
+        </p:txBody>
+      </p:sp>
+    </p:spTree>
+  </p:cSld>
+  <p:clrMapOvr>
+    <a:masterClrMapping/>
+  </p:clrMapOvr>
+</p:notes>
+</file>
+
+<file path=ppt/notesSlides/notesSlide15.xml><?xml version="1.0" encoding="utf-8"?>
+<p:notes xmlns:a="http://schemas.openxmlformats.org/drawingml/2006/main" xmlns:r="http://schemas.openxmlformats.org/officeDocument/2006/relationships" xmlns:mc="http://schemas.openxmlformats.org/markup-compatibility/2006" xmlns:mv="urn:schemas-microsoft-com:mac:vml" xmlns:p="http://schemas.openxmlformats.org/presentationml/2006/main" xmlns:c="http://schemas.openxmlformats.org/drawingml/2006/chart" xmlns:dgm="http://schemas.openxmlformats.org/drawingml/2006/diagram" xmlns:o="urn:schemas-microsoft-com:office:office" xmlns:v="urn:schemas-microsoft-com:vml" xmlns:pvml="urn:schemas-microsoft-com:office:powerpoint" xmlns:com="http://schemas.openxmlformats.org/drawingml/2006/compatibility" xmlns:p14="http://schemas.microsoft.com/office/powerpoint/2010/main" xmlns:p15="http://schemas.microsoft.com/office/powerpoint/2012/main" showMasterPhAnim="0" showMasterSp="0">
+  <p:cSld>
+    <p:spTree>
+      <p:nvGrpSpPr>
+        <p:cNvPr id="197" name="Shape 197"/>
+        <p:cNvGrpSpPr/>
+        <p:nvPr/>
+      </p:nvGrpSpPr>
+      <p:grpSpPr>
+        <a:xfrm>
+          <a:off x="0" y="0"/>
+          <a:ext cx="0" cy="0"/>
+          <a:chOff x="0" y="0"/>
+          <a:chExt cx="0" cy="0"/>
+        </a:xfrm>
+      </p:grpSpPr>
+      <p:sp>
+        <p:nvSpPr>
+          <p:cNvPr id="198" name="Shape 198"/>
+          <p:cNvSpPr/>
+          <p:nvPr>
+            <p:ph idx="2" type="sldImg"/>
+          </p:nvPr>
+        </p:nvSpPr>
+        <p:spPr>
+          <a:xfrm>
+            <a:off x="381300" y="685800"/>
+            <a:ext cx="6096000" cy="3429000"/>
+          </a:xfrm>
+          <a:custGeom>
+            <a:pathLst>
+              <a:path extrusionOk="0" h="120000" w="120000">
+                <a:moveTo>
+                  <a:pt x="0" y="0"/>
+                </a:moveTo>
+                <a:lnTo>
+                  <a:pt x="120000" y="0"/>
+                </a:lnTo>
+                <a:lnTo>
+                  <a:pt x="120000" y="120000"/>
+                </a:lnTo>
+                <a:lnTo>
+                  <a:pt x="0" y="120000"/>
+                </a:lnTo>
+                <a:close/>
+              </a:path>
+            </a:pathLst>
+          </a:custGeom>
+        </p:spPr>
+      </p:sp>
+      <p:sp>
+        <p:nvSpPr>
+          <p:cNvPr id="199" name="Shape 199"/>
           <p:cNvSpPr txBox="1"/>
           <p:nvPr>
             <p:ph idx="1" type="body"/>
@@ -1159,7 +1543,7 @@
   <p:cSld>
     <p:spTree>
       <p:nvGrpSpPr>
-        <p:cNvPr id="86" name="Shape 86"/>
+        <p:cNvPr id="89" name="Shape 89"/>
         <p:cNvGrpSpPr/>
         <p:nvPr/>
       </p:nvGrpSpPr>
@@ -1173,7 +1557,7 @@
       </p:grpSpPr>
       <p:sp>
         <p:nvSpPr>
-          <p:cNvPr id="87" name="Shape 87"/>
+          <p:cNvPr id="90" name="Shape 90"/>
           <p:cNvSpPr/>
           <p:nvPr>
             <p:ph idx="2" type="sldImg"/>
@@ -1207,7 +1591,7 @@
       </p:sp>
       <p:sp>
         <p:nvSpPr>
-          <p:cNvPr id="88" name="Shape 88"/>
+          <p:cNvPr id="91" name="Shape 91"/>
           <p:cNvSpPr txBox="1"/>
           <p:nvPr>
             <p:ph idx="1" type="body"/>
@@ -1228,7 +1612,7 @@
           </a:bodyPr>
           <a:lstStyle/>
           <a:p>
-            <a:pPr lvl="0">
+            <a:pPr lvl="0" rtl="0">
               <a:spcBef>
                 <a:spcPts val="0"/>
               </a:spcBef>
@@ -1254,7 +1638,7 @@
   <p:cSld>
     <p:spTree>
       <p:nvGrpSpPr>
-        <p:cNvPr id="92" name="Shape 92"/>
+        <p:cNvPr id="95" name="Shape 95"/>
         <p:cNvGrpSpPr/>
         <p:nvPr/>
       </p:nvGrpSpPr>
@@ -1268,7 +1652,7 @@
       </p:grpSpPr>
       <p:sp>
         <p:nvSpPr>
-          <p:cNvPr id="93" name="Shape 93"/>
+          <p:cNvPr id="96" name="Shape 96"/>
           <p:cNvSpPr/>
           <p:nvPr>
             <p:ph idx="2" type="sldImg"/>
@@ -1302,7 +1686,7 @@
       </p:sp>
       <p:sp>
         <p:nvSpPr>
-          <p:cNvPr id="94" name="Shape 94"/>
+          <p:cNvPr id="97" name="Shape 97"/>
           <p:cNvSpPr txBox="1"/>
           <p:nvPr>
             <p:ph idx="1" type="body"/>
@@ -1349,7 +1733,7 @@
   <p:cSld>
     <p:spTree>
       <p:nvGrpSpPr>
-        <p:cNvPr id="98" name="Shape 98"/>
+        <p:cNvPr id="104" name="Shape 104"/>
         <p:cNvGrpSpPr/>
         <p:nvPr/>
       </p:nvGrpSpPr>
@@ -1363,7 +1747,7 @@
       </p:grpSpPr>
       <p:sp>
         <p:nvSpPr>
-          <p:cNvPr id="99" name="Shape 99"/>
+          <p:cNvPr id="105" name="Shape 105"/>
           <p:cNvSpPr/>
           <p:nvPr>
             <p:ph idx="2" type="sldImg"/>
@@ -1397,7 +1781,7 @@
       </p:sp>
       <p:sp>
         <p:nvSpPr>
-          <p:cNvPr id="100" name="Shape 100"/>
+          <p:cNvPr id="106" name="Shape 106"/>
           <p:cNvSpPr txBox="1"/>
           <p:nvPr>
             <p:ph idx="1" type="body"/>
@@ -1418,7 +1802,7 @@
           </a:bodyPr>
           <a:lstStyle/>
           <a:p>
-            <a:pPr lvl="0" rtl="0">
+            <a:pPr lvl="0">
               <a:spcBef>
                 <a:spcPts val="0"/>
               </a:spcBef>
@@ -4947,7 +5331,7 @@
   <p:cSld>
     <p:spTree>
       <p:nvGrpSpPr>
-        <p:cNvPr id="107" name="Shape 107"/>
+        <p:cNvPr id="113" name="Shape 113"/>
         <p:cNvGrpSpPr/>
         <p:nvPr/>
       </p:nvGrpSpPr>
@@ -4961,7 +5345,7 @@
       </p:grpSpPr>
       <p:sp>
         <p:nvSpPr>
-          <p:cNvPr id="108" name="Shape 108"/>
+          <p:cNvPr id="114" name="Shape 114"/>
           <p:cNvSpPr txBox="1"/>
           <p:nvPr>
             <p:ph type="title"/>
@@ -4990,14 +5374,14 @@
             </a:pPr>
             <a:r>
               <a:rPr lang="en"/>
-              <a:t>2018</a:t>
+              <a:t>2014 - 2015</a:t>
             </a:r>
           </a:p>
         </p:txBody>
       </p:sp>
       <p:pic>
         <p:nvPicPr>
-          <p:cNvPr id="109" name="Shape 109"/>
+          <p:cNvPr id="115" name="Shape 115"/>
           <p:cNvPicPr preferRelativeResize="0"/>
           <p:nvPr/>
         </p:nvPicPr>
@@ -5011,8 +5395,8 @@
         </p:blipFill>
         <p:spPr>
           <a:xfrm>
-            <a:off x="2667000" y="1029475"/>
-            <a:ext cx="3810000" cy="3810000"/>
+            <a:off x="3675350" y="1334800"/>
+            <a:ext cx="1971675" cy="2952750"/>
           </a:xfrm>
           <a:prstGeom prst="rect">
             <a:avLst/>
@@ -5023,6 +5407,364 @@
           </a:ln>
         </p:spPr>
       </p:pic>
+      <p:sp>
+        <p:nvSpPr>
+          <p:cNvPr id="116" name="Shape 116"/>
+          <p:cNvSpPr txBox="1"/>
+          <p:nvPr/>
+        </p:nvSpPr>
+        <p:spPr>
+          <a:xfrm>
+            <a:off x="2681950" y="1093925"/>
+            <a:ext cx="1484400" cy="404100"/>
+          </a:xfrm>
+          <a:prstGeom prst="rect">
+            <a:avLst/>
+          </a:prstGeom>
+          <a:noFill/>
+          <a:ln>
+            <a:noFill/>
+          </a:ln>
+        </p:spPr>
+        <p:txBody>
+          <a:bodyPr anchorCtr="0" anchor="t" bIns="91425" lIns="91425" rIns="91425" wrap="square" tIns="91425">
+            <a:noAutofit/>
+          </a:bodyPr>
+          <a:lstStyle/>
+          <a:p>
+            <a:pPr lvl="0" rtl="0">
+              <a:spcBef>
+                <a:spcPts val="0"/>
+              </a:spcBef>
+              <a:buNone/>
+            </a:pPr>
+            <a:r>
+              <a:rPr lang="en"/>
+              <a:t>심리통계</a:t>
+            </a:r>
+          </a:p>
+        </p:txBody>
+      </p:sp>
+      <p:sp>
+        <p:nvSpPr>
+          <p:cNvPr id="117" name="Shape 117"/>
+          <p:cNvSpPr txBox="1"/>
+          <p:nvPr/>
+        </p:nvSpPr>
+        <p:spPr>
+          <a:xfrm>
+            <a:off x="1952600" y="2881225"/>
+            <a:ext cx="1484400" cy="404100"/>
+          </a:xfrm>
+          <a:prstGeom prst="rect">
+            <a:avLst/>
+          </a:prstGeom>
+          <a:noFill/>
+          <a:ln>
+            <a:noFill/>
+          </a:ln>
+        </p:spPr>
+        <p:txBody>
+          <a:bodyPr anchorCtr="0" anchor="t" bIns="91425" lIns="91425" rIns="91425" wrap="square" tIns="91425">
+            <a:noAutofit/>
+          </a:bodyPr>
+          <a:lstStyle/>
+          <a:p>
+            <a:pPr lvl="0" rtl="0">
+              <a:spcBef>
+                <a:spcPts val="0"/>
+              </a:spcBef>
+              <a:buNone/>
+            </a:pPr>
+            <a:r>
+              <a:rPr lang="en"/>
+              <a:t>파이</a:t>
+            </a:r>
+            <a:r>
+              <a:rPr lang="en"/>
+              <a:t>썬을 이용한 데이터 분석 기초</a:t>
+            </a:r>
+          </a:p>
+        </p:txBody>
+      </p:sp>
+      <p:sp>
+        <p:nvSpPr>
+          <p:cNvPr id="118" name="Shape 118"/>
+          <p:cNvSpPr txBox="1"/>
+          <p:nvPr/>
+        </p:nvSpPr>
+        <p:spPr>
+          <a:xfrm>
+            <a:off x="2453350" y="2389325"/>
+            <a:ext cx="1484400" cy="404100"/>
+          </a:xfrm>
+          <a:prstGeom prst="rect">
+            <a:avLst/>
+          </a:prstGeom>
+          <a:noFill/>
+          <a:ln>
+            <a:noFill/>
+          </a:ln>
+        </p:spPr>
+        <p:txBody>
+          <a:bodyPr anchorCtr="0" anchor="t" bIns="91425" lIns="91425" rIns="91425" wrap="square" tIns="91425">
+            <a:noAutofit/>
+          </a:bodyPr>
+          <a:lstStyle/>
+          <a:p>
+            <a:pPr lvl="0" rtl="0">
+              <a:spcBef>
+                <a:spcPts val="0"/>
+              </a:spcBef>
+              <a:buNone/>
+            </a:pPr>
+            <a:r>
+              <a:rPr lang="en"/>
+              <a:t>R 기초</a:t>
+            </a:r>
+          </a:p>
+        </p:txBody>
+      </p:sp>
+      <p:sp>
+        <p:nvSpPr>
+          <p:cNvPr id="119" name="Shape 119"/>
+          <p:cNvSpPr txBox="1"/>
+          <p:nvPr/>
+        </p:nvSpPr>
+        <p:spPr>
+          <a:xfrm>
+            <a:off x="2453350" y="1474925"/>
+            <a:ext cx="1484400" cy="404100"/>
+          </a:xfrm>
+          <a:prstGeom prst="rect">
+            <a:avLst/>
+          </a:prstGeom>
+          <a:noFill/>
+          <a:ln>
+            <a:noFill/>
+          </a:ln>
+        </p:spPr>
+        <p:txBody>
+          <a:bodyPr anchorCtr="0" anchor="t" bIns="91425" lIns="91425" rIns="91425" wrap="square" tIns="91425">
+            <a:noAutofit/>
+          </a:bodyPr>
+          <a:lstStyle/>
+          <a:p>
+            <a:pPr lvl="0" rtl="0">
+              <a:spcBef>
+                <a:spcPts val="0"/>
+              </a:spcBef>
+              <a:buNone/>
+            </a:pPr>
+            <a:r>
+              <a:rPr lang="en"/>
+              <a:t>베이지</a:t>
+            </a:r>
+            <a:r>
+              <a:rPr lang="en"/>
+              <a:t>안 통계</a:t>
+            </a:r>
+          </a:p>
+        </p:txBody>
+      </p:sp>
+      <p:sp>
+        <p:nvSpPr>
+          <p:cNvPr id="120" name="Shape 120"/>
+          <p:cNvSpPr txBox="1"/>
+          <p:nvPr/>
+        </p:nvSpPr>
+        <p:spPr>
+          <a:xfrm>
+            <a:off x="5882350" y="3075125"/>
+            <a:ext cx="1484400" cy="404100"/>
+          </a:xfrm>
+          <a:prstGeom prst="rect">
+            <a:avLst/>
+          </a:prstGeom>
+          <a:noFill/>
+          <a:ln>
+            <a:noFill/>
+          </a:ln>
+        </p:spPr>
+        <p:txBody>
+          <a:bodyPr anchorCtr="0" anchor="t" bIns="91425" lIns="91425" rIns="91425" wrap="square" tIns="91425">
+            <a:noAutofit/>
+          </a:bodyPr>
+          <a:lstStyle/>
+          <a:p>
+            <a:pPr lvl="0" rtl="0">
+              <a:spcBef>
+                <a:spcPts val="0"/>
+              </a:spcBef>
+              <a:buNone/>
+            </a:pPr>
+            <a:r>
+              <a:rPr lang="en"/>
+              <a:t>생물 심리학</a:t>
+            </a:r>
+          </a:p>
+        </p:txBody>
+      </p:sp>
+      <p:sp>
+        <p:nvSpPr>
+          <p:cNvPr id="121" name="Shape 121"/>
+          <p:cNvSpPr txBox="1"/>
+          <p:nvPr/>
+        </p:nvSpPr>
+        <p:spPr>
+          <a:xfrm>
+            <a:off x="5882350" y="2694125"/>
+            <a:ext cx="1484400" cy="404100"/>
+          </a:xfrm>
+          <a:prstGeom prst="rect">
+            <a:avLst/>
+          </a:prstGeom>
+          <a:noFill/>
+          <a:ln>
+            <a:noFill/>
+          </a:ln>
+        </p:spPr>
+        <p:txBody>
+          <a:bodyPr anchorCtr="0" anchor="t" bIns="91425" lIns="91425" rIns="91425" wrap="square" tIns="91425">
+            <a:noAutofit/>
+          </a:bodyPr>
+          <a:lstStyle/>
+          <a:p>
+            <a:pPr lvl="0" rtl="0">
+              <a:spcBef>
+                <a:spcPts val="0"/>
+              </a:spcBef>
+              <a:buNone/>
+            </a:pPr>
+            <a:r>
+              <a:rPr lang="en"/>
+              <a:t>Psychopy</a:t>
+            </a:r>
+          </a:p>
+        </p:txBody>
+      </p:sp>
+      <p:sp>
+        <p:nvSpPr>
+          <p:cNvPr id="122" name="Shape 122"/>
+          <p:cNvSpPr txBox="1"/>
+          <p:nvPr/>
+        </p:nvSpPr>
+        <p:spPr>
+          <a:xfrm>
+            <a:off x="5966725" y="1768175"/>
+            <a:ext cx="1484400" cy="404100"/>
+          </a:xfrm>
+          <a:prstGeom prst="rect">
+            <a:avLst/>
+          </a:prstGeom>
+          <a:noFill/>
+          <a:ln>
+            <a:noFill/>
+          </a:ln>
+        </p:spPr>
+        <p:txBody>
+          <a:bodyPr anchorCtr="0" anchor="t" bIns="91425" lIns="91425" rIns="91425" wrap="square" tIns="91425">
+            <a:noAutofit/>
+          </a:bodyPr>
+          <a:lstStyle/>
+          <a:p>
+            <a:pPr lvl="0" rtl="0">
+              <a:spcBef>
+                <a:spcPts val="0"/>
+              </a:spcBef>
+              <a:buNone/>
+            </a:pPr>
+            <a:r>
+              <a:rPr lang="en"/>
+              <a:t>R</a:t>
+            </a:r>
+            <a:r>
+              <a:rPr lang="en"/>
+              <a:t>을 이용한 데이터 마이닝</a:t>
+            </a:r>
+          </a:p>
+        </p:txBody>
+      </p:sp>
+      <p:sp>
+        <p:nvSpPr>
+          <p:cNvPr id="123" name="Shape 123"/>
+          <p:cNvSpPr txBox="1"/>
+          <p:nvPr/>
+        </p:nvSpPr>
+        <p:spPr>
+          <a:xfrm>
+            <a:off x="6187150" y="3379925"/>
+            <a:ext cx="1484400" cy="404100"/>
+          </a:xfrm>
+          <a:prstGeom prst="rect">
+            <a:avLst/>
+          </a:prstGeom>
+          <a:noFill/>
+          <a:ln>
+            <a:noFill/>
+          </a:ln>
+        </p:spPr>
+        <p:txBody>
+          <a:bodyPr anchorCtr="0" anchor="t" bIns="91425" lIns="91425" rIns="91425" wrap="square" tIns="91425">
+            <a:noAutofit/>
+          </a:bodyPr>
+          <a:lstStyle/>
+          <a:p>
+            <a:pPr lvl="0" rtl="0">
+              <a:spcBef>
+                <a:spcPts val="0"/>
+              </a:spcBef>
+              <a:buNone/>
+            </a:pPr>
+            <a:r>
+              <a:rPr lang="en"/>
+              <a:t>파이</a:t>
+            </a:r>
+            <a:r>
+              <a:rPr lang="en"/>
+              <a:t>썬 기초</a:t>
+            </a:r>
+          </a:p>
+        </p:txBody>
+      </p:sp>
+      <p:sp>
+        <p:nvSpPr>
+          <p:cNvPr id="124" name="Shape 124"/>
+          <p:cNvSpPr txBox="1"/>
+          <p:nvPr/>
+        </p:nvSpPr>
+        <p:spPr>
+          <a:xfrm>
+            <a:off x="5958550" y="1093925"/>
+            <a:ext cx="1484400" cy="404100"/>
+          </a:xfrm>
+          <a:prstGeom prst="rect">
+            <a:avLst/>
+          </a:prstGeom>
+          <a:noFill/>
+          <a:ln>
+            <a:noFill/>
+          </a:ln>
+        </p:spPr>
+        <p:txBody>
+          <a:bodyPr anchorCtr="0" anchor="t" bIns="91425" lIns="91425" rIns="91425" wrap="square" tIns="91425">
+            <a:noAutofit/>
+          </a:bodyPr>
+          <a:lstStyle/>
+          <a:p>
+            <a:pPr lvl="0" rtl="0">
+              <a:spcBef>
+                <a:spcPts val="0"/>
+              </a:spcBef>
+              <a:buNone/>
+            </a:pPr>
+            <a:r>
+              <a:rPr lang="en"/>
+              <a:t>Django</a:t>
+            </a:r>
+          </a:p>
+        </p:txBody>
+      </p:sp>
     </p:spTree>
   </p:cSld>
   <p:clrMapOvr>
@@ -5036,7 +5778,7 @@
   <p:cSld>
     <p:spTree>
       <p:nvGrpSpPr>
-        <p:cNvPr id="113" name="Shape 113"/>
+        <p:cNvPr id="128" name="Shape 128"/>
         <p:cNvGrpSpPr/>
         <p:nvPr/>
       </p:nvGrpSpPr>
@@ -5050,7 +5792,7 @@
       </p:grpSpPr>
       <p:sp>
         <p:nvSpPr>
-          <p:cNvPr id="114" name="Shape 114"/>
+          <p:cNvPr id="129" name="Shape 129"/>
           <p:cNvSpPr txBox="1"/>
           <p:nvPr>
             <p:ph type="title"/>
@@ -5079,18 +5821,2278 @@
             </a:pPr>
             <a:r>
               <a:rPr lang="en"/>
-              <a:t>언제까</a:t>
-            </a:r>
-            <a:r>
-              <a:rPr lang="en"/>
-              <a:t>지?</a:t>
+              <a:t>2016</a:t>
             </a:r>
           </a:p>
         </p:txBody>
       </p:sp>
       <p:pic>
         <p:nvPicPr>
-          <p:cNvPr id="115" name="Shape 115"/>
+          <p:cNvPr id="130" name="Shape 130"/>
+          <p:cNvPicPr preferRelativeResize="0"/>
+          <p:nvPr/>
+        </p:nvPicPr>
+        <p:blipFill>
+          <a:blip r:embed="rId3">
+            <a:alphaModFix/>
+          </a:blip>
+          <a:stretch>
+            <a:fillRect/>
+          </a:stretch>
+        </p:blipFill>
+        <p:spPr>
+          <a:xfrm>
+            <a:off x="2667000" y="1299550"/>
+            <a:ext cx="3810000" cy="2857500"/>
+          </a:xfrm>
+          <a:prstGeom prst="rect">
+            <a:avLst/>
+          </a:prstGeom>
+          <a:noFill/>
+          <a:ln>
+            <a:noFill/>
+          </a:ln>
+        </p:spPr>
+      </p:pic>
+    </p:spTree>
+  </p:cSld>
+  <p:clrMapOvr>
+    <a:masterClrMapping/>
+  </p:clrMapOvr>
+</p:sld>
+</file>
+
+<file path=ppt/slides/slide12.xml><?xml version="1.0" encoding="utf-8"?>
+<p:sld xmlns:a="http://schemas.openxmlformats.org/drawingml/2006/main" xmlns:r="http://schemas.openxmlformats.org/officeDocument/2006/relationships" xmlns:mc="http://schemas.openxmlformats.org/markup-compatibility/2006" xmlns:mv="urn:schemas-microsoft-com:mac:vml" xmlns:p="http://schemas.openxmlformats.org/presentationml/2006/main" xmlns:c="http://schemas.openxmlformats.org/drawingml/2006/chart" xmlns:dgm="http://schemas.openxmlformats.org/drawingml/2006/diagram" xmlns:o="urn:schemas-microsoft-com:office:office" xmlns:v="urn:schemas-microsoft-com:vml" xmlns:pvml="urn:schemas-microsoft-com:office:powerpoint" xmlns:com="http://schemas.openxmlformats.org/drawingml/2006/compatibility" xmlns:p14="http://schemas.microsoft.com/office/powerpoint/2010/main" xmlns:p15="http://schemas.microsoft.com/office/powerpoint/2012/main">
+  <p:cSld>
+    <p:spTree>
+      <p:nvGrpSpPr>
+        <p:cNvPr id="134" name="Shape 134"/>
+        <p:cNvGrpSpPr/>
+        <p:nvPr/>
+      </p:nvGrpSpPr>
+      <p:grpSpPr>
+        <a:xfrm>
+          <a:off x="0" y="0"/>
+          <a:ext cx="0" cy="0"/>
+          <a:chOff x="0" y="0"/>
+          <a:chExt cx="0" cy="0"/>
+        </a:xfrm>
+      </p:grpSpPr>
+      <p:sp>
+        <p:nvSpPr>
+          <p:cNvPr id="135" name="Shape 135"/>
+          <p:cNvSpPr txBox="1"/>
+          <p:nvPr>
+            <p:ph type="title"/>
+          </p:nvPr>
+        </p:nvSpPr>
+        <p:spPr>
+          <a:xfrm>
+            <a:off x="311700" y="292625"/>
+            <a:ext cx="8520600" cy="572700"/>
+          </a:xfrm>
+          <a:prstGeom prst="rect">
+            <a:avLst/>
+          </a:prstGeom>
+        </p:spPr>
+        <p:txBody>
+          <a:bodyPr anchorCtr="0" anchor="t" bIns="91425" lIns="91425" rIns="91425" wrap="square" tIns="91425">
+            <a:noAutofit/>
+          </a:bodyPr>
+          <a:lstStyle/>
+          <a:p>
+            <a:pPr lvl="0" rtl="0" algn="ctr">
+              <a:spcBef>
+                <a:spcPts val="0"/>
+              </a:spcBef>
+              <a:buNone/>
+            </a:pPr>
+            <a:r>
+              <a:rPr lang="en"/>
+              <a:t>2016</a:t>
+            </a:r>
+          </a:p>
+        </p:txBody>
+      </p:sp>
+      <p:pic>
+        <p:nvPicPr>
+          <p:cNvPr id="136" name="Shape 136"/>
+          <p:cNvPicPr preferRelativeResize="0"/>
+          <p:nvPr/>
+        </p:nvPicPr>
+        <p:blipFill>
+          <a:blip r:embed="rId3">
+            <a:alphaModFix/>
+          </a:blip>
+          <a:stretch>
+            <a:fillRect/>
+          </a:stretch>
+        </p:blipFill>
+        <p:spPr>
+          <a:xfrm>
+            <a:off x="2667000" y="1299550"/>
+            <a:ext cx="3810000" cy="2857500"/>
+          </a:xfrm>
+          <a:prstGeom prst="rect">
+            <a:avLst/>
+          </a:prstGeom>
+          <a:noFill/>
+          <a:ln>
+            <a:noFill/>
+          </a:ln>
+        </p:spPr>
+      </p:pic>
+      <p:sp>
+        <p:nvSpPr>
+          <p:cNvPr id="137" name="Shape 137"/>
+          <p:cNvSpPr txBox="1"/>
+          <p:nvPr/>
+        </p:nvSpPr>
+        <p:spPr>
+          <a:xfrm>
+            <a:off x="3824950" y="4294325"/>
+            <a:ext cx="1484400" cy="404100"/>
+          </a:xfrm>
+          <a:prstGeom prst="rect">
+            <a:avLst/>
+          </a:prstGeom>
+          <a:noFill/>
+          <a:ln>
+            <a:noFill/>
+          </a:ln>
+        </p:spPr>
+        <p:txBody>
+          <a:bodyPr anchorCtr="0" anchor="t" bIns="91425" lIns="91425" rIns="91425" wrap="square" tIns="91425">
+            <a:noAutofit/>
+          </a:bodyPr>
+          <a:lstStyle/>
+          <a:p>
+            <a:pPr lvl="0" rtl="0">
+              <a:spcBef>
+                <a:spcPts val="0"/>
+              </a:spcBef>
+              <a:buNone/>
+            </a:pPr>
+            <a:r>
+              <a:rPr lang="en"/>
+              <a:t>Deep Learning</a:t>
+            </a:r>
+          </a:p>
+        </p:txBody>
+      </p:sp>
+      <p:sp>
+        <p:nvSpPr>
+          <p:cNvPr id="138" name="Shape 138"/>
+          <p:cNvSpPr txBox="1"/>
+          <p:nvPr/>
+        </p:nvSpPr>
+        <p:spPr>
+          <a:xfrm>
+            <a:off x="2224750" y="4294325"/>
+            <a:ext cx="1484400" cy="404100"/>
+          </a:xfrm>
+          <a:prstGeom prst="rect">
+            <a:avLst/>
+          </a:prstGeom>
+          <a:noFill/>
+          <a:ln>
+            <a:noFill/>
+          </a:ln>
+        </p:spPr>
+        <p:txBody>
+          <a:bodyPr anchorCtr="0" anchor="t" bIns="91425" lIns="91425" rIns="91425" wrap="square" tIns="91425">
+            <a:noAutofit/>
+          </a:bodyPr>
+          <a:lstStyle/>
+          <a:p>
+            <a:pPr lvl="0" rtl="0">
+              <a:spcBef>
+                <a:spcPts val="0"/>
+              </a:spcBef>
+              <a:buNone/>
+            </a:pPr>
+            <a:r>
+              <a:rPr lang="en">
+                <a:solidFill>
+                  <a:srgbClr val="FF0000"/>
+                </a:solidFill>
+              </a:rPr>
+              <a:t>베이지</a:t>
+            </a:r>
+            <a:r>
+              <a:rPr lang="en">
+                <a:solidFill>
+                  <a:srgbClr val="FF0000"/>
+                </a:solidFill>
+              </a:rPr>
+              <a:t>안 머신러닝</a:t>
+            </a:r>
+          </a:p>
+        </p:txBody>
+      </p:sp>
+      <p:sp>
+        <p:nvSpPr>
+          <p:cNvPr id="139" name="Shape 139"/>
+          <p:cNvSpPr txBox="1"/>
+          <p:nvPr/>
+        </p:nvSpPr>
+        <p:spPr>
+          <a:xfrm>
+            <a:off x="5501350" y="4294325"/>
+            <a:ext cx="1484400" cy="404100"/>
+          </a:xfrm>
+          <a:prstGeom prst="rect">
+            <a:avLst/>
+          </a:prstGeom>
+          <a:noFill/>
+          <a:ln>
+            <a:noFill/>
+          </a:ln>
+        </p:spPr>
+        <p:txBody>
+          <a:bodyPr anchorCtr="0" anchor="t" bIns="91425" lIns="91425" rIns="91425" wrap="square" tIns="91425">
+            <a:noAutofit/>
+          </a:bodyPr>
+          <a:lstStyle/>
+          <a:p>
+            <a:pPr lvl="0" rtl="0">
+              <a:spcBef>
+                <a:spcPts val="0"/>
+              </a:spcBef>
+              <a:buNone/>
+            </a:pPr>
+            <a:r>
+              <a:rPr lang="en"/>
+              <a:t>강화학습</a:t>
+            </a:r>
+          </a:p>
+        </p:txBody>
+      </p:sp>
+      <p:sp>
+        <p:nvSpPr>
+          <p:cNvPr id="140" name="Shape 140"/>
+          <p:cNvSpPr txBox="1"/>
+          <p:nvPr/>
+        </p:nvSpPr>
+        <p:spPr>
+          <a:xfrm>
+            <a:off x="7666250" y="735375"/>
+            <a:ext cx="1484400" cy="404100"/>
+          </a:xfrm>
+          <a:prstGeom prst="rect">
+            <a:avLst/>
+          </a:prstGeom>
+          <a:noFill/>
+          <a:ln>
+            <a:noFill/>
+          </a:ln>
+        </p:spPr>
+        <p:txBody>
+          <a:bodyPr anchorCtr="0" anchor="t" bIns="91425" lIns="91425" rIns="91425" wrap="square" tIns="91425">
+            <a:noAutofit/>
+          </a:bodyPr>
+          <a:lstStyle/>
+          <a:p>
+            <a:pPr lvl="0" rtl="0">
+              <a:spcBef>
+                <a:spcPts val="0"/>
+              </a:spcBef>
+              <a:buNone/>
+            </a:pPr>
+            <a:r>
+              <a:rPr lang="en"/>
+              <a:t>양자 컴퓨팅</a:t>
+            </a:r>
+          </a:p>
+        </p:txBody>
+      </p:sp>
+      <p:sp>
+        <p:nvSpPr>
+          <p:cNvPr id="141" name="Shape 141"/>
+          <p:cNvSpPr txBox="1"/>
+          <p:nvPr/>
+        </p:nvSpPr>
+        <p:spPr>
+          <a:xfrm>
+            <a:off x="6828050" y="2640375"/>
+            <a:ext cx="1484400" cy="404100"/>
+          </a:xfrm>
+          <a:prstGeom prst="rect">
+            <a:avLst/>
+          </a:prstGeom>
+          <a:noFill/>
+          <a:ln>
+            <a:noFill/>
+          </a:ln>
+        </p:spPr>
+        <p:txBody>
+          <a:bodyPr anchorCtr="0" anchor="t" bIns="91425" lIns="91425" rIns="91425" wrap="square" tIns="91425">
+            <a:noAutofit/>
+          </a:bodyPr>
+          <a:lstStyle/>
+          <a:p>
+            <a:pPr lvl="0" rtl="0">
+              <a:spcBef>
+                <a:spcPts val="0"/>
+              </a:spcBef>
+              <a:buNone/>
+            </a:pPr>
+            <a:r>
+              <a:rPr lang="en"/>
+              <a:t>수</a:t>
+            </a:r>
+            <a:r>
+              <a:rPr lang="en"/>
+              <a:t>리 통계학</a:t>
+            </a:r>
+          </a:p>
+        </p:txBody>
+      </p:sp>
+      <p:sp>
+        <p:nvSpPr>
+          <p:cNvPr id="142" name="Shape 142"/>
+          <p:cNvSpPr txBox="1"/>
+          <p:nvPr/>
+        </p:nvSpPr>
+        <p:spPr>
+          <a:xfrm>
+            <a:off x="7742450" y="2335575"/>
+            <a:ext cx="1484400" cy="404100"/>
+          </a:xfrm>
+          <a:prstGeom prst="rect">
+            <a:avLst/>
+          </a:prstGeom>
+          <a:noFill/>
+          <a:ln>
+            <a:noFill/>
+          </a:ln>
+        </p:spPr>
+        <p:txBody>
+          <a:bodyPr anchorCtr="0" anchor="t" bIns="91425" lIns="91425" rIns="91425" wrap="square" tIns="91425">
+            <a:noAutofit/>
+          </a:bodyPr>
+          <a:lstStyle/>
+          <a:p>
+            <a:pPr lvl="0" rtl="0">
+              <a:spcBef>
+                <a:spcPts val="0"/>
+              </a:spcBef>
+              <a:buNone/>
+            </a:pPr>
+            <a:r>
+              <a:rPr lang="en"/>
+              <a:t>해석학</a:t>
+            </a:r>
+          </a:p>
+        </p:txBody>
+      </p:sp>
+      <p:sp>
+        <p:nvSpPr>
+          <p:cNvPr id="143" name="Shape 143"/>
+          <p:cNvSpPr txBox="1"/>
+          <p:nvPr/>
+        </p:nvSpPr>
+        <p:spPr>
+          <a:xfrm>
+            <a:off x="7056650" y="1878375"/>
+            <a:ext cx="1484400" cy="404100"/>
+          </a:xfrm>
+          <a:prstGeom prst="rect">
+            <a:avLst/>
+          </a:prstGeom>
+          <a:noFill/>
+          <a:ln>
+            <a:noFill/>
+          </a:ln>
+        </p:spPr>
+        <p:txBody>
+          <a:bodyPr anchorCtr="0" anchor="t" bIns="91425" lIns="91425" rIns="91425" wrap="square" tIns="91425">
+            <a:noAutofit/>
+          </a:bodyPr>
+          <a:lstStyle/>
+          <a:p>
+            <a:pPr lvl="0" rtl="0">
+              <a:spcBef>
+                <a:spcPts val="0"/>
+              </a:spcBef>
+              <a:buNone/>
+            </a:pPr>
+            <a:r>
+              <a:rPr lang="en"/>
+              <a:t>복잡</a:t>
+            </a:r>
+            <a:r>
+              <a:rPr lang="en"/>
+              <a:t>계 네트워크 분석</a:t>
+            </a:r>
+          </a:p>
+        </p:txBody>
+      </p:sp>
+      <p:sp>
+        <p:nvSpPr>
+          <p:cNvPr id="144" name="Shape 144"/>
+          <p:cNvSpPr txBox="1"/>
+          <p:nvPr/>
+        </p:nvSpPr>
+        <p:spPr>
+          <a:xfrm>
+            <a:off x="7590050" y="1344975"/>
+            <a:ext cx="1484400" cy="404100"/>
+          </a:xfrm>
+          <a:prstGeom prst="rect">
+            <a:avLst/>
+          </a:prstGeom>
+          <a:noFill/>
+          <a:ln>
+            <a:noFill/>
+          </a:ln>
+        </p:spPr>
+        <p:txBody>
+          <a:bodyPr anchorCtr="0" anchor="t" bIns="91425" lIns="91425" rIns="91425" wrap="square" tIns="91425">
+            <a:noAutofit/>
+          </a:bodyPr>
+          <a:lstStyle/>
+          <a:p>
+            <a:pPr lvl="0" rtl="0">
+              <a:spcBef>
+                <a:spcPts val="0"/>
+              </a:spcBef>
+              <a:buNone/>
+            </a:pPr>
+            <a:r>
+              <a:rPr lang="en"/>
+              <a:t>복잡</a:t>
+            </a:r>
+            <a:r>
+              <a:rPr lang="en"/>
+              <a:t>계 에이전트 베이스드 모델링</a:t>
+            </a:r>
+          </a:p>
+        </p:txBody>
+      </p:sp>
+      <p:sp>
+        <p:nvSpPr>
+          <p:cNvPr id="145" name="Shape 145"/>
+          <p:cNvSpPr txBox="1"/>
+          <p:nvPr/>
+        </p:nvSpPr>
+        <p:spPr>
+          <a:xfrm>
+            <a:off x="6980450" y="3021375"/>
+            <a:ext cx="1484400" cy="404100"/>
+          </a:xfrm>
+          <a:prstGeom prst="rect">
+            <a:avLst/>
+          </a:prstGeom>
+          <a:noFill/>
+          <a:ln>
+            <a:noFill/>
+          </a:ln>
+        </p:spPr>
+        <p:txBody>
+          <a:bodyPr anchorCtr="0" anchor="t" bIns="91425" lIns="91425" rIns="91425" wrap="square" tIns="91425">
+            <a:noAutofit/>
+          </a:bodyPr>
+          <a:lstStyle/>
+          <a:p>
+            <a:pPr lvl="0" rtl="0">
+              <a:spcBef>
+                <a:spcPts val="0"/>
+              </a:spcBef>
+              <a:buNone/>
+            </a:pPr>
+            <a:r>
+              <a:rPr lang="en"/>
+              <a:t>통계학 기초</a:t>
+            </a:r>
+          </a:p>
+        </p:txBody>
+      </p:sp>
+      <p:sp>
+        <p:nvSpPr>
+          <p:cNvPr id="146" name="Shape 146"/>
+          <p:cNvSpPr txBox="1"/>
+          <p:nvPr/>
+        </p:nvSpPr>
+        <p:spPr>
+          <a:xfrm>
+            <a:off x="1663450" y="4835700"/>
+            <a:ext cx="1484400" cy="404100"/>
+          </a:xfrm>
+          <a:prstGeom prst="rect">
+            <a:avLst/>
+          </a:prstGeom>
+          <a:noFill/>
+          <a:ln>
+            <a:noFill/>
+          </a:ln>
+        </p:spPr>
+        <p:txBody>
+          <a:bodyPr anchorCtr="0" anchor="t" bIns="91425" lIns="91425" rIns="91425" wrap="square" tIns="91425">
+            <a:noAutofit/>
+          </a:bodyPr>
+          <a:lstStyle/>
+          <a:p>
+            <a:pPr lvl="0" rtl="0">
+              <a:spcBef>
+                <a:spcPts val="0"/>
+              </a:spcBef>
+              <a:buNone/>
+            </a:pPr>
+            <a:r>
+              <a:rPr lang="en"/>
+              <a:t>파이</a:t>
+            </a:r>
+            <a:r>
+              <a:rPr lang="en"/>
+              <a:t>썬 중급</a:t>
+            </a:r>
+          </a:p>
+        </p:txBody>
+      </p:sp>
+      <p:sp>
+        <p:nvSpPr>
+          <p:cNvPr id="147" name="Shape 147"/>
+          <p:cNvSpPr txBox="1"/>
+          <p:nvPr/>
+        </p:nvSpPr>
+        <p:spPr>
+          <a:xfrm>
+            <a:off x="2865650" y="4621575"/>
+            <a:ext cx="1484400" cy="404100"/>
+          </a:xfrm>
+          <a:prstGeom prst="rect">
+            <a:avLst/>
+          </a:prstGeom>
+          <a:noFill/>
+          <a:ln>
+            <a:noFill/>
+          </a:ln>
+        </p:spPr>
+        <p:txBody>
+          <a:bodyPr anchorCtr="0" anchor="t" bIns="91425" lIns="91425" rIns="91425" wrap="square" tIns="91425">
+            <a:noAutofit/>
+          </a:bodyPr>
+          <a:lstStyle/>
+          <a:p>
+            <a:pPr lvl="0" rtl="0">
+              <a:spcBef>
+                <a:spcPts val="0"/>
+              </a:spcBef>
+              <a:buNone/>
+            </a:pPr>
+            <a:r>
+              <a:rPr lang="en"/>
+              <a:t>스칼라</a:t>
+            </a:r>
+          </a:p>
+        </p:txBody>
+      </p:sp>
+      <p:sp>
+        <p:nvSpPr>
+          <p:cNvPr id="148" name="Shape 148"/>
+          <p:cNvSpPr txBox="1"/>
+          <p:nvPr/>
+        </p:nvSpPr>
+        <p:spPr>
+          <a:xfrm>
+            <a:off x="2256050" y="4621575"/>
+            <a:ext cx="1484400" cy="404100"/>
+          </a:xfrm>
+          <a:prstGeom prst="rect">
+            <a:avLst/>
+          </a:prstGeom>
+          <a:noFill/>
+          <a:ln>
+            <a:noFill/>
+          </a:ln>
+        </p:spPr>
+        <p:txBody>
+          <a:bodyPr anchorCtr="0" anchor="t" bIns="91425" lIns="91425" rIns="91425" wrap="square" tIns="91425">
+            <a:noAutofit/>
+          </a:bodyPr>
+          <a:lstStyle/>
+          <a:p>
+            <a:pPr lvl="0" rtl="0">
+              <a:spcBef>
+                <a:spcPts val="0"/>
+              </a:spcBef>
+              <a:buNone/>
+            </a:pPr>
+            <a:r>
+              <a:rPr lang="en"/>
+              <a:t>Spark</a:t>
+            </a:r>
+          </a:p>
+        </p:txBody>
+      </p:sp>
+      <p:sp>
+        <p:nvSpPr>
+          <p:cNvPr id="149" name="Shape 149"/>
+          <p:cNvSpPr txBox="1"/>
+          <p:nvPr/>
+        </p:nvSpPr>
+        <p:spPr>
+          <a:xfrm>
+            <a:off x="1494050" y="4240575"/>
+            <a:ext cx="1484400" cy="404100"/>
+          </a:xfrm>
+          <a:prstGeom prst="rect">
+            <a:avLst/>
+          </a:prstGeom>
+          <a:noFill/>
+          <a:ln>
+            <a:noFill/>
+          </a:ln>
+        </p:spPr>
+        <p:txBody>
+          <a:bodyPr anchorCtr="0" anchor="t" bIns="91425" lIns="91425" rIns="91425" wrap="square" tIns="91425">
+            <a:noAutofit/>
+          </a:bodyPr>
+          <a:lstStyle/>
+          <a:p>
+            <a:pPr lvl="0" rtl="0">
+              <a:spcBef>
+                <a:spcPts val="0"/>
+              </a:spcBef>
+              <a:buNone/>
+            </a:pPr>
+            <a:r>
+              <a:rPr lang="en"/>
+              <a:t>AWS</a:t>
+            </a:r>
+          </a:p>
+        </p:txBody>
+      </p:sp>
+      <p:sp>
+        <p:nvSpPr>
+          <p:cNvPr id="150" name="Shape 150"/>
+          <p:cNvSpPr txBox="1"/>
+          <p:nvPr/>
+        </p:nvSpPr>
+        <p:spPr>
+          <a:xfrm>
+            <a:off x="1350" y="4751525"/>
+            <a:ext cx="1484400" cy="404100"/>
+          </a:xfrm>
+          <a:prstGeom prst="rect">
+            <a:avLst/>
+          </a:prstGeom>
+          <a:noFill/>
+          <a:ln>
+            <a:noFill/>
+          </a:ln>
+        </p:spPr>
+        <p:txBody>
+          <a:bodyPr anchorCtr="0" anchor="t" bIns="91425" lIns="91425" rIns="91425" wrap="square" tIns="91425">
+            <a:noAutofit/>
+          </a:bodyPr>
+          <a:lstStyle/>
+          <a:p>
+            <a:pPr lvl="0" rtl="0">
+              <a:spcBef>
+                <a:spcPts val="0"/>
+              </a:spcBef>
+              <a:buNone/>
+            </a:pPr>
+            <a:r>
+              <a:rPr lang="en"/>
+              <a:t>앱인벤터</a:t>
+            </a:r>
+          </a:p>
+        </p:txBody>
+      </p:sp>
+      <p:sp>
+        <p:nvSpPr>
+          <p:cNvPr id="151" name="Shape 151"/>
+          <p:cNvSpPr txBox="1"/>
+          <p:nvPr/>
+        </p:nvSpPr>
+        <p:spPr>
+          <a:xfrm>
+            <a:off x="54550" y="4522925"/>
+            <a:ext cx="1484400" cy="404100"/>
+          </a:xfrm>
+          <a:prstGeom prst="rect">
+            <a:avLst/>
+          </a:prstGeom>
+          <a:noFill/>
+          <a:ln>
+            <a:noFill/>
+          </a:ln>
+        </p:spPr>
+        <p:txBody>
+          <a:bodyPr anchorCtr="0" anchor="t" bIns="91425" lIns="91425" rIns="91425" wrap="square" tIns="91425">
+            <a:noAutofit/>
+          </a:bodyPr>
+          <a:lstStyle/>
+          <a:p>
+            <a:pPr lvl="0" rtl="0">
+              <a:spcBef>
+                <a:spcPts val="0"/>
+              </a:spcBef>
+              <a:buNone/>
+            </a:pPr>
+            <a:r>
+              <a:rPr lang="en"/>
+              <a:t>Docker</a:t>
+            </a:r>
+          </a:p>
+        </p:txBody>
+      </p:sp>
+      <p:sp>
+        <p:nvSpPr>
+          <p:cNvPr id="152" name="Shape 152"/>
+          <p:cNvSpPr txBox="1"/>
+          <p:nvPr/>
+        </p:nvSpPr>
+        <p:spPr>
+          <a:xfrm>
+            <a:off x="122450" y="4240575"/>
+            <a:ext cx="1484400" cy="404100"/>
+          </a:xfrm>
+          <a:prstGeom prst="rect">
+            <a:avLst/>
+          </a:prstGeom>
+          <a:noFill/>
+          <a:ln>
+            <a:noFill/>
+          </a:ln>
+        </p:spPr>
+        <p:txBody>
+          <a:bodyPr anchorCtr="0" anchor="t" bIns="91425" lIns="91425" rIns="91425" wrap="square" tIns="91425">
+            <a:noAutofit/>
+          </a:bodyPr>
+          <a:lstStyle/>
+          <a:p>
+            <a:pPr lvl="0" rtl="0">
+              <a:spcBef>
+                <a:spcPts val="0"/>
+              </a:spcBef>
+              <a:buNone/>
+            </a:pPr>
+            <a:r>
+              <a:rPr lang="en"/>
+              <a:t>안드로이드</a:t>
+            </a:r>
+          </a:p>
+        </p:txBody>
+      </p:sp>
+      <p:sp>
+        <p:nvSpPr>
+          <p:cNvPr id="153" name="Shape 153"/>
+          <p:cNvSpPr txBox="1"/>
+          <p:nvPr/>
+        </p:nvSpPr>
+        <p:spPr>
+          <a:xfrm>
+            <a:off x="8199650" y="4240575"/>
+            <a:ext cx="1484400" cy="404100"/>
+          </a:xfrm>
+          <a:prstGeom prst="rect">
+            <a:avLst/>
+          </a:prstGeom>
+          <a:noFill/>
+          <a:ln>
+            <a:noFill/>
+          </a:ln>
+        </p:spPr>
+        <p:txBody>
+          <a:bodyPr anchorCtr="0" anchor="t" bIns="91425" lIns="91425" rIns="91425" wrap="square" tIns="91425">
+            <a:noAutofit/>
+          </a:bodyPr>
+          <a:lstStyle/>
+          <a:p>
+            <a:pPr lvl="0" rtl="0">
+              <a:spcBef>
+                <a:spcPts val="0"/>
+              </a:spcBef>
+              <a:buNone/>
+            </a:pPr>
+            <a:r>
+              <a:rPr lang="en"/>
+              <a:t>React.js</a:t>
+            </a:r>
+          </a:p>
+        </p:txBody>
+      </p:sp>
+      <p:sp>
+        <p:nvSpPr>
+          <p:cNvPr id="154" name="Shape 154"/>
+          <p:cNvSpPr txBox="1"/>
+          <p:nvPr/>
+        </p:nvSpPr>
+        <p:spPr>
+          <a:xfrm>
+            <a:off x="8428250" y="3326175"/>
+            <a:ext cx="1484400" cy="404100"/>
+          </a:xfrm>
+          <a:prstGeom prst="rect">
+            <a:avLst/>
+          </a:prstGeom>
+          <a:noFill/>
+          <a:ln>
+            <a:noFill/>
+          </a:ln>
+        </p:spPr>
+        <p:txBody>
+          <a:bodyPr anchorCtr="0" anchor="t" bIns="91425" lIns="91425" rIns="91425" wrap="square" tIns="91425">
+            <a:noAutofit/>
+          </a:bodyPr>
+          <a:lstStyle/>
+          <a:p>
+            <a:pPr lvl="0" rtl="0">
+              <a:spcBef>
+                <a:spcPts val="0"/>
+              </a:spcBef>
+              <a:buNone/>
+            </a:pPr>
+            <a:r>
+              <a:rPr lang="en"/>
+              <a:t>flask</a:t>
+            </a:r>
+          </a:p>
+        </p:txBody>
+      </p:sp>
+      <p:sp>
+        <p:nvSpPr>
+          <p:cNvPr id="155" name="Shape 155"/>
+          <p:cNvSpPr txBox="1"/>
+          <p:nvPr/>
+        </p:nvSpPr>
+        <p:spPr>
+          <a:xfrm>
+            <a:off x="7630175" y="3973875"/>
+            <a:ext cx="1484400" cy="404100"/>
+          </a:xfrm>
+          <a:prstGeom prst="rect">
+            <a:avLst/>
+          </a:prstGeom>
+          <a:noFill/>
+          <a:ln>
+            <a:noFill/>
+          </a:ln>
+        </p:spPr>
+        <p:txBody>
+          <a:bodyPr anchorCtr="0" anchor="t" bIns="91425" lIns="91425" rIns="91425" wrap="square" tIns="91425">
+            <a:noAutofit/>
+          </a:bodyPr>
+          <a:lstStyle/>
+          <a:p>
+            <a:pPr lvl="0" rtl="0">
+              <a:spcBef>
+                <a:spcPts val="0"/>
+              </a:spcBef>
+              <a:buNone/>
+            </a:pPr>
+            <a:r>
+              <a:rPr lang="en"/>
+              <a:t>javascript</a:t>
+            </a:r>
+          </a:p>
+        </p:txBody>
+      </p:sp>
+      <p:sp>
+        <p:nvSpPr>
+          <p:cNvPr id="156" name="Shape 156"/>
+          <p:cNvSpPr txBox="1"/>
+          <p:nvPr/>
+        </p:nvSpPr>
+        <p:spPr>
+          <a:xfrm>
+            <a:off x="1081750" y="3684725"/>
+            <a:ext cx="1484400" cy="404100"/>
+          </a:xfrm>
+          <a:prstGeom prst="rect">
+            <a:avLst/>
+          </a:prstGeom>
+          <a:noFill/>
+          <a:ln>
+            <a:noFill/>
+          </a:ln>
+        </p:spPr>
+        <p:txBody>
+          <a:bodyPr anchorCtr="0" anchor="t" bIns="91425" lIns="91425" rIns="91425" wrap="square" tIns="91425">
+            <a:noAutofit/>
+          </a:bodyPr>
+          <a:lstStyle/>
+          <a:p>
+            <a:pPr lvl="0" rtl="0">
+              <a:spcBef>
+                <a:spcPts val="0"/>
+              </a:spcBef>
+              <a:buNone/>
+            </a:pPr>
+            <a:r>
+              <a:rPr lang="en"/>
+              <a:t>지</a:t>
+            </a:r>
+            <a:r>
+              <a:rPr lang="en"/>
+              <a:t>각 심리학</a:t>
+            </a:r>
+          </a:p>
+        </p:txBody>
+      </p:sp>
+      <p:sp>
+        <p:nvSpPr>
+          <p:cNvPr id="157" name="Shape 157"/>
+          <p:cNvSpPr txBox="1"/>
+          <p:nvPr/>
+        </p:nvSpPr>
+        <p:spPr>
+          <a:xfrm>
+            <a:off x="167350" y="3456125"/>
+            <a:ext cx="1834200" cy="404100"/>
+          </a:xfrm>
+          <a:prstGeom prst="rect">
+            <a:avLst/>
+          </a:prstGeom>
+          <a:noFill/>
+          <a:ln>
+            <a:noFill/>
+          </a:ln>
+        </p:spPr>
+        <p:txBody>
+          <a:bodyPr anchorCtr="0" anchor="t" bIns="91425" lIns="91425" rIns="91425" wrap="square" tIns="91425">
+            <a:noAutofit/>
+          </a:bodyPr>
+          <a:lstStyle/>
+          <a:p>
+            <a:pPr lvl="0" rtl="0">
+              <a:spcBef>
+                <a:spcPts val="0"/>
+              </a:spcBef>
+              <a:buNone/>
+            </a:pPr>
+            <a:r>
+              <a:rPr lang="en"/>
+              <a:t>Audio Processing</a:t>
+            </a:r>
+          </a:p>
+        </p:txBody>
+      </p:sp>
+      <p:sp>
+        <p:nvSpPr>
+          <p:cNvPr id="158" name="Shape 158"/>
+          <p:cNvSpPr txBox="1"/>
+          <p:nvPr/>
+        </p:nvSpPr>
+        <p:spPr>
+          <a:xfrm>
+            <a:off x="1234150" y="3913325"/>
+            <a:ext cx="1484400" cy="404100"/>
+          </a:xfrm>
+          <a:prstGeom prst="rect">
+            <a:avLst/>
+          </a:prstGeom>
+          <a:noFill/>
+          <a:ln>
+            <a:noFill/>
+          </a:ln>
+        </p:spPr>
+        <p:txBody>
+          <a:bodyPr anchorCtr="0" anchor="t" bIns="91425" lIns="91425" rIns="91425" wrap="square" tIns="91425">
+            <a:noAutofit/>
+          </a:bodyPr>
+          <a:lstStyle/>
+          <a:p>
+            <a:pPr lvl="0" rtl="0">
+              <a:spcBef>
+                <a:spcPts val="0"/>
+              </a:spcBef>
+              <a:buNone/>
+            </a:pPr>
+            <a:r>
+              <a:rPr lang="en"/>
+              <a:t>Computer vision</a:t>
+            </a:r>
+          </a:p>
+        </p:txBody>
+      </p:sp>
+      <p:sp>
+        <p:nvSpPr>
+          <p:cNvPr id="159" name="Shape 159"/>
+          <p:cNvSpPr txBox="1"/>
+          <p:nvPr/>
+        </p:nvSpPr>
+        <p:spPr>
+          <a:xfrm>
+            <a:off x="91150" y="3760925"/>
+            <a:ext cx="1834200" cy="404100"/>
+          </a:xfrm>
+          <a:prstGeom prst="rect">
+            <a:avLst/>
+          </a:prstGeom>
+          <a:noFill/>
+          <a:ln>
+            <a:noFill/>
+          </a:ln>
+        </p:spPr>
+        <p:txBody>
+          <a:bodyPr anchorCtr="0" anchor="t" bIns="91425" lIns="91425" rIns="91425" wrap="square" tIns="91425">
+            <a:noAutofit/>
+          </a:bodyPr>
+          <a:lstStyle/>
+          <a:p>
+            <a:pPr lvl="0" rtl="0">
+              <a:spcBef>
+                <a:spcPts val="0"/>
+              </a:spcBef>
+              <a:buNone/>
+            </a:pPr>
+            <a:r>
+              <a:rPr lang="en"/>
+              <a:t>Image/Video </a:t>
+            </a:r>
+            <a:r>
+              <a:rPr lang="en"/>
+              <a:t>Processing</a:t>
+            </a:r>
+          </a:p>
+        </p:txBody>
+      </p:sp>
+      <p:sp>
+        <p:nvSpPr>
+          <p:cNvPr id="160" name="Shape 160"/>
+          <p:cNvSpPr txBox="1"/>
+          <p:nvPr/>
+        </p:nvSpPr>
+        <p:spPr>
+          <a:xfrm>
+            <a:off x="929350" y="2694125"/>
+            <a:ext cx="1484400" cy="404100"/>
+          </a:xfrm>
+          <a:prstGeom prst="rect">
+            <a:avLst/>
+          </a:prstGeom>
+          <a:noFill/>
+          <a:ln>
+            <a:noFill/>
+          </a:ln>
+        </p:spPr>
+        <p:txBody>
+          <a:bodyPr anchorCtr="0" anchor="t" bIns="91425" lIns="91425" rIns="91425" wrap="square" tIns="91425">
+            <a:noAutofit/>
+          </a:bodyPr>
+          <a:lstStyle/>
+          <a:p>
+            <a:pPr lvl="0" rtl="0">
+              <a:spcBef>
+                <a:spcPts val="0"/>
+              </a:spcBef>
+              <a:buNone/>
+            </a:pPr>
+            <a:r>
+              <a:rPr lang="en"/>
+              <a:t>아이트래커</a:t>
+            </a:r>
+          </a:p>
+        </p:txBody>
+      </p:sp>
+      <p:sp>
+        <p:nvSpPr>
+          <p:cNvPr id="161" name="Shape 161"/>
+          <p:cNvSpPr txBox="1"/>
+          <p:nvPr/>
+        </p:nvSpPr>
+        <p:spPr>
+          <a:xfrm>
+            <a:off x="1081750" y="3075125"/>
+            <a:ext cx="1484400" cy="404100"/>
+          </a:xfrm>
+          <a:prstGeom prst="rect">
+            <a:avLst/>
+          </a:prstGeom>
+          <a:noFill/>
+          <a:ln>
+            <a:noFill/>
+          </a:ln>
+        </p:spPr>
+        <p:txBody>
+          <a:bodyPr anchorCtr="0" anchor="t" bIns="91425" lIns="91425" rIns="91425" wrap="square" tIns="91425">
+            <a:noAutofit/>
+          </a:bodyPr>
+          <a:lstStyle/>
+          <a:p>
+            <a:pPr lvl="0" rtl="0">
+              <a:spcBef>
+                <a:spcPts val="0"/>
+              </a:spcBef>
+              <a:buNone/>
+            </a:pPr>
+            <a:r>
+              <a:rPr lang="en"/>
+              <a:t>확률과</a:t>
+            </a:r>
+            <a:r>
+              <a:rPr lang="en"/>
+              <a:t>정 기초</a:t>
+            </a:r>
+          </a:p>
+        </p:txBody>
+      </p:sp>
+      <p:sp>
+        <p:nvSpPr>
+          <p:cNvPr id="162" name="Shape 162"/>
+          <p:cNvSpPr txBox="1"/>
+          <p:nvPr/>
+        </p:nvSpPr>
+        <p:spPr>
+          <a:xfrm>
+            <a:off x="776950" y="2160725"/>
+            <a:ext cx="1484400" cy="404100"/>
+          </a:xfrm>
+          <a:prstGeom prst="rect">
+            <a:avLst/>
+          </a:prstGeom>
+          <a:noFill/>
+          <a:ln>
+            <a:noFill/>
+          </a:ln>
+        </p:spPr>
+        <p:txBody>
+          <a:bodyPr anchorCtr="0" anchor="t" bIns="91425" lIns="91425" rIns="91425" wrap="square" tIns="91425">
+            <a:noAutofit/>
+          </a:bodyPr>
+          <a:lstStyle/>
+          <a:p>
+            <a:pPr lvl="0" rtl="0">
+              <a:spcBef>
+                <a:spcPts val="0"/>
+              </a:spcBef>
+              <a:buNone/>
+            </a:pPr>
+            <a:r>
+              <a:rPr lang="en"/>
+              <a:t>뉴로사이언스</a:t>
+            </a:r>
+          </a:p>
+        </p:txBody>
+      </p:sp>
+      <p:sp>
+        <p:nvSpPr>
+          <p:cNvPr id="163" name="Shape 163"/>
+          <p:cNvSpPr txBox="1"/>
+          <p:nvPr/>
+        </p:nvSpPr>
+        <p:spPr>
+          <a:xfrm>
+            <a:off x="1081750" y="1779725"/>
+            <a:ext cx="1484400" cy="404100"/>
+          </a:xfrm>
+          <a:prstGeom prst="rect">
+            <a:avLst/>
+          </a:prstGeom>
+          <a:noFill/>
+          <a:ln>
+            <a:noFill/>
+          </a:ln>
+        </p:spPr>
+        <p:txBody>
+          <a:bodyPr anchorCtr="0" anchor="t" bIns="91425" lIns="91425" rIns="91425" wrap="square" tIns="91425">
+            <a:noAutofit/>
+          </a:bodyPr>
+          <a:lstStyle/>
+          <a:p>
+            <a:pPr lvl="0" rtl="0">
+              <a:spcBef>
+                <a:spcPts val="0"/>
+              </a:spcBef>
+              <a:buNone/>
+            </a:pPr>
+            <a:r>
+              <a:rPr lang="en"/>
+              <a:t>fMRI</a:t>
+            </a:r>
+          </a:p>
+        </p:txBody>
+      </p:sp>
+      <p:sp>
+        <p:nvSpPr>
+          <p:cNvPr id="164" name="Shape 164"/>
+          <p:cNvSpPr txBox="1"/>
+          <p:nvPr/>
+        </p:nvSpPr>
+        <p:spPr>
+          <a:xfrm>
+            <a:off x="624550" y="1246325"/>
+            <a:ext cx="1484400" cy="404100"/>
+          </a:xfrm>
+          <a:prstGeom prst="rect">
+            <a:avLst/>
+          </a:prstGeom>
+          <a:noFill/>
+          <a:ln>
+            <a:noFill/>
+          </a:ln>
+        </p:spPr>
+        <p:txBody>
+          <a:bodyPr anchorCtr="0" anchor="t" bIns="91425" lIns="91425" rIns="91425" wrap="square" tIns="91425">
+            <a:noAutofit/>
+          </a:bodyPr>
+          <a:lstStyle/>
+          <a:p>
+            <a:pPr lvl="0" rtl="0">
+              <a:spcBef>
+                <a:spcPts val="0"/>
+              </a:spcBef>
+              <a:buNone/>
+            </a:pPr>
+            <a:r>
+              <a:rPr lang="en"/>
+              <a:t>사회인지심리학</a:t>
+            </a:r>
+          </a:p>
+        </p:txBody>
+      </p:sp>
+      <p:sp>
+        <p:nvSpPr>
+          <p:cNvPr id="165" name="Shape 165"/>
+          <p:cNvSpPr txBox="1"/>
+          <p:nvPr/>
+        </p:nvSpPr>
+        <p:spPr>
+          <a:xfrm>
+            <a:off x="319750" y="865325"/>
+            <a:ext cx="1484400" cy="404100"/>
+          </a:xfrm>
+          <a:prstGeom prst="rect">
+            <a:avLst/>
+          </a:prstGeom>
+          <a:noFill/>
+          <a:ln>
+            <a:noFill/>
+          </a:ln>
+        </p:spPr>
+        <p:txBody>
+          <a:bodyPr anchorCtr="0" anchor="t" bIns="91425" lIns="91425" rIns="91425" wrap="square" tIns="91425">
+            <a:noAutofit/>
+          </a:bodyPr>
+          <a:lstStyle/>
+          <a:p>
+            <a:pPr lvl="0" rtl="0">
+              <a:spcBef>
+                <a:spcPts val="0"/>
+              </a:spcBef>
+              <a:buNone/>
+            </a:pPr>
+            <a:r>
+              <a:rPr lang="en"/>
+              <a:t>정치학</a:t>
+            </a:r>
+          </a:p>
+        </p:txBody>
+      </p:sp>
+      <p:sp>
+        <p:nvSpPr>
+          <p:cNvPr id="166" name="Shape 166"/>
+          <p:cNvSpPr txBox="1"/>
+          <p:nvPr/>
+        </p:nvSpPr>
+        <p:spPr>
+          <a:xfrm>
+            <a:off x="929350" y="941525"/>
+            <a:ext cx="1484400" cy="404100"/>
+          </a:xfrm>
+          <a:prstGeom prst="rect">
+            <a:avLst/>
+          </a:prstGeom>
+          <a:noFill/>
+          <a:ln>
+            <a:noFill/>
+          </a:ln>
+        </p:spPr>
+        <p:txBody>
+          <a:bodyPr anchorCtr="0" anchor="t" bIns="91425" lIns="91425" rIns="91425" wrap="square" tIns="91425">
+            <a:noAutofit/>
+          </a:bodyPr>
+          <a:lstStyle/>
+          <a:p>
+            <a:pPr lvl="0" rtl="0">
+              <a:spcBef>
+                <a:spcPts val="0"/>
+              </a:spcBef>
+              <a:buNone/>
+            </a:pPr>
+            <a:r>
+              <a:rPr lang="en"/>
+              <a:t>투표행동분석</a:t>
+            </a:r>
+          </a:p>
+        </p:txBody>
+      </p:sp>
+      <p:sp>
+        <p:nvSpPr>
+          <p:cNvPr id="167" name="Shape 167"/>
+          <p:cNvSpPr txBox="1"/>
+          <p:nvPr/>
+        </p:nvSpPr>
+        <p:spPr>
+          <a:xfrm>
+            <a:off x="1880350" y="651788"/>
+            <a:ext cx="1484400" cy="404100"/>
+          </a:xfrm>
+          <a:prstGeom prst="rect">
+            <a:avLst/>
+          </a:prstGeom>
+          <a:noFill/>
+          <a:ln>
+            <a:noFill/>
+          </a:ln>
+        </p:spPr>
+        <p:txBody>
+          <a:bodyPr anchorCtr="0" anchor="t" bIns="91425" lIns="91425" rIns="91425" wrap="square" tIns="91425">
+            <a:noAutofit/>
+          </a:bodyPr>
+          <a:lstStyle/>
+          <a:p>
+            <a:pPr lvl="0" rtl="0">
+              <a:spcBef>
+                <a:spcPts val="0"/>
+              </a:spcBef>
+              <a:buNone/>
+            </a:pPr>
+            <a:r>
+              <a:rPr lang="en"/>
+              <a:t>부동</a:t>
+            </a:r>
+            <a:r>
+              <a:rPr lang="en"/>
+              <a:t>산 </a:t>
+            </a:r>
+            <a:r>
+              <a:rPr lang="en"/>
+              <a:t>분석</a:t>
+            </a:r>
+          </a:p>
+        </p:txBody>
+      </p:sp>
+      <p:sp>
+        <p:nvSpPr>
+          <p:cNvPr id="168" name="Shape 168"/>
+          <p:cNvSpPr txBox="1"/>
+          <p:nvPr/>
+        </p:nvSpPr>
+        <p:spPr>
+          <a:xfrm>
+            <a:off x="1956550" y="956588"/>
+            <a:ext cx="1484400" cy="404100"/>
+          </a:xfrm>
+          <a:prstGeom prst="rect">
+            <a:avLst/>
+          </a:prstGeom>
+          <a:noFill/>
+          <a:ln>
+            <a:noFill/>
+          </a:ln>
+        </p:spPr>
+        <p:txBody>
+          <a:bodyPr anchorCtr="0" anchor="t" bIns="91425" lIns="91425" rIns="91425" wrap="square" tIns="91425">
+            <a:noAutofit/>
+          </a:bodyPr>
+          <a:lstStyle/>
+          <a:p>
+            <a:pPr lvl="0" rtl="0">
+              <a:spcBef>
+                <a:spcPts val="0"/>
+              </a:spcBef>
+              <a:buNone/>
+            </a:pPr>
+            <a:r>
+              <a:rPr lang="en"/>
+              <a:t>정</a:t>
+            </a:r>
+            <a:r>
+              <a:rPr lang="en"/>
+              <a:t>치 데이터 분석</a:t>
+            </a:r>
+          </a:p>
+        </p:txBody>
+      </p:sp>
+      <p:sp>
+        <p:nvSpPr>
+          <p:cNvPr id="169" name="Shape 169"/>
+          <p:cNvSpPr txBox="1"/>
+          <p:nvPr/>
+        </p:nvSpPr>
+        <p:spPr>
+          <a:xfrm>
+            <a:off x="508750" y="499388"/>
+            <a:ext cx="1484400" cy="404100"/>
+          </a:xfrm>
+          <a:prstGeom prst="rect">
+            <a:avLst/>
+          </a:prstGeom>
+          <a:noFill/>
+          <a:ln>
+            <a:noFill/>
+          </a:ln>
+        </p:spPr>
+        <p:txBody>
+          <a:bodyPr anchorCtr="0" anchor="t" bIns="91425" lIns="91425" rIns="91425" wrap="square" tIns="91425">
+            <a:noAutofit/>
+          </a:bodyPr>
+          <a:lstStyle/>
+          <a:p>
+            <a:pPr lvl="0" rtl="0">
+              <a:spcBef>
+                <a:spcPts val="0"/>
+              </a:spcBef>
+              <a:buNone/>
+            </a:pPr>
+            <a:r>
+              <a:rPr lang="en"/>
+              <a:t>부동</a:t>
+            </a:r>
+            <a:r>
+              <a:rPr lang="en"/>
+              <a:t>산 텍스트분석</a:t>
+            </a:r>
+          </a:p>
+        </p:txBody>
+      </p:sp>
+      <p:sp>
+        <p:nvSpPr>
+          <p:cNvPr id="170" name="Shape 170"/>
+          <p:cNvSpPr txBox="1"/>
+          <p:nvPr/>
+        </p:nvSpPr>
+        <p:spPr>
+          <a:xfrm>
+            <a:off x="1956550" y="270788"/>
+            <a:ext cx="1484400" cy="404100"/>
+          </a:xfrm>
+          <a:prstGeom prst="rect">
+            <a:avLst/>
+          </a:prstGeom>
+          <a:noFill/>
+          <a:ln>
+            <a:noFill/>
+          </a:ln>
+        </p:spPr>
+        <p:txBody>
+          <a:bodyPr anchorCtr="0" anchor="t" bIns="91425" lIns="91425" rIns="91425" wrap="square" tIns="91425">
+            <a:noAutofit/>
+          </a:bodyPr>
+          <a:lstStyle/>
+          <a:p>
+            <a:pPr lvl="0" rtl="0">
+              <a:spcBef>
+                <a:spcPts val="0"/>
+              </a:spcBef>
+              <a:buNone/>
+            </a:pPr>
+            <a:r>
+              <a:rPr lang="en"/>
+              <a:t>GIS 분석</a:t>
+            </a:r>
+          </a:p>
+        </p:txBody>
+      </p:sp>
+      <p:sp>
+        <p:nvSpPr>
+          <p:cNvPr id="171" name="Shape 171"/>
+          <p:cNvSpPr txBox="1"/>
+          <p:nvPr/>
+        </p:nvSpPr>
+        <p:spPr>
+          <a:xfrm>
+            <a:off x="7711150" y="4599125"/>
+            <a:ext cx="1946400" cy="404100"/>
+          </a:xfrm>
+          <a:prstGeom prst="rect">
+            <a:avLst/>
+          </a:prstGeom>
+          <a:noFill/>
+          <a:ln>
+            <a:noFill/>
+          </a:ln>
+        </p:spPr>
+        <p:txBody>
+          <a:bodyPr anchorCtr="0" anchor="t" bIns="91425" lIns="91425" rIns="91425" wrap="square" tIns="91425">
+            <a:noAutofit/>
+          </a:bodyPr>
+          <a:lstStyle/>
+          <a:p>
+            <a:pPr lvl="0">
+              <a:spcBef>
+                <a:spcPts val="0"/>
+              </a:spcBef>
+              <a:buNone/>
+            </a:pPr>
+            <a:r>
+              <a:rPr lang="en"/>
+              <a:t>온라</a:t>
+            </a:r>
+            <a:r>
+              <a:rPr lang="en"/>
+              <a:t>인 테스팅</a:t>
+            </a:r>
+          </a:p>
+          <a:p>
+            <a:pPr lvl="0" rtl="0">
+              <a:spcBef>
+                <a:spcPts val="0"/>
+              </a:spcBef>
+              <a:buNone/>
+            </a:pPr>
+            <a:r>
+              <a:rPr lang="en"/>
+              <a:t>(A/B, 멀티암디드)</a:t>
+            </a:r>
+          </a:p>
+        </p:txBody>
+      </p:sp>
+      <p:sp>
+        <p:nvSpPr>
+          <p:cNvPr id="172" name="Shape 172"/>
+          <p:cNvSpPr txBox="1"/>
+          <p:nvPr/>
+        </p:nvSpPr>
+        <p:spPr>
+          <a:xfrm>
+            <a:off x="7025350" y="4370525"/>
+            <a:ext cx="1484400" cy="404100"/>
+          </a:xfrm>
+          <a:prstGeom prst="rect">
+            <a:avLst/>
+          </a:prstGeom>
+          <a:noFill/>
+          <a:ln>
+            <a:noFill/>
+          </a:ln>
+        </p:spPr>
+        <p:txBody>
+          <a:bodyPr anchorCtr="0" anchor="t" bIns="91425" lIns="91425" rIns="91425" wrap="square" tIns="91425">
+            <a:noAutofit/>
+          </a:bodyPr>
+          <a:lstStyle/>
+          <a:p>
+            <a:pPr lvl="0" rtl="0">
+              <a:spcBef>
+                <a:spcPts val="0"/>
+              </a:spcBef>
+              <a:buNone/>
+            </a:pPr>
+            <a:r>
+              <a:rPr lang="en"/>
+              <a:t>온라인광고</a:t>
+            </a:r>
+          </a:p>
+        </p:txBody>
+      </p:sp>
+      <p:sp>
+        <p:nvSpPr>
+          <p:cNvPr id="173" name="Shape 173"/>
+          <p:cNvSpPr txBox="1"/>
+          <p:nvPr/>
+        </p:nvSpPr>
+        <p:spPr>
+          <a:xfrm>
+            <a:off x="624550" y="4446725"/>
+            <a:ext cx="1713000" cy="404100"/>
+          </a:xfrm>
+          <a:prstGeom prst="rect">
+            <a:avLst/>
+          </a:prstGeom>
+          <a:noFill/>
+          <a:ln>
+            <a:noFill/>
+          </a:ln>
+        </p:spPr>
+        <p:txBody>
+          <a:bodyPr anchorCtr="0" anchor="t" bIns="91425" lIns="91425" rIns="91425" wrap="square" tIns="91425">
+            <a:noAutofit/>
+          </a:bodyPr>
+          <a:lstStyle/>
+          <a:p>
+            <a:pPr lvl="0" rtl="0">
+              <a:spcBef>
+                <a:spcPts val="0"/>
+              </a:spcBef>
+              <a:buNone/>
+            </a:pPr>
+            <a:r>
+              <a:rPr lang="en"/>
+              <a:t>베이지안 인지모델링</a:t>
+            </a:r>
+          </a:p>
+        </p:txBody>
+      </p:sp>
+      <p:sp>
+        <p:nvSpPr>
+          <p:cNvPr id="174" name="Shape 174"/>
+          <p:cNvSpPr txBox="1"/>
+          <p:nvPr/>
+        </p:nvSpPr>
+        <p:spPr>
+          <a:xfrm>
+            <a:off x="700750" y="4751525"/>
+            <a:ext cx="1713000" cy="404100"/>
+          </a:xfrm>
+          <a:prstGeom prst="rect">
+            <a:avLst/>
+          </a:prstGeom>
+          <a:noFill/>
+          <a:ln>
+            <a:noFill/>
+          </a:ln>
+        </p:spPr>
+        <p:txBody>
+          <a:bodyPr anchorCtr="0" anchor="t" bIns="91425" lIns="91425" rIns="91425" wrap="square" tIns="91425">
+            <a:noAutofit/>
+          </a:bodyPr>
+          <a:lstStyle/>
+          <a:p>
+            <a:pPr lvl="0" rtl="0">
+              <a:spcBef>
+                <a:spcPts val="0"/>
+              </a:spcBef>
+              <a:buNone/>
+            </a:pPr>
+            <a:r>
+              <a:rPr lang="en"/>
+              <a:t>수리심리학</a:t>
+            </a:r>
+          </a:p>
+        </p:txBody>
+      </p:sp>
+      <p:sp>
+        <p:nvSpPr>
+          <p:cNvPr id="175" name="Shape 175"/>
+          <p:cNvSpPr txBox="1"/>
+          <p:nvPr/>
+        </p:nvSpPr>
+        <p:spPr>
+          <a:xfrm>
+            <a:off x="8199650" y="3707175"/>
+            <a:ext cx="1484400" cy="404100"/>
+          </a:xfrm>
+          <a:prstGeom prst="rect">
+            <a:avLst/>
+          </a:prstGeom>
+          <a:noFill/>
+          <a:ln>
+            <a:noFill/>
+          </a:ln>
+        </p:spPr>
+        <p:txBody>
+          <a:bodyPr anchorCtr="0" anchor="t" bIns="91425" lIns="91425" rIns="91425" wrap="square" tIns="91425">
+            <a:noAutofit/>
+          </a:bodyPr>
+          <a:lstStyle/>
+          <a:p>
+            <a:pPr lvl="0" rtl="0">
+              <a:spcBef>
+                <a:spcPts val="0"/>
+              </a:spcBef>
+              <a:buNone/>
+            </a:pPr>
+            <a:r>
+              <a:rPr lang="en"/>
+              <a:t>Django</a:t>
+            </a:r>
+          </a:p>
+        </p:txBody>
+      </p:sp>
+      <p:sp>
+        <p:nvSpPr>
+          <p:cNvPr id="176" name="Shape 176"/>
+          <p:cNvSpPr txBox="1"/>
+          <p:nvPr/>
+        </p:nvSpPr>
+        <p:spPr>
+          <a:xfrm>
+            <a:off x="6110950" y="4599125"/>
+            <a:ext cx="1484400" cy="404100"/>
+          </a:xfrm>
+          <a:prstGeom prst="rect">
+            <a:avLst/>
+          </a:prstGeom>
+          <a:noFill/>
+          <a:ln>
+            <a:noFill/>
+          </a:ln>
+        </p:spPr>
+        <p:txBody>
+          <a:bodyPr anchorCtr="0" anchor="t" bIns="91425" lIns="91425" rIns="91425" wrap="square" tIns="91425">
+            <a:noAutofit/>
+          </a:bodyPr>
+          <a:lstStyle/>
+          <a:p>
+            <a:pPr lvl="0" rtl="0">
+              <a:spcBef>
+                <a:spcPts val="0"/>
+              </a:spcBef>
+              <a:buNone/>
+            </a:pPr>
+            <a:r>
+              <a:rPr lang="en"/>
+              <a:t>의사결</a:t>
+            </a:r>
+            <a:r>
+              <a:rPr lang="en"/>
+              <a:t>정 심리학</a:t>
+            </a:r>
+          </a:p>
+        </p:txBody>
+      </p:sp>
+      <p:sp>
+        <p:nvSpPr>
+          <p:cNvPr id="177" name="Shape 177"/>
+          <p:cNvSpPr txBox="1"/>
+          <p:nvPr/>
+        </p:nvSpPr>
+        <p:spPr>
+          <a:xfrm>
+            <a:off x="6339550" y="4141925"/>
+            <a:ext cx="1484400" cy="404100"/>
+          </a:xfrm>
+          <a:prstGeom prst="rect">
+            <a:avLst/>
+          </a:prstGeom>
+          <a:noFill/>
+          <a:ln>
+            <a:noFill/>
+          </a:ln>
+        </p:spPr>
+        <p:txBody>
+          <a:bodyPr anchorCtr="0" anchor="t" bIns="91425" lIns="91425" rIns="91425" wrap="square" tIns="91425">
+            <a:noAutofit/>
+          </a:bodyPr>
+          <a:lstStyle/>
+          <a:p>
+            <a:pPr lvl="0" rtl="0">
+              <a:spcBef>
+                <a:spcPts val="0"/>
+              </a:spcBef>
+              <a:buNone/>
+            </a:pPr>
+            <a:r>
+              <a:rPr lang="en"/>
+              <a:t>신경경제학</a:t>
+            </a:r>
+          </a:p>
+        </p:txBody>
+      </p:sp>
+      <p:sp>
+        <p:nvSpPr>
+          <p:cNvPr id="178" name="Shape 178"/>
+          <p:cNvSpPr txBox="1"/>
+          <p:nvPr/>
+        </p:nvSpPr>
+        <p:spPr>
+          <a:xfrm>
+            <a:off x="6644350" y="3760925"/>
+            <a:ext cx="1484400" cy="404100"/>
+          </a:xfrm>
+          <a:prstGeom prst="rect">
+            <a:avLst/>
+          </a:prstGeom>
+          <a:noFill/>
+          <a:ln>
+            <a:noFill/>
+          </a:ln>
+        </p:spPr>
+        <p:txBody>
+          <a:bodyPr anchorCtr="0" anchor="t" bIns="91425" lIns="91425" rIns="91425" wrap="square" tIns="91425">
+            <a:noAutofit/>
+          </a:bodyPr>
+          <a:lstStyle/>
+          <a:p>
+            <a:pPr lvl="0" rtl="0">
+              <a:spcBef>
+                <a:spcPts val="0"/>
+              </a:spcBef>
+              <a:buNone/>
+            </a:pPr>
+            <a:r>
+              <a:rPr lang="en"/>
+              <a:t>행동</a:t>
+            </a:r>
+            <a:r>
+              <a:rPr lang="en"/>
+              <a:t>경제학</a:t>
+            </a:r>
+          </a:p>
+        </p:txBody>
+      </p:sp>
+      <p:sp>
+        <p:nvSpPr>
+          <p:cNvPr id="179" name="Shape 179"/>
+          <p:cNvSpPr txBox="1"/>
+          <p:nvPr/>
+        </p:nvSpPr>
+        <p:spPr>
+          <a:xfrm>
+            <a:off x="319750" y="1779725"/>
+            <a:ext cx="1484400" cy="404100"/>
+          </a:xfrm>
+          <a:prstGeom prst="rect">
+            <a:avLst/>
+          </a:prstGeom>
+          <a:noFill/>
+          <a:ln>
+            <a:noFill/>
+          </a:ln>
+        </p:spPr>
+        <p:txBody>
+          <a:bodyPr anchorCtr="0" anchor="t" bIns="91425" lIns="91425" rIns="91425" wrap="square" tIns="91425">
+            <a:noAutofit/>
+          </a:bodyPr>
+          <a:lstStyle/>
+          <a:p>
+            <a:pPr lvl="0" rtl="0">
+              <a:spcBef>
+                <a:spcPts val="0"/>
+              </a:spcBef>
+              <a:buNone/>
+            </a:pPr>
+            <a:r>
+              <a:rPr lang="en"/>
+              <a:t>의식</a:t>
+            </a:r>
+          </a:p>
+        </p:txBody>
+      </p:sp>
+      <p:sp>
+        <p:nvSpPr>
+          <p:cNvPr id="180" name="Shape 180"/>
+          <p:cNvSpPr txBox="1"/>
+          <p:nvPr/>
+        </p:nvSpPr>
+        <p:spPr>
+          <a:xfrm>
+            <a:off x="167350" y="2160725"/>
+            <a:ext cx="1484400" cy="404100"/>
+          </a:xfrm>
+          <a:prstGeom prst="rect">
+            <a:avLst/>
+          </a:prstGeom>
+          <a:noFill/>
+          <a:ln>
+            <a:noFill/>
+          </a:ln>
+        </p:spPr>
+        <p:txBody>
+          <a:bodyPr anchorCtr="0" anchor="t" bIns="91425" lIns="91425" rIns="91425" wrap="square" tIns="91425">
+            <a:noAutofit/>
+          </a:bodyPr>
+          <a:lstStyle/>
+          <a:p>
+            <a:pPr lvl="0" rtl="0">
+              <a:spcBef>
+                <a:spcPts val="0"/>
+              </a:spcBef>
+              <a:buNone/>
+            </a:pPr>
+            <a:r>
+              <a:rPr lang="en"/>
+              <a:t>정서</a:t>
+            </a:r>
+          </a:p>
+        </p:txBody>
+      </p:sp>
+      <p:sp>
+        <p:nvSpPr>
+          <p:cNvPr id="181" name="Shape 181"/>
+          <p:cNvSpPr txBox="1"/>
+          <p:nvPr/>
+        </p:nvSpPr>
+        <p:spPr>
+          <a:xfrm>
+            <a:off x="6720550" y="3456125"/>
+            <a:ext cx="1484400" cy="404100"/>
+          </a:xfrm>
+          <a:prstGeom prst="rect">
+            <a:avLst/>
+          </a:prstGeom>
+          <a:noFill/>
+          <a:ln>
+            <a:noFill/>
+          </a:ln>
+        </p:spPr>
+        <p:txBody>
+          <a:bodyPr anchorCtr="0" anchor="t" bIns="91425" lIns="91425" rIns="91425" wrap="square" tIns="91425">
+            <a:noAutofit/>
+          </a:bodyPr>
+          <a:lstStyle/>
+          <a:p>
+            <a:pPr lvl="0" rtl="0">
+              <a:spcBef>
+                <a:spcPts val="0"/>
+              </a:spcBef>
+              <a:buNone/>
+            </a:pPr>
+            <a:r>
+              <a:rPr lang="en"/>
+              <a:t>심리측정</a:t>
+            </a:r>
+          </a:p>
+        </p:txBody>
+      </p:sp>
+      <p:sp>
+        <p:nvSpPr>
+          <p:cNvPr id="182" name="Shape 182"/>
+          <p:cNvSpPr txBox="1"/>
+          <p:nvPr/>
+        </p:nvSpPr>
+        <p:spPr>
+          <a:xfrm>
+            <a:off x="7330150" y="3227525"/>
+            <a:ext cx="1484400" cy="404100"/>
+          </a:xfrm>
+          <a:prstGeom prst="rect">
+            <a:avLst/>
+          </a:prstGeom>
+          <a:noFill/>
+          <a:ln>
+            <a:noFill/>
+          </a:ln>
+        </p:spPr>
+        <p:txBody>
+          <a:bodyPr anchorCtr="0" anchor="t" bIns="91425" lIns="91425" rIns="91425" wrap="square" tIns="91425">
+            <a:noAutofit/>
+          </a:bodyPr>
+          <a:lstStyle/>
+          <a:p>
+            <a:pPr lvl="0" rtl="0">
+              <a:spcBef>
+                <a:spcPts val="0"/>
+              </a:spcBef>
+              <a:buNone/>
+            </a:pPr>
+            <a:r>
+              <a:rPr lang="en"/>
+              <a:t>데이터마이닝</a:t>
+            </a:r>
+          </a:p>
+        </p:txBody>
+      </p:sp>
+      <p:sp>
+        <p:nvSpPr>
+          <p:cNvPr id="183" name="Shape 183"/>
+          <p:cNvSpPr txBox="1"/>
+          <p:nvPr/>
+        </p:nvSpPr>
+        <p:spPr>
+          <a:xfrm>
+            <a:off x="319750" y="2541725"/>
+            <a:ext cx="1484400" cy="404100"/>
+          </a:xfrm>
+          <a:prstGeom prst="rect">
+            <a:avLst/>
+          </a:prstGeom>
+          <a:noFill/>
+          <a:ln>
+            <a:noFill/>
+          </a:ln>
+        </p:spPr>
+        <p:txBody>
+          <a:bodyPr anchorCtr="0" anchor="t" bIns="91425" lIns="91425" rIns="91425" wrap="square" tIns="91425">
+            <a:noAutofit/>
+          </a:bodyPr>
+          <a:lstStyle/>
+          <a:p>
+            <a:pPr lvl="0" rtl="0">
+              <a:spcBef>
+                <a:spcPts val="0"/>
+              </a:spcBef>
+              <a:buNone/>
+            </a:pPr>
+            <a:r>
+              <a:rPr lang="en"/>
+              <a:t>성격</a:t>
+            </a:r>
+          </a:p>
+        </p:txBody>
+      </p:sp>
+      <p:sp>
+        <p:nvSpPr>
+          <p:cNvPr id="184" name="Shape 184"/>
+          <p:cNvSpPr txBox="1"/>
+          <p:nvPr/>
+        </p:nvSpPr>
+        <p:spPr>
+          <a:xfrm>
+            <a:off x="3672550" y="4751525"/>
+            <a:ext cx="2209800" cy="404100"/>
+          </a:xfrm>
+          <a:prstGeom prst="rect">
+            <a:avLst/>
+          </a:prstGeom>
+          <a:noFill/>
+          <a:ln>
+            <a:noFill/>
+          </a:ln>
+        </p:spPr>
+        <p:txBody>
+          <a:bodyPr anchorCtr="0" anchor="t" bIns="91425" lIns="91425" rIns="91425" wrap="square" tIns="91425">
+            <a:noAutofit/>
+          </a:bodyPr>
+          <a:lstStyle/>
+          <a:p>
+            <a:pPr lvl="0" rtl="0">
+              <a:spcBef>
+                <a:spcPts val="0"/>
+              </a:spcBef>
+              <a:buNone/>
+            </a:pPr>
+            <a:r>
+              <a:rPr lang="en"/>
+              <a:t>Tensorflow, theano, caffe</a:t>
+            </a:r>
+          </a:p>
+        </p:txBody>
+      </p:sp>
+    </p:spTree>
+  </p:cSld>
+  <p:clrMapOvr>
+    <a:masterClrMapping/>
+  </p:clrMapOvr>
+</p:sld>
+</file>
+
+<file path=ppt/slides/slide13.xml><?xml version="1.0" encoding="utf-8"?>
+<p:sld xmlns:a="http://schemas.openxmlformats.org/drawingml/2006/main" xmlns:r="http://schemas.openxmlformats.org/officeDocument/2006/relationships" xmlns:mc="http://schemas.openxmlformats.org/markup-compatibility/2006" xmlns:mv="urn:schemas-microsoft-com:mac:vml" xmlns:p="http://schemas.openxmlformats.org/presentationml/2006/main" xmlns:c="http://schemas.openxmlformats.org/drawingml/2006/chart" xmlns:dgm="http://schemas.openxmlformats.org/drawingml/2006/diagram" xmlns:o="urn:schemas-microsoft-com:office:office" xmlns:v="urn:schemas-microsoft-com:vml" xmlns:pvml="urn:schemas-microsoft-com:office:powerpoint" xmlns:com="http://schemas.openxmlformats.org/drawingml/2006/compatibility" xmlns:p14="http://schemas.microsoft.com/office/powerpoint/2010/main" xmlns:p15="http://schemas.microsoft.com/office/powerpoint/2012/main">
+  <p:cSld>
+    <p:spTree>
+      <p:nvGrpSpPr>
+        <p:cNvPr id="188" name="Shape 188"/>
+        <p:cNvGrpSpPr/>
+        <p:nvPr/>
+      </p:nvGrpSpPr>
+      <p:grpSpPr>
+        <a:xfrm>
+          <a:off x="0" y="0"/>
+          <a:ext cx="0" cy="0"/>
+          <a:chOff x="0" y="0"/>
+          <a:chExt cx="0" cy="0"/>
+        </a:xfrm>
+      </p:grpSpPr>
+      <p:sp>
+        <p:nvSpPr>
+          <p:cNvPr id="189" name="Shape 189"/>
+          <p:cNvSpPr txBox="1"/>
+          <p:nvPr>
+            <p:ph type="title"/>
+          </p:nvPr>
+        </p:nvSpPr>
+        <p:spPr>
+          <a:xfrm>
+            <a:off x="311700" y="292625"/>
+            <a:ext cx="8520600" cy="572700"/>
+          </a:xfrm>
+          <a:prstGeom prst="rect">
+            <a:avLst/>
+          </a:prstGeom>
+        </p:spPr>
+        <p:txBody>
+          <a:bodyPr anchorCtr="0" anchor="t" bIns="91425" lIns="91425" rIns="91425" wrap="square" tIns="91425">
+            <a:noAutofit/>
+          </a:bodyPr>
+          <a:lstStyle/>
+          <a:p>
+            <a:pPr lvl="0" rtl="0" algn="ctr">
+              <a:spcBef>
+                <a:spcPts val="0"/>
+              </a:spcBef>
+              <a:buNone/>
+            </a:pPr>
+            <a:r>
+              <a:rPr lang="en"/>
+              <a:t>2017</a:t>
+            </a:r>
+          </a:p>
+        </p:txBody>
+      </p:sp>
+      <p:pic>
+        <p:nvPicPr>
+          <p:cNvPr id="190" name="Shape 190"/>
+          <p:cNvPicPr preferRelativeResize="0"/>
+          <p:nvPr/>
+        </p:nvPicPr>
+        <p:blipFill>
+          <a:blip r:embed="rId3">
+            <a:alphaModFix/>
+          </a:blip>
+          <a:stretch>
+            <a:fillRect/>
+          </a:stretch>
+        </p:blipFill>
+        <p:spPr>
+          <a:xfrm>
+            <a:off x="2923775" y="1510950"/>
+            <a:ext cx="3429000" cy="2371725"/>
+          </a:xfrm>
+          <a:prstGeom prst="rect">
+            <a:avLst/>
+          </a:prstGeom>
+          <a:noFill/>
+          <a:ln>
+            <a:noFill/>
+          </a:ln>
+        </p:spPr>
+      </p:pic>
+    </p:spTree>
+  </p:cSld>
+  <p:clrMapOvr>
+    <a:masterClrMapping/>
+  </p:clrMapOvr>
+</p:sld>
+</file>
+
+<file path=ppt/slides/slide14.xml><?xml version="1.0" encoding="utf-8"?>
+<p:sld xmlns:a="http://schemas.openxmlformats.org/drawingml/2006/main" xmlns:r="http://schemas.openxmlformats.org/officeDocument/2006/relationships" xmlns:mc="http://schemas.openxmlformats.org/markup-compatibility/2006" xmlns:mv="urn:schemas-microsoft-com:mac:vml" xmlns:p="http://schemas.openxmlformats.org/presentationml/2006/main" xmlns:c="http://schemas.openxmlformats.org/drawingml/2006/chart" xmlns:dgm="http://schemas.openxmlformats.org/drawingml/2006/diagram" xmlns:o="urn:schemas-microsoft-com:office:office" xmlns:v="urn:schemas-microsoft-com:vml" xmlns:pvml="urn:schemas-microsoft-com:office:powerpoint" xmlns:com="http://schemas.openxmlformats.org/drawingml/2006/compatibility" xmlns:p14="http://schemas.microsoft.com/office/powerpoint/2010/main" xmlns:p15="http://schemas.microsoft.com/office/powerpoint/2012/main">
+  <p:cSld>
+    <p:spTree>
+      <p:nvGrpSpPr>
+        <p:cNvPr id="194" name="Shape 194"/>
+        <p:cNvGrpSpPr/>
+        <p:nvPr/>
+      </p:nvGrpSpPr>
+      <p:grpSpPr>
+        <a:xfrm>
+          <a:off x="0" y="0"/>
+          <a:ext cx="0" cy="0"/>
+          <a:chOff x="0" y="0"/>
+          <a:chExt cx="0" cy="0"/>
+        </a:xfrm>
+      </p:grpSpPr>
+      <p:sp>
+        <p:nvSpPr>
+          <p:cNvPr id="195" name="Shape 195"/>
+          <p:cNvSpPr txBox="1"/>
+          <p:nvPr>
+            <p:ph type="title"/>
+          </p:nvPr>
+        </p:nvSpPr>
+        <p:spPr>
+          <a:xfrm>
+            <a:off x="311700" y="292625"/>
+            <a:ext cx="8520600" cy="572700"/>
+          </a:xfrm>
+          <a:prstGeom prst="rect">
+            <a:avLst/>
+          </a:prstGeom>
+        </p:spPr>
+        <p:txBody>
+          <a:bodyPr anchorCtr="0" anchor="t" bIns="91425" lIns="91425" rIns="91425" wrap="square" tIns="91425">
+            <a:noAutofit/>
+          </a:bodyPr>
+          <a:lstStyle/>
+          <a:p>
+            <a:pPr lvl="0" rtl="0" algn="ctr">
+              <a:spcBef>
+                <a:spcPts val="0"/>
+              </a:spcBef>
+              <a:buNone/>
+            </a:pPr>
+            <a:r>
+              <a:rPr lang="en"/>
+              <a:t>2018</a:t>
+            </a:r>
+          </a:p>
+        </p:txBody>
+      </p:sp>
+      <p:pic>
+        <p:nvPicPr>
+          <p:cNvPr id="196" name="Shape 196"/>
+          <p:cNvPicPr preferRelativeResize="0"/>
+          <p:nvPr/>
+        </p:nvPicPr>
+        <p:blipFill>
+          <a:blip r:embed="rId3">
+            <a:alphaModFix/>
+          </a:blip>
+          <a:stretch>
+            <a:fillRect/>
+          </a:stretch>
+        </p:blipFill>
+        <p:spPr>
+          <a:xfrm>
+            <a:off x="2667000" y="1029475"/>
+            <a:ext cx="3810000" cy="3810000"/>
+          </a:xfrm>
+          <a:prstGeom prst="rect">
+            <a:avLst/>
+          </a:prstGeom>
+          <a:noFill/>
+          <a:ln>
+            <a:noFill/>
+          </a:ln>
+        </p:spPr>
+      </p:pic>
+    </p:spTree>
+  </p:cSld>
+  <p:clrMapOvr>
+    <a:masterClrMapping/>
+  </p:clrMapOvr>
+</p:sld>
+</file>
+
+<file path=ppt/slides/slide15.xml><?xml version="1.0" encoding="utf-8"?>
+<p:sld xmlns:a="http://schemas.openxmlformats.org/drawingml/2006/main" xmlns:r="http://schemas.openxmlformats.org/officeDocument/2006/relationships" xmlns:mc="http://schemas.openxmlformats.org/markup-compatibility/2006" xmlns:mv="urn:schemas-microsoft-com:mac:vml" xmlns:p="http://schemas.openxmlformats.org/presentationml/2006/main" xmlns:c="http://schemas.openxmlformats.org/drawingml/2006/chart" xmlns:dgm="http://schemas.openxmlformats.org/drawingml/2006/diagram" xmlns:o="urn:schemas-microsoft-com:office:office" xmlns:v="urn:schemas-microsoft-com:vml" xmlns:pvml="urn:schemas-microsoft-com:office:powerpoint" xmlns:com="http://schemas.openxmlformats.org/drawingml/2006/compatibility" xmlns:p14="http://schemas.microsoft.com/office/powerpoint/2010/main" xmlns:p15="http://schemas.microsoft.com/office/powerpoint/2012/main">
+  <p:cSld>
+    <p:spTree>
+      <p:nvGrpSpPr>
+        <p:cNvPr id="200" name="Shape 200"/>
+        <p:cNvGrpSpPr/>
+        <p:nvPr/>
+      </p:nvGrpSpPr>
+      <p:grpSpPr>
+        <a:xfrm>
+          <a:off x="0" y="0"/>
+          <a:ext cx="0" cy="0"/>
+          <a:chOff x="0" y="0"/>
+          <a:chExt cx="0" cy="0"/>
+        </a:xfrm>
+      </p:grpSpPr>
+      <p:sp>
+        <p:nvSpPr>
+          <p:cNvPr id="201" name="Shape 201"/>
+          <p:cNvSpPr txBox="1"/>
+          <p:nvPr>
+            <p:ph type="title"/>
+          </p:nvPr>
+        </p:nvSpPr>
+        <p:spPr>
+          <a:xfrm>
+            <a:off x="311700" y="292625"/>
+            <a:ext cx="8520600" cy="572700"/>
+          </a:xfrm>
+          <a:prstGeom prst="rect">
+            <a:avLst/>
+          </a:prstGeom>
+        </p:spPr>
+        <p:txBody>
+          <a:bodyPr anchorCtr="0" anchor="t" bIns="91425" lIns="91425" rIns="91425" wrap="square" tIns="91425">
+            <a:noAutofit/>
+          </a:bodyPr>
+          <a:lstStyle/>
+          <a:p>
+            <a:pPr lvl="0" rtl="0" algn="ctr">
+              <a:spcBef>
+                <a:spcPts val="0"/>
+              </a:spcBef>
+              <a:buNone/>
+            </a:pPr>
+            <a:r>
+              <a:rPr lang="en"/>
+              <a:t>언제까</a:t>
+            </a:r>
+            <a:r>
+              <a:rPr lang="en"/>
+              <a:t>지?</a:t>
+            </a:r>
+          </a:p>
+        </p:txBody>
+      </p:sp>
+      <p:pic>
+        <p:nvPicPr>
+          <p:cNvPr id="202" name="Shape 202"/>
           <p:cNvPicPr preferRelativeResize="0"/>
           <p:nvPr/>
         </p:nvPicPr>
@@ -5522,6 +8524,18 @@
               <a:t>Psygrammer</a:t>
             </a:r>
           </a:p>
+          <a:p>
+            <a:pPr lvl="0" rtl="0">
+              <a:spcBef>
+                <a:spcPts val="0"/>
+              </a:spcBef>
+              <a:buNone/>
+            </a:pPr>
+            <a:r>
+              <a:t/>
+            </a:r>
+            <a:endParaRPr/>
+          </a:p>
         </p:txBody>
       </p:sp>
       <p:sp>
@@ -5534,7 +8548,7 @@
         </p:nvSpPr>
         <p:spPr>
           <a:xfrm>
-            <a:off x="311700" y="1152475"/>
+            <a:off x="311700" y="1914475"/>
             <a:ext cx="8520600" cy="3416400"/>
           </a:xfrm>
           <a:prstGeom prst="rect">
@@ -5554,21 +8568,21 @@
               <a:buNone/>
             </a:pPr>
             <a:r>
+              <a:rPr lang="en" sz="2400"/>
+              <a:t>Psychology  +  Programmer  +  Grammer</a:t>
+            </a:r>
+          </a:p>
+          <a:p>
+            <a:pPr indent="0" lvl="0" marL="457200" rtl="0">
+              <a:spcBef>
+                <a:spcPts val="0"/>
+              </a:spcBef>
+              <a:buNone/>
+            </a:pPr>
+            <a:r>
               <a:t/>
             </a:r>
-            <a:endParaRPr sz="4800"/>
-          </a:p>
-          <a:p>
-            <a:pPr lvl="0" rtl="0" algn="ctr">
-              <a:spcBef>
-                <a:spcPts val="0"/>
-              </a:spcBef>
-              <a:buNone/>
-            </a:pPr>
-            <a:r>
-              <a:rPr lang="en" sz="4800"/>
-              <a:t>정통 .. 심리학 그룹</a:t>
-            </a:r>
+            <a:endParaRPr/>
           </a:p>
         </p:txBody>
       </p:sp>
@@ -5607,7 +8621,7 @@
         </p:nvSpPr>
         <p:spPr>
           <a:xfrm>
-            <a:off x="311700" y="292625"/>
+            <a:off x="311700" y="445025"/>
             <a:ext cx="8520600" cy="572700"/>
           </a:xfrm>
           <a:prstGeom prst="rect">
@@ -5628,39 +8642,322 @@
             </a:pPr>
             <a:r>
               <a:rPr lang="en"/>
-              <a:t>2013</a:t>
-            </a:r>
-          </a:p>
-        </p:txBody>
-      </p:sp>
-      <p:pic>
-        <p:nvPicPr>
+              <a:t>Psygrammer</a:t>
+            </a:r>
+          </a:p>
+          <a:p>
+            <a:pPr lvl="0" rtl="0">
+              <a:spcBef>
+                <a:spcPts val="0"/>
+              </a:spcBef>
+              <a:buNone/>
+            </a:pPr>
+            <a:r>
+              <a:t/>
+            </a:r>
+            <a:endParaRPr/>
+          </a:p>
+        </p:txBody>
+      </p:sp>
+      <p:sp>
+        <p:nvSpPr>
           <p:cNvPr id="85" name="Shape 85"/>
-          <p:cNvPicPr preferRelativeResize="0"/>
-          <p:nvPr/>
-        </p:nvPicPr>
-        <p:blipFill>
-          <a:blip r:embed="rId3">
-            <a:alphaModFix/>
-          </a:blip>
-          <a:stretch>
-            <a:fillRect/>
-          </a:stretch>
-        </p:blipFill>
-        <p:spPr>
-          <a:xfrm>
-            <a:off x="2207450" y="1144475"/>
-            <a:ext cx="4897150" cy="3494325"/>
-          </a:xfrm>
-          <a:prstGeom prst="rect">
-            <a:avLst/>
-          </a:prstGeom>
-          <a:noFill/>
-          <a:ln>
-            <a:noFill/>
-          </a:ln>
-        </p:spPr>
-      </p:pic>
+          <p:cNvSpPr txBox="1"/>
+          <p:nvPr>
+            <p:ph idx="1" type="body"/>
+          </p:nvPr>
+        </p:nvSpPr>
+        <p:spPr>
+          <a:xfrm>
+            <a:off x="311700" y="1914475"/>
+            <a:ext cx="8520600" cy="3416400"/>
+          </a:xfrm>
+          <a:prstGeom prst="rect">
+            <a:avLst/>
+          </a:prstGeom>
+        </p:spPr>
+        <p:txBody>
+          <a:bodyPr anchorCtr="0" anchor="t" bIns="91425" lIns="91425" rIns="91425" wrap="square" tIns="91425">
+            <a:noAutofit/>
+          </a:bodyPr>
+          <a:lstStyle/>
+          <a:p>
+            <a:pPr lvl="0" rtl="0" algn="ctr">
+              <a:spcBef>
+                <a:spcPts val="0"/>
+              </a:spcBef>
+              <a:buNone/>
+            </a:pPr>
+            <a:r>
+              <a:rPr lang="en" sz="2400"/>
+              <a:t>Psychology  +  Programmer  +  Grammer</a:t>
+            </a:r>
+          </a:p>
+          <a:p>
+            <a:pPr indent="0" lvl="0" marL="457200" rtl="0">
+              <a:spcBef>
+                <a:spcPts val="0"/>
+              </a:spcBef>
+              <a:buNone/>
+            </a:pPr>
+            <a:r>
+              <a:t/>
+            </a:r>
+            <a:endParaRPr/>
+          </a:p>
+        </p:txBody>
+      </p:sp>
+      <p:sp>
+        <p:nvSpPr>
+          <p:cNvPr id="86" name="Shape 86"/>
+          <p:cNvSpPr txBox="1"/>
+          <p:nvPr>
+            <p:ph idx="1" type="body"/>
+          </p:nvPr>
+        </p:nvSpPr>
+        <p:spPr>
+          <a:xfrm>
+            <a:off x="1602000" y="2464725"/>
+            <a:ext cx="2347800" cy="1943700"/>
+          </a:xfrm>
+          <a:prstGeom prst="rect">
+            <a:avLst/>
+          </a:prstGeom>
+        </p:spPr>
+        <p:txBody>
+          <a:bodyPr anchorCtr="0" anchor="t" bIns="91425" lIns="91425" rIns="91425" wrap="square" tIns="91425">
+            <a:noAutofit/>
+          </a:bodyPr>
+          <a:lstStyle/>
+          <a:p>
+            <a:pPr indent="-317500" lvl="0" marL="457200" rtl="0">
+              <a:spcBef>
+                <a:spcPts val="0"/>
+              </a:spcBef>
+              <a:spcAft>
+                <a:spcPts val="0"/>
+              </a:spcAft>
+              <a:buSzPts val="1400"/>
+              <a:buChar char="●"/>
+            </a:pPr>
+            <a:r>
+              <a:rPr lang="en" sz="1400"/>
+              <a:t>심리학, </a:t>
+            </a:r>
+          </a:p>
+          <a:p>
+            <a:pPr indent="-317500" lvl="0" marL="457200" rtl="0">
+              <a:spcBef>
+                <a:spcPts val="0"/>
+              </a:spcBef>
+              <a:spcAft>
+                <a:spcPts val="0"/>
+              </a:spcAft>
+              <a:buSzPts val="1400"/>
+              <a:buChar char="●"/>
+            </a:pPr>
+            <a:r>
+              <a:rPr lang="en" sz="1400"/>
+              <a:t>인간 심성 모형, </a:t>
+            </a:r>
+          </a:p>
+          <a:p>
+            <a:pPr indent="-317500" lvl="0" marL="457200" rtl="0">
+              <a:spcBef>
+                <a:spcPts val="0"/>
+              </a:spcBef>
+              <a:spcAft>
+                <a:spcPts val="0"/>
+              </a:spcAft>
+              <a:buSzPts val="1400"/>
+              <a:buChar char="●"/>
+            </a:pPr>
+            <a:r>
+              <a:rPr lang="en" sz="1400"/>
+              <a:t>인간 행동 분석</a:t>
+            </a:r>
+          </a:p>
+          <a:p>
+            <a:pPr indent="-317500" lvl="0" marL="457200" rtl="0">
+              <a:spcBef>
+                <a:spcPts val="0"/>
+              </a:spcBef>
+              <a:buSzPts val="1400"/>
+              <a:buChar char="●"/>
+            </a:pPr>
+            <a:r>
+              <a:rPr lang="en" sz="1400"/>
+              <a:t>사회과</a:t>
+            </a:r>
+            <a:r>
+              <a:rPr lang="en" sz="1400"/>
+              <a:t>학 </a:t>
+            </a:r>
+            <a:r>
+              <a:rPr lang="en" sz="1400"/>
+              <a:t>도메인</a:t>
+            </a:r>
+          </a:p>
+          <a:p>
+            <a:pPr indent="0" lvl="0" marL="457200" rtl="0">
+              <a:spcBef>
+                <a:spcPts val="0"/>
+              </a:spcBef>
+              <a:buNone/>
+            </a:pPr>
+            <a:r>
+              <a:t/>
+            </a:r>
+            <a:endParaRPr sz="1400"/>
+          </a:p>
+        </p:txBody>
+      </p:sp>
+      <p:sp>
+        <p:nvSpPr>
+          <p:cNvPr id="87" name="Shape 87"/>
+          <p:cNvSpPr txBox="1"/>
+          <p:nvPr>
+            <p:ph idx="1" type="body"/>
+          </p:nvPr>
+        </p:nvSpPr>
+        <p:spPr>
+          <a:xfrm>
+            <a:off x="3659400" y="2464725"/>
+            <a:ext cx="1822500" cy="1943700"/>
+          </a:xfrm>
+          <a:prstGeom prst="rect">
+            <a:avLst/>
+          </a:prstGeom>
+        </p:spPr>
+        <p:txBody>
+          <a:bodyPr anchorCtr="0" anchor="t" bIns="91425" lIns="91425" rIns="91425" wrap="square" tIns="91425">
+            <a:noAutofit/>
+          </a:bodyPr>
+          <a:lstStyle/>
+          <a:p>
+            <a:pPr indent="-317500" lvl="0" marL="457200" rtl="0">
+              <a:spcBef>
+                <a:spcPts val="0"/>
+              </a:spcBef>
+              <a:spcAft>
+                <a:spcPts val="0"/>
+              </a:spcAft>
+              <a:buSzPts val="1400"/>
+              <a:buChar char="●"/>
+            </a:pPr>
+            <a:r>
+              <a:rPr lang="en" sz="1400"/>
+              <a:t>프로그래밍</a:t>
+            </a:r>
+            <a:r>
+              <a:rPr lang="en" sz="1400"/>
+              <a:t> </a:t>
+            </a:r>
+          </a:p>
+          <a:p>
+            <a:pPr indent="-317500" lvl="0" marL="457200" rtl="0">
+              <a:spcBef>
+                <a:spcPts val="0"/>
+              </a:spcBef>
+              <a:spcAft>
+                <a:spcPts val="0"/>
+              </a:spcAft>
+              <a:buSzPts val="1400"/>
+              <a:buChar char="●"/>
+            </a:pPr>
+            <a:r>
+              <a:rPr lang="en" sz="1400"/>
+              <a:t>프로그래밍</a:t>
+            </a:r>
+            <a:r>
+              <a:rPr lang="en" sz="1400"/>
+              <a:t>이 심화되고 있는 데이터 분석 방법론</a:t>
+            </a:r>
+          </a:p>
+          <a:p>
+            <a:pPr indent="-317500" lvl="0" marL="457200" rtl="0">
+              <a:spcBef>
+                <a:spcPts val="0"/>
+              </a:spcBef>
+              <a:spcAft>
+                <a:spcPts val="0"/>
+              </a:spcAft>
+              <a:buSzPts val="1400"/>
+              <a:buChar char="●"/>
+            </a:pPr>
+            <a:r>
+              <a:rPr lang="en" sz="1400"/>
+              <a:t>심리학실험 도구</a:t>
+            </a:r>
+          </a:p>
+          <a:p>
+            <a:pPr indent="-317500" lvl="0" marL="457200" rtl="0">
+              <a:spcBef>
+                <a:spcPts val="0"/>
+              </a:spcBef>
+              <a:buSzPts val="1400"/>
+              <a:buChar char="●"/>
+            </a:pPr>
+            <a:r>
+              <a:rPr lang="en" sz="1400"/>
+              <a:t>온라인 테스트 도구</a:t>
+            </a:r>
+          </a:p>
+        </p:txBody>
+      </p:sp>
+      <p:sp>
+        <p:nvSpPr>
+          <p:cNvPr id="88" name="Shape 88"/>
+          <p:cNvSpPr txBox="1"/>
+          <p:nvPr>
+            <p:ph idx="1" type="body"/>
+          </p:nvPr>
+        </p:nvSpPr>
+        <p:spPr>
+          <a:xfrm>
+            <a:off x="5869200" y="2464725"/>
+            <a:ext cx="1822500" cy="1943700"/>
+          </a:xfrm>
+          <a:prstGeom prst="rect">
+            <a:avLst/>
+          </a:prstGeom>
+        </p:spPr>
+        <p:txBody>
+          <a:bodyPr anchorCtr="0" anchor="t" bIns="91425" lIns="91425" rIns="91425" wrap="square" tIns="91425">
+            <a:noAutofit/>
+          </a:bodyPr>
+          <a:lstStyle/>
+          <a:p>
+            <a:pPr indent="-317500" lvl="0" marL="457200" rtl="0">
+              <a:spcBef>
+                <a:spcPts val="0"/>
+              </a:spcBef>
+              <a:spcAft>
+                <a:spcPts val="0"/>
+              </a:spcAft>
+              <a:buSzPts val="1400"/>
+              <a:buChar char="●"/>
+            </a:pPr>
+            <a:r>
+              <a:rPr lang="en" sz="1400"/>
+              <a:t>인간 심리와 관련한 ‘법칙'을 드러내고 계산적 모델링을 가능하게 해주는 모든 도구 &amp; 모형들</a:t>
+            </a:r>
+          </a:p>
+          <a:p>
+            <a:pPr indent="-317500" lvl="0" marL="457200" rtl="0">
+              <a:spcBef>
+                <a:spcPts val="0"/>
+              </a:spcBef>
+              <a:buSzPts val="1400"/>
+              <a:buChar char="●"/>
+            </a:pPr>
+            <a:r>
+              <a:rPr lang="en" sz="1400"/>
+              <a:t>통계, 뇌과학, 기계학습,딥러닝, 언어학, 수학 ..</a:t>
+            </a:r>
+          </a:p>
+        </p:txBody>
+      </p:sp>
     </p:spTree>
   </p:cSld>
   <p:clrMapOvr>
@@ -5674,7 +8971,7 @@
   <p:cSld>
     <p:spTree>
       <p:nvGrpSpPr>
-        <p:cNvPr id="89" name="Shape 89"/>
+        <p:cNvPr id="92" name="Shape 92"/>
         <p:cNvGrpSpPr/>
         <p:nvPr/>
       </p:nvGrpSpPr>
@@ -5688,7 +8985,7 @@
       </p:grpSpPr>
       <p:sp>
         <p:nvSpPr>
-          <p:cNvPr id="90" name="Shape 90"/>
+          <p:cNvPr id="93" name="Shape 93"/>
           <p:cNvSpPr txBox="1"/>
           <p:nvPr>
             <p:ph type="title"/>
@@ -5717,14 +9014,14 @@
             </a:pPr>
             <a:r>
               <a:rPr lang="en"/>
-              <a:t>2014 - 2015</a:t>
+              <a:t>2013</a:t>
             </a:r>
           </a:p>
         </p:txBody>
       </p:sp>
       <p:pic>
         <p:nvPicPr>
-          <p:cNvPr id="91" name="Shape 91"/>
+          <p:cNvPr id="94" name="Shape 94"/>
           <p:cNvPicPr preferRelativeResize="0"/>
           <p:nvPr/>
         </p:nvPicPr>
@@ -5738,8 +9035,8 @@
         </p:blipFill>
         <p:spPr>
           <a:xfrm>
-            <a:off x="3675350" y="1334800"/>
-            <a:ext cx="1971675" cy="2952750"/>
+            <a:off x="2207450" y="1144475"/>
+            <a:ext cx="4897150" cy="3494325"/>
           </a:xfrm>
           <a:prstGeom prst="rect">
             <a:avLst/>
@@ -5763,7 +9060,7 @@
   <p:cSld>
     <p:spTree>
       <p:nvGrpSpPr>
-        <p:cNvPr id="95" name="Shape 95"/>
+        <p:cNvPr id="98" name="Shape 98"/>
         <p:cNvGrpSpPr/>
         <p:nvPr/>
       </p:nvGrpSpPr>
@@ -5777,7 +9074,7 @@
       </p:grpSpPr>
       <p:sp>
         <p:nvSpPr>
-          <p:cNvPr id="96" name="Shape 96"/>
+          <p:cNvPr id="99" name="Shape 99"/>
           <p:cNvSpPr txBox="1"/>
           <p:nvPr>
             <p:ph type="title"/>
@@ -5806,14 +9103,14 @@
             </a:pPr>
             <a:r>
               <a:rPr lang="en"/>
-              <a:t>2016</a:t>
+              <a:t>2013</a:t>
             </a:r>
           </a:p>
         </p:txBody>
       </p:sp>
       <p:pic>
         <p:nvPicPr>
-          <p:cNvPr id="97" name="Shape 97"/>
+          <p:cNvPr id="100" name="Shape 100"/>
           <p:cNvPicPr preferRelativeResize="0"/>
           <p:nvPr/>
         </p:nvPicPr>
@@ -5827,8 +9124,8 @@
         </p:blipFill>
         <p:spPr>
           <a:xfrm>
-            <a:off x="2667000" y="1299550"/>
-            <a:ext cx="3810000" cy="2857500"/>
+            <a:off x="2207450" y="1144475"/>
+            <a:ext cx="4897150" cy="3494325"/>
           </a:xfrm>
           <a:prstGeom prst="rect">
             <a:avLst/>
@@ -5839,6 +9136,136 @@
           </a:ln>
         </p:spPr>
       </p:pic>
+      <p:sp>
+        <p:nvSpPr>
+          <p:cNvPr id="101" name="Shape 101"/>
+          <p:cNvSpPr/>
+          <p:nvPr/>
+        </p:nvSpPr>
+        <p:spPr>
+          <a:xfrm>
+            <a:off x="5452975" y="3949825"/>
+            <a:ext cx="1024500" cy="875100"/>
+          </a:xfrm>
+          <a:prstGeom prst="roundRect">
+            <a:avLst>
+              <a:gd fmla="val 16667" name="adj"/>
+            </a:avLst>
+          </a:prstGeom>
+          <a:noFill/>
+          <a:ln cap="flat" cmpd="sng" w="38100">
+            <a:solidFill>
+              <a:srgbClr val="FF0000"/>
+            </a:solidFill>
+            <a:prstDash val="solid"/>
+            <a:round/>
+            <a:headEnd len="med" w="med" type="none"/>
+            <a:tailEnd len="med" w="med" type="none"/>
+          </a:ln>
+        </p:spPr>
+        <p:txBody>
+          <a:bodyPr anchorCtr="0" anchor="ctr" bIns="91425" lIns="91425" rIns="91425" wrap="square" tIns="91425">
+            <a:noAutofit/>
+          </a:bodyPr>
+          <a:lstStyle/>
+          <a:p>
+            <a:pPr lvl="0">
+              <a:spcBef>
+                <a:spcPts val="0"/>
+              </a:spcBef>
+              <a:buNone/>
+            </a:pPr>
+            <a:r>
+              <a:t/>
+            </a:r>
+            <a:endParaRPr/>
+          </a:p>
+        </p:txBody>
+      </p:sp>
+      <p:sp>
+        <p:nvSpPr>
+          <p:cNvPr id="102" name="Shape 102"/>
+          <p:cNvSpPr txBox="1"/>
+          <p:nvPr/>
+        </p:nvSpPr>
+        <p:spPr>
+          <a:xfrm>
+            <a:off x="7347850" y="3697050"/>
+            <a:ext cx="918600" cy="404100"/>
+          </a:xfrm>
+          <a:prstGeom prst="rect">
+            <a:avLst/>
+          </a:prstGeom>
+          <a:noFill/>
+          <a:ln>
+            <a:noFill/>
+          </a:ln>
+        </p:spPr>
+        <p:txBody>
+          <a:bodyPr anchorCtr="0" anchor="t" bIns="91425" lIns="91425" rIns="91425" wrap="square" tIns="91425">
+            <a:noAutofit/>
+          </a:bodyPr>
+          <a:lstStyle/>
+          <a:p>
+            <a:pPr lvl="0">
+              <a:spcBef>
+                <a:spcPts val="0"/>
+              </a:spcBef>
+              <a:buNone/>
+            </a:pPr>
+            <a:r>
+              <a:rPr lang="en"/>
+              <a:t>R 기초</a:t>
+            </a:r>
+          </a:p>
+        </p:txBody>
+      </p:sp>
+      <p:sp>
+        <p:nvSpPr>
+          <p:cNvPr id="103" name="Shape 103"/>
+          <p:cNvSpPr txBox="1"/>
+          <p:nvPr/>
+        </p:nvSpPr>
+        <p:spPr>
+          <a:xfrm>
+            <a:off x="7347850" y="4075225"/>
+            <a:ext cx="1484400" cy="404100"/>
+          </a:xfrm>
+          <a:prstGeom prst="rect">
+            <a:avLst/>
+          </a:prstGeom>
+          <a:noFill/>
+          <a:ln>
+            <a:noFill/>
+          </a:ln>
+        </p:spPr>
+        <p:txBody>
+          <a:bodyPr anchorCtr="0" anchor="t" bIns="91425" lIns="91425" rIns="91425" wrap="square" tIns="91425">
+            <a:noAutofit/>
+          </a:bodyPr>
+          <a:lstStyle/>
+          <a:p>
+            <a:pPr lvl="0" rtl="0">
+              <a:spcBef>
+                <a:spcPts val="0"/>
+              </a:spcBef>
+              <a:buNone/>
+            </a:pPr>
+            <a:r>
+              <a:rPr lang="en"/>
+              <a:t>파이</a:t>
+            </a:r>
+            <a:r>
+              <a:rPr lang="en"/>
+              <a:t>썬 </a:t>
+            </a:r>
+            <a:r>
+              <a:rPr lang="en"/>
+              <a:t>기초</a:t>
+            </a:r>
+          </a:p>
+        </p:txBody>
+      </p:sp>
     </p:spTree>
   </p:cSld>
   <p:clrMapOvr>
@@ -5852,7 +9279,7 @@
   <p:cSld>
     <p:spTree>
       <p:nvGrpSpPr>
-        <p:cNvPr id="101" name="Shape 101"/>
+        <p:cNvPr id="107" name="Shape 107"/>
         <p:cNvGrpSpPr/>
         <p:nvPr/>
       </p:nvGrpSpPr>
@@ -5866,7 +9293,7 @@
       </p:grpSpPr>
       <p:sp>
         <p:nvSpPr>
-          <p:cNvPr id="102" name="Shape 102"/>
+          <p:cNvPr id="108" name="Shape 108"/>
           <p:cNvSpPr txBox="1"/>
           <p:nvPr>
             <p:ph type="title"/>
@@ -5895,14 +9322,14 @@
             </a:pPr>
             <a:r>
               <a:rPr lang="en"/>
-              <a:t>2017</a:t>
+              <a:t>2014 - 2015</a:t>
             </a:r>
           </a:p>
         </p:txBody>
       </p:sp>
       <p:pic>
         <p:nvPicPr>
-          <p:cNvPr id="103" name="Shape 103"/>
+          <p:cNvPr id="109" name="Shape 109"/>
           <p:cNvPicPr preferRelativeResize="0"/>
           <p:nvPr/>
         </p:nvPicPr>
@@ -5916,8 +9343,8 @@
         </p:blipFill>
         <p:spPr>
           <a:xfrm>
-            <a:off x="2923775" y="1510950"/>
-            <a:ext cx="3429000" cy="2371725"/>
+            <a:off x="3675350" y="1334800"/>
+            <a:ext cx="1971675" cy="2952750"/>
           </a:xfrm>
           <a:prstGeom prst="rect">
             <a:avLst/>
@@ -5937,6 +9364,285 @@
 </file>
 
 <file path=ppt/theme/theme1.xml><?xml version="1.0" encoding="utf-8"?>
+<a:theme xmlns:a="http://schemas.openxmlformats.org/drawingml/2006/main" xmlns:r="http://schemas.openxmlformats.org/officeDocument/2006/relationships" name="Custom Theme">
+  <a:themeElements>
+    <a:clrScheme name="Default">
+      <a:dk1>
+        <a:srgbClr val="000000"/>
+      </a:dk1>
+      <a:lt1>
+        <a:srgbClr val="FFFFFF"/>
+      </a:lt1>
+      <a:dk2>
+        <a:srgbClr val="158158"/>
+      </a:dk2>
+      <a:lt2>
+        <a:srgbClr val="F3F3F3"/>
+      </a:lt2>
+      <a:accent1>
+        <a:srgbClr val="058DC7"/>
+      </a:accent1>
+      <a:accent2>
+        <a:srgbClr val="50B432"/>
+      </a:accent2>
+      <a:accent3>
+        <a:srgbClr val="ED561B"/>
+      </a:accent3>
+      <a:accent4>
+        <a:srgbClr val="EDEF00"/>
+      </a:accent4>
+      <a:accent5>
+        <a:srgbClr val="24CBE5"/>
+      </a:accent5>
+      <a:accent6>
+        <a:srgbClr val="64E572"/>
+      </a:accent6>
+      <a:hlink>
+        <a:srgbClr val="2200CC"/>
+      </a:hlink>
+      <a:folHlink>
+        <a:srgbClr val="551A8B"/>
+      </a:folHlink>
+    </a:clrScheme>
+    <a:fontScheme name="Office">
+      <a:majorFont>
+        <a:latin typeface="Arial"/>
+        <a:ea typeface=""/>
+        <a:cs typeface=""/>
+        <a:font script="Jpan" typeface="ＭＳ Ｐゴシック"/>
+        <a:font script="Hang" typeface="맑은 고딕"/>
+        <a:font script="Hans" typeface="宋体"/>
+        <a:font script="Hant" typeface="新細明體"/>
+        <a:font script="Arab" typeface="Times New Roman"/>
+        <a:font script="Hebr" typeface="Times New Roman"/>
+        <a:font script="Thai" typeface="Angsana New"/>
+        <a:font script="Ethi" typeface="Nyala"/>
+        <a:font script="Beng" typeface="Vrinda"/>
+        <a:font script="Gujr" typeface="Shruti"/>
+        <a:font script="Khmr" typeface="MoolBoran"/>
+        <a:font script="Knda" typeface="Tunga"/>
+        <a:font script="Guru" typeface="Raavi"/>
+        <a:font script="Cans" typeface="Euphemia"/>
+        <a:font script="Cher" typeface="Plantagenet Cherokee"/>
+        <a:font script="Yiii" typeface="Microsoft Yi Baiti"/>
+        <a:font script="Tibt" typeface="Microsoft Himalaya"/>
+        <a:font script="Thaa" typeface="MV Boli"/>
+        <a:font script="Deva" typeface="Mangal"/>
+        <a:font script="Telu" typeface="Gautami"/>
+        <a:font script="Taml" typeface="Latha"/>
+        <a:font script="Syrc" typeface="Estrangelo Edessa"/>
+        <a:font script="Orya" typeface="Kalinga"/>
+        <a:font script="Mlym" typeface="Kartika"/>
+        <a:font script="Laoo" typeface="DokChampa"/>
+        <a:font script="Sinh" typeface="Iskoola Pota"/>
+        <a:font script="Mong" typeface="Mongolian Baiti"/>
+        <a:font script="Viet" typeface="Times New Roman"/>
+        <a:font script="Uigh" typeface="Microsoft Uighur"/>
+        <a:font script="Geor" typeface="Sylfaen"/>
+      </a:majorFont>
+      <a:minorFont>
+        <a:latin typeface="Arial"/>
+        <a:ea typeface=""/>
+        <a:cs typeface=""/>
+        <a:font script="Jpan" typeface="ＭＳ Ｐゴシック"/>
+        <a:font script="Hang" typeface="맑은 고딕"/>
+        <a:font script="Hans" typeface="宋体"/>
+        <a:font script="Hant" typeface="新細明體"/>
+        <a:font script="Arab" typeface="Arial"/>
+        <a:font script="Hebr" typeface="Arial"/>
+        <a:font script="Thai" typeface="Cordia New"/>
+        <a:font script="Ethi" typeface="Nyala"/>
+        <a:font script="Beng" typeface="Vrinda"/>
+        <a:font script="Gujr" typeface="Shruti"/>
+        <a:font script="Khmr" typeface="DaunPenh"/>
+        <a:font script="Knda" typeface="Tunga"/>
+        <a:font script="Guru" typeface="Raavi"/>
+        <a:font script="Cans" typeface="Euphemia"/>
+        <a:font script="Cher" typeface="Plantagenet Cherokee"/>
+        <a:font script="Yiii" typeface="Microsoft Yi Baiti"/>
+        <a:font script="Tibt" typeface="Microsoft Himalaya"/>
+        <a:font script="Thaa" typeface="MV Boli"/>
+        <a:font script="Deva" typeface="Mangal"/>
+        <a:font script="Telu" typeface="Gautami"/>
+        <a:font script="Taml" typeface="Latha"/>
+        <a:font script="Syrc" typeface="Estrangelo Edessa"/>
+        <a:font script="Orya" typeface="Kalinga"/>
+        <a:font script="Mlym" typeface="Kartika"/>
+        <a:font script="Laoo" typeface="DokChampa"/>
+        <a:font script="Sinh" typeface="Iskoola Pota"/>
+        <a:font script="Mong" typeface="Mongolian Baiti"/>
+        <a:font script="Viet" typeface="Arial"/>
+        <a:font script="Uigh" typeface="Microsoft Uighur"/>
+        <a:font script="Geor" typeface="Sylfaen"/>
+      </a:minorFont>
+    </a:fontScheme>
+    <a:fmtScheme name="Office">
+      <a:fillStyleLst>
+        <a:solidFill>
+          <a:schemeClr val="phClr"/>
+        </a:solidFill>
+        <a:gradFill rotWithShape="1">
+          <a:gsLst>
+            <a:gs pos="0">
+              <a:schemeClr val="phClr">
+                <a:tint val="50000"/>
+                <a:satMod val="300000"/>
+              </a:schemeClr>
+            </a:gs>
+            <a:gs pos="35000">
+              <a:schemeClr val="phClr">
+                <a:tint val="37000"/>
+                <a:satMod val="300000"/>
+              </a:schemeClr>
+            </a:gs>
+            <a:gs pos="100000">
+              <a:schemeClr val="phClr">
+                <a:tint val="15000"/>
+                <a:satMod val="350000"/>
+              </a:schemeClr>
+            </a:gs>
+          </a:gsLst>
+          <a:lin ang="16200000" scaled="1"/>
+        </a:gradFill>
+        <a:gradFill rotWithShape="1">
+          <a:gsLst>
+            <a:gs pos="0">
+              <a:schemeClr val="phClr">
+                <a:tint val="100000"/>
+                <a:shade val="100000"/>
+                <a:satMod val="130000"/>
+              </a:schemeClr>
+            </a:gs>
+            <a:gs pos="100000">
+              <a:schemeClr val="phClr">
+                <a:tint val="50000"/>
+                <a:shade val="100000"/>
+                <a:satMod val="350000"/>
+              </a:schemeClr>
+            </a:gs>
+          </a:gsLst>
+          <a:lin ang="16200000" scaled="0"/>
+        </a:gradFill>
+      </a:fillStyleLst>
+      <a:lnStyleLst>
+        <a:ln w="9525" cap="flat" cmpd="sng" algn="ctr">
+          <a:solidFill>
+            <a:schemeClr val="phClr">
+              <a:shade val="95000"/>
+              <a:satMod val="105000"/>
+            </a:schemeClr>
+          </a:solidFill>
+          <a:prstDash val="solid"/>
+        </a:ln>
+        <a:ln w="25400" cap="flat" cmpd="sng" algn="ctr">
+          <a:solidFill>
+            <a:schemeClr val="phClr"/>
+          </a:solidFill>
+          <a:prstDash val="solid"/>
+        </a:ln>
+        <a:ln w="38100" cap="flat" cmpd="sng" algn="ctr">
+          <a:solidFill>
+            <a:schemeClr val="phClr"/>
+          </a:solidFill>
+          <a:prstDash val="solid"/>
+        </a:ln>
+      </a:lnStyleLst>
+      <a:effectStyleLst>
+        <a:effectStyle>
+          <a:effectLst>
+            <a:outerShdw blurRad="40000" dist="20000" dir="5400000" rotWithShape="0">
+              <a:srgbClr val="000000">
+                <a:alpha val="38000"/>
+              </a:srgbClr>
+            </a:outerShdw>
+          </a:effectLst>
+        </a:effectStyle>
+        <a:effectStyle>
+          <a:effectLst>
+            <a:outerShdw blurRad="40000" dist="23000" dir="5400000" rotWithShape="0">
+              <a:srgbClr val="000000">
+                <a:alpha val="35000"/>
+              </a:srgbClr>
+            </a:outerShdw>
+          </a:effectLst>
+        </a:effectStyle>
+        <a:effectStyle>
+          <a:effectLst>
+            <a:outerShdw blurRad="40000" dist="23000" dir="5400000" rotWithShape="0">
+              <a:srgbClr val="000000">
+                <a:alpha val="35000"/>
+              </a:srgbClr>
+            </a:outerShdw>
+          </a:effectLst>
+          <a:scene3d>
+            <a:camera prst="orthographicFront">
+              <a:rot lat="0" lon="0" rev="0"/>
+            </a:camera>
+            <a:lightRig rig="threePt" dir="t">
+              <a:rot lat="0" lon="0" rev="1200000"/>
+            </a:lightRig>
+          </a:scene3d>
+          <a:sp3d>
+            <a:bevelT w="63500" h="25400"/>
+          </a:sp3d>
+        </a:effectStyle>
+      </a:effectStyleLst>
+      <a:bgFillStyleLst>
+        <a:solidFill>
+          <a:schemeClr val="phClr"/>
+        </a:solidFill>
+        <a:gradFill rotWithShape="1">
+          <a:gsLst>
+            <a:gs pos="0">
+              <a:schemeClr val="phClr">
+                <a:tint val="40000"/>
+                <a:satMod val="350000"/>
+              </a:schemeClr>
+            </a:gs>
+            <a:gs pos="40000">
+              <a:schemeClr val="phClr">
+                <a:tint val="45000"/>
+                <a:shade val="99000"/>
+                <a:satMod val="350000"/>
+              </a:schemeClr>
+            </a:gs>
+            <a:gs pos="100000">
+              <a:schemeClr val="phClr">
+                <a:shade val="20000"/>
+                <a:satMod val="255000"/>
+              </a:schemeClr>
+            </a:gs>
+          </a:gsLst>
+          <a:path path="circle">
+            <a:fillToRect l="50000" t="-80000" r="50000" b="180000"/>
+          </a:path>
+        </a:gradFill>
+        <a:gradFill rotWithShape="1">
+          <a:gsLst>
+            <a:gs pos="0">
+              <a:schemeClr val="phClr">
+                <a:tint val="80000"/>
+                <a:satMod val="300000"/>
+              </a:schemeClr>
+            </a:gs>
+            <a:gs pos="100000">
+              <a:schemeClr val="phClr">
+                <a:shade val="30000"/>
+                <a:satMod val="200000"/>
+              </a:schemeClr>
+            </a:gs>
+          </a:gsLst>
+          <a:path path="circle">
+            <a:fillToRect l="50000" t="50000" r="50000" b="50000"/>
+          </a:path>
+        </a:gradFill>
+      </a:bgFillStyleLst>
+    </a:fmtScheme>
+  </a:themeElements>
+</a:theme>
+</file>
+
+<file path=ppt/theme/theme2.xml><?xml version="1.0" encoding="utf-8"?>
 <a:theme xmlns:a="http://schemas.openxmlformats.org/drawingml/2006/main" xmlns:r="http://schemas.openxmlformats.org/officeDocument/2006/relationships" name="Simple Light">
   <a:themeElements>
     <a:clrScheme name="Simple Light">
@@ -6213,283 +9919,4 @@
     </a:fmtScheme>
   </a:themeElements>
 </a:theme>
-</file>
-
-<file path=ppt/theme/theme2.xml><?xml version="1.0" encoding="utf-8"?>
-<a:theme xmlns:a="http://schemas.openxmlformats.org/drawingml/2006/main" xmlns:r="http://schemas.openxmlformats.org/officeDocument/2006/relationships" name="Custom Theme">
-  <a:themeElements>
-    <a:clrScheme name="Default">
-      <a:dk1>
-        <a:srgbClr val="000000"/>
-      </a:dk1>
-      <a:lt1>
-        <a:srgbClr val="FFFFFF"/>
-      </a:lt1>
-      <a:dk2>
-        <a:srgbClr val="158158"/>
-      </a:dk2>
-      <a:lt2>
-        <a:srgbClr val="F3F3F3"/>
-      </a:lt2>
-      <a:accent1>
-        <a:srgbClr val="058DC7"/>
-      </a:accent1>
-      <a:accent2>
-        <a:srgbClr val="50B432"/>
-      </a:accent2>
-      <a:accent3>
-        <a:srgbClr val="ED561B"/>
-      </a:accent3>
-      <a:accent4>
-        <a:srgbClr val="EDEF00"/>
-      </a:accent4>
-      <a:accent5>
-        <a:srgbClr val="24CBE5"/>
-      </a:accent5>
-      <a:accent6>
-        <a:srgbClr val="64E572"/>
-      </a:accent6>
-      <a:hlink>
-        <a:srgbClr val="2200CC"/>
-      </a:hlink>
-      <a:folHlink>
-        <a:srgbClr val="551A8B"/>
-      </a:folHlink>
-    </a:clrScheme>
-    <a:fontScheme name="Office">
-      <a:majorFont>
-        <a:latin typeface="Arial"/>
-        <a:ea typeface=""/>
-        <a:cs typeface=""/>
-        <a:font script="Jpan" typeface="ＭＳ Ｐゴシック"/>
-        <a:font script="Hang" typeface="맑은 고딕"/>
-        <a:font script="Hans" typeface="宋体"/>
-        <a:font script="Hant" typeface="新細明體"/>
-        <a:font script="Arab" typeface="Times New Roman"/>
-        <a:font script="Hebr" typeface="Times New Roman"/>
-        <a:font script="Thai" typeface="Angsana New"/>
-        <a:font script="Ethi" typeface="Nyala"/>
-        <a:font script="Beng" typeface="Vrinda"/>
-        <a:font script="Gujr" typeface="Shruti"/>
-        <a:font script="Khmr" typeface="MoolBoran"/>
-        <a:font script="Knda" typeface="Tunga"/>
-        <a:font script="Guru" typeface="Raavi"/>
-        <a:font script="Cans" typeface="Euphemia"/>
-        <a:font script="Cher" typeface="Plantagenet Cherokee"/>
-        <a:font script="Yiii" typeface="Microsoft Yi Baiti"/>
-        <a:font script="Tibt" typeface="Microsoft Himalaya"/>
-        <a:font script="Thaa" typeface="MV Boli"/>
-        <a:font script="Deva" typeface="Mangal"/>
-        <a:font script="Telu" typeface="Gautami"/>
-        <a:font script="Taml" typeface="Latha"/>
-        <a:font script="Syrc" typeface="Estrangelo Edessa"/>
-        <a:font script="Orya" typeface="Kalinga"/>
-        <a:font script="Mlym" typeface="Kartika"/>
-        <a:font script="Laoo" typeface="DokChampa"/>
-        <a:font script="Sinh" typeface="Iskoola Pota"/>
-        <a:font script="Mong" typeface="Mongolian Baiti"/>
-        <a:font script="Viet" typeface="Times New Roman"/>
-        <a:font script="Uigh" typeface="Microsoft Uighur"/>
-        <a:font script="Geor" typeface="Sylfaen"/>
-      </a:majorFont>
-      <a:minorFont>
-        <a:latin typeface="Arial"/>
-        <a:ea typeface=""/>
-        <a:cs typeface=""/>
-        <a:font script="Jpan" typeface="ＭＳ Ｐゴシック"/>
-        <a:font script="Hang" typeface="맑은 고딕"/>
-        <a:font script="Hans" typeface="宋体"/>
-        <a:font script="Hant" typeface="新細明體"/>
-        <a:font script="Arab" typeface="Arial"/>
-        <a:font script="Hebr" typeface="Arial"/>
-        <a:font script="Thai" typeface="Cordia New"/>
-        <a:font script="Ethi" typeface="Nyala"/>
-        <a:font script="Beng" typeface="Vrinda"/>
-        <a:font script="Gujr" typeface="Shruti"/>
-        <a:font script="Khmr" typeface="DaunPenh"/>
-        <a:font script="Knda" typeface="Tunga"/>
-        <a:font script="Guru" typeface="Raavi"/>
-        <a:font script="Cans" typeface="Euphemia"/>
-        <a:font script="Cher" typeface="Plantagenet Cherokee"/>
-        <a:font script="Yiii" typeface="Microsoft Yi Baiti"/>
-        <a:font script="Tibt" typeface="Microsoft Himalaya"/>
-        <a:font script="Thaa" typeface="MV Boli"/>
-        <a:font script="Deva" typeface="Mangal"/>
-        <a:font script="Telu" typeface="Gautami"/>
-        <a:font script="Taml" typeface="Latha"/>
-        <a:font script="Syrc" typeface="Estrangelo Edessa"/>
-        <a:font script="Orya" typeface="Kalinga"/>
-        <a:font script="Mlym" typeface="Kartika"/>
-        <a:font script="Laoo" typeface="DokChampa"/>
-        <a:font script="Sinh" typeface="Iskoola Pota"/>
-        <a:font script="Mong" typeface="Mongolian Baiti"/>
-        <a:font script="Viet" typeface="Arial"/>
-        <a:font script="Uigh" typeface="Microsoft Uighur"/>
-        <a:font script="Geor" typeface="Sylfaen"/>
-      </a:minorFont>
-    </a:fontScheme>
-    <a:fmtScheme name="Office">
-      <a:fillStyleLst>
-        <a:solidFill>
-          <a:schemeClr val="phClr"/>
-        </a:solidFill>
-        <a:gradFill rotWithShape="1">
-          <a:gsLst>
-            <a:gs pos="0">
-              <a:schemeClr val="phClr">
-                <a:tint val="50000"/>
-                <a:satMod val="300000"/>
-              </a:schemeClr>
-            </a:gs>
-            <a:gs pos="35000">
-              <a:schemeClr val="phClr">
-                <a:tint val="37000"/>
-                <a:satMod val="300000"/>
-              </a:schemeClr>
-            </a:gs>
-            <a:gs pos="100000">
-              <a:schemeClr val="phClr">
-                <a:tint val="15000"/>
-                <a:satMod val="350000"/>
-              </a:schemeClr>
-            </a:gs>
-          </a:gsLst>
-          <a:lin ang="16200000" scaled="1"/>
-        </a:gradFill>
-        <a:gradFill rotWithShape="1">
-          <a:gsLst>
-            <a:gs pos="0">
-              <a:schemeClr val="phClr">
-                <a:tint val="100000"/>
-                <a:shade val="100000"/>
-                <a:satMod val="130000"/>
-              </a:schemeClr>
-            </a:gs>
-            <a:gs pos="100000">
-              <a:schemeClr val="phClr">
-                <a:tint val="50000"/>
-                <a:shade val="100000"/>
-                <a:satMod val="350000"/>
-              </a:schemeClr>
-            </a:gs>
-          </a:gsLst>
-          <a:lin ang="16200000" scaled="0"/>
-        </a:gradFill>
-      </a:fillStyleLst>
-      <a:lnStyleLst>
-        <a:ln w="9525" cap="flat" cmpd="sng" algn="ctr">
-          <a:solidFill>
-            <a:schemeClr val="phClr">
-              <a:shade val="95000"/>
-              <a:satMod val="105000"/>
-            </a:schemeClr>
-          </a:solidFill>
-          <a:prstDash val="solid"/>
-        </a:ln>
-        <a:ln w="25400" cap="flat" cmpd="sng" algn="ctr">
-          <a:solidFill>
-            <a:schemeClr val="phClr"/>
-          </a:solidFill>
-          <a:prstDash val="solid"/>
-        </a:ln>
-        <a:ln w="38100" cap="flat" cmpd="sng" algn="ctr">
-          <a:solidFill>
-            <a:schemeClr val="phClr"/>
-          </a:solidFill>
-          <a:prstDash val="solid"/>
-        </a:ln>
-      </a:lnStyleLst>
-      <a:effectStyleLst>
-        <a:effectStyle>
-          <a:effectLst>
-            <a:outerShdw blurRad="40000" dist="20000" dir="5400000" rotWithShape="0">
-              <a:srgbClr val="000000">
-                <a:alpha val="38000"/>
-              </a:srgbClr>
-            </a:outerShdw>
-          </a:effectLst>
-        </a:effectStyle>
-        <a:effectStyle>
-          <a:effectLst>
-            <a:outerShdw blurRad="40000" dist="23000" dir="5400000" rotWithShape="0">
-              <a:srgbClr val="000000">
-                <a:alpha val="35000"/>
-              </a:srgbClr>
-            </a:outerShdw>
-          </a:effectLst>
-        </a:effectStyle>
-        <a:effectStyle>
-          <a:effectLst>
-            <a:outerShdw blurRad="40000" dist="23000" dir="5400000" rotWithShape="0">
-              <a:srgbClr val="000000">
-                <a:alpha val="35000"/>
-              </a:srgbClr>
-            </a:outerShdw>
-          </a:effectLst>
-          <a:scene3d>
-            <a:camera prst="orthographicFront">
-              <a:rot lat="0" lon="0" rev="0"/>
-            </a:camera>
-            <a:lightRig rig="threePt" dir="t">
-              <a:rot lat="0" lon="0" rev="1200000"/>
-            </a:lightRig>
-          </a:scene3d>
-          <a:sp3d>
-            <a:bevelT w="63500" h="25400"/>
-          </a:sp3d>
-        </a:effectStyle>
-      </a:effectStyleLst>
-      <a:bgFillStyleLst>
-        <a:solidFill>
-          <a:schemeClr val="phClr"/>
-        </a:solidFill>
-        <a:gradFill rotWithShape="1">
-          <a:gsLst>
-            <a:gs pos="0">
-              <a:schemeClr val="phClr">
-                <a:tint val="40000"/>
-                <a:satMod val="350000"/>
-              </a:schemeClr>
-            </a:gs>
-            <a:gs pos="40000">
-              <a:schemeClr val="phClr">
-                <a:tint val="45000"/>
-                <a:shade val="99000"/>
-                <a:satMod val="350000"/>
-              </a:schemeClr>
-            </a:gs>
-            <a:gs pos="100000">
-              <a:schemeClr val="phClr">
-                <a:shade val="20000"/>
-                <a:satMod val="255000"/>
-              </a:schemeClr>
-            </a:gs>
-          </a:gsLst>
-          <a:path path="circle">
-            <a:fillToRect l="50000" t="-80000" r="50000" b="180000"/>
-          </a:path>
-        </a:gradFill>
-        <a:gradFill rotWithShape="1">
-          <a:gsLst>
-            <a:gs pos="0">
-              <a:schemeClr val="phClr">
-                <a:tint val="80000"/>
-                <a:satMod val="300000"/>
-              </a:schemeClr>
-            </a:gs>
-            <a:gs pos="100000">
-              <a:schemeClr val="phClr">
-                <a:shade val="30000"/>
-                <a:satMod val="200000"/>
-              </a:schemeClr>
-            </a:gs>
-          </a:gsLst>
-          <a:path path="circle">
-            <a:fillToRect l="50000" t="50000" r="50000" b="50000"/>
-          </a:path>
-        </a:gradFill>
-      </a:bgFillStyleLst>
-    </a:fmtScheme>
-  </a:themeElements>
-</a:theme>
 </file>
--- a/2017/presentation/study/싸이그래머_소개_스터디뽀개기2017.pptx
+++ b/2017/presentation/study/싸이그래머_소개_스터디뽀개기2017.pptx
@@ -23,6 +23,22 @@
     <p:sldId id="268" r:id="rId17"/>
     <p:sldId id="269" r:id="rId18"/>
     <p:sldId id="270" r:id="rId19"/>
+    <p:sldId id="271" r:id="rId20"/>
+    <p:sldId id="272" r:id="rId21"/>
+    <p:sldId id="273" r:id="rId22"/>
+    <p:sldId id="274" r:id="rId23"/>
+    <p:sldId id="275" r:id="rId24"/>
+    <p:sldId id="276" r:id="rId25"/>
+    <p:sldId id="277" r:id="rId26"/>
+    <p:sldId id="278" r:id="rId27"/>
+    <p:sldId id="279" r:id="rId28"/>
+    <p:sldId id="280" r:id="rId29"/>
+    <p:sldId id="281" r:id="rId30"/>
+    <p:sldId id="282" r:id="rId31"/>
+    <p:sldId id="283" r:id="rId32"/>
+    <p:sldId id="284" r:id="rId33"/>
+    <p:sldId id="285" r:id="rId34"/>
+    <p:sldId id="286" r:id="rId35"/>
   </p:sldIdLst>
   <p:sldSz cy="5143500" cx="9144000"/>
   <p:notesSz cx="6858000" cy="9144000"/>
@@ -783,7 +799,7 @@
   <p:cSld>
     <p:spTree>
       <p:nvGrpSpPr>
-        <p:cNvPr id="185" name="Shape 185"/>
+        <p:cNvPr id="187" name="Shape 187"/>
         <p:cNvGrpSpPr/>
         <p:nvPr/>
       </p:nvGrpSpPr>
@@ -797,7 +813,7 @@
       </p:grpSpPr>
       <p:sp>
         <p:nvSpPr>
-          <p:cNvPr id="186" name="Shape 186"/>
+          <p:cNvPr id="188" name="Shape 188"/>
           <p:cNvSpPr/>
           <p:nvPr>
             <p:ph idx="2" type="sldImg"/>
@@ -831,7 +847,7 @@
       </p:sp>
       <p:sp>
         <p:nvSpPr>
-          <p:cNvPr id="187" name="Shape 187"/>
+          <p:cNvPr id="189" name="Shape 189"/>
           <p:cNvSpPr txBox="1"/>
           <p:nvPr>
             <p:ph idx="1" type="body"/>
@@ -878,7 +894,7 @@
   <p:cSld>
     <p:spTree>
       <p:nvGrpSpPr>
-        <p:cNvPr id="191" name="Shape 191"/>
+        <p:cNvPr id="193" name="Shape 193"/>
         <p:cNvGrpSpPr/>
         <p:nvPr/>
       </p:nvGrpSpPr>
@@ -892,7 +908,7 @@
       </p:grpSpPr>
       <p:sp>
         <p:nvSpPr>
-          <p:cNvPr id="192" name="Shape 192"/>
+          <p:cNvPr id="194" name="Shape 194"/>
           <p:cNvSpPr/>
           <p:nvPr>
             <p:ph idx="2" type="sldImg"/>
@@ -926,7 +942,7 @@
       </p:sp>
       <p:sp>
         <p:nvSpPr>
-          <p:cNvPr id="193" name="Shape 193"/>
+          <p:cNvPr id="195" name="Shape 195"/>
           <p:cNvSpPr txBox="1"/>
           <p:nvPr>
             <p:ph idx="1" type="body"/>
@@ -973,7 +989,7 @@
   <p:cSld>
     <p:spTree>
       <p:nvGrpSpPr>
-        <p:cNvPr id="197" name="Shape 197"/>
+        <p:cNvPr id="235" name="Shape 235"/>
         <p:cNvGrpSpPr/>
         <p:nvPr/>
       </p:nvGrpSpPr>
@@ -987,7 +1003,7 @@
       </p:grpSpPr>
       <p:sp>
         <p:nvSpPr>
-          <p:cNvPr id="198" name="Shape 198"/>
+          <p:cNvPr id="236" name="Shape 236"/>
           <p:cNvSpPr/>
           <p:nvPr>
             <p:ph idx="2" type="sldImg"/>
@@ -1021,7 +1037,387 @@
       </p:sp>
       <p:sp>
         <p:nvSpPr>
-          <p:cNvPr id="199" name="Shape 199"/>
+          <p:cNvPr id="237" name="Shape 237"/>
+          <p:cNvSpPr txBox="1"/>
+          <p:nvPr>
+            <p:ph idx="1" type="body"/>
+          </p:nvPr>
+        </p:nvSpPr>
+        <p:spPr>
+          <a:xfrm>
+            <a:off x="685800" y="4343400"/>
+            <a:ext cx="5486400" cy="4114800"/>
+          </a:xfrm>
+          <a:prstGeom prst="rect">
+            <a:avLst/>
+          </a:prstGeom>
+        </p:spPr>
+        <p:txBody>
+          <a:bodyPr anchorCtr="0" anchor="t" bIns="91425" lIns="91425" rIns="91425" wrap="square" tIns="91425">
+            <a:noAutofit/>
+          </a:bodyPr>
+          <a:lstStyle/>
+          <a:p>
+            <a:pPr lvl="0" rtl="0">
+              <a:spcBef>
+                <a:spcPts val="0"/>
+              </a:spcBef>
+              <a:buNone/>
+            </a:pPr>
+            <a:r>
+              <a:t/>
+            </a:r>
+            <a:endParaRPr/>
+          </a:p>
+        </p:txBody>
+      </p:sp>
+    </p:spTree>
+  </p:cSld>
+  <p:clrMapOvr>
+    <a:masterClrMapping/>
+  </p:clrMapOvr>
+</p:notes>
+</file>
+
+<file path=ppt/notesSlides/notesSlide16.xml><?xml version="1.0" encoding="utf-8"?>
+<p:notes xmlns:a="http://schemas.openxmlformats.org/drawingml/2006/main" xmlns:r="http://schemas.openxmlformats.org/officeDocument/2006/relationships" xmlns:mc="http://schemas.openxmlformats.org/markup-compatibility/2006" xmlns:mv="urn:schemas-microsoft-com:mac:vml" xmlns:p="http://schemas.openxmlformats.org/presentationml/2006/main" xmlns:c="http://schemas.openxmlformats.org/drawingml/2006/chart" xmlns:dgm="http://schemas.openxmlformats.org/drawingml/2006/diagram" xmlns:o="urn:schemas-microsoft-com:office:office" xmlns:v="urn:schemas-microsoft-com:vml" xmlns:pvml="urn:schemas-microsoft-com:office:powerpoint" xmlns:com="http://schemas.openxmlformats.org/drawingml/2006/compatibility" xmlns:p14="http://schemas.microsoft.com/office/powerpoint/2010/main" xmlns:p15="http://schemas.microsoft.com/office/powerpoint/2012/main" showMasterPhAnim="0" showMasterSp="0">
+  <p:cSld>
+    <p:spTree>
+      <p:nvGrpSpPr>
+        <p:cNvPr id="242" name="Shape 242"/>
+        <p:cNvGrpSpPr/>
+        <p:nvPr/>
+      </p:nvGrpSpPr>
+      <p:grpSpPr>
+        <a:xfrm>
+          <a:off x="0" y="0"/>
+          <a:ext cx="0" cy="0"/>
+          <a:chOff x="0" y="0"/>
+          <a:chExt cx="0" cy="0"/>
+        </a:xfrm>
+      </p:grpSpPr>
+      <p:sp>
+        <p:nvSpPr>
+          <p:cNvPr id="243" name="Shape 243"/>
+          <p:cNvSpPr/>
+          <p:nvPr>
+            <p:ph idx="2" type="sldImg"/>
+          </p:nvPr>
+        </p:nvSpPr>
+        <p:spPr>
+          <a:xfrm>
+            <a:off x="381300" y="685800"/>
+            <a:ext cx="6096000" cy="3429000"/>
+          </a:xfrm>
+          <a:custGeom>
+            <a:pathLst>
+              <a:path extrusionOk="0" h="120000" w="120000">
+                <a:moveTo>
+                  <a:pt x="0" y="0"/>
+                </a:moveTo>
+                <a:lnTo>
+                  <a:pt x="120000" y="0"/>
+                </a:lnTo>
+                <a:lnTo>
+                  <a:pt x="120000" y="120000"/>
+                </a:lnTo>
+                <a:lnTo>
+                  <a:pt x="0" y="120000"/>
+                </a:lnTo>
+                <a:close/>
+              </a:path>
+            </a:pathLst>
+          </a:custGeom>
+        </p:spPr>
+      </p:sp>
+      <p:sp>
+        <p:nvSpPr>
+          <p:cNvPr id="244" name="Shape 244"/>
+          <p:cNvSpPr txBox="1"/>
+          <p:nvPr>
+            <p:ph idx="1" type="body"/>
+          </p:nvPr>
+        </p:nvSpPr>
+        <p:spPr>
+          <a:xfrm>
+            <a:off x="685800" y="4343400"/>
+            <a:ext cx="5486400" cy="4114800"/>
+          </a:xfrm>
+          <a:prstGeom prst="rect">
+            <a:avLst/>
+          </a:prstGeom>
+        </p:spPr>
+        <p:txBody>
+          <a:bodyPr anchorCtr="0" anchor="t" bIns="91425" lIns="91425" rIns="91425" wrap="square" tIns="91425">
+            <a:noAutofit/>
+          </a:bodyPr>
+          <a:lstStyle/>
+          <a:p>
+            <a:pPr lvl="0" rtl="0">
+              <a:spcBef>
+                <a:spcPts val="0"/>
+              </a:spcBef>
+              <a:buNone/>
+            </a:pPr>
+            <a:r>
+              <a:t/>
+            </a:r>
+            <a:endParaRPr/>
+          </a:p>
+        </p:txBody>
+      </p:sp>
+    </p:spTree>
+  </p:cSld>
+  <p:clrMapOvr>
+    <a:masterClrMapping/>
+  </p:clrMapOvr>
+</p:notes>
+</file>
+
+<file path=ppt/notesSlides/notesSlide17.xml><?xml version="1.0" encoding="utf-8"?>
+<p:notes xmlns:a="http://schemas.openxmlformats.org/drawingml/2006/main" xmlns:r="http://schemas.openxmlformats.org/officeDocument/2006/relationships" xmlns:mc="http://schemas.openxmlformats.org/markup-compatibility/2006" xmlns:mv="urn:schemas-microsoft-com:mac:vml" xmlns:p="http://schemas.openxmlformats.org/presentationml/2006/main" xmlns:c="http://schemas.openxmlformats.org/drawingml/2006/chart" xmlns:dgm="http://schemas.openxmlformats.org/drawingml/2006/diagram" xmlns:o="urn:schemas-microsoft-com:office:office" xmlns:v="urn:schemas-microsoft-com:vml" xmlns:pvml="urn:schemas-microsoft-com:office:powerpoint" xmlns:com="http://schemas.openxmlformats.org/drawingml/2006/compatibility" xmlns:p14="http://schemas.microsoft.com/office/powerpoint/2010/main" xmlns:p15="http://schemas.microsoft.com/office/powerpoint/2012/main" showMasterPhAnim="0" showMasterSp="0">
+  <p:cSld>
+    <p:spTree>
+      <p:nvGrpSpPr>
+        <p:cNvPr id="248" name="Shape 248"/>
+        <p:cNvGrpSpPr/>
+        <p:nvPr/>
+      </p:nvGrpSpPr>
+      <p:grpSpPr>
+        <a:xfrm>
+          <a:off x="0" y="0"/>
+          <a:ext cx="0" cy="0"/>
+          <a:chOff x="0" y="0"/>
+          <a:chExt cx="0" cy="0"/>
+        </a:xfrm>
+      </p:grpSpPr>
+      <p:sp>
+        <p:nvSpPr>
+          <p:cNvPr id="249" name="Shape 249"/>
+          <p:cNvSpPr/>
+          <p:nvPr>
+            <p:ph idx="2" type="sldImg"/>
+          </p:nvPr>
+        </p:nvSpPr>
+        <p:spPr>
+          <a:xfrm>
+            <a:off x="381300" y="685800"/>
+            <a:ext cx="6096000" cy="3429000"/>
+          </a:xfrm>
+          <a:custGeom>
+            <a:pathLst>
+              <a:path extrusionOk="0" h="120000" w="120000">
+                <a:moveTo>
+                  <a:pt x="0" y="0"/>
+                </a:moveTo>
+                <a:lnTo>
+                  <a:pt x="120000" y="0"/>
+                </a:lnTo>
+                <a:lnTo>
+                  <a:pt x="120000" y="120000"/>
+                </a:lnTo>
+                <a:lnTo>
+                  <a:pt x="0" y="120000"/>
+                </a:lnTo>
+                <a:close/>
+              </a:path>
+            </a:pathLst>
+          </a:custGeom>
+        </p:spPr>
+      </p:sp>
+      <p:sp>
+        <p:nvSpPr>
+          <p:cNvPr id="250" name="Shape 250"/>
+          <p:cNvSpPr txBox="1"/>
+          <p:nvPr>
+            <p:ph idx="1" type="body"/>
+          </p:nvPr>
+        </p:nvSpPr>
+        <p:spPr>
+          <a:xfrm>
+            <a:off x="685800" y="4343400"/>
+            <a:ext cx="5486400" cy="4114800"/>
+          </a:xfrm>
+          <a:prstGeom prst="rect">
+            <a:avLst/>
+          </a:prstGeom>
+        </p:spPr>
+        <p:txBody>
+          <a:bodyPr anchorCtr="0" anchor="t" bIns="91425" lIns="91425" rIns="91425" wrap="square" tIns="91425">
+            <a:noAutofit/>
+          </a:bodyPr>
+          <a:lstStyle/>
+          <a:p>
+            <a:pPr lvl="0" rtl="0">
+              <a:spcBef>
+                <a:spcPts val="0"/>
+              </a:spcBef>
+              <a:buNone/>
+            </a:pPr>
+            <a:r>
+              <a:t/>
+            </a:r>
+            <a:endParaRPr/>
+          </a:p>
+        </p:txBody>
+      </p:sp>
+    </p:spTree>
+  </p:cSld>
+  <p:clrMapOvr>
+    <a:masterClrMapping/>
+  </p:clrMapOvr>
+</p:notes>
+</file>
+
+<file path=ppt/notesSlides/notesSlide18.xml><?xml version="1.0" encoding="utf-8"?>
+<p:notes xmlns:a="http://schemas.openxmlformats.org/drawingml/2006/main" xmlns:r="http://schemas.openxmlformats.org/officeDocument/2006/relationships" xmlns:mc="http://schemas.openxmlformats.org/markup-compatibility/2006" xmlns:mv="urn:schemas-microsoft-com:mac:vml" xmlns:p="http://schemas.openxmlformats.org/presentationml/2006/main" xmlns:c="http://schemas.openxmlformats.org/drawingml/2006/chart" xmlns:dgm="http://schemas.openxmlformats.org/drawingml/2006/diagram" xmlns:o="urn:schemas-microsoft-com:office:office" xmlns:v="urn:schemas-microsoft-com:vml" xmlns:pvml="urn:schemas-microsoft-com:office:powerpoint" xmlns:com="http://schemas.openxmlformats.org/drawingml/2006/compatibility" xmlns:p14="http://schemas.microsoft.com/office/powerpoint/2010/main" xmlns:p15="http://schemas.microsoft.com/office/powerpoint/2012/main" showMasterPhAnim="0" showMasterSp="0">
+  <p:cSld>
+    <p:spTree>
+      <p:nvGrpSpPr>
+        <p:cNvPr id="255" name="Shape 255"/>
+        <p:cNvGrpSpPr/>
+        <p:nvPr/>
+      </p:nvGrpSpPr>
+      <p:grpSpPr>
+        <a:xfrm>
+          <a:off x="0" y="0"/>
+          <a:ext cx="0" cy="0"/>
+          <a:chOff x="0" y="0"/>
+          <a:chExt cx="0" cy="0"/>
+        </a:xfrm>
+      </p:grpSpPr>
+      <p:sp>
+        <p:nvSpPr>
+          <p:cNvPr id="256" name="Shape 256"/>
+          <p:cNvSpPr/>
+          <p:nvPr>
+            <p:ph idx="2" type="sldImg"/>
+          </p:nvPr>
+        </p:nvSpPr>
+        <p:spPr>
+          <a:xfrm>
+            <a:off x="381300" y="685800"/>
+            <a:ext cx="6096000" cy="3429000"/>
+          </a:xfrm>
+          <a:custGeom>
+            <a:pathLst>
+              <a:path extrusionOk="0" h="120000" w="120000">
+                <a:moveTo>
+                  <a:pt x="0" y="0"/>
+                </a:moveTo>
+                <a:lnTo>
+                  <a:pt x="120000" y="0"/>
+                </a:lnTo>
+                <a:lnTo>
+                  <a:pt x="120000" y="120000"/>
+                </a:lnTo>
+                <a:lnTo>
+                  <a:pt x="0" y="120000"/>
+                </a:lnTo>
+                <a:close/>
+              </a:path>
+            </a:pathLst>
+          </a:custGeom>
+        </p:spPr>
+      </p:sp>
+      <p:sp>
+        <p:nvSpPr>
+          <p:cNvPr id="257" name="Shape 257"/>
+          <p:cNvSpPr txBox="1"/>
+          <p:nvPr>
+            <p:ph idx="1" type="body"/>
+          </p:nvPr>
+        </p:nvSpPr>
+        <p:spPr>
+          <a:xfrm>
+            <a:off x="685800" y="4343400"/>
+            <a:ext cx="5486400" cy="4114800"/>
+          </a:xfrm>
+          <a:prstGeom prst="rect">
+            <a:avLst/>
+          </a:prstGeom>
+        </p:spPr>
+        <p:txBody>
+          <a:bodyPr anchorCtr="0" anchor="t" bIns="91425" lIns="91425" rIns="91425" wrap="square" tIns="91425">
+            <a:noAutofit/>
+          </a:bodyPr>
+          <a:lstStyle/>
+          <a:p>
+            <a:pPr lvl="0" rtl="0">
+              <a:spcBef>
+                <a:spcPts val="0"/>
+              </a:spcBef>
+              <a:buNone/>
+            </a:pPr>
+            <a:r>
+              <a:t/>
+            </a:r>
+            <a:endParaRPr/>
+          </a:p>
+        </p:txBody>
+      </p:sp>
+    </p:spTree>
+  </p:cSld>
+  <p:clrMapOvr>
+    <a:masterClrMapping/>
+  </p:clrMapOvr>
+</p:notes>
+</file>
+
+<file path=ppt/notesSlides/notesSlide19.xml><?xml version="1.0" encoding="utf-8"?>
+<p:notes xmlns:a="http://schemas.openxmlformats.org/drawingml/2006/main" xmlns:r="http://schemas.openxmlformats.org/officeDocument/2006/relationships" xmlns:mc="http://schemas.openxmlformats.org/markup-compatibility/2006" xmlns:mv="urn:schemas-microsoft-com:mac:vml" xmlns:p="http://schemas.openxmlformats.org/presentationml/2006/main" xmlns:c="http://schemas.openxmlformats.org/drawingml/2006/chart" xmlns:dgm="http://schemas.openxmlformats.org/drawingml/2006/diagram" xmlns:o="urn:schemas-microsoft-com:office:office" xmlns:v="urn:schemas-microsoft-com:vml" xmlns:pvml="urn:schemas-microsoft-com:office:powerpoint" xmlns:com="http://schemas.openxmlformats.org/drawingml/2006/compatibility" xmlns:p14="http://schemas.microsoft.com/office/powerpoint/2010/main" xmlns:p15="http://schemas.microsoft.com/office/powerpoint/2012/main" showMasterPhAnim="0" showMasterSp="0">
+  <p:cSld>
+    <p:spTree>
+      <p:nvGrpSpPr>
+        <p:cNvPr id="261" name="Shape 261"/>
+        <p:cNvGrpSpPr/>
+        <p:nvPr/>
+      </p:nvGrpSpPr>
+      <p:grpSpPr>
+        <a:xfrm>
+          <a:off x="0" y="0"/>
+          <a:ext cx="0" cy="0"/>
+          <a:chOff x="0" y="0"/>
+          <a:chExt cx="0" cy="0"/>
+        </a:xfrm>
+      </p:grpSpPr>
+      <p:sp>
+        <p:nvSpPr>
+          <p:cNvPr id="262" name="Shape 262"/>
+          <p:cNvSpPr/>
+          <p:nvPr>
+            <p:ph idx="2" type="sldImg"/>
+          </p:nvPr>
+        </p:nvSpPr>
+        <p:spPr>
+          <a:xfrm>
+            <a:off x="381300" y="685800"/>
+            <a:ext cx="6096000" cy="3429000"/>
+          </a:xfrm>
+          <a:custGeom>
+            <a:pathLst>
+              <a:path extrusionOk="0" h="120000" w="120000">
+                <a:moveTo>
+                  <a:pt x="0" y="0"/>
+                </a:moveTo>
+                <a:lnTo>
+                  <a:pt x="120000" y="0"/>
+                </a:lnTo>
+                <a:lnTo>
+                  <a:pt x="120000" y="120000"/>
+                </a:lnTo>
+                <a:lnTo>
+                  <a:pt x="0" y="120000"/>
+                </a:lnTo>
+                <a:close/>
+              </a:path>
+            </a:pathLst>
+          </a:custGeom>
+        </p:spPr>
+      </p:sp>
+      <p:sp>
+        <p:nvSpPr>
+          <p:cNvPr id="263" name="Shape 263"/>
           <p:cNvSpPr txBox="1"/>
           <p:nvPr>
             <p:ph idx="1" type="body"/>
@@ -1158,12 +1554,12 @@
 </p:notes>
 </file>
 
-<file path=ppt/notesSlides/notesSlide3.xml><?xml version="1.0" encoding="utf-8"?>
+<file path=ppt/notesSlides/notesSlide20.xml><?xml version="1.0" encoding="utf-8"?>
 <p:notes xmlns:a="http://schemas.openxmlformats.org/drawingml/2006/main" xmlns:r="http://schemas.openxmlformats.org/officeDocument/2006/relationships" xmlns:mc="http://schemas.openxmlformats.org/markup-compatibility/2006" xmlns:mv="urn:schemas-microsoft-com:mac:vml" xmlns:p="http://schemas.openxmlformats.org/presentationml/2006/main" xmlns:c="http://schemas.openxmlformats.org/drawingml/2006/chart" xmlns:dgm="http://schemas.openxmlformats.org/drawingml/2006/diagram" xmlns:o="urn:schemas-microsoft-com:office:office" xmlns:v="urn:schemas-microsoft-com:vml" xmlns:pvml="urn:schemas-microsoft-com:office:powerpoint" xmlns:com="http://schemas.openxmlformats.org/drawingml/2006/compatibility" xmlns:p14="http://schemas.microsoft.com/office/powerpoint/2010/main" xmlns:p15="http://schemas.microsoft.com/office/powerpoint/2012/main" showMasterPhAnim="0" showMasterSp="0">
   <p:cSld>
     <p:spTree>
       <p:nvGrpSpPr>
-        <p:cNvPr id="62" name="Shape 62"/>
+        <p:cNvPr id="267" name="Shape 267"/>
         <p:cNvGrpSpPr/>
         <p:nvPr/>
       </p:nvGrpSpPr>
@@ -1177,7 +1573,7 @@
       </p:grpSpPr>
       <p:sp>
         <p:nvSpPr>
-          <p:cNvPr id="63" name="Shape 63"/>
+          <p:cNvPr id="268" name="Shape 268"/>
           <p:cNvSpPr/>
           <p:nvPr>
             <p:ph idx="2" type="sldImg"/>
@@ -1211,7 +1607,7 @@
       </p:sp>
       <p:sp>
         <p:nvSpPr>
-          <p:cNvPr id="64" name="Shape 64"/>
+          <p:cNvPr id="269" name="Shape 269"/>
           <p:cNvSpPr txBox="1"/>
           <p:nvPr>
             <p:ph idx="1" type="body"/>
@@ -1233,6 +1629,1146 @@
           <a:lstStyle/>
           <a:p>
             <a:pPr lvl="0" rtl="0">
+              <a:spcBef>
+                <a:spcPts val="0"/>
+              </a:spcBef>
+              <a:buNone/>
+            </a:pPr>
+            <a:r>
+              <a:t/>
+            </a:r>
+            <a:endParaRPr/>
+          </a:p>
+        </p:txBody>
+      </p:sp>
+    </p:spTree>
+  </p:cSld>
+  <p:clrMapOvr>
+    <a:masterClrMapping/>
+  </p:clrMapOvr>
+</p:notes>
+</file>
+
+<file path=ppt/notesSlides/notesSlide21.xml><?xml version="1.0" encoding="utf-8"?>
+<p:notes xmlns:a="http://schemas.openxmlformats.org/drawingml/2006/main" xmlns:r="http://schemas.openxmlformats.org/officeDocument/2006/relationships" xmlns:mc="http://schemas.openxmlformats.org/markup-compatibility/2006" xmlns:mv="urn:schemas-microsoft-com:mac:vml" xmlns:p="http://schemas.openxmlformats.org/presentationml/2006/main" xmlns:c="http://schemas.openxmlformats.org/drawingml/2006/chart" xmlns:dgm="http://schemas.openxmlformats.org/drawingml/2006/diagram" xmlns:o="urn:schemas-microsoft-com:office:office" xmlns:v="urn:schemas-microsoft-com:vml" xmlns:pvml="urn:schemas-microsoft-com:office:powerpoint" xmlns:com="http://schemas.openxmlformats.org/drawingml/2006/compatibility" xmlns:p14="http://schemas.microsoft.com/office/powerpoint/2010/main" xmlns:p15="http://schemas.microsoft.com/office/powerpoint/2012/main" showMasterPhAnim="0" showMasterSp="0">
+  <p:cSld>
+    <p:spTree>
+      <p:nvGrpSpPr>
+        <p:cNvPr id="276" name="Shape 276"/>
+        <p:cNvGrpSpPr/>
+        <p:nvPr/>
+      </p:nvGrpSpPr>
+      <p:grpSpPr>
+        <a:xfrm>
+          <a:off x="0" y="0"/>
+          <a:ext cx="0" cy="0"/>
+          <a:chOff x="0" y="0"/>
+          <a:chExt cx="0" cy="0"/>
+        </a:xfrm>
+      </p:grpSpPr>
+      <p:sp>
+        <p:nvSpPr>
+          <p:cNvPr id="277" name="Shape 277"/>
+          <p:cNvSpPr/>
+          <p:nvPr>
+            <p:ph idx="2" type="sldImg"/>
+          </p:nvPr>
+        </p:nvSpPr>
+        <p:spPr>
+          <a:xfrm>
+            <a:off x="381300" y="685800"/>
+            <a:ext cx="6096000" cy="3429000"/>
+          </a:xfrm>
+          <a:custGeom>
+            <a:pathLst>
+              <a:path extrusionOk="0" h="120000" w="120000">
+                <a:moveTo>
+                  <a:pt x="0" y="0"/>
+                </a:moveTo>
+                <a:lnTo>
+                  <a:pt x="120000" y="0"/>
+                </a:lnTo>
+                <a:lnTo>
+                  <a:pt x="120000" y="120000"/>
+                </a:lnTo>
+                <a:lnTo>
+                  <a:pt x="0" y="120000"/>
+                </a:lnTo>
+                <a:close/>
+              </a:path>
+            </a:pathLst>
+          </a:custGeom>
+        </p:spPr>
+      </p:sp>
+      <p:sp>
+        <p:nvSpPr>
+          <p:cNvPr id="278" name="Shape 278"/>
+          <p:cNvSpPr txBox="1"/>
+          <p:nvPr>
+            <p:ph idx="1" type="body"/>
+          </p:nvPr>
+        </p:nvSpPr>
+        <p:spPr>
+          <a:xfrm>
+            <a:off x="685800" y="4343400"/>
+            <a:ext cx="5486400" cy="4114800"/>
+          </a:xfrm>
+          <a:prstGeom prst="rect">
+            <a:avLst/>
+          </a:prstGeom>
+        </p:spPr>
+        <p:txBody>
+          <a:bodyPr anchorCtr="0" anchor="t" bIns="91425" lIns="91425" rIns="91425" wrap="square" tIns="91425">
+            <a:noAutofit/>
+          </a:bodyPr>
+          <a:lstStyle/>
+          <a:p>
+            <a:pPr lvl="0" rtl="0">
+              <a:spcBef>
+                <a:spcPts val="0"/>
+              </a:spcBef>
+              <a:buNone/>
+            </a:pPr>
+            <a:r>
+              <a:t/>
+            </a:r>
+            <a:endParaRPr/>
+          </a:p>
+        </p:txBody>
+      </p:sp>
+    </p:spTree>
+  </p:cSld>
+  <p:clrMapOvr>
+    <a:masterClrMapping/>
+  </p:clrMapOvr>
+</p:notes>
+</file>
+
+<file path=ppt/notesSlides/notesSlide22.xml><?xml version="1.0" encoding="utf-8"?>
+<p:notes xmlns:a="http://schemas.openxmlformats.org/drawingml/2006/main" xmlns:r="http://schemas.openxmlformats.org/officeDocument/2006/relationships" xmlns:mc="http://schemas.openxmlformats.org/markup-compatibility/2006" xmlns:mv="urn:schemas-microsoft-com:mac:vml" xmlns:p="http://schemas.openxmlformats.org/presentationml/2006/main" xmlns:c="http://schemas.openxmlformats.org/drawingml/2006/chart" xmlns:dgm="http://schemas.openxmlformats.org/drawingml/2006/diagram" xmlns:o="urn:schemas-microsoft-com:office:office" xmlns:v="urn:schemas-microsoft-com:vml" xmlns:pvml="urn:schemas-microsoft-com:office:powerpoint" xmlns:com="http://schemas.openxmlformats.org/drawingml/2006/compatibility" xmlns:p14="http://schemas.microsoft.com/office/powerpoint/2010/main" xmlns:p15="http://schemas.microsoft.com/office/powerpoint/2012/main" showMasterPhAnim="0" showMasterSp="0">
+  <p:cSld>
+    <p:spTree>
+      <p:nvGrpSpPr>
+        <p:cNvPr id="285" name="Shape 285"/>
+        <p:cNvGrpSpPr/>
+        <p:nvPr/>
+      </p:nvGrpSpPr>
+      <p:grpSpPr>
+        <a:xfrm>
+          <a:off x="0" y="0"/>
+          <a:ext cx="0" cy="0"/>
+          <a:chOff x="0" y="0"/>
+          <a:chExt cx="0" cy="0"/>
+        </a:xfrm>
+      </p:grpSpPr>
+      <p:sp>
+        <p:nvSpPr>
+          <p:cNvPr id="286" name="Shape 286"/>
+          <p:cNvSpPr/>
+          <p:nvPr>
+            <p:ph idx="2" type="sldImg"/>
+          </p:nvPr>
+        </p:nvSpPr>
+        <p:spPr>
+          <a:xfrm>
+            <a:off x="381300" y="685800"/>
+            <a:ext cx="6096000" cy="3429000"/>
+          </a:xfrm>
+          <a:custGeom>
+            <a:pathLst>
+              <a:path extrusionOk="0" h="120000" w="120000">
+                <a:moveTo>
+                  <a:pt x="0" y="0"/>
+                </a:moveTo>
+                <a:lnTo>
+                  <a:pt x="120000" y="0"/>
+                </a:lnTo>
+                <a:lnTo>
+                  <a:pt x="120000" y="120000"/>
+                </a:lnTo>
+                <a:lnTo>
+                  <a:pt x="0" y="120000"/>
+                </a:lnTo>
+                <a:close/>
+              </a:path>
+            </a:pathLst>
+          </a:custGeom>
+        </p:spPr>
+      </p:sp>
+      <p:sp>
+        <p:nvSpPr>
+          <p:cNvPr id="287" name="Shape 287"/>
+          <p:cNvSpPr txBox="1"/>
+          <p:nvPr>
+            <p:ph idx="1" type="body"/>
+          </p:nvPr>
+        </p:nvSpPr>
+        <p:spPr>
+          <a:xfrm>
+            <a:off x="685800" y="4343400"/>
+            <a:ext cx="5486400" cy="4114800"/>
+          </a:xfrm>
+          <a:prstGeom prst="rect">
+            <a:avLst/>
+          </a:prstGeom>
+        </p:spPr>
+        <p:txBody>
+          <a:bodyPr anchorCtr="0" anchor="t" bIns="91425" lIns="91425" rIns="91425" wrap="square" tIns="91425">
+            <a:noAutofit/>
+          </a:bodyPr>
+          <a:lstStyle/>
+          <a:p>
+            <a:pPr lvl="0" rtl="0">
+              <a:spcBef>
+                <a:spcPts val="0"/>
+              </a:spcBef>
+              <a:buNone/>
+            </a:pPr>
+            <a:r>
+              <a:t/>
+            </a:r>
+            <a:endParaRPr/>
+          </a:p>
+        </p:txBody>
+      </p:sp>
+    </p:spTree>
+  </p:cSld>
+  <p:clrMapOvr>
+    <a:masterClrMapping/>
+  </p:clrMapOvr>
+</p:notes>
+</file>
+
+<file path=ppt/notesSlides/notesSlide23.xml><?xml version="1.0" encoding="utf-8"?>
+<p:notes xmlns:a="http://schemas.openxmlformats.org/drawingml/2006/main" xmlns:r="http://schemas.openxmlformats.org/officeDocument/2006/relationships" xmlns:mc="http://schemas.openxmlformats.org/markup-compatibility/2006" xmlns:mv="urn:schemas-microsoft-com:mac:vml" xmlns:p="http://schemas.openxmlformats.org/presentationml/2006/main" xmlns:c="http://schemas.openxmlformats.org/drawingml/2006/chart" xmlns:dgm="http://schemas.openxmlformats.org/drawingml/2006/diagram" xmlns:o="urn:schemas-microsoft-com:office:office" xmlns:v="urn:schemas-microsoft-com:vml" xmlns:pvml="urn:schemas-microsoft-com:office:powerpoint" xmlns:com="http://schemas.openxmlformats.org/drawingml/2006/compatibility" xmlns:p14="http://schemas.microsoft.com/office/powerpoint/2010/main" xmlns:p15="http://schemas.microsoft.com/office/powerpoint/2012/main" showMasterPhAnim="0" showMasterSp="0">
+  <p:cSld>
+    <p:spTree>
+      <p:nvGrpSpPr>
+        <p:cNvPr id="294" name="Shape 294"/>
+        <p:cNvGrpSpPr/>
+        <p:nvPr/>
+      </p:nvGrpSpPr>
+      <p:grpSpPr>
+        <a:xfrm>
+          <a:off x="0" y="0"/>
+          <a:ext cx="0" cy="0"/>
+          <a:chOff x="0" y="0"/>
+          <a:chExt cx="0" cy="0"/>
+        </a:xfrm>
+      </p:grpSpPr>
+      <p:sp>
+        <p:nvSpPr>
+          <p:cNvPr id="295" name="Shape 295"/>
+          <p:cNvSpPr/>
+          <p:nvPr>
+            <p:ph idx="2" type="sldImg"/>
+          </p:nvPr>
+        </p:nvSpPr>
+        <p:spPr>
+          <a:xfrm>
+            <a:off x="381300" y="685800"/>
+            <a:ext cx="6096000" cy="3429000"/>
+          </a:xfrm>
+          <a:custGeom>
+            <a:pathLst>
+              <a:path extrusionOk="0" h="120000" w="120000">
+                <a:moveTo>
+                  <a:pt x="0" y="0"/>
+                </a:moveTo>
+                <a:lnTo>
+                  <a:pt x="120000" y="0"/>
+                </a:lnTo>
+                <a:lnTo>
+                  <a:pt x="120000" y="120000"/>
+                </a:lnTo>
+                <a:lnTo>
+                  <a:pt x="0" y="120000"/>
+                </a:lnTo>
+                <a:close/>
+              </a:path>
+            </a:pathLst>
+          </a:custGeom>
+        </p:spPr>
+      </p:sp>
+      <p:sp>
+        <p:nvSpPr>
+          <p:cNvPr id="296" name="Shape 296"/>
+          <p:cNvSpPr txBox="1"/>
+          <p:nvPr>
+            <p:ph idx="1" type="body"/>
+          </p:nvPr>
+        </p:nvSpPr>
+        <p:spPr>
+          <a:xfrm>
+            <a:off x="685800" y="4343400"/>
+            <a:ext cx="5486400" cy="4114800"/>
+          </a:xfrm>
+          <a:prstGeom prst="rect">
+            <a:avLst/>
+          </a:prstGeom>
+        </p:spPr>
+        <p:txBody>
+          <a:bodyPr anchorCtr="0" anchor="t" bIns="91425" lIns="91425" rIns="91425" wrap="square" tIns="91425">
+            <a:noAutofit/>
+          </a:bodyPr>
+          <a:lstStyle/>
+          <a:p>
+            <a:pPr lvl="0" rtl="0">
+              <a:spcBef>
+                <a:spcPts val="0"/>
+              </a:spcBef>
+              <a:buNone/>
+            </a:pPr>
+            <a:r>
+              <a:t/>
+            </a:r>
+            <a:endParaRPr/>
+          </a:p>
+        </p:txBody>
+      </p:sp>
+    </p:spTree>
+  </p:cSld>
+  <p:clrMapOvr>
+    <a:masterClrMapping/>
+  </p:clrMapOvr>
+</p:notes>
+</file>
+
+<file path=ppt/notesSlides/notesSlide24.xml><?xml version="1.0" encoding="utf-8"?>
+<p:notes xmlns:a="http://schemas.openxmlformats.org/drawingml/2006/main" xmlns:r="http://schemas.openxmlformats.org/officeDocument/2006/relationships" xmlns:mc="http://schemas.openxmlformats.org/markup-compatibility/2006" xmlns:mv="urn:schemas-microsoft-com:mac:vml" xmlns:p="http://schemas.openxmlformats.org/presentationml/2006/main" xmlns:c="http://schemas.openxmlformats.org/drawingml/2006/chart" xmlns:dgm="http://schemas.openxmlformats.org/drawingml/2006/diagram" xmlns:o="urn:schemas-microsoft-com:office:office" xmlns:v="urn:schemas-microsoft-com:vml" xmlns:pvml="urn:schemas-microsoft-com:office:powerpoint" xmlns:com="http://schemas.openxmlformats.org/drawingml/2006/compatibility" xmlns:p14="http://schemas.microsoft.com/office/powerpoint/2010/main" xmlns:p15="http://schemas.microsoft.com/office/powerpoint/2012/main" showMasterPhAnim="0" showMasterSp="0">
+  <p:cSld>
+    <p:spTree>
+      <p:nvGrpSpPr>
+        <p:cNvPr id="301" name="Shape 301"/>
+        <p:cNvGrpSpPr/>
+        <p:nvPr/>
+      </p:nvGrpSpPr>
+      <p:grpSpPr>
+        <a:xfrm>
+          <a:off x="0" y="0"/>
+          <a:ext cx="0" cy="0"/>
+          <a:chOff x="0" y="0"/>
+          <a:chExt cx="0" cy="0"/>
+        </a:xfrm>
+      </p:grpSpPr>
+      <p:sp>
+        <p:nvSpPr>
+          <p:cNvPr id="302" name="Shape 302"/>
+          <p:cNvSpPr/>
+          <p:nvPr>
+            <p:ph idx="2" type="sldImg"/>
+          </p:nvPr>
+        </p:nvSpPr>
+        <p:spPr>
+          <a:xfrm>
+            <a:off x="381300" y="685800"/>
+            <a:ext cx="6096000" cy="3429000"/>
+          </a:xfrm>
+          <a:custGeom>
+            <a:pathLst>
+              <a:path extrusionOk="0" h="120000" w="120000">
+                <a:moveTo>
+                  <a:pt x="0" y="0"/>
+                </a:moveTo>
+                <a:lnTo>
+                  <a:pt x="120000" y="0"/>
+                </a:lnTo>
+                <a:lnTo>
+                  <a:pt x="120000" y="120000"/>
+                </a:lnTo>
+                <a:lnTo>
+                  <a:pt x="0" y="120000"/>
+                </a:lnTo>
+                <a:close/>
+              </a:path>
+            </a:pathLst>
+          </a:custGeom>
+        </p:spPr>
+      </p:sp>
+      <p:sp>
+        <p:nvSpPr>
+          <p:cNvPr id="303" name="Shape 303"/>
+          <p:cNvSpPr txBox="1"/>
+          <p:nvPr>
+            <p:ph idx="1" type="body"/>
+          </p:nvPr>
+        </p:nvSpPr>
+        <p:spPr>
+          <a:xfrm>
+            <a:off x="685800" y="4343400"/>
+            <a:ext cx="5486400" cy="4114800"/>
+          </a:xfrm>
+          <a:prstGeom prst="rect">
+            <a:avLst/>
+          </a:prstGeom>
+        </p:spPr>
+        <p:txBody>
+          <a:bodyPr anchorCtr="0" anchor="t" bIns="91425" lIns="91425" rIns="91425" wrap="square" tIns="91425">
+            <a:noAutofit/>
+          </a:bodyPr>
+          <a:lstStyle/>
+          <a:p>
+            <a:pPr lvl="0" rtl="0">
+              <a:spcBef>
+                <a:spcPts val="0"/>
+              </a:spcBef>
+              <a:buNone/>
+            </a:pPr>
+            <a:r>
+              <a:t/>
+            </a:r>
+            <a:endParaRPr/>
+          </a:p>
+        </p:txBody>
+      </p:sp>
+    </p:spTree>
+  </p:cSld>
+  <p:clrMapOvr>
+    <a:masterClrMapping/>
+  </p:clrMapOvr>
+</p:notes>
+</file>
+
+<file path=ppt/notesSlides/notesSlide25.xml><?xml version="1.0" encoding="utf-8"?>
+<p:notes xmlns:a="http://schemas.openxmlformats.org/drawingml/2006/main" xmlns:r="http://schemas.openxmlformats.org/officeDocument/2006/relationships" xmlns:mc="http://schemas.openxmlformats.org/markup-compatibility/2006" xmlns:mv="urn:schemas-microsoft-com:mac:vml" xmlns:p="http://schemas.openxmlformats.org/presentationml/2006/main" xmlns:c="http://schemas.openxmlformats.org/drawingml/2006/chart" xmlns:dgm="http://schemas.openxmlformats.org/drawingml/2006/diagram" xmlns:o="urn:schemas-microsoft-com:office:office" xmlns:v="urn:schemas-microsoft-com:vml" xmlns:pvml="urn:schemas-microsoft-com:office:powerpoint" xmlns:com="http://schemas.openxmlformats.org/drawingml/2006/compatibility" xmlns:p14="http://schemas.microsoft.com/office/powerpoint/2010/main" xmlns:p15="http://schemas.microsoft.com/office/powerpoint/2012/main" showMasterPhAnim="0" showMasterSp="0">
+  <p:cSld>
+    <p:spTree>
+      <p:nvGrpSpPr>
+        <p:cNvPr id="308" name="Shape 308"/>
+        <p:cNvGrpSpPr/>
+        <p:nvPr/>
+      </p:nvGrpSpPr>
+      <p:grpSpPr>
+        <a:xfrm>
+          <a:off x="0" y="0"/>
+          <a:ext cx="0" cy="0"/>
+          <a:chOff x="0" y="0"/>
+          <a:chExt cx="0" cy="0"/>
+        </a:xfrm>
+      </p:grpSpPr>
+      <p:sp>
+        <p:nvSpPr>
+          <p:cNvPr id="309" name="Shape 309"/>
+          <p:cNvSpPr/>
+          <p:nvPr>
+            <p:ph idx="2" type="sldImg"/>
+          </p:nvPr>
+        </p:nvSpPr>
+        <p:spPr>
+          <a:xfrm>
+            <a:off x="381300" y="685800"/>
+            <a:ext cx="6096000" cy="3429000"/>
+          </a:xfrm>
+          <a:custGeom>
+            <a:pathLst>
+              <a:path extrusionOk="0" h="120000" w="120000">
+                <a:moveTo>
+                  <a:pt x="0" y="0"/>
+                </a:moveTo>
+                <a:lnTo>
+                  <a:pt x="120000" y="0"/>
+                </a:lnTo>
+                <a:lnTo>
+                  <a:pt x="120000" y="120000"/>
+                </a:lnTo>
+                <a:lnTo>
+                  <a:pt x="0" y="120000"/>
+                </a:lnTo>
+                <a:close/>
+              </a:path>
+            </a:pathLst>
+          </a:custGeom>
+        </p:spPr>
+      </p:sp>
+      <p:sp>
+        <p:nvSpPr>
+          <p:cNvPr id="310" name="Shape 310"/>
+          <p:cNvSpPr txBox="1"/>
+          <p:nvPr>
+            <p:ph idx="1" type="body"/>
+          </p:nvPr>
+        </p:nvSpPr>
+        <p:spPr>
+          <a:xfrm>
+            <a:off x="685800" y="4343400"/>
+            <a:ext cx="5486400" cy="4114800"/>
+          </a:xfrm>
+          <a:prstGeom prst="rect">
+            <a:avLst/>
+          </a:prstGeom>
+        </p:spPr>
+        <p:txBody>
+          <a:bodyPr anchorCtr="0" anchor="t" bIns="91425" lIns="91425" rIns="91425" wrap="square" tIns="91425">
+            <a:noAutofit/>
+          </a:bodyPr>
+          <a:lstStyle/>
+          <a:p>
+            <a:pPr lvl="0" rtl="0">
+              <a:spcBef>
+                <a:spcPts val="0"/>
+              </a:spcBef>
+              <a:buNone/>
+            </a:pPr>
+            <a:r>
+              <a:t/>
+            </a:r>
+            <a:endParaRPr/>
+          </a:p>
+        </p:txBody>
+      </p:sp>
+    </p:spTree>
+  </p:cSld>
+  <p:clrMapOvr>
+    <a:masterClrMapping/>
+  </p:clrMapOvr>
+</p:notes>
+</file>
+
+<file path=ppt/notesSlides/notesSlide26.xml><?xml version="1.0" encoding="utf-8"?>
+<p:notes xmlns:a="http://schemas.openxmlformats.org/drawingml/2006/main" xmlns:r="http://schemas.openxmlformats.org/officeDocument/2006/relationships" xmlns:mc="http://schemas.openxmlformats.org/markup-compatibility/2006" xmlns:mv="urn:schemas-microsoft-com:mac:vml" xmlns:p="http://schemas.openxmlformats.org/presentationml/2006/main" xmlns:c="http://schemas.openxmlformats.org/drawingml/2006/chart" xmlns:dgm="http://schemas.openxmlformats.org/drawingml/2006/diagram" xmlns:o="urn:schemas-microsoft-com:office:office" xmlns:v="urn:schemas-microsoft-com:vml" xmlns:pvml="urn:schemas-microsoft-com:office:powerpoint" xmlns:com="http://schemas.openxmlformats.org/drawingml/2006/compatibility" xmlns:p14="http://schemas.microsoft.com/office/powerpoint/2010/main" xmlns:p15="http://schemas.microsoft.com/office/powerpoint/2012/main" showMasterPhAnim="0" showMasterSp="0">
+  <p:cSld>
+    <p:spTree>
+      <p:nvGrpSpPr>
+        <p:cNvPr id="315" name="Shape 315"/>
+        <p:cNvGrpSpPr/>
+        <p:nvPr/>
+      </p:nvGrpSpPr>
+      <p:grpSpPr>
+        <a:xfrm>
+          <a:off x="0" y="0"/>
+          <a:ext cx="0" cy="0"/>
+          <a:chOff x="0" y="0"/>
+          <a:chExt cx="0" cy="0"/>
+        </a:xfrm>
+      </p:grpSpPr>
+      <p:sp>
+        <p:nvSpPr>
+          <p:cNvPr id="316" name="Shape 316"/>
+          <p:cNvSpPr/>
+          <p:nvPr>
+            <p:ph idx="2" type="sldImg"/>
+          </p:nvPr>
+        </p:nvSpPr>
+        <p:spPr>
+          <a:xfrm>
+            <a:off x="381300" y="685800"/>
+            <a:ext cx="6096000" cy="3429000"/>
+          </a:xfrm>
+          <a:custGeom>
+            <a:pathLst>
+              <a:path extrusionOk="0" h="120000" w="120000">
+                <a:moveTo>
+                  <a:pt x="0" y="0"/>
+                </a:moveTo>
+                <a:lnTo>
+                  <a:pt x="120000" y="0"/>
+                </a:lnTo>
+                <a:lnTo>
+                  <a:pt x="120000" y="120000"/>
+                </a:lnTo>
+                <a:lnTo>
+                  <a:pt x="0" y="120000"/>
+                </a:lnTo>
+                <a:close/>
+              </a:path>
+            </a:pathLst>
+          </a:custGeom>
+        </p:spPr>
+      </p:sp>
+      <p:sp>
+        <p:nvSpPr>
+          <p:cNvPr id="317" name="Shape 317"/>
+          <p:cNvSpPr txBox="1"/>
+          <p:nvPr>
+            <p:ph idx="1" type="body"/>
+          </p:nvPr>
+        </p:nvSpPr>
+        <p:spPr>
+          <a:xfrm>
+            <a:off x="685800" y="4343400"/>
+            <a:ext cx="5486400" cy="4114800"/>
+          </a:xfrm>
+          <a:prstGeom prst="rect">
+            <a:avLst/>
+          </a:prstGeom>
+        </p:spPr>
+        <p:txBody>
+          <a:bodyPr anchorCtr="0" anchor="t" bIns="91425" lIns="91425" rIns="91425" wrap="square" tIns="91425">
+            <a:noAutofit/>
+          </a:bodyPr>
+          <a:lstStyle/>
+          <a:p>
+            <a:pPr lvl="0" rtl="0">
+              <a:spcBef>
+                <a:spcPts val="0"/>
+              </a:spcBef>
+              <a:buNone/>
+            </a:pPr>
+            <a:r>
+              <a:t/>
+            </a:r>
+            <a:endParaRPr/>
+          </a:p>
+        </p:txBody>
+      </p:sp>
+    </p:spTree>
+  </p:cSld>
+  <p:clrMapOvr>
+    <a:masterClrMapping/>
+  </p:clrMapOvr>
+</p:notes>
+</file>
+
+<file path=ppt/notesSlides/notesSlide27.xml><?xml version="1.0" encoding="utf-8"?>
+<p:notes xmlns:a="http://schemas.openxmlformats.org/drawingml/2006/main" xmlns:r="http://schemas.openxmlformats.org/officeDocument/2006/relationships" xmlns:mc="http://schemas.openxmlformats.org/markup-compatibility/2006" xmlns:mv="urn:schemas-microsoft-com:mac:vml" xmlns:p="http://schemas.openxmlformats.org/presentationml/2006/main" xmlns:c="http://schemas.openxmlformats.org/drawingml/2006/chart" xmlns:dgm="http://schemas.openxmlformats.org/drawingml/2006/diagram" xmlns:o="urn:schemas-microsoft-com:office:office" xmlns:v="urn:schemas-microsoft-com:vml" xmlns:pvml="urn:schemas-microsoft-com:office:powerpoint" xmlns:com="http://schemas.openxmlformats.org/drawingml/2006/compatibility" xmlns:p14="http://schemas.microsoft.com/office/powerpoint/2010/main" xmlns:p15="http://schemas.microsoft.com/office/powerpoint/2012/main" showMasterPhAnim="0" showMasterSp="0">
+  <p:cSld>
+    <p:spTree>
+      <p:nvGrpSpPr>
+        <p:cNvPr id="322" name="Shape 322"/>
+        <p:cNvGrpSpPr/>
+        <p:nvPr/>
+      </p:nvGrpSpPr>
+      <p:grpSpPr>
+        <a:xfrm>
+          <a:off x="0" y="0"/>
+          <a:ext cx="0" cy="0"/>
+          <a:chOff x="0" y="0"/>
+          <a:chExt cx="0" cy="0"/>
+        </a:xfrm>
+      </p:grpSpPr>
+      <p:sp>
+        <p:nvSpPr>
+          <p:cNvPr id="323" name="Shape 323"/>
+          <p:cNvSpPr/>
+          <p:nvPr>
+            <p:ph idx="2" type="sldImg"/>
+          </p:nvPr>
+        </p:nvSpPr>
+        <p:spPr>
+          <a:xfrm>
+            <a:off x="381300" y="685800"/>
+            <a:ext cx="6096000" cy="3429000"/>
+          </a:xfrm>
+          <a:custGeom>
+            <a:pathLst>
+              <a:path extrusionOk="0" h="120000" w="120000">
+                <a:moveTo>
+                  <a:pt x="0" y="0"/>
+                </a:moveTo>
+                <a:lnTo>
+                  <a:pt x="120000" y="0"/>
+                </a:lnTo>
+                <a:lnTo>
+                  <a:pt x="120000" y="120000"/>
+                </a:lnTo>
+                <a:lnTo>
+                  <a:pt x="0" y="120000"/>
+                </a:lnTo>
+                <a:close/>
+              </a:path>
+            </a:pathLst>
+          </a:custGeom>
+        </p:spPr>
+      </p:sp>
+      <p:sp>
+        <p:nvSpPr>
+          <p:cNvPr id="324" name="Shape 324"/>
+          <p:cNvSpPr txBox="1"/>
+          <p:nvPr>
+            <p:ph idx="1" type="body"/>
+          </p:nvPr>
+        </p:nvSpPr>
+        <p:spPr>
+          <a:xfrm>
+            <a:off x="685800" y="4343400"/>
+            <a:ext cx="5486400" cy="4114800"/>
+          </a:xfrm>
+          <a:prstGeom prst="rect">
+            <a:avLst/>
+          </a:prstGeom>
+        </p:spPr>
+        <p:txBody>
+          <a:bodyPr anchorCtr="0" anchor="t" bIns="91425" lIns="91425" rIns="91425" wrap="square" tIns="91425">
+            <a:noAutofit/>
+          </a:bodyPr>
+          <a:lstStyle/>
+          <a:p>
+            <a:pPr lvl="0" rtl="0">
+              <a:spcBef>
+                <a:spcPts val="0"/>
+              </a:spcBef>
+              <a:buNone/>
+            </a:pPr>
+            <a:r>
+              <a:t/>
+            </a:r>
+            <a:endParaRPr/>
+          </a:p>
+        </p:txBody>
+      </p:sp>
+    </p:spTree>
+  </p:cSld>
+  <p:clrMapOvr>
+    <a:masterClrMapping/>
+  </p:clrMapOvr>
+</p:notes>
+</file>
+
+<file path=ppt/notesSlides/notesSlide28.xml><?xml version="1.0" encoding="utf-8"?>
+<p:notes xmlns:a="http://schemas.openxmlformats.org/drawingml/2006/main" xmlns:r="http://schemas.openxmlformats.org/officeDocument/2006/relationships" xmlns:mc="http://schemas.openxmlformats.org/markup-compatibility/2006" xmlns:mv="urn:schemas-microsoft-com:mac:vml" xmlns:p="http://schemas.openxmlformats.org/presentationml/2006/main" xmlns:c="http://schemas.openxmlformats.org/drawingml/2006/chart" xmlns:dgm="http://schemas.openxmlformats.org/drawingml/2006/diagram" xmlns:o="urn:schemas-microsoft-com:office:office" xmlns:v="urn:schemas-microsoft-com:vml" xmlns:pvml="urn:schemas-microsoft-com:office:powerpoint" xmlns:com="http://schemas.openxmlformats.org/drawingml/2006/compatibility" xmlns:p14="http://schemas.microsoft.com/office/powerpoint/2010/main" xmlns:p15="http://schemas.microsoft.com/office/powerpoint/2012/main" showMasterPhAnim="0" showMasterSp="0">
+  <p:cSld>
+    <p:spTree>
+      <p:nvGrpSpPr>
+        <p:cNvPr id="329" name="Shape 329"/>
+        <p:cNvGrpSpPr/>
+        <p:nvPr/>
+      </p:nvGrpSpPr>
+      <p:grpSpPr>
+        <a:xfrm>
+          <a:off x="0" y="0"/>
+          <a:ext cx="0" cy="0"/>
+          <a:chOff x="0" y="0"/>
+          <a:chExt cx="0" cy="0"/>
+        </a:xfrm>
+      </p:grpSpPr>
+      <p:sp>
+        <p:nvSpPr>
+          <p:cNvPr id="330" name="Shape 330"/>
+          <p:cNvSpPr/>
+          <p:nvPr>
+            <p:ph idx="2" type="sldImg"/>
+          </p:nvPr>
+        </p:nvSpPr>
+        <p:spPr>
+          <a:xfrm>
+            <a:off x="381300" y="685800"/>
+            <a:ext cx="6096000" cy="3429000"/>
+          </a:xfrm>
+          <a:custGeom>
+            <a:pathLst>
+              <a:path extrusionOk="0" h="120000" w="120000">
+                <a:moveTo>
+                  <a:pt x="0" y="0"/>
+                </a:moveTo>
+                <a:lnTo>
+                  <a:pt x="120000" y="0"/>
+                </a:lnTo>
+                <a:lnTo>
+                  <a:pt x="120000" y="120000"/>
+                </a:lnTo>
+                <a:lnTo>
+                  <a:pt x="0" y="120000"/>
+                </a:lnTo>
+                <a:close/>
+              </a:path>
+            </a:pathLst>
+          </a:custGeom>
+        </p:spPr>
+      </p:sp>
+      <p:sp>
+        <p:nvSpPr>
+          <p:cNvPr id="331" name="Shape 331"/>
+          <p:cNvSpPr txBox="1"/>
+          <p:nvPr>
+            <p:ph idx="1" type="body"/>
+          </p:nvPr>
+        </p:nvSpPr>
+        <p:spPr>
+          <a:xfrm>
+            <a:off x="685800" y="4343400"/>
+            <a:ext cx="5486400" cy="4114800"/>
+          </a:xfrm>
+          <a:prstGeom prst="rect">
+            <a:avLst/>
+          </a:prstGeom>
+        </p:spPr>
+        <p:txBody>
+          <a:bodyPr anchorCtr="0" anchor="t" bIns="91425" lIns="91425" rIns="91425" wrap="square" tIns="91425">
+            <a:noAutofit/>
+          </a:bodyPr>
+          <a:lstStyle/>
+          <a:p>
+            <a:pPr lvl="0" rtl="0">
+              <a:spcBef>
+                <a:spcPts val="0"/>
+              </a:spcBef>
+              <a:buNone/>
+            </a:pPr>
+            <a:r>
+              <a:t/>
+            </a:r>
+            <a:endParaRPr/>
+          </a:p>
+        </p:txBody>
+      </p:sp>
+    </p:spTree>
+  </p:cSld>
+  <p:clrMapOvr>
+    <a:masterClrMapping/>
+  </p:clrMapOvr>
+</p:notes>
+</file>
+
+<file path=ppt/notesSlides/notesSlide29.xml><?xml version="1.0" encoding="utf-8"?>
+<p:notes xmlns:a="http://schemas.openxmlformats.org/drawingml/2006/main" xmlns:r="http://schemas.openxmlformats.org/officeDocument/2006/relationships" xmlns:mc="http://schemas.openxmlformats.org/markup-compatibility/2006" xmlns:mv="urn:schemas-microsoft-com:mac:vml" xmlns:p="http://schemas.openxmlformats.org/presentationml/2006/main" xmlns:c="http://schemas.openxmlformats.org/drawingml/2006/chart" xmlns:dgm="http://schemas.openxmlformats.org/drawingml/2006/diagram" xmlns:o="urn:schemas-microsoft-com:office:office" xmlns:v="urn:schemas-microsoft-com:vml" xmlns:pvml="urn:schemas-microsoft-com:office:powerpoint" xmlns:com="http://schemas.openxmlformats.org/drawingml/2006/compatibility" xmlns:p14="http://schemas.microsoft.com/office/powerpoint/2010/main" xmlns:p15="http://schemas.microsoft.com/office/powerpoint/2012/main" showMasterPhAnim="0" showMasterSp="0">
+  <p:cSld>
+    <p:spTree>
+      <p:nvGrpSpPr>
+        <p:cNvPr id="336" name="Shape 336"/>
+        <p:cNvGrpSpPr/>
+        <p:nvPr/>
+      </p:nvGrpSpPr>
+      <p:grpSpPr>
+        <a:xfrm>
+          <a:off x="0" y="0"/>
+          <a:ext cx="0" cy="0"/>
+          <a:chOff x="0" y="0"/>
+          <a:chExt cx="0" cy="0"/>
+        </a:xfrm>
+      </p:grpSpPr>
+      <p:sp>
+        <p:nvSpPr>
+          <p:cNvPr id="337" name="Shape 337"/>
+          <p:cNvSpPr/>
+          <p:nvPr>
+            <p:ph idx="2" type="sldImg"/>
+          </p:nvPr>
+        </p:nvSpPr>
+        <p:spPr>
+          <a:xfrm>
+            <a:off x="381300" y="685800"/>
+            <a:ext cx="6096000" cy="3429000"/>
+          </a:xfrm>
+          <a:custGeom>
+            <a:pathLst>
+              <a:path extrusionOk="0" h="120000" w="120000">
+                <a:moveTo>
+                  <a:pt x="0" y="0"/>
+                </a:moveTo>
+                <a:lnTo>
+                  <a:pt x="120000" y="0"/>
+                </a:lnTo>
+                <a:lnTo>
+                  <a:pt x="120000" y="120000"/>
+                </a:lnTo>
+                <a:lnTo>
+                  <a:pt x="0" y="120000"/>
+                </a:lnTo>
+                <a:close/>
+              </a:path>
+            </a:pathLst>
+          </a:custGeom>
+        </p:spPr>
+      </p:sp>
+      <p:sp>
+        <p:nvSpPr>
+          <p:cNvPr id="338" name="Shape 338"/>
+          <p:cNvSpPr txBox="1"/>
+          <p:nvPr>
+            <p:ph idx="1" type="body"/>
+          </p:nvPr>
+        </p:nvSpPr>
+        <p:spPr>
+          <a:xfrm>
+            <a:off x="685800" y="4343400"/>
+            <a:ext cx="5486400" cy="4114800"/>
+          </a:xfrm>
+          <a:prstGeom prst="rect">
+            <a:avLst/>
+          </a:prstGeom>
+        </p:spPr>
+        <p:txBody>
+          <a:bodyPr anchorCtr="0" anchor="t" bIns="91425" lIns="91425" rIns="91425" wrap="square" tIns="91425">
+            <a:noAutofit/>
+          </a:bodyPr>
+          <a:lstStyle/>
+          <a:p>
+            <a:pPr lvl="0" rtl="0">
+              <a:spcBef>
+                <a:spcPts val="0"/>
+              </a:spcBef>
+              <a:buNone/>
+            </a:pPr>
+            <a:r>
+              <a:t/>
+            </a:r>
+            <a:endParaRPr/>
+          </a:p>
+        </p:txBody>
+      </p:sp>
+    </p:spTree>
+  </p:cSld>
+  <p:clrMapOvr>
+    <a:masterClrMapping/>
+  </p:clrMapOvr>
+</p:notes>
+</file>
+
+<file path=ppt/notesSlides/notesSlide3.xml><?xml version="1.0" encoding="utf-8"?>
+<p:notes xmlns:a="http://schemas.openxmlformats.org/drawingml/2006/main" xmlns:r="http://schemas.openxmlformats.org/officeDocument/2006/relationships" xmlns:mc="http://schemas.openxmlformats.org/markup-compatibility/2006" xmlns:mv="urn:schemas-microsoft-com:mac:vml" xmlns:p="http://schemas.openxmlformats.org/presentationml/2006/main" xmlns:c="http://schemas.openxmlformats.org/drawingml/2006/chart" xmlns:dgm="http://schemas.openxmlformats.org/drawingml/2006/diagram" xmlns:o="urn:schemas-microsoft-com:office:office" xmlns:v="urn:schemas-microsoft-com:vml" xmlns:pvml="urn:schemas-microsoft-com:office:powerpoint" xmlns:com="http://schemas.openxmlformats.org/drawingml/2006/compatibility" xmlns:p14="http://schemas.microsoft.com/office/powerpoint/2010/main" xmlns:p15="http://schemas.microsoft.com/office/powerpoint/2012/main" showMasterPhAnim="0" showMasterSp="0">
+  <p:cSld>
+    <p:spTree>
+      <p:nvGrpSpPr>
+        <p:cNvPr id="62" name="Shape 62"/>
+        <p:cNvGrpSpPr/>
+        <p:nvPr/>
+      </p:nvGrpSpPr>
+      <p:grpSpPr>
+        <a:xfrm>
+          <a:off x="0" y="0"/>
+          <a:ext cx="0" cy="0"/>
+          <a:chOff x="0" y="0"/>
+          <a:chExt cx="0" cy="0"/>
+        </a:xfrm>
+      </p:grpSpPr>
+      <p:sp>
+        <p:nvSpPr>
+          <p:cNvPr id="63" name="Shape 63"/>
+          <p:cNvSpPr/>
+          <p:nvPr>
+            <p:ph idx="2" type="sldImg"/>
+          </p:nvPr>
+        </p:nvSpPr>
+        <p:spPr>
+          <a:xfrm>
+            <a:off x="381300" y="685800"/>
+            <a:ext cx="6096000" cy="3429000"/>
+          </a:xfrm>
+          <a:custGeom>
+            <a:pathLst>
+              <a:path extrusionOk="0" h="120000" w="120000">
+                <a:moveTo>
+                  <a:pt x="0" y="0"/>
+                </a:moveTo>
+                <a:lnTo>
+                  <a:pt x="120000" y="0"/>
+                </a:lnTo>
+                <a:lnTo>
+                  <a:pt x="120000" y="120000"/>
+                </a:lnTo>
+                <a:lnTo>
+                  <a:pt x="0" y="120000"/>
+                </a:lnTo>
+                <a:close/>
+              </a:path>
+            </a:pathLst>
+          </a:custGeom>
+        </p:spPr>
+      </p:sp>
+      <p:sp>
+        <p:nvSpPr>
+          <p:cNvPr id="64" name="Shape 64"/>
+          <p:cNvSpPr txBox="1"/>
+          <p:nvPr>
+            <p:ph idx="1" type="body"/>
+          </p:nvPr>
+        </p:nvSpPr>
+        <p:spPr>
+          <a:xfrm>
+            <a:off x="685800" y="4343400"/>
+            <a:ext cx="5486400" cy="4114800"/>
+          </a:xfrm>
+          <a:prstGeom prst="rect">
+            <a:avLst/>
+          </a:prstGeom>
+        </p:spPr>
+        <p:txBody>
+          <a:bodyPr anchorCtr="0" anchor="t" bIns="91425" lIns="91425" rIns="91425" wrap="square" tIns="91425">
+            <a:noAutofit/>
+          </a:bodyPr>
+          <a:lstStyle/>
+          <a:p>
+            <a:pPr lvl="0" rtl="0">
+              <a:spcBef>
+                <a:spcPts val="0"/>
+              </a:spcBef>
+              <a:buNone/>
+            </a:pPr>
+            <a:r>
+              <a:t/>
+            </a:r>
+            <a:endParaRPr/>
+          </a:p>
+        </p:txBody>
+      </p:sp>
+    </p:spTree>
+  </p:cSld>
+  <p:clrMapOvr>
+    <a:masterClrMapping/>
+  </p:clrMapOvr>
+</p:notes>
+</file>
+
+<file path=ppt/notesSlides/notesSlide30.xml><?xml version="1.0" encoding="utf-8"?>
+<p:notes xmlns:a="http://schemas.openxmlformats.org/drawingml/2006/main" xmlns:r="http://schemas.openxmlformats.org/officeDocument/2006/relationships" xmlns:mc="http://schemas.openxmlformats.org/markup-compatibility/2006" xmlns:mv="urn:schemas-microsoft-com:mac:vml" xmlns:p="http://schemas.openxmlformats.org/presentationml/2006/main" xmlns:c="http://schemas.openxmlformats.org/drawingml/2006/chart" xmlns:dgm="http://schemas.openxmlformats.org/drawingml/2006/diagram" xmlns:o="urn:schemas-microsoft-com:office:office" xmlns:v="urn:schemas-microsoft-com:vml" xmlns:pvml="urn:schemas-microsoft-com:office:powerpoint" xmlns:com="http://schemas.openxmlformats.org/drawingml/2006/compatibility" xmlns:p14="http://schemas.microsoft.com/office/powerpoint/2010/main" xmlns:p15="http://schemas.microsoft.com/office/powerpoint/2012/main" showMasterPhAnim="0" showMasterSp="0">
+  <p:cSld>
+    <p:spTree>
+      <p:nvGrpSpPr>
+        <p:cNvPr id="349" name="Shape 349"/>
+        <p:cNvGrpSpPr/>
+        <p:nvPr/>
+      </p:nvGrpSpPr>
+      <p:grpSpPr>
+        <a:xfrm>
+          <a:off x="0" y="0"/>
+          <a:ext cx="0" cy="0"/>
+          <a:chOff x="0" y="0"/>
+          <a:chExt cx="0" cy="0"/>
+        </a:xfrm>
+      </p:grpSpPr>
+      <p:sp>
+        <p:nvSpPr>
+          <p:cNvPr id="350" name="Shape 350"/>
+          <p:cNvSpPr/>
+          <p:nvPr>
+            <p:ph idx="2" type="sldImg"/>
+          </p:nvPr>
+        </p:nvSpPr>
+        <p:spPr>
+          <a:xfrm>
+            <a:off x="381300" y="685800"/>
+            <a:ext cx="6096000" cy="3429000"/>
+          </a:xfrm>
+          <a:custGeom>
+            <a:pathLst>
+              <a:path extrusionOk="0" h="120000" w="120000">
+                <a:moveTo>
+                  <a:pt x="0" y="0"/>
+                </a:moveTo>
+                <a:lnTo>
+                  <a:pt x="120000" y="0"/>
+                </a:lnTo>
+                <a:lnTo>
+                  <a:pt x="120000" y="120000"/>
+                </a:lnTo>
+                <a:lnTo>
+                  <a:pt x="0" y="120000"/>
+                </a:lnTo>
+                <a:close/>
+              </a:path>
+            </a:pathLst>
+          </a:custGeom>
+        </p:spPr>
+      </p:sp>
+      <p:sp>
+        <p:nvSpPr>
+          <p:cNvPr id="351" name="Shape 351"/>
+          <p:cNvSpPr txBox="1"/>
+          <p:nvPr>
+            <p:ph idx="1" type="body"/>
+          </p:nvPr>
+        </p:nvSpPr>
+        <p:spPr>
+          <a:xfrm>
+            <a:off x="685800" y="4343400"/>
+            <a:ext cx="5486400" cy="4114800"/>
+          </a:xfrm>
+          <a:prstGeom prst="rect">
+            <a:avLst/>
+          </a:prstGeom>
+        </p:spPr>
+        <p:txBody>
+          <a:bodyPr anchorCtr="0" anchor="t" bIns="91425" lIns="91425" rIns="91425" wrap="square" tIns="91425">
+            <a:noAutofit/>
+          </a:bodyPr>
+          <a:lstStyle/>
+          <a:p>
+            <a:pPr lvl="0" rtl="0">
+              <a:spcBef>
+                <a:spcPts val="0"/>
+              </a:spcBef>
+              <a:buNone/>
+            </a:pPr>
+            <a:r>
+              <a:t/>
+            </a:r>
+            <a:endParaRPr/>
+          </a:p>
+        </p:txBody>
+      </p:sp>
+    </p:spTree>
+  </p:cSld>
+  <p:clrMapOvr>
+    <a:masterClrMapping/>
+  </p:clrMapOvr>
+</p:notes>
+</file>
+
+<file path=ppt/notesSlides/notesSlide31.xml><?xml version="1.0" encoding="utf-8"?>
+<p:notes xmlns:a="http://schemas.openxmlformats.org/drawingml/2006/main" xmlns:r="http://schemas.openxmlformats.org/officeDocument/2006/relationships" xmlns:mc="http://schemas.openxmlformats.org/markup-compatibility/2006" xmlns:mv="urn:schemas-microsoft-com:mac:vml" xmlns:p="http://schemas.openxmlformats.org/presentationml/2006/main" xmlns:c="http://schemas.openxmlformats.org/drawingml/2006/chart" xmlns:dgm="http://schemas.openxmlformats.org/drawingml/2006/diagram" xmlns:o="urn:schemas-microsoft-com:office:office" xmlns:v="urn:schemas-microsoft-com:vml" xmlns:pvml="urn:schemas-microsoft-com:office:powerpoint" xmlns:com="http://schemas.openxmlformats.org/drawingml/2006/compatibility" xmlns:p14="http://schemas.microsoft.com/office/powerpoint/2010/main" xmlns:p15="http://schemas.microsoft.com/office/powerpoint/2012/main" showMasterPhAnim="0" showMasterSp="0">
+  <p:cSld>
+    <p:spTree>
+      <p:nvGrpSpPr>
+        <p:cNvPr id="355" name="Shape 355"/>
+        <p:cNvGrpSpPr/>
+        <p:nvPr/>
+      </p:nvGrpSpPr>
+      <p:grpSpPr>
+        <a:xfrm>
+          <a:off x="0" y="0"/>
+          <a:ext cx="0" cy="0"/>
+          <a:chOff x="0" y="0"/>
+          <a:chExt cx="0" cy="0"/>
+        </a:xfrm>
+      </p:grpSpPr>
+      <p:sp>
+        <p:nvSpPr>
+          <p:cNvPr id="356" name="Shape 356"/>
+          <p:cNvSpPr/>
+          <p:nvPr>
+            <p:ph idx="2" type="sldImg"/>
+          </p:nvPr>
+        </p:nvSpPr>
+        <p:spPr>
+          <a:xfrm>
+            <a:off x="381300" y="685800"/>
+            <a:ext cx="6096000" cy="3429000"/>
+          </a:xfrm>
+          <a:custGeom>
+            <a:pathLst>
+              <a:path extrusionOk="0" h="120000" w="120000">
+                <a:moveTo>
+                  <a:pt x="0" y="0"/>
+                </a:moveTo>
+                <a:lnTo>
+                  <a:pt x="120000" y="0"/>
+                </a:lnTo>
+                <a:lnTo>
+                  <a:pt x="120000" y="120000"/>
+                </a:lnTo>
+                <a:lnTo>
+                  <a:pt x="0" y="120000"/>
+                </a:lnTo>
+                <a:close/>
+              </a:path>
+            </a:pathLst>
+          </a:custGeom>
+        </p:spPr>
+      </p:sp>
+      <p:sp>
+        <p:nvSpPr>
+          <p:cNvPr id="357" name="Shape 357"/>
+          <p:cNvSpPr txBox="1"/>
+          <p:nvPr>
+            <p:ph idx="1" type="body"/>
+          </p:nvPr>
+        </p:nvSpPr>
+        <p:spPr>
+          <a:xfrm>
+            <a:off x="685800" y="4343400"/>
+            <a:ext cx="5486400" cy="4114800"/>
+          </a:xfrm>
+          <a:prstGeom prst="rect">
+            <a:avLst/>
+          </a:prstGeom>
+        </p:spPr>
+        <p:txBody>
+          <a:bodyPr anchorCtr="0" anchor="t" bIns="91425" lIns="91425" rIns="91425" wrap="square" tIns="91425">
+            <a:noAutofit/>
+          </a:bodyPr>
+          <a:lstStyle/>
+          <a:p>
+            <a:pPr lvl="0">
               <a:spcBef>
                 <a:spcPts val="0"/>
               </a:spcBef>
@@ -5975,7 +7511,11 @@
               <a:buNone/>
             </a:pPr>
             <a:r>
-              <a:rPr lang="en"/>
+              <a:rPr lang="en">
+                <a:solidFill>
+                  <a:srgbClr val="FF0000"/>
+                </a:solidFill>
+              </a:rPr>
               <a:t>Deep Learning</a:t>
             </a:r>
           </a:p>
@@ -6063,7 +7603,11 @@
               <a:buNone/>
             </a:pPr>
             <a:r>
-              <a:rPr lang="en"/>
+              <a:rPr lang="en">
+                <a:solidFill>
+                  <a:srgbClr val="FF0000"/>
+                </a:solidFill>
+              </a:rPr>
               <a:t>강화학습</a:t>
             </a:r>
           </a:p>
@@ -7843,6 +9387,82 @@
             <a:r>
               <a:rPr lang="en"/>
               <a:t>Tensorflow, theano, caffe</a:t>
+            </a:r>
+          </a:p>
+        </p:txBody>
+      </p:sp>
+      <p:sp>
+        <p:nvSpPr>
+          <p:cNvPr id="185" name="Shape 185"/>
+          <p:cNvSpPr txBox="1"/>
+          <p:nvPr/>
+        </p:nvSpPr>
+        <p:spPr>
+          <a:xfrm>
+            <a:off x="1996150" y="1474925"/>
+            <a:ext cx="1484400" cy="404100"/>
+          </a:xfrm>
+          <a:prstGeom prst="rect">
+            <a:avLst/>
+          </a:prstGeom>
+          <a:noFill/>
+          <a:ln>
+            <a:noFill/>
+          </a:ln>
+        </p:spPr>
+        <p:txBody>
+          <a:bodyPr anchorCtr="0" anchor="t" bIns="91425" lIns="91425" rIns="91425" wrap="square" tIns="91425">
+            <a:noAutofit/>
+          </a:bodyPr>
+          <a:lstStyle/>
+          <a:p>
+            <a:pPr lvl="0" rtl="0">
+              <a:spcBef>
+                <a:spcPts val="0"/>
+              </a:spcBef>
+              <a:buNone/>
+            </a:pPr>
+            <a:r>
+              <a:rPr lang="en"/>
+              <a:t>R</a:t>
+            </a:r>
+          </a:p>
+        </p:txBody>
+      </p:sp>
+      <p:sp>
+        <p:nvSpPr>
+          <p:cNvPr id="186" name="Shape 186"/>
+          <p:cNvSpPr txBox="1"/>
+          <p:nvPr/>
+        </p:nvSpPr>
+        <p:spPr>
+          <a:xfrm>
+            <a:off x="6720550" y="3151325"/>
+            <a:ext cx="1484400" cy="404100"/>
+          </a:xfrm>
+          <a:prstGeom prst="rect">
+            <a:avLst/>
+          </a:prstGeom>
+          <a:noFill/>
+          <a:ln>
+            <a:noFill/>
+          </a:ln>
+        </p:spPr>
+        <p:txBody>
+          <a:bodyPr anchorCtr="0" anchor="t" bIns="91425" lIns="91425" rIns="91425" wrap="square" tIns="91425">
+            <a:noAutofit/>
+          </a:bodyPr>
+          <a:lstStyle/>
+          <a:p>
+            <a:pPr lvl="0" rtl="0">
+              <a:spcBef>
+                <a:spcPts val="0"/>
+              </a:spcBef>
+              <a:buNone/>
+            </a:pPr>
+            <a:r>
+              <a:rPr lang="en"/>
+              <a:t>R</a:t>
             </a:r>
           </a:p>
         </p:txBody>
@@ -7860,7 +9480,7 @@
   <p:cSld>
     <p:spTree>
       <p:nvGrpSpPr>
-        <p:cNvPr id="188" name="Shape 188"/>
+        <p:cNvPr id="190" name="Shape 190"/>
         <p:cNvGrpSpPr/>
         <p:nvPr/>
       </p:nvGrpSpPr>
@@ -7874,7 +9494,7 @@
       </p:grpSpPr>
       <p:sp>
         <p:nvSpPr>
-          <p:cNvPr id="189" name="Shape 189"/>
+          <p:cNvPr id="191" name="Shape 191"/>
           <p:cNvSpPr txBox="1"/>
           <p:nvPr>
             <p:ph type="title"/>
@@ -7910,7 +9530,7 @@
       </p:sp>
       <p:pic>
         <p:nvPicPr>
-          <p:cNvPr id="190" name="Shape 190"/>
+          <p:cNvPr id="192" name="Shape 192"/>
           <p:cNvPicPr preferRelativeResize="0"/>
           <p:nvPr/>
         </p:nvPicPr>
@@ -7949,7 +9569,7 @@
   <p:cSld>
     <p:spTree>
       <p:nvGrpSpPr>
-        <p:cNvPr id="194" name="Shape 194"/>
+        <p:cNvPr id="196" name="Shape 196"/>
         <p:cNvGrpSpPr/>
         <p:nvPr/>
       </p:nvGrpSpPr>
@@ -7963,7 +9583,7 @@
       </p:grpSpPr>
       <p:sp>
         <p:nvSpPr>
-          <p:cNvPr id="195" name="Shape 195"/>
+          <p:cNvPr id="197" name="Shape 197"/>
           <p:cNvSpPr txBox="1"/>
           <p:nvPr>
             <p:ph type="title"/>
@@ -7992,14 +9612,14 @@
             </a:pPr>
             <a:r>
               <a:rPr lang="en"/>
-              <a:t>2018</a:t>
+              <a:t>2017</a:t>
             </a:r>
           </a:p>
         </p:txBody>
       </p:sp>
       <p:pic>
         <p:nvPicPr>
-          <p:cNvPr id="196" name="Shape 196"/>
+          <p:cNvPr id="198" name="Shape 198"/>
           <p:cNvPicPr preferRelativeResize="0"/>
           <p:nvPr/>
         </p:nvPicPr>
@@ -8013,8 +9633,8 @@
         </p:blipFill>
         <p:spPr>
           <a:xfrm>
-            <a:off x="2667000" y="1029475"/>
-            <a:ext cx="3810000" cy="3810000"/>
+            <a:off x="2923775" y="1510950"/>
+            <a:ext cx="3429000" cy="2371725"/>
           </a:xfrm>
           <a:prstGeom prst="rect">
             <a:avLst/>
@@ -8025,6 +9645,1534 @@
           </a:ln>
         </p:spPr>
       </p:pic>
+      <p:sp>
+        <p:nvSpPr>
+          <p:cNvPr id="199" name="Shape 199"/>
+          <p:cNvSpPr txBox="1"/>
+          <p:nvPr/>
+        </p:nvSpPr>
+        <p:spPr>
+          <a:xfrm>
+            <a:off x="4009200" y="3913325"/>
+            <a:ext cx="2724600" cy="404100"/>
+          </a:xfrm>
+          <a:prstGeom prst="rect">
+            <a:avLst/>
+          </a:prstGeom>
+          <a:noFill/>
+          <a:ln>
+            <a:noFill/>
+          </a:ln>
+        </p:spPr>
+        <p:txBody>
+          <a:bodyPr anchorCtr="0" anchor="t" bIns="91425" lIns="91425" rIns="91425" wrap="square" tIns="91425">
+            <a:noAutofit/>
+          </a:bodyPr>
+          <a:lstStyle/>
+          <a:p>
+            <a:pPr lvl="0" rtl="0">
+              <a:spcBef>
+                <a:spcPts val="0"/>
+              </a:spcBef>
+              <a:buNone/>
+            </a:pPr>
+            <a:r>
+              <a:rPr lang="en" sz="2400">
+                <a:solidFill>
+                  <a:srgbClr val="FF0000"/>
+                </a:solidFill>
+              </a:rPr>
+              <a:t>Deep Learning</a:t>
+            </a:r>
+          </a:p>
+        </p:txBody>
+      </p:sp>
+      <p:sp>
+        <p:nvSpPr>
+          <p:cNvPr id="200" name="Shape 200"/>
+          <p:cNvSpPr txBox="1"/>
+          <p:nvPr/>
+        </p:nvSpPr>
+        <p:spPr>
+          <a:xfrm>
+            <a:off x="1632700" y="3913325"/>
+            <a:ext cx="2795700" cy="404100"/>
+          </a:xfrm>
+          <a:prstGeom prst="rect">
+            <a:avLst/>
+          </a:prstGeom>
+          <a:noFill/>
+          <a:ln>
+            <a:noFill/>
+          </a:ln>
+        </p:spPr>
+        <p:txBody>
+          <a:bodyPr anchorCtr="0" anchor="t" bIns="91425" lIns="91425" rIns="91425" wrap="square" tIns="91425">
+            <a:noAutofit/>
+          </a:bodyPr>
+          <a:lstStyle/>
+          <a:p>
+            <a:pPr lvl="0" rtl="0">
+              <a:spcBef>
+                <a:spcPts val="0"/>
+              </a:spcBef>
+              <a:buNone/>
+            </a:pPr>
+            <a:r>
+              <a:rPr lang="en" sz="2400">
+                <a:solidFill>
+                  <a:srgbClr val="FF0000"/>
+                </a:solidFill>
+              </a:rPr>
+              <a:t>베이지안 머신러닝</a:t>
+            </a:r>
+          </a:p>
+        </p:txBody>
+      </p:sp>
+      <p:sp>
+        <p:nvSpPr>
+          <p:cNvPr id="201" name="Shape 201"/>
+          <p:cNvSpPr txBox="1"/>
+          <p:nvPr/>
+        </p:nvSpPr>
+        <p:spPr>
+          <a:xfrm>
+            <a:off x="6187150" y="3913325"/>
+            <a:ext cx="1484400" cy="404100"/>
+          </a:xfrm>
+          <a:prstGeom prst="rect">
+            <a:avLst/>
+          </a:prstGeom>
+          <a:noFill/>
+          <a:ln>
+            <a:noFill/>
+          </a:ln>
+        </p:spPr>
+        <p:txBody>
+          <a:bodyPr anchorCtr="0" anchor="t" bIns="91425" lIns="91425" rIns="91425" wrap="square" tIns="91425">
+            <a:noAutofit/>
+          </a:bodyPr>
+          <a:lstStyle/>
+          <a:p>
+            <a:pPr lvl="0" rtl="0">
+              <a:spcBef>
+                <a:spcPts val="0"/>
+              </a:spcBef>
+              <a:buNone/>
+            </a:pPr>
+            <a:r>
+              <a:rPr lang="en" sz="2400">
+                <a:solidFill>
+                  <a:srgbClr val="FF0000"/>
+                </a:solidFill>
+              </a:rPr>
+              <a:t>강화학습</a:t>
+            </a:r>
+          </a:p>
+        </p:txBody>
+      </p:sp>
+      <p:sp>
+        <p:nvSpPr>
+          <p:cNvPr id="202" name="Shape 202"/>
+          <p:cNvSpPr txBox="1"/>
+          <p:nvPr/>
+        </p:nvSpPr>
+        <p:spPr>
+          <a:xfrm>
+            <a:off x="4282150" y="4294325"/>
+            <a:ext cx="1484400" cy="404100"/>
+          </a:xfrm>
+          <a:prstGeom prst="rect">
+            <a:avLst/>
+          </a:prstGeom>
+          <a:noFill/>
+          <a:ln>
+            <a:noFill/>
+          </a:ln>
+        </p:spPr>
+        <p:txBody>
+          <a:bodyPr anchorCtr="0" anchor="t" bIns="91425" lIns="91425" rIns="91425" wrap="square" tIns="91425">
+            <a:noAutofit/>
+          </a:bodyPr>
+          <a:lstStyle/>
+          <a:p>
+            <a:pPr lvl="0" rtl="0">
+              <a:spcBef>
+                <a:spcPts val="0"/>
+              </a:spcBef>
+              <a:buNone/>
+            </a:pPr>
+            <a:r>
+              <a:rPr lang="en" sz="4800">
+                <a:solidFill>
+                  <a:srgbClr val="FF0000"/>
+                </a:solidFill>
+              </a:rPr>
+              <a:t>AI</a:t>
+            </a:r>
+          </a:p>
+        </p:txBody>
+      </p:sp>
+      <p:sp>
+        <p:nvSpPr>
+          <p:cNvPr id="203" name="Shape 203"/>
+          <p:cNvSpPr txBox="1"/>
+          <p:nvPr/>
+        </p:nvSpPr>
+        <p:spPr>
+          <a:xfrm>
+            <a:off x="6872950" y="1855925"/>
+            <a:ext cx="1484400" cy="404100"/>
+          </a:xfrm>
+          <a:prstGeom prst="rect">
+            <a:avLst/>
+          </a:prstGeom>
+          <a:noFill/>
+          <a:ln>
+            <a:noFill/>
+          </a:ln>
+        </p:spPr>
+        <p:txBody>
+          <a:bodyPr anchorCtr="0" anchor="t" bIns="91425" lIns="91425" rIns="91425" wrap="square" tIns="91425">
+            <a:noAutofit/>
+          </a:bodyPr>
+          <a:lstStyle/>
+          <a:p>
+            <a:pPr lvl="0" rtl="0">
+              <a:spcBef>
+                <a:spcPts val="0"/>
+              </a:spcBef>
+              <a:buNone/>
+            </a:pPr>
+            <a:r>
+              <a:rPr lang="en" sz="2400">
+                <a:solidFill>
+                  <a:srgbClr val="0000FF"/>
+                </a:solidFill>
+              </a:rPr>
+              <a:t>파이썬</a:t>
+            </a:r>
+          </a:p>
+        </p:txBody>
+      </p:sp>
+      <p:sp>
+        <p:nvSpPr>
+          <p:cNvPr id="204" name="Shape 204"/>
+          <p:cNvSpPr txBox="1"/>
+          <p:nvPr/>
+        </p:nvSpPr>
+        <p:spPr>
+          <a:xfrm>
+            <a:off x="1157950" y="3227525"/>
+            <a:ext cx="1689600" cy="455100"/>
+          </a:xfrm>
+          <a:prstGeom prst="rect">
+            <a:avLst/>
+          </a:prstGeom>
+          <a:noFill/>
+          <a:ln>
+            <a:noFill/>
+          </a:ln>
+        </p:spPr>
+        <p:txBody>
+          <a:bodyPr anchorCtr="0" anchor="t" bIns="91425" lIns="91425" rIns="91425" wrap="square" tIns="91425">
+            <a:noAutofit/>
+          </a:bodyPr>
+          <a:lstStyle/>
+          <a:p>
+            <a:pPr lvl="0" rtl="0">
+              <a:spcBef>
+                <a:spcPts val="0"/>
+              </a:spcBef>
+              <a:buNone/>
+            </a:pPr>
+            <a:r>
+              <a:rPr lang="en" sz="2400">
+                <a:solidFill>
+                  <a:srgbClr val="0000FF"/>
+                </a:solidFill>
+              </a:rPr>
+              <a:t>자연어처리</a:t>
+            </a:r>
+          </a:p>
+        </p:txBody>
+      </p:sp>
+      <p:sp>
+        <p:nvSpPr>
+          <p:cNvPr id="205" name="Shape 205"/>
+          <p:cNvSpPr txBox="1"/>
+          <p:nvPr/>
+        </p:nvSpPr>
+        <p:spPr>
+          <a:xfrm>
+            <a:off x="6796750" y="3075125"/>
+            <a:ext cx="2157900" cy="455100"/>
+          </a:xfrm>
+          <a:prstGeom prst="rect">
+            <a:avLst/>
+          </a:prstGeom>
+          <a:noFill/>
+          <a:ln>
+            <a:noFill/>
+          </a:ln>
+        </p:spPr>
+        <p:txBody>
+          <a:bodyPr anchorCtr="0" anchor="t" bIns="91425" lIns="91425" rIns="91425" wrap="square" tIns="91425">
+            <a:noAutofit/>
+          </a:bodyPr>
+          <a:lstStyle/>
+          <a:p>
+            <a:pPr lvl="0" rtl="0">
+              <a:spcBef>
+                <a:spcPts val="0"/>
+              </a:spcBef>
+              <a:buNone/>
+            </a:pPr>
+            <a:r>
+              <a:rPr lang="en" sz="2400">
+                <a:solidFill>
+                  <a:srgbClr val="0000FF"/>
+                </a:solidFill>
+              </a:rPr>
+              <a:t>계산뇌인지과학</a:t>
+            </a:r>
+          </a:p>
+        </p:txBody>
+      </p:sp>
+      <p:sp>
+        <p:nvSpPr>
+          <p:cNvPr id="206" name="Shape 206"/>
+          <p:cNvSpPr txBox="1"/>
+          <p:nvPr/>
+        </p:nvSpPr>
+        <p:spPr>
+          <a:xfrm>
+            <a:off x="1462750" y="1398725"/>
+            <a:ext cx="1689600" cy="455100"/>
+          </a:xfrm>
+          <a:prstGeom prst="rect">
+            <a:avLst/>
+          </a:prstGeom>
+          <a:noFill/>
+          <a:ln>
+            <a:noFill/>
+          </a:ln>
+        </p:spPr>
+        <p:txBody>
+          <a:bodyPr anchorCtr="0" anchor="t" bIns="91425" lIns="91425" rIns="91425" wrap="square" tIns="91425">
+            <a:noAutofit/>
+          </a:bodyPr>
+          <a:lstStyle/>
+          <a:p>
+            <a:pPr lvl="0" algn="ctr">
+              <a:spcBef>
+                <a:spcPts val="0"/>
+              </a:spcBef>
+              <a:buNone/>
+            </a:pPr>
+            <a:r>
+              <a:rPr lang="en" sz="2400">
+                <a:solidFill>
+                  <a:srgbClr val="0000FF"/>
+                </a:solidFill>
+              </a:rPr>
+              <a:t>X </a:t>
+            </a:r>
+          </a:p>
+          <a:p>
+            <a:pPr lvl="0" rtl="0" algn="ctr">
+              <a:spcBef>
+                <a:spcPts val="0"/>
+              </a:spcBef>
+              <a:buNone/>
+            </a:pPr>
+            <a:r>
+              <a:rPr lang="en">
+                <a:solidFill>
+                  <a:srgbClr val="0000FF"/>
+                </a:solidFill>
+              </a:rPr>
+              <a:t>(콜라보레이션)</a:t>
+            </a:r>
+          </a:p>
+        </p:txBody>
+      </p:sp>
+      <p:sp>
+        <p:nvSpPr>
+          <p:cNvPr id="207" name="Shape 207"/>
+          <p:cNvSpPr txBox="1"/>
+          <p:nvPr/>
+        </p:nvSpPr>
+        <p:spPr>
+          <a:xfrm>
+            <a:off x="1386550" y="2236925"/>
+            <a:ext cx="1689600" cy="455100"/>
+          </a:xfrm>
+          <a:prstGeom prst="rect">
+            <a:avLst/>
+          </a:prstGeom>
+          <a:noFill/>
+          <a:ln>
+            <a:noFill/>
+          </a:ln>
+        </p:spPr>
+        <p:txBody>
+          <a:bodyPr anchorCtr="0" anchor="t" bIns="91425" lIns="91425" rIns="91425" wrap="square" tIns="91425">
+            <a:noAutofit/>
+          </a:bodyPr>
+          <a:lstStyle/>
+          <a:p>
+            <a:pPr lvl="0" rtl="0">
+              <a:spcBef>
+                <a:spcPts val="0"/>
+              </a:spcBef>
+              <a:buNone/>
+            </a:pPr>
+            <a:r>
+              <a:rPr lang="en" sz="1800">
+                <a:solidFill>
+                  <a:srgbClr val="9900FF"/>
+                </a:solidFill>
+              </a:rPr>
+              <a:t>바벨피쉬</a:t>
+            </a:r>
+          </a:p>
+        </p:txBody>
+      </p:sp>
+      <p:sp>
+        <p:nvSpPr>
+          <p:cNvPr id="208" name="Shape 208"/>
+          <p:cNvSpPr txBox="1"/>
+          <p:nvPr/>
+        </p:nvSpPr>
+        <p:spPr>
+          <a:xfrm>
+            <a:off x="700750" y="1779725"/>
+            <a:ext cx="1689600" cy="455100"/>
+          </a:xfrm>
+          <a:prstGeom prst="rect">
+            <a:avLst/>
+          </a:prstGeom>
+          <a:noFill/>
+          <a:ln>
+            <a:noFill/>
+          </a:ln>
+        </p:spPr>
+        <p:txBody>
+          <a:bodyPr anchorCtr="0" anchor="t" bIns="91425" lIns="91425" rIns="91425" wrap="square" tIns="91425">
+            <a:noAutofit/>
+          </a:bodyPr>
+          <a:lstStyle/>
+          <a:p>
+            <a:pPr lvl="0" rtl="0">
+              <a:spcBef>
+                <a:spcPts val="0"/>
+              </a:spcBef>
+              <a:buNone/>
+            </a:pPr>
+            <a:r>
+              <a:rPr lang="en" sz="1800">
+                <a:solidFill>
+                  <a:srgbClr val="9900FF"/>
+                </a:solidFill>
+              </a:rPr>
+              <a:t>딥리워드</a:t>
+            </a:r>
+          </a:p>
+        </p:txBody>
+      </p:sp>
+      <p:sp>
+        <p:nvSpPr>
+          <p:cNvPr id="209" name="Shape 209"/>
+          <p:cNvSpPr txBox="1"/>
+          <p:nvPr/>
+        </p:nvSpPr>
+        <p:spPr>
+          <a:xfrm>
+            <a:off x="1691350" y="865325"/>
+            <a:ext cx="1689600" cy="455100"/>
+          </a:xfrm>
+          <a:prstGeom prst="rect">
+            <a:avLst/>
+          </a:prstGeom>
+          <a:noFill/>
+          <a:ln>
+            <a:noFill/>
+          </a:ln>
+        </p:spPr>
+        <p:txBody>
+          <a:bodyPr anchorCtr="0" anchor="t" bIns="91425" lIns="91425" rIns="91425" wrap="square" tIns="91425">
+            <a:noAutofit/>
+          </a:bodyPr>
+          <a:lstStyle/>
+          <a:p>
+            <a:pPr lvl="0" rtl="0">
+              <a:spcBef>
+                <a:spcPts val="0"/>
+              </a:spcBef>
+              <a:buNone/>
+            </a:pPr>
+            <a:r>
+              <a:rPr lang="en" sz="1800">
+                <a:solidFill>
+                  <a:srgbClr val="9900FF"/>
+                </a:solidFill>
+              </a:rPr>
+              <a:t>싸이지먼트</a:t>
+            </a:r>
+          </a:p>
+        </p:txBody>
+      </p:sp>
+      <p:sp>
+        <p:nvSpPr>
+          <p:cNvPr id="210" name="Shape 210"/>
+          <p:cNvSpPr txBox="1"/>
+          <p:nvPr/>
+        </p:nvSpPr>
+        <p:spPr>
+          <a:xfrm>
+            <a:off x="2605750" y="1398725"/>
+            <a:ext cx="1689600" cy="455100"/>
+          </a:xfrm>
+          <a:prstGeom prst="rect">
+            <a:avLst/>
+          </a:prstGeom>
+          <a:noFill/>
+          <a:ln>
+            <a:noFill/>
+          </a:ln>
+        </p:spPr>
+        <p:txBody>
+          <a:bodyPr anchorCtr="0" anchor="t" bIns="91425" lIns="91425" rIns="91425" wrap="square" tIns="91425">
+            <a:noAutofit/>
+          </a:bodyPr>
+          <a:lstStyle/>
+          <a:p>
+            <a:pPr lvl="0" rtl="0">
+              <a:spcBef>
+                <a:spcPts val="0"/>
+              </a:spcBef>
+              <a:buNone/>
+            </a:pPr>
+            <a:r>
+              <a:rPr lang="en" sz="1800">
+                <a:solidFill>
+                  <a:srgbClr val="9900FF"/>
+                </a:solidFill>
+              </a:rPr>
+              <a:t>바이오스핀</a:t>
+            </a:r>
+          </a:p>
+        </p:txBody>
+      </p:sp>
+      <p:sp>
+        <p:nvSpPr>
+          <p:cNvPr id="211" name="Shape 211"/>
+          <p:cNvSpPr txBox="1"/>
+          <p:nvPr/>
+        </p:nvSpPr>
+        <p:spPr>
+          <a:xfrm>
+            <a:off x="853150" y="1246325"/>
+            <a:ext cx="1689600" cy="455100"/>
+          </a:xfrm>
+          <a:prstGeom prst="rect">
+            <a:avLst/>
+          </a:prstGeom>
+          <a:noFill/>
+          <a:ln>
+            <a:noFill/>
+          </a:ln>
+        </p:spPr>
+        <p:txBody>
+          <a:bodyPr anchorCtr="0" anchor="t" bIns="91425" lIns="91425" rIns="91425" wrap="square" tIns="91425">
+            <a:noAutofit/>
+          </a:bodyPr>
+          <a:lstStyle/>
+          <a:p>
+            <a:pPr lvl="0" rtl="0">
+              <a:spcBef>
+                <a:spcPts val="0"/>
+              </a:spcBef>
+              <a:buNone/>
+            </a:pPr>
+            <a:r>
+              <a:rPr lang="en" sz="1800">
+                <a:solidFill>
+                  <a:srgbClr val="9900FF"/>
+                </a:solidFill>
+              </a:rPr>
+              <a:t>캐글뽀개기</a:t>
+            </a:r>
+          </a:p>
+        </p:txBody>
+      </p:sp>
+      <p:sp>
+        <p:nvSpPr>
+          <p:cNvPr id="212" name="Shape 212"/>
+          <p:cNvSpPr txBox="1"/>
+          <p:nvPr/>
+        </p:nvSpPr>
+        <p:spPr>
+          <a:xfrm>
+            <a:off x="7666250" y="1344975"/>
+            <a:ext cx="1484400" cy="404100"/>
+          </a:xfrm>
+          <a:prstGeom prst="rect">
+            <a:avLst/>
+          </a:prstGeom>
+          <a:noFill/>
+          <a:ln>
+            <a:noFill/>
+          </a:ln>
+        </p:spPr>
+        <p:txBody>
+          <a:bodyPr anchorCtr="0" anchor="t" bIns="91425" lIns="91425" rIns="91425" wrap="square" tIns="91425">
+            <a:noAutofit/>
+          </a:bodyPr>
+          <a:lstStyle/>
+          <a:p>
+            <a:pPr lvl="0" rtl="0">
+              <a:spcBef>
+                <a:spcPts val="0"/>
+              </a:spcBef>
+              <a:buNone/>
+            </a:pPr>
+            <a:r>
+              <a:rPr lang="en"/>
+              <a:t>파이</a:t>
+            </a:r>
+            <a:r>
+              <a:rPr lang="en"/>
+              <a:t>썬 중급</a:t>
+            </a:r>
+          </a:p>
+        </p:txBody>
+      </p:sp>
+      <p:sp>
+        <p:nvSpPr>
+          <p:cNvPr id="213" name="Shape 213"/>
+          <p:cNvSpPr txBox="1"/>
+          <p:nvPr/>
+        </p:nvSpPr>
+        <p:spPr>
+          <a:xfrm>
+            <a:off x="7894850" y="1802175"/>
+            <a:ext cx="1484400" cy="404100"/>
+          </a:xfrm>
+          <a:prstGeom prst="rect">
+            <a:avLst/>
+          </a:prstGeom>
+          <a:noFill/>
+          <a:ln>
+            <a:noFill/>
+          </a:ln>
+        </p:spPr>
+        <p:txBody>
+          <a:bodyPr anchorCtr="0" anchor="t" bIns="91425" lIns="91425" rIns="91425" wrap="square" tIns="91425">
+            <a:noAutofit/>
+          </a:bodyPr>
+          <a:lstStyle/>
+          <a:p>
+            <a:pPr lvl="0" rtl="0">
+              <a:spcBef>
+                <a:spcPts val="0"/>
+              </a:spcBef>
+              <a:buNone/>
+            </a:pPr>
+            <a:r>
+              <a:rPr lang="en"/>
+              <a:t>파이썬</a:t>
+            </a:r>
+            <a:r>
+              <a:rPr lang="en"/>
+              <a:t> 기초</a:t>
+            </a:r>
+          </a:p>
+        </p:txBody>
+      </p:sp>
+      <p:sp>
+        <p:nvSpPr>
+          <p:cNvPr id="214" name="Shape 214"/>
+          <p:cNvSpPr txBox="1"/>
+          <p:nvPr/>
+        </p:nvSpPr>
+        <p:spPr>
+          <a:xfrm>
+            <a:off x="7666250" y="2716575"/>
+            <a:ext cx="1484400" cy="404100"/>
+          </a:xfrm>
+          <a:prstGeom prst="rect">
+            <a:avLst/>
+          </a:prstGeom>
+          <a:noFill/>
+          <a:ln>
+            <a:noFill/>
+          </a:ln>
+        </p:spPr>
+        <p:txBody>
+          <a:bodyPr anchorCtr="0" anchor="t" bIns="91425" lIns="91425" rIns="91425" wrap="square" tIns="91425">
+            <a:noAutofit/>
+          </a:bodyPr>
+          <a:lstStyle/>
+          <a:p>
+            <a:pPr lvl="0" rtl="0">
+              <a:spcBef>
+                <a:spcPts val="0"/>
+              </a:spcBef>
+              <a:buNone/>
+            </a:pPr>
+            <a:r>
+              <a:rPr lang="en"/>
+              <a:t>인지신경심리학</a:t>
+            </a:r>
+          </a:p>
+        </p:txBody>
+      </p:sp>
+      <p:sp>
+        <p:nvSpPr>
+          <p:cNvPr id="215" name="Shape 215"/>
+          <p:cNvSpPr txBox="1"/>
+          <p:nvPr/>
+        </p:nvSpPr>
+        <p:spPr>
+          <a:xfrm>
+            <a:off x="7474250" y="2411775"/>
+            <a:ext cx="1484400" cy="404100"/>
+          </a:xfrm>
+          <a:prstGeom prst="rect">
+            <a:avLst/>
+          </a:prstGeom>
+          <a:noFill/>
+          <a:ln>
+            <a:noFill/>
+          </a:ln>
+        </p:spPr>
+        <p:txBody>
+          <a:bodyPr anchorCtr="0" anchor="t" bIns="91425" lIns="91425" rIns="91425" wrap="square" tIns="91425">
+            <a:noAutofit/>
+          </a:bodyPr>
+          <a:lstStyle/>
+          <a:p>
+            <a:pPr lvl="0" rtl="0">
+              <a:spcBef>
+                <a:spcPts val="0"/>
+              </a:spcBef>
+              <a:buNone/>
+            </a:pPr>
+            <a:r>
+              <a:rPr lang="en"/>
+              <a:t>뉴로사이언스</a:t>
+            </a:r>
+          </a:p>
+        </p:txBody>
+      </p:sp>
+      <p:sp>
+        <p:nvSpPr>
+          <p:cNvPr id="216" name="Shape 216"/>
+          <p:cNvSpPr txBox="1"/>
+          <p:nvPr/>
+        </p:nvSpPr>
+        <p:spPr>
+          <a:xfrm>
+            <a:off x="6904250" y="3554775"/>
+            <a:ext cx="1484400" cy="404100"/>
+          </a:xfrm>
+          <a:prstGeom prst="rect">
+            <a:avLst/>
+          </a:prstGeom>
+          <a:noFill/>
+          <a:ln>
+            <a:noFill/>
+          </a:ln>
+        </p:spPr>
+        <p:txBody>
+          <a:bodyPr anchorCtr="0" anchor="t" bIns="91425" lIns="91425" rIns="91425" wrap="square" tIns="91425">
+            <a:noAutofit/>
+          </a:bodyPr>
+          <a:lstStyle/>
+          <a:p>
+            <a:pPr lvl="0" rtl="0">
+              <a:spcBef>
+                <a:spcPts val="0"/>
+              </a:spcBef>
+              <a:buNone/>
+            </a:pPr>
+            <a:r>
+              <a:rPr lang="en">
+                <a:solidFill>
+                  <a:srgbClr val="CC0000"/>
+                </a:solidFill>
+              </a:rPr>
+              <a:t>DeepMind</a:t>
+            </a:r>
+          </a:p>
+        </p:txBody>
+      </p:sp>
+      <p:sp>
+        <p:nvSpPr>
+          <p:cNvPr id="217" name="Shape 217"/>
+          <p:cNvSpPr txBox="1"/>
+          <p:nvPr/>
+        </p:nvSpPr>
+        <p:spPr>
+          <a:xfrm>
+            <a:off x="7437650" y="4088175"/>
+            <a:ext cx="1484400" cy="404100"/>
+          </a:xfrm>
+          <a:prstGeom prst="rect">
+            <a:avLst/>
+          </a:prstGeom>
+          <a:noFill/>
+          <a:ln>
+            <a:noFill/>
+          </a:ln>
+        </p:spPr>
+        <p:txBody>
+          <a:bodyPr anchorCtr="0" anchor="t" bIns="91425" lIns="91425" rIns="91425" wrap="square" tIns="91425">
+            <a:noAutofit/>
+          </a:bodyPr>
+          <a:lstStyle/>
+          <a:p>
+            <a:pPr lvl="0" rtl="0">
+              <a:spcBef>
+                <a:spcPts val="0"/>
+              </a:spcBef>
+              <a:buNone/>
+            </a:pPr>
+            <a:r>
+              <a:rPr lang="en"/>
+              <a:t>에이전</a:t>
+            </a:r>
+            <a:r>
+              <a:rPr lang="en"/>
+              <a:t>트 베이스드 모델링</a:t>
+            </a:r>
+          </a:p>
+        </p:txBody>
+      </p:sp>
+      <p:sp>
+        <p:nvSpPr>
+          <p:cNvPr id="218" name="Shape 218"/>
+          <p:cNvSpPr txBox="1"/>
+          <p:nvPr/>
+        </p:nvSpPr>
+        <p:spPr>
+          <a:xfrm>
+            <a:off x="7666250" y="4621575"/>
+            <a:ext cx="1484400" cy="404100"/>
+          </a:xfrm>
+          <a:prstGeom prst="rect">
+            <a:avLst/>
+          </a:prstGeom>
+          <a:noFill/>
+          <a:ln>
+            <a:noFill/>
+          </a:ln>
+        </p:spPr>
+        <p:txBody>
+          <a:bodyPr anchorCtr="0" anchor="t" bIns="91425" lIns="91425" rIns="91425" wrap="square" tIns="91425">
+            <a:noAutofit/>
+          </a:bodyPr>
+          <a:lstStyle/>
+          <a:p>
+            <a:pPr lvl="0" rtl="0">
+              <a:spcBef>
+                <a:spcPts val="0"/>
+              </a:spcBef>
+              <a:buNone/>
+            </a:pPr>
+            <a:r>
+              <a:rPr lang="en"/>
+              <a:t>네트워크 분석</a:t>
+            </a:r>
+          </a:p>
+        </p:txBody>
+      </p:sp>
+      <p:sp>
+        <p:nvSpPr>
+          <p:cNvPr id="219" name="Shape 219"/>
+          <p:cNvSpPr txBox="1"/>
+          <p:nvPr/>
+        </p:nvSpPr>
+        <p:spPr>
+          <a:xfrm>
+            <a:off x="7894850" y="3783375"/>
+            <a:ext cx="1484400" cy="404100"/>
+          </a:xfrm>
+          <a:prstGeom prst="rect">
+            <a:avLst/>
+          </a:prstGeom>
+          <a:noFill/>
+          <a:ln>
+            <a:noFill/>
+          </a:ln>
+        </p:spPr>
+        <p:txBody>
+          <a:bodyPr anchorCtr="0" anchor="t" bIns="91425" lIns="91425" rIns="91425" wrap="square" tIns="91425">
+            <a:noAutofit/>
+          </a:bodyPr>
+          <a:lstStyle/>
+          <a:p>
+            <a:pPr lvl="0" rtl="0">
+              <a:spcBef>
+                <a:spcPts val="0"/>
+              </a:spcBef>
+              <a:buNone/>
+            </a:pPr>
+            <a:r>
+              <a:rPr lang="en"/>
+              <a:t>인</a:t>
+            </a:r>
+            <a:r>
+              <a:rPr lang="en"/>
+              <a:t>지 아키텍쳐</a:t>
+            </a:r>
+          </a:p>
+        </p:txBody>
+      </p:sp>
+      <p:sp>
+        <p:nvSpPr>
+          <p:cNvPr id="220" name="Shape 220"/>
+          <p:cNvSpPr txBox="1"/>
+          <p:nvPr/>
+        </p:nvSpPr>
+        <p:spPr>
+          <a:xfrm>
+            <a:off x="579900" y="2587275"/>
+            <a:ext cx="2343900" cy="404100"/>
+          </a:xfrm>
+          <a:prstGeom prst="rect">
+            <a:avLst/>
+          </a:prstGeom>
+          <a:noFill/>
+          <a:ln>
+            <a:noFill/>
+          </a:ln>
+        </p:spPr>
+        <p:txBody>
+          <a:bodyPr anchorCtr="0" anchor="t" bIns="91425" lIns="91425" rIns="91425" wrap="square" tIns="91425">
+            <a:noAutofit/>
+          </a:bodyPr>
+          <a:lstStyle/>
+          <a:p>
+            <a:pPr lvl="0" rtl="0">
+              <a:spcBef>
+                <a:spcPts val="0"/>
+              </a:spcBef>
+              <a:buNone/>
+            </a:pPr>
+            <a:r>
+              <a:rPr lang="en"/>
+              <a:t>챗</a:t>
+            </a:r>
+            <a:r>
+              <a:rPr lang="en"/>
+              <a:t>봇, 인지NLP, 추천시스템, 검색엔진, 텍스트 감정분석, 정신병리 텍스트 분석</a:t>
+            </a:r>
+          </a:p>
+        </p:txBody>
+      </p:sp>
+      <p:sp>
+        <p:nvSpPr>
+          <p:cNvPr id="221" name="Shape 221"/>
+          <p:cNvSpPr txBox="1"/>
+          <p:nvPr/>
+        </p:nvSpPr>
+        <p:spPr>
+          <a:xfrm>
+            <a:off x="6447050" y="4392975"/>
+            <a:ext cx="1484400" cy="404100"/>
+          </a:xfrm>
+          <a:prstGeom prst="rect">
+            <a:avLst/>
+          </a:prstGeom>
+          <a:noFill/>
+          <a:ln>
+            <a:noFill/>
+          </a:ln>
+        </p:spPr>
+        <p:txBody>
+          <a:bodyPr anchorCtr="0" anchor="t" bIns="91425" lIns="91425" rIns="91425" wrap="square" tIns="91425">
+            <a:noAutofit/>
+          </a:bodyPr>
+          <a:lstStyle/>
+          <a:p>
+            <a:pPr lvl="0" rtl="0">
+              <a:spcBef>
+                <a:spcPts val="0"/>
+              </a:spcBef>
+              <a:buNone/>
+            </a:pPr>
+            <a:r>
+              <a:rPr lang="en"/>
+              <a:t>역강화학습</a:t>
+            </a:r>
+          </a:p>
+        </p:txBody>
+      </p:sp>
+      <p:sp>
+        <p:nvSpPr>
+          <p:cNvPr id="222" name="Shape 222"/>
+          <p:cNvSpPr txBox="1"/>
+          <p:nvPr/>
+        </p:nvSpPr>
+        <p:spPr>
+          <a:xfrm>
+            <a:off x="6181850" y="1533400"/>
+            <a:ext cx="1484400" cy="404100"/>
+          </a:xfrm>
+          <a:prstGeom prst="rect">
+            <a:avLst/>
+          </a:prstGeom>
+          <a:noFill/>
+          <a:ln>
+            <a:noFill/>
+          </a:ln>
+        </p:spPr>
+        <p:txBody>
+          <a:bodyPr anchorCtr="0" anchor="t" bIns="91425" lIns="91425" rIns="91425" wrap="square" tIns="91425">
+            <a:noAutofit/>
+          </a:bodyPr>
+          <a:lstStyle/>
+          <a:p>
+            <a:pPr lvl="0" rtl="0">
+              <a:spcBef>
+                <a:spcPts val="0"/>
+              </a:spcBef>
+              <a:buNone/>
+            </a:pPr>
+            <a:r>
+              <a:rPr lang="en"/>
+              <a:t>구</a:t>
+            </a:r>
+            <a:r>
+              <a:rPr lang="en"/>
+              <a:t>글 </a:t>
+            </a:r>
+            <a:r>
+              <a:rPr lang="en"/>
+              <a:t>클라우</a:t>
+            </a:r>
+            <a:r>
+              <a:rPr lang="en"/>
+              <a:t>드</a:t>
+            </a:r>
+          </a:p>
+        </p:txBody>
+      </p:sp>
+      <p:sp>
+        <p:nvSpPr>
+          <p:cNvPr id="223" name="Shape 223"/>
+          <p:cNvSpPr txBox="1"/>
+          <p:nvPr/>
+        </p:nvSpPr>
+        <p:spPr>
+          <a:xfrm>
+            <a:off x="5151650" y="4316775"/>
+            <a:ext cx="1484400" cy="404100"/>
+          </a:xfrm>
+          <a:prstGeom prst="rect">
+            <a:avLst/>
+          </a:prstGeom>
+          <a:noFill/>
+          <a:ln>
+            <a:noFill/>
+          </a:ln>
+        </p:spPr>
+        <p:txBody>
+          <a:bodyPr anchorCtr="0" anchor="t" bIns="91425" lIns="91425" rIns="91425" wrap="square" tIns="91425">
+            <a:noAutofit/>
+          </a:bodyPr>
+          <a:lstStyle/>
+          <a:p>
+            <a:pPr lvl="0" rtl="0">
+              <a:spcBef>
+                <a:spcPts val="0"/>
+              </a:spcBef>
+              <a:buNone/>
+            </a:pPr>
+            <a:r>
+              <a:rPr lang="en"/>
+              <a:t>tensorflow</a:t>
+            </a:r>
+          </a:p>
+        </p:txBody>
+      </p:sp>
+      <p:sp>
+        <p:nvSpPr>
+          <p:cNvPr id="224" name="Shape 224"/>
+          <p:cNvSpPr txBox="1"/>
+          <p:nvPr/>
+        </p:nvSpPr>
+        <p:spPr>
+          <a:xfrm>
+            <a:off x="5227850" y="4773975"/>
+            <a:ext cx="1484400" cy="404100"/>
+          </a:xfrm>
+          <a:prstGeom prst="rect">
+            <a:avLst/>
+          </a:prstGeom>
+          <a:noFill/>
+          <a:ln>
+            <a:noFill/>
+          </a:ln>
+        </p:spPr>
+        <p:txBody>
+          <a:bodyPr anchorCtr="0" anchor="t" bIns="91425" lIns="91425" rIns="91425" wrap="square" tIns="91425">
+            <a:noAutofit/>
+          </a:bodyPr>
+          <a:lstStyle/>
+          <a:p>
+            <a:pPr lvl="0" rtl="0">
+              <a:spcBef>
+                <a:spcPts val="0"/>
+              </a:spcBef>
+              <a:buNone/>
+            </a:pPr>
+            <a:r>
+              <a:rPr lang="en"/>
+              <a:t>Pytorch</a:t>
+            </a:r>
+          </a:p>
+        </p:txBody>
+      </p:sp>
+      <p:sp>
+        <p:nvSpPr>
+          <p:cNvPr id="225" name="Shape 225"/>
+          <p:cNvSpPr txBox="1"/>
+          <p:nvPr/>
+        </p:nvSpPr>
+        <p:spPr>
+          <a:xfrm>
+            <a:off x="6599450" y="1116375"/>
+            <a:ext cx="1484400" cy="404100"/>
+          </a:xfrm>
+          <a:prstGeom prst="rect">
+            <a:avLst/>
+          </a:prstGeom>
+          <a:noFill/>
+          <a:ln>
+            <a:noFill/>
+          </a:ln>
+        </p:spPr>
+        <p:txBody>
+          <a:bodyPr anchorCtr="0" anchor="t" bIns="91425" lIns="91425" rIns="91425" wrap="square" tIns="91425">
+            <a:noAutofit/>
+          </a:bodyPr>
+          <a:lstStyle/>
+          <a:p>
+            <a:pPr lvl="0" rtl="0">
+              <a:spcBef>
+                <a:spcPts val="0"/>
+              </a:spcBef>
+              <a:buNone/>
+            </a:pPr>
+            <a:r>
+              <a:rPr lang="en"/>
+              <a:t>AWS</a:t>
+            </a:r>
+          </a:p>
+        </p:txBody>
+      </p:sp>
+      <p:sp>
+        <p:nvSpPr>
+          <p:cNvPr id="226" name="Shape 226"/>
+          <p:cNvSpPr txBox="1"/>
+          <p:nvPr/>
+        </p:nvSpPr>
+        <p:spPr>
+          <a:xfrm>
+            <a:off x="2865650" y="4621575"/>
+            <a:ext cx="1484400" cy="404100"/>
+          </a:xfrm>
+          <a:prstGeom prst="rect">
+            <a:avLst/>
+          </a:prstGeom>
+          <a:noFill/>
+          <a:ln>
+            <a:noFill/>
+          </a:ln>
+        </p:spPr>
+        <p:txBody>
+          <a:bodyPr anchorCtr="0" anchor="t" bIns="91425" lIns="91425" rIns="91425" wrap="square" tIns="91425">
+            <a:noAutofit/>
+          </a:bodyPr>
+          <a:lstStyle/>
+          <a:p>
+            <a:pPr lvl="0" rtl="0">
+              <a:spcBef>
+                <a:spcPts val="0"/>
+              </a:spcBef>
+              <a:buNone/>
+            </a:pPr>
+            <a:r>
+              <a:rPr lang="en"/>
+              <a:t>논리 프로그래밍</a:t>
+            </a:r>
+          </a:p>
+        </p:txBody>
+      </p:sp>
+      <p:sp>
+        <p:nvSpPr>
+          <p:cNvPr id="227" name="Shape 227"/>
+          <p:cNvSpPr txBox="1"/>
+          <p:nvPr/>
+        </p:nvSpPr>
+        <p:spPr>
+          <a:xfrm>
+            <a:off x="6486650" y="2696488"/>
+            <a:ext cx="1484400" cy="404100"/>
+          </a:xfrm>
+          <a:prstGeom prst="rect">
+            <a:avLst/>
+          </a:prstGeom>
+          <a:noFill/>
+          <a:ln>
+            <a:noFill/>
+          </a:ln>
+        </p:spPr>
+        <p:txBody>
+          <a:bodyPr anchorCtr="0" anchor="t" bIns="91425" lIns="91425" rIns="91425" wrap="square" tIns="91425">
+            <a:noAutofit/>
+          </a:bodyPr>
+          <a:lstStyle/>
+          <a:p>
+            <a:pPr lvl="0" rtl="0">
+              <a:spcBef>
+                <a:spcPts val="0"/>
+              </a:spcBef>
+              <a:buNone/>
+            </a:pPr>
+            <a:r>
+              <a:rPr lang="en"/>
+              <a:t>신경경제학</a:t>
+            </a:r>
+          </a:p>
+        </p:txBody>
+      </p:sp>
+      <p:sp>
+        <p:nvSpPr>
+          <p:cNvPr id="228" name="Shape 228"/>
+          <p:cNvSpPr txBox="1"/>
+          <p:nvPr/>
+        </p:nvSpPr>
+        <p:spPr>
+          <a:xfrm>
+            <a:off x="6294650" y="4697775"/>
+            <a:ext cx="1484400" cy="404100"/>
+          </a:xfrm>
+          <a:prstGeom prst="rect">
+            <a:avLst/>
+          </a:prstGeom>
+          <a:noFill/>
+          <a:ln>
+            <a:noFill/>
+          </a:ln>
+        </p:spPr>
+        <p:txBody>
+          <a:bodyPr anchorCtr="0" anchor="t" bIns="91425" lIns="91425" rIns="91425" wrap="square" tIns="91425">
+            <a:noAutofit/>
+          </a:bodyPr>
+          <a:lstStyle/>
+          <a:p>
+            <a:pPr lvl="0" rtl="0">
+              <a:spcBef>
+                <a:spcPts val="0"/>
+              </a:spcBef>
+              <a:buNone/>
+            </a:pPr>
+            <a:r>
+              <a:rPr lang="en"/>
+              <a:t>진화알고리즘</a:t>
+            </a:r>
+          </a:p>
+        </p:txBody>
+      </p:sp>
+      <p:sp>
+        <p:nvSpPr>
+          <p:cNvPr id="229" name="Shape 229"/>
+          <p:cNvSpPr txBox="1"/>
+          <p:nvPr/>
+        </p:nvSpPr>
+        <p:spPr>
+          <a:xfrm>
+            <a:off x="5304050" y="4545375"/>
+            <a:ext cx="1484400" cy="404100"/>
+          </a:xfrm>
+          <a:prstGeom prst="rect">
+            <a:avLst/>
+          </a:prstGeom>
+          <a:noFill/>
+          <a:ln>
+            <a:noFill/>
+          </a:ln>
+        </p:spPr>
+        <p:txBody>
+          <a:bodyPr anchorCtr="0" anchor="t" bIns="91425" lIns="91425" rIns="91425" wrap="square" tIns="91425">
+            <a:noAutofit/>
+          </a:bodyPr>
+          <a:lstStyle/>
+          <a:p>
+            <a:pPr lvl="0" rtl="0">
+              <a:spcBef>
+                <a:spcPts val="0"/>
+              </a:spcBef>
+              <a:buNone/>
+            </a:pPr>
+            <a:r>
+              <a:rPr lang="en"/>
+              <a:t>keras</a:t>
+            </a:r>
+          </a:p>
+        </p:txBody>
+      </p:sp>
+      <p:sp>
+        <p:nvSpPr>
+          <p:cNvPr id="230" name="Shape 230"/>
+          <p:cNvSpPr txBox="1"/>
+          <p:nvPr/>
+        </p:nvSpPr>
+        <p:spPr>
+          <a:xfrm>
+            <a:off x="46250" y="1878375"/>
+            <a:ext cx="1484400" cy="404100"/>
+          </a:xfrm>
+          <a:prstGeom prst="rect">
+            <a:avLst/>
+          </a:prstGeom>
+          <a:noFill/>
+          <a:ln>
+            <a:noFill/>
+          </a:ln>
+        </p:spPr>
+        <p:txBody>
+          <a:bodyPr anchorCtr="0" anchor="t" bIns="91425" lIns="91425" rIns="91425" wrap="square" tIns="91425">
+            <a:noAutofit/>
+          </a:bodyPr>
+          <a:lstStyle/>
+          <a:p>
+            <a:pPr lvl="0" rtl="0">
+              <a:spcBef>
+                <a:spcPts val="0"/>
+              </a:spcBef>
+              <a:buNone/>
+            </a:pPr>
+            <a:r>
+              <a:rPr lang="en"/>
+              <a:t>강화학</a:t>
+            </a:r>
+            <a:r>
+              <a:rPr lang="en"/>
+              <a:t>습, 실험계획법</a:t>
+            </a:r>
+          </a:p>
+        </p:txBody>
+      </p:sp>
+      <p:sp>
+        <p:nvSpPr>
+          <p:cNvPr id="231" name="Shape 231"/>
+          <p:cNvSpPr txBox="1"/>
+          <p:nvPr/>
+        </p:nvSpPr>
+        <p:spPr>
+          <a:xfrm>
+            <a:off x="122450" y="887775"/>
+            <a:ext cx="1484400" cy="404100"/>
+          </a:xfrm>
+          <a:prstGeom prst="rect">
+            <a:avLst/>
+          </a:prstGeom>
+          <a:noFill/>
+          <a:ln>
+            <a:noFill/>
+          </a:ln>
+        </p:spPr>
+        <p:txBody>
+          <a:bodyPr anchorCtr="0" anchor="t" bIns="91425" lIns="91425" rIns="91425" wrap="square" tIns="91425">
+            <a:noAutofit/>
+          </a:bodyPr>
+          <a:lstStyle/>
+          <a:p>
+            <a:pPr lvl="0">
+              <a:spcBef>
+                <a:spcPts val="0"/>
+              </a:spcBef>
+              <a:buNone/>
+            </a:pPr>
+            <a:r>
+              <a:rPr lang="en"/>
+              <a:t>머신러</a:t>
+            </a:r>
+            <a:r>
+              <a:rPr lang="en"/>
+              <a:t>닝</a:t>
+            </a:r>
+          </a:p>
+          <a:p>
+            <a:pPr lvl="0" rtl="0">
+              <a:spcBef>
+                <a:spcPts val="0"/>
+              </a:spcBef>
+              <a:buNone/>
+            </a:pPr>
+            <a:r>
+              <a:rPr lang="en"/>
+              <a:t>+캐글분석</a:t>
+            </a:r>
+          </a:p>
+        </p:txBody>
+      </p:sp>
+      <p:sp>
+        <p:nvSpPr>
+          <p:cNvPr id="232" name="Shape 232"/>
+          <p:cNvSpPr txBox="1"/>
+          <p:nvPr/>
+        </p:nvSpPr>
+        <p:spPr>
+          <a:xfrm>
+            <a:off x="808250" y="430575"/>
+            <a:ext cx="3106200" cy="404100"/>
+          </a:xfrm>
+          <a:prstGeom prst="rect">
+            <a:avLst/>
+          </a:prstGeom>
+          <a:noFill/>
+          <a:ln>
+            <a:noFill/>
+          </a:ln>
+        </p:spPr>
+        <p:txBody>
+          <a:bodyPr anchorCtr="0" anchor="t" bIns="91425" lIns="91425" rIns="91425" wrap="square" tIns="91425">
+            <a:noAutofit/>
+          </a:bodyPr>
+          <a:lstStyle/>
+          <a:p>
+            <a:pPr lvl="0" algn="ctr">
+              <a:spcBef>
+                <a:spcPts val="0"/>
+              </a:spcBef>
+              <a:buNone/>
+            </a:pPr>
+            <a:r>
+              <a:rPr lang="en"/>
+              <a:t>챗</a:t>
+            </a:r>
+            <a:r>
+              <a:rPr lang="en"/>
+              <a:t>봇 코퍼스 분석, </a:t>
+            </a:r>
+            <a:r>
+              <a:rPr lang="en"/>
+              <a:t>뉴</a:t>
+            </a:r>
+            <a:r>
+              <a:rPr lang="en"/>
+              <a:t>스 데이터 분석, </a:t>
+            </a:r>
+          </a:p>
+          <a:p>
+            <a:pPr lvl="0" rtl="0" algn="ctr">
+              <a:spcBef>
+                <a:spcPts val="0"/>
+              </a:spcBef>
+              <a:buNone/>
+            </a:pPr>
+            <a:r>
+              <a:rPr lang="en"/>
+              <a:t>비트코인, 온라인 광고</a:t>
+            </a:r>
+          </a:p>
+        </p:txBody>
+      </p:sp>
+      <p:sp>
+        <p:nvSpPr>
+          <p:cNvPr id="233" name="Shape 233"/>
+          <p:cNvSpPr txBox="1"/>
+          <p:nvPr/>
+        </p:nvSpPr>
+        <p:spPr>
+          <a:xfrm>
+            <a:off x="2865650" y="963975"/>
+            <a:ext cx="2157900" cy="404100"/>
+          </a:xfrm>
+          <a:prstGeom prst="rect">
+            <a:avLst/>
+          </a:prstGeom>
+          <a:noFill/>
+          <a:ln>
+            <a:noFill/>
+          </a:ln>
+        </p:spPr>
+        <p:txBody>
+          <a:bodyPr anchorCtr="0" anchor="t" bIns="91425" lIns="91425" rIns="91425" wrap="square" tIns="91425">
+            <a:noAutofit/>
+          </a:bodyPr>
+          <a:lstStyle/>
+          <a:p>
+            <a:pPr lvl="0" rtl="0">
+              <a:spcBef>
+                <a:spcPts val="0"/>
+              </a:spcBef>
+              <a:buNone/>
+            </a:pPr>
+            <a:r>
+              <a:rPr lang="en"/>
+              <a:t>Psychopy, 뇌영상분</a:t>
+            </a:r>
+            <a:r>
+              <a:rPr lang="en"/>
+              <a:t>석, 계산정신병리학</a:t>
+            </a:r>
+          </a:p>
+        </p:txBody>
+      </p:sp>
+      <p:sp>
+        <p:nvSpPr>
+          <p:cNvPr id="234" name="Shape 234"/>
+          <p:cNvSpPr txBox="1"/>
+          <p:nvPr/>
+        </p:nvSpPr>
+        <p:spPr>
+          <a:xfrm>
+            <a:off x="7437650" y="506775"/>
+            <a:ext cx="1484400" cy="404100"/>
+          </a:xfrm>
+          <a:prstGeom prst="rect">
+            <a:avLst/>
+          </a:prstGeom>
+          <a:noFill/>
+          <a:ln>
+            <a:noFill/>
+          </a:ln>
+        </p:spPr>
+        <p:txBody>
+          <a:bodyPr anchorCtr="0" anchor="t" bIns="91425" lIns="91425" rIns="91425" wrap="square" tIns="91425">
+            <a:noAutofit/>
+          </a:bodyPr>
+          <a:lstStyle/>
+          <a:p>
+            <a:pPr lvl="0" rtl="0" algn="ctr">
+              <a:spcBef>
+                <a:spcPts val="0"/>
+              </a:spcBef>
+              <a:buNone/>
+            </a:pPr>
+            <a:r>
+              <a:rPr lang="en"/>
+              <a:t>파이썬</a:t>
+            </a:r>
+            <a:r>
+              <a:rPr lang="en"/>
+              <a:t>을 이용한 자료구조 &amp; 알고리즘</a:t>
+            </a:r>
+            <a:r>
+              <a:rPr lang="en"/>
+              <a:t> 기초</a:t>
+            </a:r>
+          </a:p>
+        </p:txBody>
+      </p:sp>
     </p:spTree>
   </p:cSld>
   <p:clrMapOvr>
@@ -8038,7 +11186,7 @@
   <p:cSld>
     <p:spTree>
       <p:nvGrpSpPr>
-        <p:cNvPr id="200" name="Shape 200"/>
+        <p:cNvPr id="238" name="Shape 238"/>
         <p:cNvGrpSpPr/>
         <p:nvPr/>
       </p:nvGrpSpPr>
@@ -8052,7 +11200,7 @@
       </p:grpSpPr>
       <p:sp>
         <p:nvSpPr>
-          <p:cNvPr id="201" name="Shape 201"/>
+          <p:cNvPr id="239" name="Shape 239"/>
           <p:cNvSpPr txBox="1"/>
           <p:nvPr>
             <p:ph type="title"/>
@@ -8081,18 +11229,18 @@
             </a:pPr>
             <a:r>
               <a:rPr lang="en"/>
-              <a:t>언제까</a:t>
+              <a:t>정</a:t>
             </a:r>
             <a:r>
               <a:rPr lang="en"/>
-              <a:t>지?</a:t>
+              <a:t>통 .. 심리학 그룹?</a:t>
             </a:r>
           </a:p>
         </p:txBody>
       </p:sp>
       <p:pic>
         <p:nvPicPr>
-          <p:cNvPr id="202" name="Shape 202"/>
+          <p:cNvPr id="240" name="Shape 240"/>
           <p:cNvPicPr preferRelativeResize="0"/>
           <p:nvPr/>
         </p:nvPicPr>
@@ -8106,8 +11254,664 @@
         </p:blipFill>
         <p:spPr>
           <a:xfrm>
-            <a:off x="2982475" y="1640150"/>
-            <a:ext cx="3429000" cy="2286000"/>
+            <a:off x="1742425" y="1019225"/>
+            <a:ext cx="6003626" cy="3442825"/>
+          </a:xfrm>
+          <a:prstGeom prst="rect">
+            <a:avLst/>
+          </a:prstGeom>
+          <a:noFill/>
+          <a:ln>
+            <a:noFill/>
+          </a:ln>
+        </p:spPr>
+      </p:pic>
+      <p:sp>
+        <p:nvSpPr>
+          <p:cNvPr id="241" name="Shape 241"/>
+          <p:cNvSpPr txBox="1"/>
+          <p:nvPr/>
+        </p:nvSpPr>
+        <p:spPr>
+          <a:xfrm>
+            <a:off x="2006175" y="4565600"/>
+            <a:ext cx="6146700" cy="717000"/>
+          </a:xfrm>
+          <a:prstGeom prst="rect">
+            <a:avLst/>
+          </a:prstGeom>
+          <a:noFill/>
+          <a:ln>
+            <a:noFill/>
+          </a:ln>
+        </p:spPr>
+        <p:txBody>
+          <a:bodyPr anchorCtr="0" anchor="t" bIns="91425" lIns="91425" rIns="91425" wrap="square" tIns="91425">
+            <a:noAutofit/>
+          </a:bodyPr>
+          <a:lstStyle/>
+          <a:p>
+            <a:pPr lvl="0">
+              <a:spcBef>
+                <a:spcPts val="0"/>
+              </a:spcBef>
+              <a:buNone/>
+            </a:pPr>
+            <a:r>
+              <a:rPr lang="en" sz="2400">
+                <a:solidFill>
+                  <a:schemeClr val="dk1"/>
+                </a:solidFill>
+              </a:rPr>
+              <a:t>https://cocolab.stanford.edu/ndg.html</a:t>
+            </a:r>
+          </a:p>
+        </p:txBody>
+      </p:sp>
+    </p:spTree>
+  </p:cSld>
+  <p:clrMapOvr>
+    <a:masterClrMapping/>
+  </p:clrMapOvr>
+</p:sld>
+</file>
+
+<file path=ppt/slides/slide16.xml><?xml version="1.0" encoding="utf-8"?>
+<p:sld xmlns:a="http://schemas.openxmlformats.org/drawingml/2006/main" xmlns:r="http://schemas.openxmlformats.org/officeDocument/2006/relationships" xmlns:mc="http://schemas.openxmlformats.org/markup-compatibility/2006" xmlns:mv="urn:schemas-microsoft-com:mac:vml" xmlns:p="http://schemas.openxmlformats.org/presentationml/2006/main" xmlns:c="http://schemas.openxmlformats.org/drawingml/2006/chart" xmlns:dgm="http://schemas.openxmlformats.org/drawingml/2006/diagram" xmlns:o="urn:schemas-microsoft-com:office:office" xmlns:v="urn:schemas-microsoft-com:vml" xmlns:pvml="urn:schemas-microsoft-com:office:powerpoint" xmlns:com="http://schemas.openxmlformats.org/drawingml/2006/compatibility" xmlns:p14="http://schemas.microsoft.com/office/powerpoint/2010/main" xmlns:p15="http://schemas.microsoft.com/office/powerpoint/2012/main">
+  <p:cSld>
+    <p:spTree>
+      <p:nvGrpSpPr>
+        <p:cNvPr id="245" name="Shape 245"/>
+        <p:cNvGrpSpPr/>
+        <p:nvPr/>
+      </p:nvGrpSpPr>
+      <p:grpSpPr>
+        <a:xfrm>
+          <a:off x="0" y="0"/>
+          <a:ext cx="0" cy="0"/>
+          <a:chOff x="0" y="0"/>
+          <a:chExt cx="0" cy="0"/>
+        </a:xfrm>
+      </p:grpSpPr>
+      <p:sp>
+        <p:nvSpPr>
+          <p:cNvPr id="246" name="Shape 246"/>
+          <p:cNvSpPr txBox="1"/>
+          <p:nvPr>
+            <p:ph type="title"/>
+          </p:nvPr>
+        </p:nvSpPr>
+        <p:spPr>
+          <a:xfrm>
+            <a:off x="311700" y="292625"/>
+            <a:ext cx="8520600" cy="572700"/>
+          </a:xfrm>
+          <a:prstGeom prst="rect">
+            <a:avLst/>
+          </a:prstGeom>
+        </p:spPr>
+        <p:txBody>
+          <a:bodyPr anchorCtr="0" anchor="t" bIns="91425" lIns="91425" rIns="91425" wrap="square" tIns="91425">
+            <a:noAutofit/>
+          </a:bodyPr>
+          <a:lstStyle/>
+          <a:p>
+            <a:pPr lvl="0" rtl="0" algn="ctr">
+              <a:spcBef>
+                <a:spcPts val="0"/>
+              </a:spcBef>
+              <a:buNone/>
+            </a:pPr>
+            <a:r>
+              <a:rPr lang="en"/>
+              <a:t>정통 .. 심리학 그룹!</a:t>
+            </a:r>
+          </a:p>
+        </p:txBody>
+      </p:sp>
+      <p:sp>
+        <p:nvSpPr>
+          <p:cNvPr id="247" name="Shape 247"/>
+          <p:cNvSpPr txBox="1"/>
+          <p:nvPr/>
+        </p:nvSpPr>
+        <p:spPr>
+          <a:xfrm>
+            <a:off x="1548975" y="1670000"/>
+            <a:ext cx="6146700" cy="717000"/>
+          </a:xfrm>
+          <a:prstGeom prst="rect">
+            <a:avLst/>
+          </a:prstGeom>
+          <a:noFill/>
+          <a:ln>
+            <a:noFill/>
+          </a:ln>
+        </p:spPr>
+        <p:txBody>
+          <a:bodyPr anchorCtr="0" anchor="t" bIns="91425" lIns="91425" rIns="91425" wrap="square" tIns="91425">
+            <a:noAutofit/>
+          </a:bodyPr>
+          <a:lstStyle/>
+          <a:p>
+            <a:pPr lvl="0" rtl="0" algn="ctr">
+              <a:spcBef>
+                <a:spcPts val="0"/>
+              </a:spcBef>
+              <a:buNone/>
+            </a:pPr>
+            <a:r>
+              <a:rPr lang="en" sz="3600">
+                <a:solidFill>
+                  <a:schemeClr val="dk1"/>
+                </a:solidFill>
+              </a:rPr>
+              <a:t>UBER AI Labs</a:t>
+            </a:r>
+          </a:p>
+          <a:p>
+            <a:pPr lvl="0" algn="ctr">
+              <a:spcBef>
+                <a:spcPts val="0"/>
+              </a:spcBef>
+              <a:buNone/>
+            </a:pPr>
+            <a:r>
+              <a:t/>
+            </a:r>
+            <a:endParaRPr sz="3600">
+              <a:solidFill>
+                <a:schemeClr val="dk1"/>
+              </a:solidFill>
+            </a:endParaRPr>
+          </a:p>
+          <a:p>
+            <a:pPr indent="-381000" lvl="0" marL="457200" rtl="0">
+              <a:spcBef>
+                <a:spcPts val="0"/>
+              </a:spcBef>
+              <a:spcAft>
+                <a:spcPts val="0"/>
+              </a:spcAft>
+              <a:buClr>
+                <a:schemeClr val="dk1"/>
+              </a:buClr>
+              <a:buSzPts val="2400"/>
+              <a:buChar char="●"/>
+            </a:pPr>
+            <a:r>
+              <a:rPr lang="en" sz="2400" u="sng">
+                <a:solidFill>
+                  <a:schemeClr val="hlink"/>
+                </a:solidFill>
+                <a:hlinkClick r:id="rId3"/>
+              </a:rPr>
+              <a:t>http://uber.ai/</a:t>
+            </a:r>
+          </a:p>
+          <a:p>
+            <a:pPr indent="-381000" lvl="0" marL="457200" rtl="0">
+              <a:spcBef>
+                <a:spcPts val="0"/>
+              </a:spcBef>
+              <a:spcAft>
+                <a:spcPts val="0"/>
+              </a:spcAft>
+              <a:buClr>
+                <a:schemeClr val="dk1"/>
+              </a:buClr>
+              <a:buSzPts val="2400"/>
+              <a:buChar char="●"/>
+            </a:pPr>
+            <a:r>
+              <a:rPr lang="en" sz="2400">
+                <a:solidFill>
+                  <a:schemeClr val="dk1"/>
+                </a:solidFill>
+              </a:rPr>
+              <a:t>Probabilistic Models</a:t>
+            </a:r>
+          </a:p>
+          <a:p>
+            <a:pPr indent="-381000" lvl="0" marL="457200" rtl="0">
+              <a:spcBef>
+                <a:spcPts val="0"/>
+              </a:spcBef>
+              <a:buClr>
+                <a:schemeClr val="dk1"/>
+              </a:buClr>
+              <a:buSzPts val="2400"/>
+              <a:buChar char="●"/>
+            </a:pPr>
+            <a:r>
+              <a:rPr lang="en" sz="2400">
+                <a:solidFill>
+                  <a:schemeClr val="dk1"/>
+                </a:solidFill>
+              </a:rPr>
+              <a:t>Deep Probabilistic Programming Library</a:t>
+            </a:r>
+          </a:p>
+        </p:txBody>
+      </p:sp>
+    </p:spTree>
+  </p:cSld>
+  <p:clrMapOvr>
+    <a:masterClrMapping/>
+  </p:clrMapOvr>
+</p:sld>
+</file>
+
+<file path=ppt/slides/slide17.xml><?xml version="1.0" encoding="utf-8"?>
+<p:sld xmlns:a="http://schemas.openxmlformats.org/drawingml/2006/main" xmlns:r="http://schemas.openxmlformats.org/officeDocument/2006/relationships" xmlns:mc="http://schemas.openxmlformats.org/markup-compatibility/2006" xmlns:mv="urn:schemas-microsoft-com:mac:vml" xmlns:p="http://schemas.openxmlformats.org/presentationml/2006/main" xmlns:c="http://schemas.openxmlformats.org/drawingml/2006/chart" xmlns:dgm="http://schemas.openxmlformats.org/drawingml/2006/diagram" xmlns:o="urn:schemas-microsoft-com:office:office" xmlns:v="urn:schemas-microsoft-com:vml" xmlns:pvml="urn:schemas-microsoft-com:office:powerpoint" xmlns:com="http://schemas.openxmlformats.org/drawingml/2006/compatibility" xmlns:p14="http://schemas.microsoft.com/office/powerpoint/2010/main" xmlns:p15="http://schemas.microsoft.com/office/powerpoint/2012/main">
+  <p:cSld>
+    <p:spTree>
+      <p:nvGrpSpPr>
+        <p:cNvPr id="251" name="Shape 251"/>
+        <p:cNvGrpSpPr/>
+        <p:nvPr/>
+      </p:nvGrpSpPr>
+      <p:grpSpPr>
+        <a:xfrm>
+          <a:off x="0" y="0"/>
+          <a:ext cx="0" cy="0"/>
+          <a:chOff x="0" y="0"/>
+          <a:chExt cx="0" cy="0"/>
+        </a:xfrm>
+      </p:grpSpPr>
+      <p:sp>
+        <p:nvSpPr>
+          <p:cNvPr id="252" name="Shape 252"/>
+          <p:cNvSpPr txBox="1"/>
+          <p:nvPr>
+            <p:ph type="title"/>
+          </p:nvPr>
+        </p:nvSpPr>
+        <p:spPr>
+          <a:xfrm>
+            <a:off x="311700" y="292625"/>
+            <a:ext cx="8520600" cy="572700"/>
+          </a:xfrm>
+          <a:prstGeom prst="rect">
+            <a:avLst/>
+          </a:prstGeom>
+        </p:spPr>
+        <p:txBody>
+          <a:bodyPr anchorCtr="0" anchor="t" bIns="91425" lIns="91425" rIns="91425" wrap="square" tIns="91425">
+            <a:noAutofit/>
+          </a:bodyPr>
+          <a:lstStyle/>
+          <a:p>
+            <a:pPr lvl="0" rtl="0" algn="ctr">
+              <a:spcBef>
+                <a:spcPts val="0"/>
+              </a:spcBef>
+              <a:buNone/>
+            </a:pPr>
+            <a:r>
+              <a:rPr lang="en"/>
+              <a:t>정통 .. 심리학 그룹?</a:t>
+            </a:r>
+          </a:p>
+        </p:txBody>
+      </p:sp>
+      <p:sp>
+        <p:nvSpPr>
+          <p:cNvPr id="253" name="Shape 253"/>
+          <p:cNvSpPr txBox="1"/>
+          <p:nvPr/>
+        </p:nvSpPr>
+        <p:spPr>
+          <a:xfrm>
+            <a:off x="870375" y="4337000"/>
+            <a:ext cx="7587300" cy="717000"/>
+          </a:xfrm>
+          <a:prstGeom prst="rect">
+            <a:avLst/>
+          </a:prstGeom>
+          <a:noFill/>
+          <a:ln>
+            <a:noFill/>
+          </a:ln>
+        </p:spPr>
+        <p:txBody>
+          <a:bodyPr anchorCtr="0" anchor="t" bIns="91425" lIns="91425" rIns="91425" wrap="square" tIns="91425">
+            <a:noAutofit/>
+          </a:bodyPr>
+          <a:lstStyle/>
+          <a:p>
+            <a:pPr lvl="0" rtl="0">
+              <a:spcBef>
+                <a:spcPts val="0"/>
+              </a:spcBef>
+              <a:buNone/>
+            </a:pPr>
+            <a:r>
+              <a:rPr lang="en" sz="2400">
+                <a:solidFill>
+                  <a:schemeClr val="dk1"/>
+                </a:solidFill>
+              </a:rPr>
+              <a:t>http://gershmanlab.webfactional.com/people/sam.html</a:t>
+            </a:r>
+          </a:p>
+        </p:txBody>
+      </p:sp>
+      <p:pic>
+        <p:nvPicPr>
+          <p:cNvPr id="254" name="Shape 254"/>
+          <p:cNvPicPr preferRelativeResize="0"/>
+          <p:nvPr/>
+        </p:nvPicPr>
+        <p:blipFill>
+          <a:blip r:embed="rId3">
+            <a:alphaModFix/>
+          </a:blip>
+          <a:stretch>
+            <a:fillRect/>
+          </a:stretch>
+        </p:blipFill>
+        <p:spPr>
+          <a:xfrm>
+            <a:off x="152400" y="1322525"/>
+            <a:ext cx="8839199" cy="2824802"/>
+          </a:xfrm>
+          <a:prstGeom prst="rect">
+            <a:avLst/>
+          </a:prstGeom>
+          <a:noFill/>
+          <a:ln>
+            <a:noFill/>
+          </a:ln>
+        </p:spPr>
+      </p:pic>
+    </p:spTree>
+  </p:cSld>
+  <p:clrMapOvr>
+    <a:masterClrMapping/>
+  </p:clrMapOvr>
+</p:sld>
+</file>
+
+<file path=ppt/slides/slide18.xml><?xml version="1.0" encoding="utf-8"?>
+<p:sld xmlns:a="http://schemas.openxmlformats.org/drawingml/2006/main" xmlns:r="http://schemas.openxmlformats.org/officeDocument/2006/relationships" xmlns:mc="http://schemas.openxmlformats.org/markup-compatibility/2006" xmlns:mv="urn:schemas-microsoft-com:mac:vml" xmlns:p="http://schemas.openxmlformats.org/presentationml/2006/main" xmlns:c="http://schemas.openxmlformats.org/drawingml/2006/chart" xmlns:dgm="http://schemas.openxmlformats.org/drawingml/2006/diagram" xmlns:o="urn:schemas-microsoft-com:office:office" xmlns:v="urn:schemas-microsoft-com:vml" xmlns:pvml="urn:schemas-microsoft-com:office:powerpoint" xmlns:com="http://schemas.openxmlformats.org/drawingml/2006/compatibility" xmlns:p14="http://schemas.microsoft.com/office/powerpoint/2010/main" xmlns:p15="http://schemas.microsoft.com/office/powerpoint/2012/main">
+  <p:cSld>
+    <p:spTree>
+      <p:nvGrpSpPr>
+        <p:cNvPr id="258" name="Shape 258"/>
+        <p:cNvGrpSpPr/>
+        <p:nvPr/>
+      </p:nvGrpSpPr>
+      <p:grpSpPr>
+        <a:xfrm>
+          <a:off x="0" y="0"/>
+          <a:ext cx="0" cy="0"/>
+          <a:chOff x="0" y="0"/>
+          <a:chExt cx="0" cy="0"/>
+        </a:xfrm>
+      </p:grpSpPr>
+      <p:sp>
+        <p:nvSpPr>
+          <p:cNvPr id="259" name="Shape 259"/>
+          <p:cNvSpPr txBox="1"/>
+          <p:nvPr>
+            <p:ph type="title"/>
+          </p:nvPr>
+        </p:nvSpPr>
+        <p:spPr>
+          <a:xfrm>
+            <a:off x="311700" y="292625"/>
+            <a:ext cx="8520600" cy="572700"/>
+          </a:xfrm>
+          <a:prstGeom prst="rect">
+            <a:avLst/>
+          </a:prstGeom>
+        </p:spPr>
+        <p:txBody>
+          <a:bodyPr anchorCtr="0" anchor="t" bIns="91425" lIns="91425" rIns="91425" wrap="square" tIns="91425">
+            <a:noAutofit/>
+          </a:bodyPr>
+          <a:lstStyle/>
+          <a:p>
+            <a:pPr lvl="0" rtl="0" algn="ctr">
+              <a:spcBef>
+                <a:spcPts val="0"/>
+              </a:spcBef>
+              <a:buNone/>
+            </a:pPr>
+            <a:r>
+              <a:rPr lang="en"/>
+              <a:t>정통 .. 심리학 그룹!</a:t>
+            </a:r>
+          </a:p>
+        </p:txBody>
+      </p:sp>
+      <p:sp>
+        <p:nvSpPr>
+          <p:cNvPr id="260" name="Shape 260"/>
+          <p:cNvSpPr txBox="1"/>
+          <p:nvPr/>
+        </p:nvSpPr>
+        <p:spPr>
+          <a:xfrm>
+            <a:off x="1167975" y="1365200"/>
+            <a:ext cx="6881400" cy="717000"/>
+          </a:xfrm>
+          <a:prstGeom prst="rect">
+            <a:avLst/>
+          </a:prstGeom>
+          <a:noFill/>
+          <a:ln>
+            <a:noFill/>
+          </a:ln>
+        </p:spPr>
+        <p:txBody>
+          <a:bodyPr anchorCtr="0" anchor="t" bIns="91425" lIns="91425" rIns="91425" wrap="square" tIns="91425">
+            <a:noAutofit/>
+          </a:bodyPr>
+          <a:lstStyle/>
+          <a:p>
+            <a:pPr lvl="0" rtl="0" algn="ctr">
+              <a:spcBef>
+                <a:spcPts val="0"/>
+              </a:spcBef>
+              <a:buNone/>
+            </a:pPr>
+            <a:r>
+              <a:rPr lang="en" sz="3600">
+                <a:solidFill>
+                  <a:schemeClr val="dk1"/>
+                </a:solidFill>
+              </a:rPr>
+              <a:t>DeepMind</a:t>
+            </a:r>
+          </a:p>
+          <a:p>
+            <a:pPr lvl="0" rtl="0" algn="l">
+              <a:spcBef>
+                <a:spcPts val="0"/>
+              </a:spcBef>
+              <a:buNone/>
+            </a:pPr>
+            <a:r>
+              <a:t/>
+            </a:r>
+            <a:endParaRPr sz="3600">
+              <a:solidFill>
+                <a:schemeClr val="dk1"/>
+              </a:solidFill>
+            </a:endParaRPr>
+          </a:p>
+          <a:p>
+            <a:pPr indent="-381000" lvl="0" marL="457200" rtl="0">
+              <a:spcBef>
+                <a:spcPts val="0"/>
+              </a:spcBef>
+              <a:spcAft>
+                <a:spcPts val="0"/>
+              </a:spcAft>
+              <a:buClr>
+                <a:schemeClr val="dk1"/>
+              </a:buClr>
+              <a:buSzPts val="2400"/>
+              <a:buChar char="●"/>
+            </a:pPr>
+            <a:r>
+              <a:rPr lang="en" sz="2400">
+                <a:solidFill>
+                  <a:schemeClr val="dk1"/>
+                </a:solidFill>
+              </a:rPr>
+              <a:t>The hippocampus as a 'predictive map'</a:t>
+            </a:r>
+          </a:p>
+          <a:p>
+            <a:pPr indent="-342900" lvl="1" marL="914400" rtl="0">
+              <a:spcBef>
+                <a:spcPts val="0"/>
+              </a:spcBef>
+              <a:spcAft>
+                <a:spcPts val="0"/>
+              </a:spcAft>
+              <a:buClr>
+                <a:schemeClr val="dk1"/>
+              </a:buClr>
+              <a:buSzPts val="1800"/>
+              <a:buChar char="○"/>
+            </a:pPr>
+            <a:r>
+              <a:rPr lang="en" sz="1800">
+                <a:solidFill>
+                  <a:schemeClr val="dk1"/>
+                </a:solidFill>
+              </a:rPr>
+              <a:t>https://deepmind.com/blog/hippocampus-predictive-map/</a:t>
+            </a:r>
+          </a:p>
+          <a:p>
+            <a:pPr indent="-381000" lvl="0" marL="457200" rtl="0">
+              <a:spcBef>
+                <a:spcPts val="0"/>
+              </a:spcBef>
+              <a:spcAft>
+                <a:spcPts val="0"/>
+              </a:spcAft>
+              <a:buClr>
+                <a:schemeClr val="dk1"/>
+              </a:buClr>
+              <a:buSzPts val="2400"/>
+              <a:buChar char="●"/>
+            </a:pPr>
+            <a:r>
+              <a:rPr lang="en" sz="2400">
+                <a:solidFill>
+                  <a:schemeClr val="dk1"/>
+                </a:solidFill>
+              </a:rPr>
+              <a:t>The successor representation in human reinforcement learning</a:t>
+            </a:r>
+          </a:p>
+          <a:p>
+            <a:pPr indent="-342900" lvl="1" marL="914400" rtl="0">
+              <a:spcBef>
+                <a:spcPts val="0"/>
+              </a:spcBef>
+              <a:buClr>
+                <a:schemeClr val="dk1"/>
+              </a:buClr>
+              <a:buSzPts val="1800"/>
+              <a:buChar char="○"/>
+            </a:pPr>
+            <a:r>
+              <a:rPr lang="en" sz="1800">
+                <a:solidFill>
+                  <a:schemeClr val="dk1"/>
+                </a:solidFill>
+              </a:rPr>
+              <a:t>https://deepmind.com/research/publications/successor-representation-human-reinforcement-learning/</a:t>
+            </a:r>
+          </a:p>
+        </p:txBody>
+      </p:sp>
+    </p:spTree>
+  </p:cSld>
+  <p:clrMapOvr>
+    <a:masterClrMapping/>
+  </p:clrMapOvr>
+</p:sld>
+</file>
+
+<file path=ppt/slides/slide19.xml><?xml version="1.0" encoding="utf-8"?>
+<p:sld xmlns:a="http://schemas.openxmlformats.org/drawingml/2006/main" xmlns:r="http://schemas.openxmlformats.org/officeDocument/2006/relationships" xmlns:mc="http://schemas.openxmlformats.org/markup-compatibility/2006" xmlns:mv="urn:schemas-microsoft-com:mac:vml" xmlns:p="http://schemas.openxmlformats.org/presentationml/2006/main" xmlns:c="http://schemas.openxmlformats.org/drawingml/2006/chart" xmlns:dgm="http://schemas.openxmlformats.org/drawingml/2006/diagram" xmlns:o="urn:schemas-microsoft-com:office:office" xmlns:v="urn:schemas-microsoft-com:vml" xmlns:pvml="urn:schemas-microsoft-com:office:powerpoint" xmlns:com="http://schemas.openxmlformats.org/drawingml/2006/compatibility" xmlns:p14="http://schemas.microsoft.com/office/powerpoint/2010/main" xmlns:p15="http://schemas.microsoft.com/office/powerpoint/2012/main">
+  <p:cSld>
+    <p:spTree>
+      <p:nvGrpSpPr>
+        <p:cNvPr id="264" name="Shape 264"/>
+        <p:cNvGrpSpPr/>
+        <p:nvPr/>
+      </p:nvGrpSpPr>
+      <p:grpSpPr>
+        <a:xfrm>
+          <a:off x="0" y="0"/>
+          <a:ext cx="0" cy="0"/>
+          <a:chOff x="0" y="0"/>
+          <a:chExt cx="0" cy="0"/>
+        </a:xfrm>
+      </p:grpSpPr>
+      <p:sp>
+        <p:nvSpPr>
+          <p:cNvPr id="265" name="Shape 265"/>
+          <p:cNvSpPr txBox="1"/>
+          <p:nvPr>
+            <p:ph type="title"/>
+          </p:nvPr>
+        </p:nvSpPr>
+        <p:spPr>
+          <a:xfrm>
+            <a:off x="311700" y="292625"/>
+            <a:ext cx="8520600" cy="572700"/>
+          </a:xfrm>
+          <a:prstGeom prst="rect">
+            <a:avLst/>
+          </a:prstGeom>
+        </p:spPr>
+        <p:txBody>
+          <a:bodyPr anchorCtr="0" anchor="t" bIns="91425" lIns="91425" rIns="91425" wrap="square" tIns="91425">
+            <a:noAutofit/>
+          </a:bodyPr>
+          <a:lstStyle/>
+          <a:p>
+            <a:pPr lvl="0" rtl="0" algn="ctr">
+              <a:spcBef>
+                <a:spcPts val="0"/>
+              </a:spcBef>
+              <a:buNone/>
+            </a:pPr>
+            <a:r>
+              <a:rPr lang="en"/>
+              <a:t>2018</a:t>
+            </a:r>
+          </a:p>
+        </p:txBody>
+      </p:sp>
+      <p:pic>
+        <p:nvPicPr>
+          <p:cNvPr id="266" name="Shape 266"/>
+          <p:cNvPicPr preferRelativeResize="0"/>
+          <p:nvPr/>
+        </p:nvPicPr>
+        <p:blipFill>
+          <a:blip r:embed="rId3">
+            <a:alphaModFix/>
+          </a:blip>
+          <a:stretch>
+            <a:fillRect/>
+          </a:stretch>
+        </p:blipFill>
+        <p:spPr>
+          <a:xfrm>
+            <a:off x="2667000" y="1029475"/>
+            <a:ext cx="3810000" cy="3810000"/>
           </a:xfrm>
           <a:prstGeom prst="rect">
             <a:avLst/>
@@ -8243,6 +12047,3163 @@
 </p:sld>
 </file>
 
+<file path=ppt/slides/slide20.xml><?xml version="1.0" encoding="utf-8"?>
+<p:sld xmlns:a="http://schemas.openxmlformats.org/drawingml/2006/main" xmlns:r="http://schemas.openxmlformats.org/officeDocument/2006/relationships" xmlns:mc="http://schemas.openxmlformats.org/markup-compatibility/2006" xmlns:mv="urn:schemas-microsoft-com:mac:vml" xmlns:p="http://schemas.openxmlformats.org/presentationml/2006/main" xmlns:c="http://schemas.openxmlformats.org/drawingml/2006/chart" xmlns:dgm="http://schemas.openxmlformats.org/drawingml/2006/diagram" xmlns:o="urn:schemas-microsoft-com:office:office" xmlns:v="urn:schemas-microsoft-com:vml" xmlns:pvml="urn:schemas-microsoft-com:office:powerpoint" xmlns:com="http://schemas.openxmlformats.org/drawingml/2006/compatibility" xmlns:p14="http://schemas.microsoft.com/office/powerpoint/2010/main" xmlns:p15="http://schemas.microsoft.com/office/powerpoint/2012/main">
+  <p:cSld>
+    <p:spTree>
+      <p:nvGrpSpPr>
+        <p:cNvPr id="270" name="Shape 270"/>
+        <p:cNvGrpSpPr/>
+        <p:nvPr/>
+      </p:nvGrpSpPr>
+      <p:grpSpPr>
+        <a:xfrm>
+          <a:off x="0" y="0"/>
+          <a:ext cx="0" cy="0"/>
+          <a:chOff x="0" y="0"/>
+          <a:chExt cx="0" cy="0"/>
+        </a:xfrm>
+      </p:grpSpPr>
+      <p:sp>
+        <p:nvSpPr>
+          <p:cNvPr id="271" name="Shape 271"/>
+          <p:cNvSpPr txBox="1"/>
+          <p:nvPr>
+            <p:ph type="title"/>
+          </p:nvPr>
+        </p:nvSpPr>
+        <p:spPr>
+          <a:xfrm>
+            <a:off x="311700" y="292625"/>
+            <a:ext cx="8520600" cy="572700"/>
+          </a:xfrm>
+          <a:prstGeom prst="rect">
+            <a:avLst/>
+          </a:prstGeom>
+        </p:spPr>
+        <p:txBody>
+          <a:bodyPr anchorCtr="0" anchor="t" bIns="91425" lIns="91425" rIns="91425" wrap="square" tIns="91425">
+            <a:noAutofit/>
+          </a:bodyPr>
+          <a:lstStyle/>
+          <a:p>
+            <a:pPr lvl="0" rtl="0" algn="ctr">
+              <a:spcBef>
+                <a:spcPts val="0"/>
+              </a:spcBef>
+              <a:buNone/>
+            </a:pPr>
+            <a:r>
+              <a:rPr lang="en"/>
+              <a:t>2018</a:t>
+            </a:r>
+          </a:p>
+        </p:txBody>
+      </p:sp>
+      <p:pic>
+        <p:nvPicPr>
+          <p:cNvPr id="272" name="Shape 272"/>
+          <p:cNvPicPr preferRelativeResize="0"/>
+          <p:nvPr/>
+        </p:nvPicPr>
+        <p:blipFill>
+          <a:blip r:embed="rId3">
+            <a:alphaModFix/>
+          </a:blip>
+          <a:stretch>
+            <a:fillRect/>
+          </a:stretch>
+        </p:blipFill>
+        <p:spPr>
+          <a:xfrm>
+            <a:off x="2667000" y="1029475"/>
+            <a:ext cx="3810000" cy="3810000"/>
+          </a:xfrm>
+          <a:prstGeom prst="rect">
+            <a:avLst/>
+          </a:prstGeom>
+          <a:noFill/>
+          <a:ln>
+            <a:noFill/>
+          </a:ln>
+        </p:spPr>
+      </p:pic>
+      <p:sp>
+        <p:nvSpPr>
+          <p:cNvPr id="273" name="Shape 273"/>
+          <p:cNvSpPr txBox="1"/>
+          <p:nvPr/>
+        </p:nvSpPr>
+        <p:spPr>
+          <a:xfrm>
+            <a:off x="6676125" y="2569400"/>
+            <a:ext cx="2795700" cy="404100"/>
+          </a:xfrm>
+          <a:prstGeom prst="rect">
+            <a:avLst/>
+          </a:prstGeom>
+          <a:noFill/>
+          <a:ln>
+            <a:noFill/>
+          </a:ln>
+        </p:spPr>
+        <p:txBody>
+          <a:bodyPr anchorCtr="0" anchor="t" bIns="91425" lIns="91425" rIns="91425" wrap="square" tIns="91425">
+            <a:noAutofit/>
+          </a:bodyPr>
+          <a:lstStyle/>
+          <a:p>
+            <a:pPr lvl="0" rtl="0">
+              <a:spcBef>
+                <a:spcPts val="0"/>
+              </a:spcBef>
+              <a:buNone/>
+            </a:pPr>
+            <a:r>
+              <a:rPr lang="en" sz="2400">
+                <a:solidFill>
+                  <a:srgbClr val="FF0000"/>
+                </a:solidFill>
+              </a:rPr>
+              <a:t>클라우드 컴퓨팅</a:t>
+            </a:r>
+          </a:p>
+        </p:txBody>
+      </p:sp>
+      <p:sp>
+        <p:nvSpPr>
+          <p:cNvPr id="274" name="Shape 274"/>
+          <p:cNvSpPr txBox="1"/>
+          <p:nvPr/>
+        </p:nvSpPr>
+        <p:spPr>
+          <a:xfrm>
+            <a:off x="718300" y="3684725"/>
+            <a:ext cx="2795700" cy="404100"/>
+          </a:xfrm>
+          <a:prstGeom prst="rect">
+            <a:avLst/>
+          </a:prstGeom>
+          <a:noFill/>
+          <a:ln>
+            <a:noFill/>
+          </a:ln>
+        </p:spPr>
+        <p:txBody>
+          <a:bodyPr anchorCtr="0" anchor="t" bIns="91425" lIns="91425" rIns="91425" wrap="square" tIns="91425">
+            <a:noAutofit/>
+          </a:bodyPr>
+          <a:lstStyle/>
+          <a:p>
+            <a:pPr lvl="0" rtl="0">
+              <a:spcBef>
+                <a:spcPts val="0"/>
+              </a:spcBef>
+              <a:buNone/>
+            </a:pPr>
+            <a:r>
+              <a:rPr lang="en" sz="2400">
+                <a:solidFill>
+                  <a:srgbClr val="FF0000"/>
+                </a:solidFill>
+              </a:rPr>
+              <a:t>웹 프로그래밍</a:t>
+            </a:r>
+          </a:p>
+        </p:txBody>
+      </p:sp>
+      <p:sp>
+        <p:nvSpPr>
+          <p:cNvPr id="275" name="Shape 275"/>
+          <p:cNvSpPr txBox="1"/>
+          <p:nvPr/>
+        </p:nvSpPr>
+        <p:spPr>
+          <a:xfrm>
+            <a:off x="1429875" y="1596500"/>
+            <a:ext cx="2795700" cy="404100"/>
+          </a:xfrm>
+          <a:prstGeom prst="rect">
+            <a:avLst/>
+          </a:prstGeom>
+          <a:noFill/>
+          <a:ln>
+            <a:noFill/>
+          </a:ln>
+        </p:spPr>
+        <p:txBody>
+          <a:bodyPr anchorCtr="0" anchor="t" bIns="91425" lIns="91425" rIns="91425" wrap="square" tIns="91425">
+            <a:noAutofit/>
+          </a:bodyPr>
+          <a:lstStyle/>
+          <a:p>
+            <a:pPr lvl="0" rtl="0">
+              <a:spcBef>
+                <a:spcPts val="0"/>
+              </a:spcBef>
+              <a:buNone/>
+            </a:pPr>
+            <a:r>
+              <a:rPr lang="en" sz="2400">
+                <a:solidFill>
+                  <a:srgbClr val="FF0000"/>
+                </a:solidFill>
+              </a:rPr>
+              <a:t>파이썬</a:t>
+            </a:r>
+          </a:p>
+        </p:txBody>
+      </p:sp>
+    </p:spTree>
+  </p:cSld>
+  <p:clrMapOvr>
+    <a:masterClrMapping/>
+  </p:clrMapOvr>
+</p:sld>
+</file>
+
+<file path=ppt/slides/slide21.xml><?xml version="1.0" encoding="utf-8"?>
+<p:sld xmlns:a="http://schemas.openxmlformats.org/drawingml/2006/main" xmlns:r="http://schemas.openxmlformats.org/officeDocument/2006/relationships" xmlns:mc="http://schemas.openxmlformats.org/markup-compatibility/2006" xmlns:mv="urn:schemas-microsoft-com:mac:vml" xmlns:p="http://schemas.openxmlformats.org/presentationml/2006/main" xmlns:c="http://schemas.openxmlformats.org/drawingml/2006/chart" xmlns:dgm="http://schemas.openxmlformats.org/drawingml/2006/diagram" xmlns:o="urn:schemas-microsoft-com:office:office" xmlns:v="urn:schemas-microsoft-com:vml" xmlns:pvml="urn:schemas-microsoft-com:office:powerpoint" xmlns:com="http://schemas.openxmlformats.org/drawingml/2006/compatibility" xmlns:p14="http://schemas.microsoft.com/office/powerpoint/2010/main" xmlns:p15="http://schemas.microsoft.com/office/powerpoint/2012/main">
+  <p:cSld>
+    <p:spTree>
+      <p:nvGrpSpPr>
+        <p:cNvPr id="279" name="Shape 279"/>
+        <p:cNvGrpSpPr/>
+        <p:nvPr/>
+      </p:nvGrpSpPr>
+      <p:grpSpPr>
+        <a:xfrm>
+          <a:off x="0" y="0"/>
+          <a:ext cx="0" cy="0"/>
+          <a:chOff x="0" y="0"/>
+          <a:chExt cx="0" cy="0"/>
+        </a:xfrm>
+      </p:grpSpPr>
+      <p:sp>
+        <p:nvSpPr>
+          <p:cNvPr id="280" name="Shape 280"/>
+          <p:cNvSpPr txBox="1"/>
+          <p:nvPr>
+            <p:ph type="title"/>
+          </p:nvPr>
+        </p:nvSpPr>
+        <p:spPr>
+          <a:xfrm>
+            <a:off x="311700" y="292625"/>
+            <a:ext cx="8520600" cy="572700"/>
+          </a:xfrm>
+          <a:prstGeom prst="rect">
+            <a:avLst/>
+          </a:prstGeom>
+        </p:spPr>
+        <p:txBody>
+          <a:bodyPr anchorCtr="0" anchor="t" bIns="91425" lIns="91425" rIns="91425" wrap="square" tIns="91425">
+            <a:noAutofit/>
+          </a:bodyPr>
+          <a:lstStyle/>
+          <a:p>
+            <a:pPr lvl="0" rtl="0" algn="ctr">
+              <a:spcBef>
+                <a:spcPts val="0"/>
+              </a:spcBef>
+              <a:buNone/>
+            </a:pPr>
+            <a:r>
+              <a:rPr lang="en"/>
+              <a:t>2018 (상반</a:t>
+            </a:r>
+            <a:r>
+              <a:rPr lang="en"/>
+              <a:t>기)</a:t>
+            </a:r>
+          </a:p>
+        </p:txBody>
+      </p:sp>
+      <p:pic>
+        <p:nvPicPr>
+          <p:cNvPr id="281" name="Shape 281"/>
+          <p:cNvPicPr preferRelativeResize="0"/>
+          <p:nvPr/>
+        </p:nvPicPr>
+        <p:blipFill>
+          <a:blip r:embed="rId3">
+            <a:alphaModFix/>
+          </a:blip>
+          <a:stretch>
+            <a:fillRect/>
+          </a:stretch>
+        </p:blipFill>
+        <p:spPr>
+          <a:xfrm>
+            <a:off x="2667000" y="1029475"/>
+            <a:ext cx="3810000" cy="3810000"/>
+          </a:xfrm>
+          <a:prstGeom prst="rect">
+            <a:avLst/>
+          </a:prstGeom>
+          <a:noFill/>
+          <a:ln>
+            <a:noFill/>
+          </a:ln>
+        </p:spPr>
+      </p:pic>
+      <p:sp>
+        <p:nvSpPr>
+          <p:cNvPr id="282" name="Shape 282"/>
+          <p:cNvSpPr txBox="1"/>
+          <p:nvPr/>
+        </p:nvSpPr>
+        <p:spPr>
+          <a:xfrm>
+            <a:off x="413500" y="1474925"/>
+            <a:ext cx="2795700" cy="404100"/>
+          </a:xfrm>
+          <a:prstGeom prst="rect">
+            <a:avLst/>
+          </a:prstGeom>
+          <a:noFill/>
+          <a:ln>
+            <a:noFill/>
+          </a:ln>
+        </p:spPr>
+        <p:txBody>
+          <a:bodyPr anchorCtr="0" anchor="t" bIns="91425" lIns="91425" rIns="91425" wrap="square" tIns="91425">
+            <a:noAutofit/>
+          </a:bodyPr>
+          <a:lstStyle/>
+          <a:p>
+            <a:pPr lvl="0" rtl="0">
+              <a:spcBef>
+                <a:spcPts val="0"/>
+              </a:spcBef>
+              <a:buNone/>
+            </a:pPr>
+            <a:r>
+              <a:rPr lang="en" sz="2400">
+                <a:solidFill>
+                  <a:srgbClr val="FF0000"/>
+                </a:solidFill>
+              </a:rPr>
+              <a:t>베이지안 딥러닝</a:t>
+            </a:r>
+          </a:p>
+        </p:txBody>
+      </p:sp>
+      <p:sp>
+        <p:nvSpPr>
+          <p:cNvPr id="283" name="Shape 283"/>
+          <p:cNvSpPr txBox="1"/>
+          <p:nvPr/>
+        </p:nvSpPr>
+        <p:spPr>
+          <a:xfrm>
+            <a:off x="1099300" y="3684725"/>
+            <a:ext cx="2795700" cy="404100"/>
+          </a:xfrm>
+          <a:prstGeom prst="rect">
+            <a:avLst/>
+          </a:prstGeom>
+          <a:noFill/>
+          <a:ln>
+            <a:noFill/>
+          </a:ln>
+        </p:spPr>
+        <p:txBody>
+          <a:bodyPr anchorCtr="0" anchor="t" bIns="91425" lIns="91425" rIns="91425" wrap="square" tIns="91425">
+            <a:noAutofit/>
+          </a:bodyPr>
+          <a:lstStyle/>
+          <a:p>
+            <a:pPr lvl="0" rtl="0">
+              <a:spcBef>
+                <a:spcPts val="0"/>
+              </a:spcBef>
+              <a:buNone/>
+            </a:pPr>
+            <a:r>
+              <a:rPr lang="en" sz="2400">
+                <a:solidFill>
+                  <a:srgbClr val="FF0000"/>
+                </a:solidFill>
+              </a:rPr>
+              <a:t>강화학습</a:t>
+            </a:r>
+          </a:p>
+        </p:txBody>
+      </p:sp>
+      <p:sp>
+        <p:nvSpPr>
+          <p:cNvPr id="284" name="Shape 284"/>
+          <p:cNvSpPr txBox="1"/>
+          <p:nvPr/>
+        </p:nvSpPr>
+        <p:spPr>
+          <a:xfrm>
+            <a:off x="6738100" y="2694125"/>
+            <a:ext cx="2795700" cy="404100"/>
+          </a:xfrm>
+          <a:prstGeom prst="rect">
+            <a:avLst/>
+          </a:prstGeom>
+          <a:noFill/>
+          <a:ln>
+            <a:noFill/>
+          </a:ln>
+        </p:spPr>
+        <p:txBody>
+          <a:bodyPr anchorCtr="0" anchor="t" bIns="91425" lIns="91425" rIns="91425" wrap="square" tIns="91425">
+            <a:noAutofit/>
+          </a:bodyPr>
+          <a:lstStyle/>
+          <a:p>
+            <a:pPr lvl="0" rtl="0">
+              <a:spcBef>
+                <a:spcPts val="0"/>
+              </a:spcBef>
+              <a:buNone/>
+            </a:pPr>
+            <a:r>
+              <a:rPr lang="en" sz="2400">
+                <a:solidFill>
+                  <a:srgbClr val="FF0000"/>
+                </a:solidFill>
+              </a:rPr>
+              <a:t>계산뇌인지과학</a:t>
+            </a:r>
+          </a:p>
+        </p:txBody>
+      </p:sp>
+    </p:spTree>
+  </p:cSld>
+  <p:clrMapOvr>
+    <a:masterClrMapping/>
+  </p:clrMapOvr>
+</p:sld>
+</file>
+
+<file path=ppt/slides/slide22.xml><?xml version="1.0" encoding="utf-8"?>
+<p:sld xmlns:a="http://schemas.openxmlformats.org/drawingml/2006/main" xmlns:r="http://schemas.openxmlformats.org/officeDocument/2006/relationships" xmlns:mc="http://schemas.openxmlformats.org/markup-compatibility/2006" xmlns:mv="urn:schemas-microsoft-com:mac:vml" xmlns:p="http://schemas.openxmlformats.org/presentationml/2006/main" xmlns:c="http://schemas.openxmlformats.org/drawingml/2006/chart" xmlns:dgm="http://schemas.openxmlformats.org/drawingml/2006/diagram" xmlns:o="urn:schemas-microsoft-com:office:office" xmlns:v="urn:schemas-microsoft-com:vml" xmlns:pvml="urn:schemas-microsoft-com:office:powerpoint" xmlns:com="http://schemas.openxmlformats.org/drawingml/2006/compatibility" xmlns:p14="http://schemas.microsoft.com/office/powerpoint/2010/main" xmlns:p15="http://schemas.microsoft.com/office/powerpoint/2012/main">
+  <p:cSld>
+    <p:spTree>
+      <p:nvGrpSpPr>
+        <p:cNvPr id="288" name="Shape 288"/>
+        <p:cNvGrpSpPr/>
+        <p:nvPr/>
+      </p:nvGrpSpPr>
+      <p:grpSpPr>
+        <a:xfrm>
+          <a:off x="0" y="0"/>
+          <a:ext cx="0" cy="0"/>
+          <a:chOff x="0" y="0"/>
+          <a:chExt cx="0" cy="0"/>
+        </a:xfrm>
+      </p:grpSpPr>
+      <p:sp>
+        <p:nvSpPr>
+          <p:cNvPr id="289" name="Shape 289"/>
+          <p:cNvSpPr txBox="1"/>
+          <p:nvPr>
+            <p:ph type="title"/>
+          </p:nvPr>
+        </p:nvSpPr>
+        <p:spPr>
+          <a:xfrm>
+            <a:off x="311700" y="292625"/>
+            <a:ext cx="8520600" cy="572700"/>
+          </a:xfrm>
+          <a:prstGeom prst="rect">
+            <a:avLst/>
+          </a:prstGeom>
+        </p:spPr>
+        <p:txBody>
+          <a:bodyPr anchorCtr="0" anchor="t" bIns="91425" lIns="91425" rIns="91425" wrap="square" tIns="91425">
+            <a:noAutofit/>
+          </a:bodyPr>
+          <a:lstStyle/>
+          <a:p>
+            <a:pPr lvl="0" rtl="0" algn="ctr">
+              <a:spcBef>
+                <a:spcPts val="0"/>
+              </a:spcBef>
+              <a:buNone/>
+            </a:pPr>
+            <a:r>
+              <a:rPr lang="en"/>
+              <a:t>2018 (하반기)</a:t>
+            </a:r>
+          </a:p>
+        </p:txBody>
+      </p:sp>
+      <p:pic>
+        <p:nvPicPr>
+          <p:cNvPr id="290" name="Shape 290"/>
+          <p:cNvPicPr preferRelativeResize="0"/>
+          <p:nvPr/>
+        </p:nvPicPr>
+        <p:blipFill>
+          <a:blip r:embed="rId3">
+            <a:alphaModFix/>
+          </a:blip>
+          <a:stretch>
+            <a:fillRect/>
+          </a:stretch>
+        </p:blipFill>
+        <p:spPr>
+          <a:xfrm>
+            <a:off x="2667000" y="1029475"/>
+            <a:ext cx="3810000" cy="3810000"/>
+          </a:xfrm>
+          <a:prstGeom prst="rect">
+            <a:avLst/>
+          </a:prstGeom>
+          <a:noFill/>
+          <a:ln>
+            <a:noFill/>
+          </a:ln>
+        </p:spPr>
+      </p:pic>
+      <p:sp>
+        <p:nvSpPr>
+          <p:cNvPr id="291" name="Shape 291"/>
+          <p:cNvSpPr txBox="1"/>
+          <p:nvPr/>
+        </p:nvSpPr>
+        <p:spPr>
+          <a:xfrm>
+            <a:off x="1632700" y="1627325"/>
+            <a:ext cx="2795700" cy="404100"/>
+          </a:xfrm>
+          <a:prstGeom prst="rect">
+            <a:avLst/>
+          </a:prstGeom>
+          <a:noFill/>
+          <a:ln>
+            <a:noFill/>
+          </a:ln>
+        </p:spPr>
+        <p:txBody>
+          <a:bodyPr anchorCtr="0" anchor="t" bIns="91425" lIns="91425" rIns="91425" wrap="square" tIns="91425">
+            <a:noAutofit/>
+          </a:bodyPr>
+          <a:lstStyle/>
+          <a:p>
+            <a:pPr lvl="0" rtl="0">
+              <a:spcBef>
+                <a:spcPts val="0"/>
+              </a:spcBef>
+              <a:buNone/>
+            </a:pPr>
+            <a:r>
+              <a:rPr lang="en" sz="2400">
+                <a:solidFill>
+                  <a:srgbClr val="FF0000"/>
+                </a:solidFill>
+              </a:rPr>
+              <a:t>지능</a:t>
+            </a:r>
+          </a:p>
+        </p:txBody>
+      </p:sp>
+      <p:sp>
+        <p:nvSpPr>
+          <p:cNvPr id="292" name="Shape 292"/>
+          <p:cNvSpPr txBox="1"/>
+          <p:nvPr/>
+        </p:nvSpPr>
+        <p:spPr>
+          <a:xfrm>
+            <a:off x="1708900" y="3684725"/>
+            <a:ext cx="2795700" cy="404100"/>
+          </a:xfrm>
+          <a:prstGeom prst="rect">
+            <a:avLst/>
+          </a:prstGeom>
+          <a:noFill/>
+          <a:ln>
+            <a:noFill/>
+          </a:ln>
+        </p:spPr>
+        <p:txBody>
+          <a:bodyPr anchorCtr="0" anchor="t" bIns="91425" lIns="91425" rIns="91425" wrap="square" tIns="91425">
+            <a:noAutofit/>
+          </a:bodyPr>
+          <a:lstStyle/>
+          <a:p>
+            <a:pPr lvl="0" rtl="0">
+              <a:spcBef>
+                <a:spcPts val="0"/>
+              </a:spcBef>
+              <a:buNone/>
+            </a:pPr>
+            <a:r>
+              <a:rPr lang="en" sz="2400">
+                <a:solidFill>
+                  <a:srgbClr val="FF0000"/>
+                </a:solidFill>
+              </a:rPr>
+              <a:t>성격</a:t>
+            </a:r>
+          </a:p>
+        </p:txBody>
+      </p:sp>
+      <p:sp>
+        <p:nvSpPr>
+          <p:cNvPr id="293" name="Shape 293"/>
+          <p:cNvSpPr txBox="1"/>
+          <p:nvPr/>
+        </p:nvSpPr>
+        <p:spPr>
+          <a:xfrm>
+            <a:off x="6585700" y="2770325"/>
+            <a:ext cx="2795700" cy="404100"/>
+          </a:xfrm>
+          <a:prstGeom prst="rect">
+            <a:avLst/>
+          </a:prstGeom>
+          <a:noFill/>
+          <a:ln>
+            <a:noFill/>
+          </a:ln>
+        </p:spPr>
+        <p:txBody>
+          <a:bodyPr anchorCtr="0" anchor="t" bIns="91425" lIns="91425" rIns="91425" wrap="square" tIns="91425">
+            <a:noAutofit/>
+          </a:bodyPr>
+          <a:lstStyle/>
+          <a:p>
+            <a:pPr lvl="0" rtl="0">
+              <a:spcBef>
+                <a:spcPts val="0"/>
+              </a:spcBef>
+              <a:buNone/>
+            </a:pPr>
+            <a:r>
+              <a:rPr lang="en" sz="2400">
+                <a:solidFill>
+                  <a:srgbClr val="FF0000"/>
+                </a:solidFill>
+              </a:rPr>
+              <a:t>정서</a:t>
+            </a:r>
+          </a:p>
+        </p:txBody>
+      </p:sp>
+    </p:spTree>
+  </p:cSld>
+  <p:clrMapOvr>
+    <a:masterClrMapping/>
+  </p:clrMapOvr>
+</p:sld>
+</file>
+
+<file path=ppt/slides/slide23.xml><?xml version="1.0" encoding="utf-8"?>
+<p:sld xmlns:a="http://schemas.openxmlformats.org/drawingml/2006/main" xmlns:r="http://schemas.openxmlformats.org/officeDocument/2006/relationships" xmlns:mc="http://schemas.openxmlformats.org/markup-compatibility/2006" xmlns:mv="urn:schemas-microsoft-com:mac:vml" xmlns:p="http://schemas.openxmlformats.org/presentationml/2006/main" xmlns:c="http://schemas.openxmlformats.org/drawingml/2006/chart" xmlns:dgm="http://schemas.openxmlformats.org/drawingml/2006/diagram" xmlns:o="urn:schemas-microsoft-com:office:office" xmlns:v="urn:schemas-microsoft-com:vml" xmlns:pvml="urn:schemas-microsoft-com:office:powerpoint" xmlns:com="http://schemas.openxmlformats.org/drawingml/2006/compatibility" xmlns:p14="http://schemas.microsoft.com/office/powerpoint/2010/main" xmlns:p15="http://schemas.microsoft.com/office/powerpoint/2012/main">
+  <p:cSld>
+    <p:spTree>
+      <p:nvGrpSpPr>
+        <p:cNvPr id="297" name="Shape 297"/>
+        <p:cNvGrpSpPr/>
+        <p:nvPr/>
+      </p:nvGrpSpPr>
+      <p:grpSpPr>
+        <a:xfrm>
+          <a:off x="0" y="0"/>
+          <a:ext cx="0" cy="0"/>
+          <a:chOff x="0" y="0"/>
+          <a:chExt cx="0" cy="0"/>
+        </a:xfrm>
+      </p:grpSpPr>
+      <p:sp>
+        <p:nvSpPr>
+          <p:cNvPr id="298" name="Shape 298"/>
+          <p:cNvSpPr txBox="1"/>
+          <p:nvPr>
+            <p:ph type="title"/>
+          </p:nvPr>
+        </p:nvSpPr>
+        <p:spPr>
+          <a:xfrm>
+            <a:off x="311700" y="445025"/>
+            <a:ext cx="8520600" cy="572700"/>
+          </a:xfrm>
+          <a:prstGeom prst="rect">
+            <a:avLst/>
+          </a:prstGeom>
+        </p:spPr>
+        <p:txBody>
+          <a:bodyPr anchorCtr="0" anchor="t" bIns="91425" lIns="91425" rIns="91425" wrap="square" tIns="91425">
+            <a:noAutofit/>
+          </a:bodyPr>
+          <a:lstStyle/>
+          <a:p>
+            <a:pPr lvl="0" rtl="0" algn="ctr">
+              <a:spcBef>
+                <a:spcPts val="0"/>
+              </a:spcBef>
+              <a:buNone/>
+            </a:pPr>
+            <a:r>
+              <a:rPr lang="en"/>
+              <a:t>2018 (상반기) </a:t>
+            </a:r>
+          </a:p>
+          <a:p>
+            <a:pPr lvl="0" rtl="0">
+              <a:spcBef>
+                <a:spcPts val="0"/>
+              </a:spcBef>
+              <a:buNone/>
+            </a:pPr>
+            <a:r>
+              <a:t/>
+            </a:r>
+            <a:endParaRPr/>
+          </a:p>
+        </p:txBody>
+      </p:sp>
+      <p:sp>
+        <p:nvSpPr>
+          <p:cNvPr id="299" name="Shape 299"/>
+          <p:cNvSpPr txBox="1"/>
+          <p:nvPr>
+            <p:ph idx="1" type="body"/>
+          </p:nvPr>
+        </p:nvSpPr>
+        <p:spPr>
+          <a:xfrm>
+            <a:off x="4044375" y="1304875"/>
+            <a:ext cx="5004600" cy="3416400"/>
+          </a:xfrm>
+          <a:prstGeom prst="rect">
+            <a:avLst/>
+          </a:prstGeom>
+        </p:spPr>
+        <p:txBody>
+          <a:bodyPr anchorCtr="0" anchor="t" bIns="91425" lIns="91425" rIns="91425" wrap="square" tIns="91425">
+            <a:noAutofit/>
+          </a:bodyPr>
+          <a:lstStyle/>
+          <a:p>
+            <a:pPr lvl="0">
+              <a:spcBef>
+                <a:spcPts val="0"/>
+              </a:spcBef>
+              <a:buNone/>
+            </a:pPr>
+            <a:r>
+              <a:rPr b="1" lang="en"/>
+              <a:t>Psygent : 시</a:t>
+            </a:r>
+            <a:r>
+              <a:rPr b="1" lang="en"/>
+              <a:t>즌 1</a:t>
+            </a:r>
+            <a:r>
+              <a:rPr lang="en"/>
+              <a:t> </a:t>
+            </a:r>
+          </a:p>
+          <a:p>
+            <a:pPr indent="-317500" lvl="0" marL="457200" rtl="0">
+              <a:spcBef>
+                <a:spcPts val="0"/>
+              </a:spcBef>
+              <a:spcAft>
+                <a:spcPts val="0"/>
+              </a:spcAft>
+              <a:buClr>
+                <a:srgbClr val="FF0000"/>
+              </a:buClr>
+              <a:buSzPts val="1400"/>
+              <a:buChar char="●"/>
+            </a:pPr>
+            <a:r>
+              <a:rPr lang="en" sz="1400">
+                <a:solidFill>
+                  <a:srgbClr val="FF0000"/>
+                </a:solidFill>
+              </a:rPr>
+              <a:t>격주 수요일, 저녁 7시 - 10시 30분 (3시간 30분), 1월~6월</a:t>
+            </a:r>
+          </a:p>
+          <a:p>
+            <a:pPr indent="-317500" lvl="0" marL="457200" rtl="0">
+              <a:spcBef>
+                <a:spcPts val="0"/>
+              </a:spcBef>
+              <a:spcAft>
+                <a:spcPts val="0"/>
+              </a:spcAft>
+              <a:buSzPts val="1400"/>
+              <a:buChar char="●"/>
+            </a:pPr>
+            <a:r>
+              <a:rPr lang="en" sz="1400">
+                <a:solidFill>
+                  <a:srgbClr val="4A86E8"/>
+                </a:solidFill>
+              </a:rPr>
+              <a:t>(머피ML)</a:t>
+            </a:r>
+            <a:r>
+              <a:rPr lang="en" sz="1400"/>
+              <a:t> </a:t>
+            </a:r>
+            <a:r>
+              <a:rPr lang="en" sz="1400">
+                <a:solidFill>
+                  <a:srgbClr val="111111"/>
+                </a:solidFill>
+                <a:highlight>
+                  <a:srgbClr val="FFFFFF"/>
+                </a:highlight>
+              </a:rPr>
+              <a:t>Machine Learning: A Probabilistic Perspective </a:t>
+            </a:r>
+            <a:r>
+              <a:rPr lang="en" sz="1400"/>
+              <a:t>- 확률 그래피컬 모델링 챕터</a:t>
+            </a:r>
+          </a:p>
+          <a:p>
+            <a:pPr indent="-317500" lvl="0" marL="457200" rtl="0">
+              <a:spcBef>
+                <a:spcPts val="0"/>
+              </a:spcBef>
+              <a:spcAft>
+                <a:spcPts val="0"/>
+              </a:spcAft>
+              <a:buSzPts val="1400"/>
+              <a:buChar char="●"/>
+            </a:pPr>
+            <a:r>
+              <a:rPr lang="en" sz="1400">
+                <a:solidFill>
+                  <a:srgbClr val="4A86E8"/>
+                </a:solidFill>
+              </a:rPr>
+              <a:t>(인지AI 논문)</a:t>
+            </a:r>
+            <a:r>
+              <a:rPr lang="en" sz="1400"/>
+              <a:t> </a:t>
+            </a:r>
+            <a:r>
+              <a:rPr lang="en" sz="1400">
+                <a:solidFill>
+                  <a:srgbClr val="1D2129"/>
+                </a:solidFill>
+                <a:highlight>
+                  <a:srgbClr val="FFFFFF"/>
+                </a:highlight>
+              </a:rPr>
+              <a:t>NIPS 2017 - Cognitively Informed Artificial Intelligence: Insights From Natural Intelligence</a:t>
+            </a:r>
+          </a:p>
+          <a:p>
+            <a:pPr indent="-317500" lvl="0" marL="457200" rtl="0">
+              <a:spcBef>
+                <a:spcPts val="0"/>
+              </a:spcBef>
+              <a:spcAft>
+                <a:spcPts val="0"/>
+              </a:spcAft>
+              <a:buSzPts val="1400"/>
+              <a:buChar char="●"/>
+            </a:pPr>
+            <a:r>
+              <a:rPr lang="en" sz="1400">
+                <a:solidFill>
+                  <a:srgbClr val="4A86E8"/>
+                </a:solidFill>
+              </a:rPr>
+              <a:t>(베이지안 딥러닝 논문)</a:t>
+            </a:r>
+            <a:r>
+              <a:rPr lang="en" sz="1400"/>
+              <a:t> </a:t>
+            </a:r>
+            <a:r>
+              <a:rPr lang="en" sz="1400">
+                <a:solidFill>
+                  <a:srgbClr val="1D2129"/>
+                </a:solidFill>
+                <a:highlight>
+                  <a:srgbClr val="FFFFFF"/>
+                </a:highlight>
+              </a:rPr>
+              <a:t>NIPS 2017 - Bayesian Deep Learning</a:t>
+            </a:r>
+          </a:p>
+          <a:p>
+            <a:pPr indent="-317500" lvl="0" marL="457200" rtl="0">
+              <a:spcBef>
+                <a:spcPts val="0"/>
+              </a:spcBef>
+              <a:spcAft>
+                <a:spcPts val="0"/>
+              </a:spcAft>
+              <a:buSzPts val="1400"/>
+              <a:buChar char="●"/>
+            </a:pPr>
+            <a:r>
+              <a:rPr lang="en" sz="1400">
+                <a:solidFill>
+                  <a:srgbClr val="4A86E8"/>
+                </a:solidFill>
+              </a:rPr>
+              <a:t>(계층형 강화학습 논문)</a:t>
+            </a:r>
+            <a:r>
+              <a:rPr lang="en" sz="1400"/>
+              <a:t> </a:t>
+            </a:r>
+            <a:r>
+              <a:rPr lang="en" sz="1400">
+                <a:solidFill>
+                  <a:srgbClr val="1D2129"/>
+                </a:solidFill>
+                <a:highlight>
+                  <a:srgbClr val="FFFFFF"/>
+                </a:highlight>
+              </a:rPr>
+              <a:t>NIPS 2017 - Hierarchical RL</a:t>
+            </a:r>
+          </a:p>
+          <a:p>
+            <a:pPr indent="-317500" lvl="0" marL="457200" rtl="0">
+              <a:spcBef>
+                <a:spcPts val="0"/>
+              </a:spcBef>
+              <a:spcAft>
+                <a:spcPts val="0"/>
+              </a:spcAft>
+              <a:buSzPts val="1400"/>
+              <a:buChar char="●"/>
+            </a:pPr>
+            <a:r>
+              <a:rPr lang="en" sz="1400">
+                <a:solidFill>
+                  <a:srgbClr val="4A86E8"/>
+                </a:solidFill>
+              </a:rPr>
+              <a:t>(전략적 행동 논문)</a:t>
+            </a:r>
+            <a:r>
+              <a:rPr lang="en" sz="1400"/>
+              <a:t> </a:t>
+            </a:r>
+            <a:r>
+              <a:rPr lang="en" sz="1400">
+                <a:solidFill>
+                  <a:srgbClr val="1D2129"/>
+                </a:solidFill>
+                <a:highlight>
+                  <a:srgbClr val="FFFFFF"/>
+                </a:highlight>
+              </a:rPr>
+              <a:t>NIPS 2017 - Learning in the Presence of Strategic Behavior</a:t>
+            </a:r>
+          </a:p>
+          <a:p>
+            <a:pPr indent="-317500" lvl="0" marL="457200" rtl="0">
+              <a:spcBef>
+                <a:spcPts val="0"/>
+              </a:spcBef>
+              <a:buSzPts val="1400"/>
+              <a:buChar char="●"/>
+            </a:pPr>
+            <a:r>
+              <a:rPr lang="en" sz="1400">
+                <a:solidFill>
+                  <a:srgbClr val="4A86E8"/>
+                </a:solidFill>
+              </a:rPr>
+              <a:t>(딥마인드 논문)</a:t>
+            </a:r>
+            <a:r>
+              <a:rPr lang="en" sz="1400"/>
+              <a:t> DeepMind 사이트 게시 최신순</a:t>
+            </a:r>
+          </a:p>
+        </p:txBody>
+      </p:sp>
+      <p:pic>
+        <p:nvPicPr>
+          <p:cNvPr id="300" name="Shape 300"/>
+          <p:cNvPicPr preferRelativeResize="0"/>
+          <p:nvPr/>
+        </p:nvPicPr>
+        <p:blipFill>
+          <a:blip r:embed="rId3">
+            <a:alphaModFix/>
+          </a:blip>
+          <a:stretch>
+            <a:fillRect/>
+          </a:stretch>
+        </p:blipFill>
+        <p:spPr>
+          <a:xfrm>
+            <a:off x="152400" y="1398725"/>
+            <a:ext cx="3686225" cy="1943646"/>
+          </a:xfrm>
+          <a:prstGeom prst="rect">
+            <a:avLst/>
+          </a:prstGeom>
+          <a:noFill/>
+          <a:ln>
+            <a:noFill/>
+          </a:ln>
+        </p:spPr>
+      </p:pic>
+    </p:spTree>
+  </p:cSld>
+  <p:clrMapOvr>
+    <a:masterClrMapping/>
+  </p:clrMapOvr>
+</p:sld>
+</file>
+
+<file path=ppt/slides/slide24.xml><?xml version="1.0" encoding="utf-8"?>
+<p:sld xmlns:a="http://schemas.openxmlformats.org/drawingml/2006/main" xmlns:r="http://schemas.openxmlformats.org/officeDocument/2006/relationships" xmlns:mc="http://schemas.openxmlformats.org/markup-compatibility/2006" xmlns:mv="urn:schemas-microsoft-com:mac:vml" xmlns:p="http://schemas.openxmlformats.org/presentationml/2006/main" xmlns:c="http://schemas.openxmlformats.org/drawingml/2006/chart" xmlns:dgm="http://schemas.openxmlformats.org/drawingml/2006/diagram" xmlns:o="urn:schemas-microsoft-com:office:office" xmlns:v="urn:schemas-microsoft-com:vml" xmlns:pvml="urn:schemas-microsoft-com:office:powerpoint" xmlns:com="http://schemas.openxmlformats.org/drawingml/2006/compatibility" xmlns:p14="http://schemas.microsoft.com/office/powerpoint/2010/main" xmlns:p15="http://schemas.microsoft.com/office/powerpoint/2012/main">
+  <p:cSld>
+    <p:spTree>
+      <p:nvGrpSpPr>
+        <p:cNvPr id="304" name="Shape 304"/>
+        <p:cNvGrpSpPr/>
+        <p:nvPr/>
+      </p:nvGrpSpPr>
+      <p:grpSpPr>
+        <a:xfrm>
+          <a:off x="0" y="0"/>
+          <a:ext cx="0" cy="0"/>
+          <a:chOff x="0" y="0"/>
+          <a:chExt cx="0" cy="0"/>
+        </a:xfrm>
+      </p:grpSpPr>
+      <p:sp>
+        <p:nvSpPr>
+          <p:cNvPr id="305" name="Shape 305"/>
+          <p:cNvSpPr txBox="1"/>
+          <p:nvPr>
+            <p:ph type="title"/>
+          </p:nvPr>
+        </p:nvSpPr>
+        <p:spPr>
+          <a:xfrm>
+            <a:off x="311700" y="445025"/>
+            <a:ext cx="8520600" cy="572700"/>
+          </a:xfrm>
+          <a:prstGeom prst="rect">
+            <a:avLst/>
+          </a:prstGeom>
+        </p:spPr>
+        <p:txBody>
+          <a:bodyPr anchorCtr="0" anchor="t" bIns="91425" lIns="91425" rIns="91425" wrap="square" tIns="91425">
+            <a:noAutofit/>
+          </a:bodyPr>
+          <a:lstStyle/>
+          <a:p>
+            <a:pPr lvl="0" rtl="0" algn="ctr">
+              <a:spcBef>
+                <a:spcPts val="0"/>
+              </a:spcBef>
+              <a:buNone/>
+            </a:pPr>
+            <a:r>
+              <a:rPr lang="en"/>
+              <a:t>2018 (상반기) </a:t>
+            </a:r>
+          </a:p>
+          <a:p>
+            <a:pPr lvl="0" rtl="0">
+              <a:spcBef>
+                <a:spcPts val="0"/>
+              </a:spcBef>
+              <a:buNone/>
+            </a:pPr>
+            <a:r>
+              <a:t/>
+            </a:r>
+            <a:endParaRPr/>
+          </a:p>
+        </p:txBody>
+      </p:sp>
+      <p:sp>
+        <p:nvSpPr>
+          <p:cNvPr id="306" name="Shape 306"/>
+          <p:cNvSpPr txBox="1"/>
+          <p:nvPr>
+            <p:ph idx="1" type="body"/>
+          </p:nvPr>
+        </p:nvSpPr>
+        <p:spPr>
+          <a:xfrm>
+            <a:off x="4044375" y="1304875"/>
+            <a:ext cx="5004600" cy="3416400"/>
+          </a:xfrm>
+          <a:prstGeom prst="rect">
+            <a:avLst/>
+          </a:prstGeom>
+        </p:spPr>
+        <p:txBody>
+          <a:bodyPr anchorCtr="0" anchor="t" bIns="91425" lIns="91425" rIns="91425" wrap="square" tIns="91425">
+            <a:noAutofit/>
+          </a:bodyPr>
+          <a:lstStyle/>
+          <a:p>
+            <a:pPr lvl="0" rtl="0">
+              <a:spcBef>
+                <a:spcPts val="0"/>
+              </a:spcBef>
+              <a:buNone/>
+            </a:pPr>
+            <a:r>
+              <a:rPr b="1" lang="en"/>
+              <a:t>Psycode : 시즌 1</a:t>
+            </a:r>
+            <a:r>
+              <a:rPr lang="en"/>
+              <a:t> </a:t>
+            </a:r>
+          </a:p>
+          <a:p>
+            <a:pPr indent="-317500" lvl="0" marL="457200" rtl="0">
+              <a:spcBef>
+                <a:spcPts val="0"/>
+              </a:spcBef>
+              <a:spcAft>
+                <a:spcPts val="0"/>
+              </a:spcAft>
+              <a:buClr>
+                <a:srgbClr val="FF0000"/>
+              </a:buClr>
+              <a:buSzPts val="1400"/>
+              <a:buChar char="●"/>
+            </a:pPr>
+            <a:r>
+              <a:rPr lang="en" sz="1400">
+                <a:solidFill>
+                  <a:srgbClr val="FF0000"/>
+                </a:solidFill>
+              </a:rPr>
+              <a:t>격주 수요일, 저녁 7시 - 10시 30분 (3시간 30분), 1월~6월</a:t>
+            </a:r>
+          </a:p>
+          <a:p>
+            <a:pPr indent="-317500" lvl="0" marL="457200" rtl="0">
+              <a:spcBef>
+                <a:spcPts val="0"/>
+              </a:spcBef>
+              <a:spcAft>
+                <a:spcPts val="0"/>
+              </a:spcAft>
+              <a:buSzPts val="1400"/>
+              <a:buChar char="●"/>
+            </a:pPr>
+            <a:r>
+              <a:rPr lang="en" sz="1400">
+                <a:solidFill>
+                  <a:srgbClr val="4A86E8"/>
+                </a:solidFill>
+              </a:rPr>
+              <a:t>(인공지능개론)</a:t>
+            </a:r>
+            <a:r>
+              <a:rPr lang="en" sz="1400"/>
+              <a:t> 인공지</a:t>
+            </a:r>
+            <a:r>
+              <a:rPr lang="en" sz="1400"/>
+              <a:t>능 : 현대적 접근(3판)</a:t>
+            </a:r>
+            <a:r>
+              <a:rPr lang="en" sz="1400">
+                <a:solidFill>
+                  <a:srgbClr val="111111"/>
+                </a:solidFill>
+                <a:highlight>
+                  <a:srgbClr val="FFFFFF"/>
+                </a:highlight>
+              </a:rPr>
+              <a:t> </a:t>
+            </a:r>
+            <a:r>
+              <a:rPr lang="en" sz="1400"/>
+              <a:t>- 논</a:t>
+            </a:r>
+            <a:r>
+              <a:rPr lang="en" sz="1400"/>
+              <a:t>리, 지식</a:t>
+            </a:r>
+          </a:p>
+          <a:p>
+            <a:pPr indent="-317500" lvl="0" marL="457200" rtl="0">
+              <a:spcBef>
+                <a:spcPts val="0"/>
+              </a:spcBef>
+              <a:spcAft>
+                <a:spcPts val="0"/>
+              </a:spcAft>
+              <a:buSzPts val="1400"/>
+              <a:buChar char="●"/>
+            </a:pPr>
+            <a:r>
+              <a:rPr lang="en" sz="1400">
+                <a:solidFill>
+                  <a:srgbClr val="4A86E8"/>
+                </a:solidFill>
+              </a:rPr>
+              <a:t>(확</a:t>
+            </a:r>
+            <a:r>
+              <a:rPr lang="en" sz="1400">
+                <a:solidFill>
+                  <a:srgbClr val="4A86E8"/>
+                </a:solidFill>
+              </a:rPr>
+              <a:t>률 프로그래밍 실습</a:t>
+            </a:r>
+            <a:r>
+              <a:rPr lang="en" sz="1400">
+                <a:solidFill>
+                  <a:srgbClr val="4A86E8"/>
+                </a:solidFill>
+              </a:rPr>
+              <a:t>)</a:t>
+            </a:r>
+            <a:r>
+              <a:rPr lang="en" sz="1400"/>
+              <a:t> Practical Probabilistic Programming</a:t>
+            </a:r>
+            <a:r>
+              <a:rPr lang="en" sz="1400">
+                <a:solidFill>
+                  <a:srgbClr val="1D2129"/>
+                </a:solidFill>
+                <a:highlight>
+                  <a:srgbClr val="FFFFFF"/>
+                </a:highlight>
+              </a:rPr>
+              <a:t> (book, Scala) &amp; 최</a:t>
+            </a:r>
+            <a:r>
+              <a:rPr lang="en" sz="1400">
+                <a:solidFill>
+                  <a:srgbClr val="1D2129"/>
+                </a:solidFill>
+                <a:highlight>
+                  <a:srgbClr val="FFFFFF"/>
+                </a:highlight>
+              </a:rPr>
+              <a:t>신 파이썬 기반 라이브러리</a:t>
+            </a:r>
+          </a:p>
+          <a:p>
+            <a:pPr indent="-317500" lvl="0" marL="457200" rtl="0">
+              <a:spcBef>
+                <a:spcPts val="0"/>
+              </a:spcBef>
+              <a:spcAft>
+                <a:spcPts val="0"/>
+              </a:spcAft>
+              <a:buSzPts val="1400"/>
+              <a:buChar char="●"/>
+            </a:pPr>
+            <a:r>
+              <a:rPr lang="en" sz="1400">
+                <a:solidFill>
+                  <a:srgbClr val="4A86E8"/>
+                </a:solidFill>
+              </a:rPr>
+              <a:t>(강화학</a:t>
+            </a:r>
+            <a:r>
+              <a:rPr lang="en" sz="1400">
+                <a:solidFill>
+                  <a:srgbClr val="4A86E8"/>
+                </a:solidFill>
+              </a:rPr>
+              <a:t>습 실습</a:t>
+            </a:r>
+            <a:r>
+              <a:rPr lang="en" sz="1400">
+                <a:solidFill>
+                  <a:srgbClr val="4A86E8"/>
+                </a:solidFill>
+              </a:rPr>
+              <a:t>)</a:t>
+            </a:r>
+            <a:r>
+              <a:rPr lang="en" sz="1400"/>
+              <a:t> Python</a:t>
+            </a:r>
+            <a:r>
+              <a:rPr lang="en" sz="1400"/>
+              <a:t>을 이용한 강화학습 코딩 실습</a:t>
+            </a:r>
+          </a:p>
+          <a:p>
+            <a:pPr indent="-317500" lvl="0" marL="457200" rtl="0">
+              <a:spcBef>
+                <a:spcPts val="0"/>
+              </a:spcBef>
+              <a:spcAft>
+                <a:spcPts val="0"/>
+              </a:spcAft>
+              <a:buSzPts val="1400"/>
+              <a:buChar char="●"/>
+            </a:pPr>
+            <a:r>
+              <a:rPr lang="en" sz="1400">
+                <a:solidFill>
+                  <a:srgbClr val="4A86E8"/>
+                </a:solidFill>
+              </a:rPr>
+              <a:t>(딥강화학습 논문)</a:t>
+            </a:r>
+            <a:r>
+              <a:rPr lang="en" sz="1400"/>
+              <a:t> </a:t>
+            </a:r>
+            <a:r>
+              <a:rPr lang="en" sz="1400">
+                <a:solidFill>
+                  <a:srgbClr val="1D2129"/>
+                </a:solidFill>
+                <a:highlight>
+                  <a:srgbClr val="FFFFFF"/>
+                </a:highlight>
+              </a:rPr>
+              <a:t>NIPS 2017 - Deep Reinfocement Learning</a:t>
+            </a:r>
+          </a:p>
+          <a:p>
+            <a:pPr indent="-317500" lvl="0" marL="457200" rtl="0">
+              <a:spcBef>
+                <a:spcPts val="0"/>
+              </a:spcBef>
+              <a:buSzPts val="1400"/>
+              <a:buChar char="●"/>
+            </a:pPr>
+            <a:r>
+              <a:rPr lang="en" sz="1400">
+                <a:solidFill>
+                  <a:srgbClr val="4A86E8"/>
+                </a:solidFill>
+              </a:rPr>
+              <a:t>(딥마인드 논문)</a:t>
+            </a:r>
+            <a:r>
+              <a:rPr lang="en" sz="1400"/>
+              <a:t> DeepMind 사이트 게시 최신순</a:t>
+            </a:r>
+          </a:p>
+        </p:txBody>
+      </p:sp>
+      <p:pic>
+        <p:nvPicPr>
+          <p:cNvPr id="307" name="Shape 307"/>
+          <p:cNvPicPr preferRelativeResize="0"/>
+          <p:nvPr/>
+        </p:nvPicPr>
+        <p:blipFill>
+          <a:blip r:embed="rId3">
+            <a:alphaModFix/>
+          </a:blip>
+          <a:stretch>
+            <a:fillRect/>
+          </a:stretch>
+        </p:blipFill>
+        <p:spPr>
+          <a:xfrm>
+            <a:off x="235500" y="1397788"/>
+            <a:ext cx="3686224" cy="1945516"/>
+          </a:xfrm>
+          <a:prstGeom prst="rect">
+            <a:avLst/>
+          </a:prstGeom>
+          <a:noFill/>
+          <a:ln>
+            <a:noFill/>
+          </a:ln>
+        </p:spPr>
+      </p:pic>
+    </p:spTree>
+  </p:cSld>
+  <p:clrMapOvr>
+    <a:masterClrMapping/>
+  </p:clrMapOvr>
+</p:sld>
+</file>
+
+<file path=ppt/slides/slide25.xml><?xml version="1.0" encoding="utf-8"?>
+<p:sld xmlns:a="http://schemas.openxmlformats.org/drawingml/2006/main" xmlns:r="http://schemas.openxmlformats.org/officeDocument/2006/relationships" xmlns:mc="http://schemas.openxmlformats.org/markup-compatibility/2006" xmlns:mv="urn:schemas-microsoft-com:mac:vml" xmlns:p="http://schemas.openxmlformats.org/presentationml/2006/main" xmlns:c="http://schemas.openxmlformats.org/drawingml/2006/chart" xmlns:dgm="http://schemas.openxmlformats.org/drawingml/2006/diagram" xmlns:o="urn:schemas-microsoft-com:office:office" xmlns:v="urn:schemas-microsoft-com:vml" xmlns:pvml="urn:schemas-microsoft-com:office:powerpoint" xmlns:com="http://schemas.openxmlformats.org/drawingml/2006/compatibility" xmlns:p14="http://schemas.microsoft.com/office/powerpoint/2010/main" xmlns:p15="http://schemas.microsoft.com/office/powerpoint/2012/main">
+  <p:cSld>
+    <p:spTree>
+      <p:nvGrpSpPr>
+        <p:cNvPr id="311" name="Shape 311"/>
+        <p:cNvGrpSpPr/>
+        <p:nvPr/>
+      </p:nvGrpSpPr>
+      <p:grpSpPr>
+        <a:xfrm>
+          <a:off x="0" y="0"/>
+          <a:ext cx="0" cy="0"/>
+          <a:chOff x="0" y="0"/>
+          <a:chExt cx="0" cy="0"/>
+        </a:xfrm>
+      </p:grpSpPr>
+      <p:sp>
+        <p:nvSpPr>
+          <p:cNvPr id="312" name="Shape 312"/>
+          <p:cNvSpPr txBox="1"/>
+          <p:nvPr>
+            <p:ph type="title"/>
+          </p:nvPr>
+        </p:nvSpPr>
+        <p:spPr>
+          <a:xfrm>
+            <a:off x="311700" y="445025"/>
+            <a:ext cx="8520600" cy="572700"/>
+          </a:xfrm>
+          <a:prstGeom prst="rect">
+            <a:avLst/>
+          </a:prstGeom>
+        </p:spPr>
+        <p:txBody>
+          <a:bodyPr anchorCtr="0" anchor="t" bIns="91425" lIns="91425" rIns="91425" wrap="square" tIns="91425">
+            <a:noAutofit/>
+          </a:bodyPr>
+          <a:lstStyle/>
+          <a:p>
+            <a:pPr lvl="0" rtl="0" algn="ctr">
+              <a:spcBef>
+                <a:spcPts val="0"/>
+              </a:spcBef>
+              <a:buNone/>
+            </a:pPr>
+            <a:r>
+              <a:rPr lang="en"/>
+              <a:t>2018 (상반기) </a:t>
+            </a:r>
+          </a:p>
+          <a:p>
+            <a:pPr lvl="0" rtl="0">
+              <a:spcBef>
+                <a:spcPts val="0"/>
+              </a:spcBef>
+              <a:buNone/>
+            </a:pPr>
+            <a:r>
+              <a:t/>
+            </a:r>
+            <a:endParaRPr/>
+          </a:p>
+        </p:txBody>
+      </p:sp>
+      <p:sp>
+        <p:nvSpPr>
+          <p:cNvPr id="313" name="Shape 313"/>
+          <p:cNvSpPr txBox="1"/>
+          <p:nvPr>
+            <p:ph idx="1" type="body"/>
+          </p:nvPr>
+        </p:nvSpPr>
+        <p:spPr>
+          <a:xfrm>
+            <a:off x="4044375" y="1304875"/>
+            <a:ext cx="5004600" cy="3416400"/>
+          </a:xfrm>
+          <a:prstGeom prst="rect">
+            <a:avLst/>
+          </a:prstGeom>
+        </p:spPr>
+        <p:txBody>
+          <a:bodyPr anchorCtr="0" anchor="t" bIns="91425" lIns="91425" rIns="91425" wrap="square" tIns="91425">
+            <a:noAutofit/>
+          </a:bodyPr>
+          <a:lstStyle/>
+          <a:p>
+            <a:pPr lvl="0" rtl="0">
+              <a:spcBef>
+                <a:spcPts val="0"/>
+              </a:spcBef>
+              <a:buNone/>
+            </a:pPr>
+            <a:r>
+              <a:rPr b="1" lang="en"/>
+              <a:t>Second Foundation</a:t>
+            </a:r>
+            <a:r>
+              <a:rPr lang="en"/>
+              <a:t> </a:t>
+            </a:r>
+          </a:p>
+          <a:p>
+            <a:pPr indent="-317500" lvl="0" marL="457200" rtl="0">
+              <a:spcBef>
+                <a:spcPts val="0"/>
+              </a:spcBef>
+              <a:spcAft>
+                <a:spcPts val="0"/>
+              </a:spcAft>
+              <a:buClr>
+                <a:srgbClr val="FF0000"/>
+              </a:buClr>
+              <a:buSzPts val="1400"/>
+              <a:buChar char="●"/>
+            </a:pPr>
+            <a:r>
+              <a:rPr lang="en" sz="1400">
+                <a:solidFill>
+                  <a:srgbClr val="FF0000"/>
+                </a:solidFill>
+              </a:rPr>
+              <a:t>매주 토요일, 오후 1시-3시(2시간), 1월~3월</a:t>
+            </a:r>
+          </a:p>
+          <a:p>
+            <a:pPr indent="-317500" lvl="0" marL="457200" rtl="0">
+              <a:spcBef>
+                <a:spcPts val="0"/>
+              </a:spcBef>
+              <a:spcAft>
+                <a:spcPts val="0"/>
+              </a:spcAft>
+              <a:buSzPts val="1400"/>
+              <a:buChar char="●"/>
+            </a:pPr>
+            <a:r>
+              <a:rPr lang="en" sz="1400">
+                <a:solidFill>
+                  <a:srgbClr val="4A86E8"/>
+                </a:solidFill>
+              </a:rPr>
+              <a:t>(파이</a:t>
+            </a:r>
+            <a:r>
+              <a:rPr lang="en" sz="1400">
+                <a:solidFill>
+                  <a:srgbClr val="4A86E8"/>
+                </a:solidFill>
+              </a:rPr>
+              <a:t>썬 중급</a:t>
+            </a:r>
+            <a:r>
+              <a:rPr lang="en" sz="1400">
+                <a:solidFill>
+                  <a:srgbClr val="4A86E8"/>
+                </a:solidFill>
+              </a:rPr>
+              <a:t>)</a:t>
+            </a:r>
+            <a:r>
+              <a:rPr lang="en" sz="1400"/>
+              <a:t> 전문가</a:t>
+            </a:r>
+            <a:r>
+              <a:rPr lang="en" sz="1400"/>
+              <a:t>를 위한 파이썬 - 9장부터</a:t>
+            </a:r>
+          </a:p>
+          <a:p>
+            <a:pPr indent="-317500" lvl="0" marL="457200" rtl="0">
+              <a:spcBef>
+                <a:spcPts val="0"/>
+              </a:spcBef>
+              <a:spcAft>
+                <a:spcPts val="0"/>
+              </a:spcAft>
+              <a:buSzPts val="1400"/>
+              <a:buChar char="●"/>
+            </a:pPr>
+            <a:r>
+              <a:rPr lang="en" sz="1400">
+                <a:solidFill>
+                  <a:srgbClr val="4A86E8"/>
+                </a:solidFill>
+              </a:rPr>
+              <a:t>(Computational Emotion)</a:t>
+            </a:r>
+            <a:r>
+              <a:rPr lang="en" sz="1400"/>
+              <a:t> Engineering Computational Emotion - Reference Model for Emotion in Artificial Systems</a:t>
+            </a:r>
+          </a:p>
+          <a:p>
+            <a:pPr indent="-317500" lvl="0" marL="457200" rtl="0">
+              <a:spcBef>
+                <a:spcPts val="0"/>
+              </a:spcBef>
+              <a:buSzPts val="1400"/>
+              <a:buChar char="●"/>
+            </a:pPr>
+            <a:r>
+              <a:rPr lang="en" sz="1400">
+                <a:solidFill>
+                  <a:srgbClr val="4A86E8"/>
+                </a:solidFill>
+              </a:rPr>
+              <a:t>(멀티에이전</a:t>
+            </a:r>
+            <a:r>
+              <a:rPr lang="en" sz="1400">
+                <a:solidFill>
+                  <a:srgbClr val="4A86E8"/>
+                </a:solidFill>
+              </a:rPr>
+              <a:t>트 시스템 논문</a:t>
+            </a:r>
+            <a:r>
+              <a:rPr lang="en" sz="1400">
+                <a:solidFill>
+                  <a:srgbClr val="4A86E8"/>
+                </a:solidFill>
+              </a:rPr>
+              <a:t>)</a:t>
+            </a:r>
+            <a:r>
+              <a:rPr lang="en" sz="1400"/>
+              <a:t> </a:t>
+            </a:r>
+            <a:r>
+              <a:rPr lang="en" sz="1400">
+                <a:solidFill>
+                  <a:srgbClr val="1D2129"/>
+                </a:solidFill>
+                <a:highlight>
+                  <a:srgbClr val="FFFFFF"/>
+                </a:highlight>
+              </a:rPr>
+              <a:t>NIPS 2016 - Learning, Inference and Control of Multi-Agent Systems</a:t>
+            </a:r>
+          </a:p>
+        </p:txBody>
+      </p:sp>
+      <p:pic>
+        <p:nvPicPr>
+          <p:cNvPr id="314" name="Shape 314"/>
+          <p:cNvPicPr preferRelativeResize="0"/>
+          <p:nvPr/>
+        </p:nvPicPr>
+        <p:blipFill>
+          <a:blip r:embed="rId3">
+            <a:alphaModFix/>
+          </a:blip>
+          <a:stretch>
+            <a:fillRect/>
+          </a:stretch>
+        </p:blipFill>
+        <p:spPr>
+          <a:xfrm>
+            <a:off x="235500" y="1397800"/>
+            <a:ext cx="3686225" cy="1945494"/>
+          </a:xfrm>
+          <a:prstGeom prst="rect">
+            <a:avLst/>
+          </a:prstGeom>
+          <a:noFill/>
+          <a:ln>
+            <a:noFill/>
+          </a:ln>
+        </p:spPr>
+      </p:pic>
+    </p:spTree>
+  </p:cSld>
+  <p:clrMapOvr>
+    <a:masterClrMapping/>
+  </p:clrMapOvr>
+</p:sld>
+</file>
+
+<file path=ppt/slides/slide26.xml><?xml version="1.0" encoding="utf-8"?>
+<p:sld xmlns:a="http://schemas.openxmlformats.org/drawingml/2006/main" xmlns:r="http://schemas.openxmlformats.org/officeDocument/2006/relationships" xmlns:mc="http://schemas.openxmlformats.org/markup-compatibility/2006" xmlns:mv="urn:schemas-microsoft-com:mac:vml" xmlns:p="http://schemas.openxmlformats.org/presentationml/2006/main" xmlns:c="http://schemas.openxmlformats.org/drawingml/2006/chart" xmlns:dgm="http://schemas.openxmlformats.org/drawingml/2006/diagram" xmlns:o="urn:schemas-microsoft-com:office:office" xmlns:v="urn:schemas-microsoft-com:vml" xmlns:pvml="urn:schemas-microsoft-com:office:powerpoint" xmlns:com="http://schemas.openxmlformats.org/drawingml/2006/compatibility" xmlns:p14="http://schemas.microsoft.com/office/powerpoint/2010/main" xmlns:p15="http://schemas.microsoft.com/office/powerpoint/2012/main">
+  <p:cSld>
+    <p:spTree>
+      <p:nvGrpSpPr>
+        <p:cNvPr id="318" name="Shape 318"/>
+        <p:cNvGrpSpPr/>
+        <p:nvPr/>
+      </p:nvGrpSpPr>
+      <p:grpSpPr>
+        <a:xfrm>
+          <a:off x="0" y="0"/>
+          <a:ext cx="0" cy="0"/>
+          <a:chOff x="0" y="0"/>
+          <a:chExt cx="0" cy="0"/>
+        </a:xfrm>
+      </p:grpSpPr>
+      <p:sp>
+        <p:nvSpPr>
+          <p:cNvPr id="319" name="Shape 319"/>
+          <p:cNvSpPr txBox="1"/>
+          <p:nvPr>
+            <p:ph type="title"/>
+          </p:nvPr>
+        </p:nvSpPr>
+        <p:spPr>
+          <a:xfrm>
+            <a:off x="311700" y="445025"/>
+            <a:ext cx="8520600" cy="572700"/>
+          </a:xfrm>
+          <a:prstGeom prst="rect">
+            <a:avLst/>
+          </a:prstGeom>
+        </p:spPr>
+        <p:txBody>
+          <a:bodyPr anchorCtr="0" anchor="t" bIns="91425" lIns="91425" rIns="91425" wrap="square" tIns="91425">
+            <a:noAutofit/>
+          </a:bodyPr>
+          <a:lstStyle/>
+          <a:p>
+            <a:pPr lvl="0" rtl="0" algn="ctr">
+              <a:spcBef>
+                <a:spcPts val="0"/>
+              </a:spcBef>
+              <a:buNone/>
+            </a:pPr>
+            <a:r>
+              <a:rPr lang="en"/>
+              <a:t>2018 (상반기) </a:t>
+            </a:r>
+          </a:p>
+          <a:p>
+            <a:pPr lvl="0" rtl="0">
+              <a:spcBef>
+                <a:spcPts val="0"/>
+              </a:spcBef>
+              <a:buNone/>
+            </a:pPr>
+            <a:r>
+              <a:t/>
+            </a:r>
+            <a:endParaRPr/>
+          </a:p>
+        </p:txBody>
+      </p:sp>
+      <p:sp>
+        <p:nvSpPr>
+          <p:cNvPr id="320" name="Shape 320"/>
+          <p:cNvSpPr txBox="1"/>
+          <p:nvPr>
+            <p:ph idx="1" type="body"/>
+          </p:nvPr>
+        </p:nvSpPr>
+        <p:spPr>
+          <a:xfrm>
+            <a:off x="4044375" y="1304875"/>
+            <a:ext cx="5004600" cy="3416400"/>
+          </a:xfrm>
+          <a:prstGeom prst="rect">
+            <a:avLst/>
+          </a:prstGeom>
+        </p:spPr>
+        <p:txBody>
+          <a:bodyPr anchorCtr="0" anchor="t" bIns="91425" lIns="91425" rIns="91425" wrap="square" tIns="91425">
+            <a:noAutofit/>
+          </a:bodyPr>
+          <a:lstStyle/>
+          <a:p>
+            <a:pPr lvl="0" rtl="0">
+              <a:spcBef>
+                <a:spcPts val="0"/>
+              </a:spcBef>
+              <a:buNone/>
+            </a:pPr>
+            <a:r>
+              <a:rPr b="1" lang="en"/>
+              <a:t>어바웃 파이썬 : 겨울방학 특강</a:t>
+            </a:r>
+          </a:p>
+          <a:p>
+            <a:pPr indent="-317500" lvl="0" marL="457200" rtl="0">
+              <a:spcBef>
+                <a:spcPts val="0"/>
+              </a:spcBef>
+              <a:spcAft>
+                <a:spcPts val="0"/>
+              </a:spcAft>
+              <a:buClr>
+                <a:srgbClr val="FF0000"/>
+              </a:buClr>
+              <a:buSzPts val="1400"/>
+              <a:buChar char="●"/>
+            </a:pPr>
+            <a:r>
+              <a:rPr lang="en" sz="1400">
+                <a:solidFill>
+                  <a:srgbClr val="FF0000"/>
+                </a:solidFill>
+              </a:rPr>
+              <a:t>매주 토요일, 오</a:t>
+            </a:r>
+            <a:r>
+              <a:rPr lang="en" sz="1400">
+                <a:solidFill>
+                  <a:srgbClr val="FF0000"/>
+                </a:solidFill>
+              </a:rPr>
+              <a:t>후 </a:t>
+            </a:r>
+            <a:r>
+              <a:rPr lang="en" sz="1400">
+                <a:solidFill>
+                  <a:srgbClr val="FF0000"/>
+                </a:solidFill>
+              </a:rPr>
+              <a:t>3시-6시(3시간), 1</a:t>
+            </a:r>
+            <a:r>
+              <a:rPr lang="en" sz="1400">
+                <a:solidFill>
+                  <a:srgbClr val="FF0000"/>
+                </a:solidFill>
+              </a:rPr>
+              <a:t>월~3월</a:t>
+            </a:r>
+          </a:p>
+          <a:p>
+            <a:pPr indent="-317500" lvl="0" marL="457200" rtl="0">
+              <a:spcBef>
+                <a:spcPts val="0"/>
+              </a:spcBef>
+              <a:spcAft>
+                <a:spcPts val="0"/>
+              </a:spcAft>
+              <a:buSzPts val="1400"/>
+              <a:buChar char="●"/>
+            </a:pPr>
+            <a:r>
+              <a:rPr lang="en" sz="1400">
+                <a:solidFill>
+                  <a:srgbClr val="4A86E8"/>
+                </a:solidFill>
+              </a:rPr>
+              <a:t>(파이썬 기초)</a:t>
+            </a:r>
+            <a:r>
+              <a:rPr lang="en" sz="1400"/>
+              <a:t> 격주</a:t>
+            </a:r>
+            <a:r>
+              <a:rPr lang="en" sz="1400"/>
+              <a:t>로, 파이썬 기초 실습</a:t>
+            </a:r>
+          </a:p>
+          <a:p>
+            <a:pPr indent="-317500" lvl="0" marL="457200" rtl="0">
+              <a:spcBef>
+                <a:spcPts val="0"/>
+              </a:spcBef>
+              <a:spcAft>
+                <a:spcPts val="0"/>
+              </a:spcAft>
+              <a:buSzPts val="1400"/>
+              <a:buChar char="●"/>
+            </a:pPr>
+            <a:r>
+              <a:rPr lang="en" sz="1400">
+                <a:solidFill>
+                  <a:srgbClr val="4A86E8"/>
+                </a:solidFill>
+              </a:rPr>
+              <a:t>(PsychoPy 사례)</a:t>
+            </a:r>
+            <a:r>
+              <a:rPr lang="en" sz="1400"/>
+              <a:t> 격주</a:t>
+            </a:r>
+            <a:r>
+              <a:rPr lang="en" sz="1400"/>
+              <a:t>로, </a:t>
+            </a:r>
+            <a:r>
+              <a:rPr lang="en" sz="1400"/>
+              <a:t>여</a:t>
+            </a:r>
+            <a:r>
+              <a:rPr lang="en" sz="1400"/>
+              <a:t>러 인지 실험을 PsychoPy로 구현한 사례 </a:t>
+            </a:r>
+          </a:p>
+          <a:p>
+            <a:pPr indent="-317500" lvl="0" marL="457200" rtl="0">
+              <a:spcBef>
+                <a:spcPts val="0"/>
+              </a:spcBef>
+              <a:buSzPts val="1400"/>
+              <a:buChar char="●"/>
+            </a:pPr>
+            <a:r>
+              <a:rPr lang="en" sz="1400">
+                <a:solidFill>
+                  <a:srgbClr val="4A86E8"/>
+                </a:solidFill>
+              </a:rPr>
+              <a:t>(실</a:t>
+            </a:r>
+            <a:r>
+              <a:rPr lang="en" sz="1400">
+                <a:solidFill>
+                  <a:srgbClr val="4A86E8"/>
+                </a:solidFill>
+              </a:rPr>
+              <a:t>전 텍스트마이닝</a:t>
+            </a:r>
+            <a:r>
+              <a:rPr lang="en" sz="1400">
+                <a:solidFill>
+                  <a:srgbClr val="4A86E8"/>
+                </a:solidFill>
+              </a:rPr>
+              <a:t>)</a:t>
+            </a:r>
+            <a:r>
+              <a:rPr lang="en" sz="1400"/>
+              <a:t> 매</a:t>
+            </a:r>
+            <a:r>
+              <a:rPr lang="en" sz="1400"/>
+              <a:t>주 </a:t>
+            </a:r>
+            <a:r>
+              <a:rPr lang="en" sz="1400">
+                <a:solidFill>
+                  <a:srgbClr val="1D2129"/>
+                </a:solidFill>
+                <a:highlight>
+                  <a:srgbClr val="FFFFFF"/>
+                </a:highlight>
+              </a:rPr>
+              <a:t>한글 텍스트마이닝 실습 (토픽모델링, 워드임베딩, NER, 크롤링 등)</a:t>
+            </a:r>
+          </a:p>
+        </p:txBody>
+      </p:sp>
+      <p:pic>
+        <p:nvPicPr>
+          <p:cNvPr id="321" name="Shape 321"/>
+          <p:cNvPicPr preferRelativeResize="0"/>
+          <p:nvPr/>
+        </p:nvPicPr>
+        <p:blipFill>
+          <a:blip r:embed="rId3">
+            <a:alphaModFix/>
+          </a:blip>
+          <a:stretch>
+            <a:fillRect/>
+          </a:stretch>
+        </p:blipFill>
+        <p:spPr>
+          <a:xfrm>
+            <a:off x="311700" y="1392150"/>
+            <a:ext cx="3686225" cy="1945500"/>
+          </a:xfrm>
+          <a:prstGeom prst="rect">
+            <a:avLst/>
+          </a:prstGeom>
+          <a:noFill/>
+          <a:ln>
+            <a:noFill/>
+          </a:ln>
+        </p:spPr>
+      </p:pic>
+    </p:spTree>
+  </p:cSld>
+  <p:clrMapOvr>
+    <a:masterClrMapping/>
+  </p:clrMapOvr>
+</p:sld>
+</file>
+
+<file path=ppt/slides/slide27.xml><?xml version="1.0" encoding="utf-8"?>
+<p:sld xmlns:a="http://schemas.openxmlformats.org/drawingml/2006/main" xmlns:r="http://schemas.openxmlformats.org/officeDocument/2006/relationships" xmlns:mc="http://schemas.openxmlformats.org/markup-compatibility/2006" xmlns:mv="urn:schemas-microsoft-com:mac:vml" xmlns:p="http://schemas.openxmlformats.org/presentationml/2006/main" xmlns:c="http://schemas.openxmlformats.org/drawingml/2006/chart" xmlns:dgm="http://schemas.openxmlformats.org/drawingml/2006/diagram" xmlns:o="urn:schemas-microsoft-com:office:office" xmlns:v="urn:schemas-microsoft-com:vml" xmlns:pvml="urn:schemas-microsoft-com:office:powerpoint" xmlns:com="http://schemas.openxmlformats.org/drawingml/2006/compatibility" xmlns:p14="http://schemas.microsoft.com/office/powerpoint/2010/main" xmlns:p15="http://schemas.microsoft.com/office/powerpoint/2012/main">
+  <p:cSld>
+    <p:spTree>
+      <p:nvGrpSpPr>
+        <p:cNvPr id="325" name="Shape 325"/>
+        <p:cNvGrpSpPr/>
+        <p:nvPr/>
+      </p:nvGrpSpPr>
+      <p:grpSpPr>
+        <a:xfrm>
+          <a:off x="0" y="0"/>
+          <a:ext cx="0" cy="0"/>
+          <a:chOff x="0" y="0"/>
+          <a:chExt cx="0" cy="0"/>
+        </a:xfrm>
+      </p:grpSpPr>
+      <p:sp>
+        <p:nvSpPr>
+          <p:cNvPr id="326" name="Shape 326"/>
+          <p:cNvSpPr txBox="1"/>
+          <p:nvPr>
+            <p:ph type="title"/>
+          </p:nvPr>
+        </p:nvSpPr>
+        <p:spPr>
+          <a:xfrm>
+            <a:off x="311700" y="445025"/>
+            <a:ext cx="8520600" cy="572700"/>
+          </a:xfrm>
+          <a:prstGeom prst="rect">
+            <a:avLst/>
+          </a:prstGeom>
+        </p:spPr>
+        <p:txBody>
+          <a:bodyPr anchorCtr="0" anchor="t" bIns="91425" lIns="91425" rIns="91425" wrap="square" tIns="91425">
+            <a:noAutofit/>
+          </a:bodyPr>
+          <a:lstStyle/>
+          <a:p>
+            <a:pPr lvl="0" rtl="0" algn="ctr">
+              <a:spcBef>
+                <a:spcPts val="0"/>
+              </a:spcBef>
+              <a:buNone/>
+            </a:pPr>
+            <a:r>
+              <a:rPr lang="en"/>
+              <a:t>2018 (상반기) </a:t>
+            </a:r>
+          </a:p>
+          <a:p>
+            <a:pPr lvl="0" rtl="0">
+              <a:spcBef>
+                <a:spcPts val="0"/>
+              </a:spcBef>
+              <a:buNone/>
+            </a:pPr>
+            <a:r>
+              <a:t/>
+            </a:r>
+            <a:endParaRPr/>
+          </a:p>
+        </p:txBody>
+      </p:sp>
+      <p:sp>
+        <p:nvSpPr>
+          <p:cNvPr id="327" name="Shape 327"/>
+          <p:cNvSpPr txBox="1"/>
+          <p:nvPr>
+            <p:ph idx="1" type="body"/>
+          </p:nvPr>
+        </p:nvSpPr>
+        <p:spPr>
+          <a:xfrm>
+            <a:off x="4044375" y="1304875"/>
+            <a:ext cx="5004600" cy="3416400"/>
+          </a:xfrm>
+          <a:prstGeom prst="rect">
+            <a:avLst/>
+          </a:prstGeom>
+        </p:spPr>
+        <p:txBody>
+          <a:bodyPr anchorCtr="0" anchor="t" bIns="91425" lIns="91425" rIns="91425" wrap="square" tIns="91425">
+            <a:noAutofit/>
+          </a:bodyPr>
+          <a:lstStyle/>
+          <a:p>
+            <a:pPr lvl="0" rtl="0">
+              <a:spcBef>
+                <a:spcPts val="0"/>
+              </a:spcBef>
+              <a:buNone/>
+            </a:pPr>
+            <a:r>
+              <a:rPr b="1" lang="en"/>
+              <a:t>바벨봇</a:t>
+            </a:r>
+            <a:r>
+              <a:rPr b="1" lang="en"/>
+              <a:t> : 시</a:t>
+            </a:r>
+            <a:r>
+              <a:rPr b="1" lang="en"/>
+              <a:t>즌 1</a:t>
+            </a:r>
+          </a:p>
+          <a:p>
+            <a:pPr indent="-317500" lvl="0" marL="457200" rtl="0">
+              <a:spcBef>
+                <a:spcPts val="0"/>
+              </a:spcBef>
+              <a:spcAft>
+                <a:spcPts val="0"/>
+              </a:spcAft>
+              <a:buClr>
+                <a:srgbClr val="FF0000"/>
+              </a:buClr>
+              <a:buSzPts val="1400"/>
+              <a:buChar char="●"/>
+            </a:pPr>
+            <a:r>
+              <a:rPr lang="en" sz="1400">
+                <a:solidFill>
+                  <a:srgbClr val="FF0000"/>
+                </a:solidFill>
+              </a:rPr>
+              <a:t>바벨피쉬X싸이그래머, 격주</a:t>
+            </a:r>
+            <a:r>
+              <a:rPr lang="en" sz="1400">
+                <a:solidFill>
+                  <a:srgbClr val="FF0000"/>
+                </a:solidFill>
+              </a:rPr>
+              <a:t> 목요일, 저</a:t>
+            </a:r>
+            <a:r>
+              <a:rPr lang="en" sz="1400">
+                <a:solidFill>
+                  <a:srgbClr val="FF0000"/>
+                </a:solidFill>
+              </a:rPr>
+              <a:t>녁 7시 30분 </a:t>
+            </a:r>
+            <a:r>
+              <a:rPr lang="en" sz="1400">
+                <a:solidFill>
+                  <a:srgbClr val="FF0000"/>
+                </a:solidFill>
+              </a:rPr>
+              <a:t>- 10시 30분(3시간), 1월~6월</a:t>
+            </a:r>
+          </a:p>
+          <a:p>
+            <a:pPr indent="-317500" lvl="0" marL="457200" rtl="0">
+              <a:spcBef>
+                <a:spcPts val="0"/>
+              </a:spcBef>
+              <a:spcAft>
+                <a:spcPts val="0"/>
+              </a:spcAft>
+              <a:buSzPts val="1400"/>
+              <a:buChar char="●"/>
+            </a:pPr>
+            <a:r>
+              <a:rPr lang="en" sz="1400">
+                <a:solidFill>
+                  <a:srgbClr val="4A86E8"/>
+                </a:solidFill>
+              </a:rPr>
+              <a:t>(대화</a:t>
+            </a:r>
+            <a:r>
+              <a:rPr lang="en" sz="1400">
+                <a:solidFill>
+                  <a:srgbClr val="4A86E8"/>
+                </a:solidFill>
+              </a:rPr>
+              <a:t>형 에이전트 논문</a:t>
+            </a:r>
+            <a:r>
+              <a:rPr lang="en" sz="1400">
+                <a:solidFill>
+                  <a:srgbClr val="4A86E8"/>
+                </a:solidFill>
+              </a:rPr>
+              <a:t>)</a:t>
+            </a:r>
+            <a:r>
+              <a:rPr lang="en" sz="1400"/>
+              <a:t> NIPS 2017 - Conversational AI : “Today’s Practice and Tomorrow’s Potential” </a:t>
+            </a:r>
+          </a:p>
+          <a:p>
+            <a:pPr indent="-317500" lvl="0" marL="457200" rtl="0">
+              <a:spcBef>
+                <a:spcPts val="0"/>
+              </a:spcBef>
+              <a:spcAft>
+                <a:spcPts val="0"/>
+              </a:spcAft>
+              <a:buSzPts val="1400"/>
+              <a:buChar char="●"/>
+            </a:pPr>
+            <a:r>
+              <a:rPr lang="en" sz="1400">
+                <a:solidFill>
+                  <a:srgbClr val="4A86E8"/>
+                </a:solidFill>
+              </a:rPr>
+              <a:t>(로봇학습 논문) </a:t>
+            </a:r>
+            <a:r>
+              <a:rPr lang="en" sz="1400"/>
+              <a:t>NIPS 2017 - Acting and Interacting in Real World : Challenges in Robot Learning</a:t>
+            </a:r>
+          </a:p>
+          <a:p>
+            <a:pPr indent="-317500" lvl="0" marL="457200" rtl="0">
+              <a:spcBef>
+                <a:spcPts val="0"/>
+              </a:spcBef>
+              <a:spcAft>
+                <a:spcPts val="0"/>
+              </a:spcAft>
+              <a:buSzPts val="1400"/>
+              <a:buChar char="●"/>
+            </a:pPr>
+            <a:r>
+              <a:rPr lang="en" sz="1400">
+                <a:solidFill>
+                  <a:srgbClr val="4A86E8"/>
+                </a:solidFill>
+              </a:rPr>
+              <a:t>(커뮤니케이</a:t>
+            </a:r>
+            <a:r>
+              <a:rPr lang="en" sz="1400">
+                <a:solidFill>
+                  <a:srgbClr val="4A86E8"/>
+                </a:solidFill>
+              </a:rPr>
+              <a:t>션 창발</a:t>
+            </a:r>
+            <a:r>
+              <a:rPr lang="en" sz="1400">
+                <a:solidFill>
+                  <a:srgbClr val="4A86E8"/>
+                </a:solidFill>
+              </a:rPr>
+              <a:t>)</a:t>
+            </a:r>
+            <a:r>
+              <a:rPr lang="en" sz="1400"/>
+              <a:t> NIPS 2017 - Emergent Communication</a:t>
+            </a:r>
+          </a:p>
+          <a:p>
+            <a:pPr indent="-317500" lvl="0" marL="457200" rtl="0">
+              <a:spcBef>
+                <a:spcPts val="0"/>
+              </a:spcBef>
+              <a:spcAft>
+                <a:spcPts val="0"/>
+              </a:spcAft>
+              <a:buSzPts val="1400"/>
+              <a:buChar char="●"/>
+            </a:pPr>
+            <a:r>
+              <a:rPr lang="en" sz="1400">
+                <a:solidFill>
+                  <a:srgbClr val="4A86E8"/>
+                </a:solidFill>
+              </a:rPr>
+              <a:t>(딥러닝 추천시스템)</a:t>
+            </a:r>
+            <a:r>
+              <a:rPr lang="en" sz="1400"/>
+              <a:t> DLRS 2017 - Deep Learning for Recommender Systems</a:t>
+            </a:r>
+          </a:p>
+          <a:p>
+            <a:pPr indent="-317500" lvl="0" marL="457200" rtl="0">
+              <a:spcBef>
+                <a:spcPts val="0"/>
+              </a:spcBef>
+              <a:spcAft>
+                <a:spcPts val="0"/>
+              </a:spcAft>
+              <a:buSzPts val="1400"/>
+              <a:buChar char="●"/>
+            </a:pPr>
+            <a:r>
+              <a:rPr lang="en" sz="1400">
+                <a:solidFill>
+                  <a:srgbClr val="4A86E8"/>
+                </a:solidFill>
+              </a:rPr>
+              <a:t>(딥러닝 검색시스템)</a:t>
+            </a:r>
+            <a:r>
+              <a:rPr lang="en" sz="1400"/>
+              <a:t> Neur-IR 2017 : Workshop on Neural Information Retrieval</a:t>
+            </a:r>
+          </a:p>
+          <a:p>
+            <a:pPr indent="-317500" lvl="0" marL="457200" rtl="0">
+              <a:spcBef>
+                <a:spcPts val="0"/>
+              </a:spcBef>
+              <a:buSzPts val="1400"/>
+              <a:buChar char="●"/>
+            </a:pPr>
+            <a:r>
+              <a:rPr lang="en" sz="1400">
+                <a:solidFill>
+                  <a:srgbClr val="4A86E8"/>
+                </a:solidFill>
+              </a:rPr>
+              <a:t>(ML 시스템)</a:t>
+            </a:r>
+            <a:r>
+              <a:rPr lang="en" sz="1400"/>
+              <a:t> NIPS 2017 - ML Systems</a:t>
+            </a:r>
+          </a:p>
+        </p:txBody>
+      </p:sp>
+      <p:pic>
+        <p:nvPicPr>
+          <p:cNvPr id="328" name="Shape 328"/>
+          <p:cNvPicPr preferRelativeResize="0"/>
+          <p:nvPr/>
+        </p:nvPicPr>
+        <p:blipFill>
+          <a:blip r:embed="rId3">
+            <a:alphaModFix/>
+          </a:blip>
+          <a:stretch>
+            <a:fillRect/>
+          </a:stretch>
+        </p:blipFill>
+        <p:spPr>
+          <a:xfrm>
+            <a:off x="311700" y="1392150"/>
+            <a:ext cx="3686225" cy="1945500"/>
+          </a:xfrm>
+          <a:prstGeom prst="rect">
+            <a:avLst/>
+          </a:prstGeom>
+          <a:noFill/>
+          <a:ln>
+            <a:noFill/>
+          </a:ln>
+        </p:spPr>
+      </p:pic>
+    </p:spTree>
+  </p:cSld>
+  <p:clrMapOvr>
+    <a:masterClrMapping/>
+  </p:clrMapOvr>
+</p:sld>
+</file>
+
+<file path=ppt/slides/slide28.xml><?xml version="1.0" encoding="utf-8"?>
+<p:sld xmlns:a="http://schemas.openxmlformats.org/drawingml/2006/main" xmlns:r="http://schemas.openxmlformats.org/officeDocument/2006/relationships" xmlns:mc="http://schemas.openxmlformats.org/markup-compatibility/2006" xmlns:mv="urn:schemas-microsoft-com:mac:vml" xmlns:p="http://schemas.openxmlformats.org/presentationml/2006/main" xmlns:c="http://schemas.openxmlformats.org/drawingml/2006/chart" xmlns:dgm="http://schemas.openxmlformats.org/drawingml/2006/diagram" xmlns:o="urn:schemas-microsoft-com:office:office" xmlns:v="urn:schemas-microsoft-com:vml" xmlns:pvml="urn:schemas-microsoft-com:office:powerpoint" xmlns:com="http://schemas.openxmlformats.org/drawingml/2006/compatibility" xmlns:p14="http://schemas.microsoft.com/office/powerpoint/2010/main" xmlns:p15="http://schemas.microsoft.com/office/powerpoint/2012/main">
+  <p:cSld>
+    <p:spTree>
+      <p:nvGrpSpPr>
+        <p:cNvPr id="332" name="Shape 332"/>
+        <p:cNvGrpSpPr/>
+        <p:nvPr/>
+      </p:nvGrpSpPr>
+      <p:grpSpPr>
+        <a:xfrm>
+          <a:off x="0" y="0"/>
+          <a:ext cx="0" cy="0"/>
+          <a:chOff x="0" y="0"/>
+          <a:chExt cx="0" cy="0"/>
+        </a:xfrm>
+      </p:grpSpPr>
+      <p:sp>
+        <p:nvSpPr>
+          <p:cNvPr id="333" name="Shape 333"/>
+          <p:cNvSpPr txBox="1"/>
+          <p:nvPr>
+            <p:ph type="title"/>
+          </p:nvPr>
+        </p:nvSpPr>
+        <p:spPr>
+          <a:xfrm>
+            <a:off x="311700" y="445025"/>
+            <a:ext cx="8520600" cy="572700"/>
+          </a:xfrm>
+          <a:prstGeom prst="rect">
+            <a:avLst/>
+          </a:prstGeom>
+        </p:spPr>
+        <p:txBody>
+          <a:bodyPr anchorCtr="0" anchor="t" bIns="91425" lIns="91425" rIns="91425" wrap="square" tIns="91425">
+            <a:noAutofit/>
+          </a:bodyPr>
+          <a:lstStyle/>
+          <a:p>
+            <a:pPr lvl="0" rtl="0" algn="ctr">
+              <a:spcBef>
+                <a:spcPts val="0"/>
+              </a:spcBef>
+              <a:buNone/>
+            </a:pPr>
+            <a:r>
+              <a:rPr lang="en"/>
+              <a:t>2018 (상반기) </a:t>
+            </a:r>
+          </a:p>
+          <a:p>
+            <a:pPr lvl="0" rtl="0">
+              <a:spcBef>
+                <a:spcPts val="0"/>
+              </a:spcBef>
+              <a:buNone/>
+            </a:pPr>
+            <a:r>
+              <a:t/>
+            </a:r>
+            <a:endParaRPr/>
+          </a:p>
+        </p:txBody>
+      </p:sp>
+      <p:sp>
+        <p:nvSpPr>
+          <p:cNvPr id="334" name="Shape 334"/>
+          <p:cNvSpPr txBox="1"/>
+          <p:nvPr>
+            <p:ph idx="1" type="body"/>
+          </p:nvPr>
+        </p:nvSpPr>
+        <p:spPr>
+          <a:xfrm>
+            <a:off x="4044375" y="1304875"/>
+            <a:ext cx="5004600" cy="3416400"/>
+          </a:xfrm>
+          <a:prstGeom prst="rect">
+            <a:avLst/>
+          </a:prstGeom>
+        </p:spPr>
+        <p:txBody>
+          <a:bodyPr anchorCtr="0" anchor="t" bIns="91425" lIns="91425" rIns="91425" wrap="square" tIns="91425">
+            <a:noAutofit/>
+          </a:bodyPr>
+          <a:lstStyle/>
+          <a:p>
+            <a:pPr lvl="0" rtl="0">
+              <a:spcBef>
+                <a:spcPts val="0"/>
+              </a:spcBef>
+              <a:buNone/>
+            </a:pPr>
+            <a:r>
+              <a:rPr b="1" lang="en"/>
+              <a:t>ReBasic</a:t>
+            </a:r>
+            <a:r>
+              <a:rPr b="1" lang="en"/>
+              <a:t> : 시즌 1</a:t>
+            </a:r>
+          </a:p>
+          <a:p>
+            <a:pPr indent="-317500" lvl="0" marL="457200" rtl="0">
+              <a:spcBef>
+                <a:spcPts val="0"/>
+              </a:spcBef>
+              <a:spcAft>
+                <a:spcPts val="0"/>
+              </a:spcAft>
+              <a:buClr>
+                <a:srgbClr val="FF0000"/>
+              </a:buClr>
+              <a:buSzPts val="1400"/>
+              <a:buChar char="●"/>
+            </a:pPr>
+            <a:r>
+              <a:rPr lang="en" sz="1400">
+                <a:solidFill>
+                  <a:srgbClr val="FF0000"/>
+                </a:solidFill>
+              </a:rPr>
+              <a:t>딥리워드</a:t>
+            </a:r>
+            <a:r>
+              <a:rPr lang="en" sz="1400">
+                <a:solidFill>
+                  <a:srgbClr val="FF0000"/>
+                </a:solidFill>
+              </a:rPr>
+              <a:t>X싸이그래머, 격주 월요일, 저녁 7시 30분 - 10시 30분(3시간), 1월~6월</a:t>
+            </a:r>
+          </a:p>
+          <a:p>
+            <a:pPr indent="-317500" lvl="0" marL="457200" rtl="0">
+              <a:spcBef>
+                <a:spcPts val="0"/>
+              </a:spcBef>
+              <a:spcAft>
+                <a:spcPts val="0"/>
+              </a:spcAft>
+              <a:buSzPts val="1400"/>
+              <a:buChar char="●"/>
+            </a:pPr>
+            <a:r>
+              <a:rPr lang="en" sz="1400">
+                <a:solidFill>
+                  <a:srgbClr val="4A86E8"/>
+                </a:solidFill>
+              </a:rPr>
+              <a:t>(강화학</a:t>
+            </a:r>
+            <a:r>
+              <a:rPr lang="en" sz="1400">
+                <a:solidFill>
+                  <a:srgbClr val="4A86E8"/>
+                </a:solidFill>
+              </a:rPr>
+              <a:t>습 기초</a:t>
+            </a:r>
+            <a:r>
+              <a:rPr lang="en" sz="1400">
+                <a:solidFill>
+                  <a:srgbClr val="4A86E8"/>
+                </a:solidFill>
+              </a:rPr>
+              <a:t>)</a:t>
+            </a:r>
+            <a:r>
+              <a:rPr lang="en" sz="1400"/>
+              <a:t> </a:t>
+            </a:r>
+            <a:r>
+              <a:rPr lang="en" sz="1400">
+                <a:solidFill>
+                  <a:srgbClr val="000000"/>
+                </a:solidFill>
+              </a:rPr>
+              <a:t>Sutton &amp; Barto's book Reinforcement Learning: An Introduction (2nd Edition)</a:t>
+            </a:r>
+            <a:r>
+              <a:rPr lang="en" sz="1400"/>
+              <a:t> </a:t>
+            </a:r>
+          </a:p>
+          <a:p>
+            <a:pPr indent="-317500" lvl="0" marL="457200" rtl="0">
+              <a:spcBef>
+                <a:spcPts val="0"/>
+              </a:spcBef>
+              <a:buSzPts val="1400"/>
+              <a:buChar char="●"/>
+            </a:pPr>
+            <a:r>
+              <a:rPr lang="en" sz="1400">
+                <a:solidFill>
+                  <a:srgbClr val="4A86E8"/>
+                </a:solidFill>
+              </a:rPr>
+              <a:t>(딥강화학</a:t>
+            </a:r>
+            <a:r>
+              <a:rPr lang="en" sz="1400">
+                <a:solidFill>
+                  <a:srgbClr val="4A86E8"/>
+                </a:solidFill>
+              </a:rPr>
+              <a:t>습 부트캠프</a:t>
+            </a:r>
+            <a:r>
+              <a:rPr lang="en" sz="1400">
+                <a:solidFill>
+                  <a:srgbClr val="4A86E8"/>
+                </a:solidFill>
+              </a:rPr>
+              <a:t>) </a:t>
+            </a:r>
+            <a:r>
+              <a:rPr lang="en" sz="1400">
+                <a:solidFill>
+                  <a:srgbClr val="000000"/>
+                </a:solidFill>
+              </a:rPr>
+              <a:t>Deep Reinforcement Learning Bootcamp (2017)</a:t>
+            </a:r>
+          </a:p>
+        </p:txBody>
+      </p:sp>
+      <p:pic>
+        <p:nvPicPr>
+          <p:cNvPr id="335" name="Shape 335"/>
+          <p:cNvPicPr preferRelativeResize="0"/>
+          <p:nvPr/>
+        </p:nvPicPr>
+        <p:blipFill>
+          <a:blip r:embed="rId3">
+            <a:alphaModFix/>
+          </a:blip>
+          <a:stretch>
+            <a:fillRect/>
+          </a:stretch>
+        </p:blipFill>
+        <p:spPr>
+          <a:xfrm>
+            <a:off x="311700" y="1488600"/>
+            <a:ext cx="3686225" cy="1905000"/>
+          </a:xfrm>
+          <a:prstGeom prst="rect">
+            <a:avLst/>
+          </a:prstGeom>
+          <a:noFill/>
+          <a:ln>
+            <a:noFill/>
+          </a:ln>
+        </p:spPr>
+      </p:pic>
+    </p:spTree>
+  </p:cSld>
+  <p:clrMapOvr>
+    <a:masterClrMapping/>
+  </p:clrMapOvr>
+</p:sld>
+</file>
+
+<file path=ppt/slides/slide29.xml><?xml version="1.0" encoding="utf-8"?>
+<p:sld xmlns:a="http://schemas.openxmlformats.org/drawingml/2006/main" xmlns:r="http://schemas.openxmlformats.org/officeDocument/2006/relationships" xmlns:mc="http://schemas.openxmlformats.org/markup-compatibility/2006" xmlns:mv="urn:schemas-microsoft-com:mac:vml" xmlns:p="http://schemas.openxmlformats.org/presentationml/2006/main" xmlns:c="http://schemas.openxmlformats.org/drawingml/2006/chart" xmlns:dgm="http://schemas.openxmlformats.org/drawingml/2006/diagram" xmlns:o="urn:schemas-microsoft-com:office:office" xmlns:v="urn:schemas-microsoft-com:vml" xmlns:pvml="urn:schemas-microsoft-com:office:powerpoint" xmlns:com="http://schemas.openxmlformats.org/drawingml/2006/compatibility" xmlns:p14="http://schemas.microsoft.com/office/powerpoint/2010/main" xmlns:p15="http://schemas.microsoft.com/office/powerpoint/2012/main">
+  <p:cSld>
+    <p:spTree>
+      <p:nvGrpSpPr>
+        <p:cNvPr id="339" name="Shape 339"/>
+        <p:cNvGrpSpPr/>
+        <p:nvPr/>
+      </p:nvGrpSpPr>
+      <p:grpSpPr>
+        <a:xfrm>
+          <a:off x="0" y="0"/>
+          <a:ext cx="0" cy="0"/>
+          <a:chOff x="0" y="0"/>
+          <a:chExt cx="0" cy="0"/>
+        </a:xfrm>
+      </p:grpSpPr>
+      <p:sp>
+        <p:nvSpPr>
+          <p:cNvPr id="340" name="Shape 340"/>
+          <p:cNvSpPr txBox="1"/>
+          <p:nvPr>
+            <p:ph type="title"/>
+          </p:nvPr>
+        </p:nvSpPr>
+        <p:spPr>
+          <a:xfrm>
+            <a:off x="311700" y="445025"/>
+            <a:ext cx="8520600" cy="572700"/>
+          </a:xfrm>
+          <a:prstGeom prst="rect">
+            <a:avLst/>
+          </a:prstGeom>
+        </p:spPr>
+        <p:txBody>
+          <a:bodyPr anchorCtr="0" anchor="t" bIns="91425" lIns="91425" rIns="91425" wrap="square" tIns="91425">
+            <a:noAutofit/>
+          </a:bodyPr>
+          <a:lstStyle/>
+          <a:p>
+            <a:pPr lvl="0" rtl="0" algn="ctr">
+              <a:spcBef>
+                <a:spcPts val="0"/>
+              </a:spcBef>
+              <a:buNone/>
+            </a:pPr>
+            <a:r>
+              <a:rPr lang="en"/>
+              <a:t>2018 (상반기)</a:t>
+            </a:r>
+          </a:p>
+          <a:p>
+            <a:pPr lvl="0" rtl="0">
+              <a:spcBef>
+                <a:spcPts val="0"/>
+              </a:spcBef>
+              <a:buNone/>
+            </a:pPr>
+            <a:r>
+              <a:t/>
+            </a:r>
+            <a:endParaRPr/>
+          </a:p>
+        </p:txBody>
+      </p:sp>
+      <p:sp>
+        <p:nvSpPr>
+          <p:cNvPr id="341" name="Shape 341"/>
+          <p:cNvSpPr txBox="1"/>
+          <p:nvPr>
+            <p:ph idx="1" type="body"/>
+          </p:nvPr>
+        </p:nvSpPr>
+        <p:spPr>
+          <a:xfrm>
+            <a:off x="1682175" y="1609675"/>
+            <a:ext cx="2842500" cy="1302900"/>
+          </a:xfrm>
+          <a:prstGeom prst="rect">
+            <a:avLst/>
+          </a:prstGeom>
+        </p:spPr>
+        <p:txBody>
+          <a:bodyPr anchorCtr="0" anchor="t" bIns="91425" lIns="91425" rIns="91425" wrap="square" tIns="91425">
+            <a:noAutofit/>
+          </a:bodyPr>
+          <a:lstStyle/>
+          <a:p>
+            <a:pPr lvl="0" rtl="0">
+              <a:spcBef>
+                <a:spcPts val="0"/>
+              </a:spcBef>
+              <a:buNone/>
+            </a:pPr>
+            <a:r>
+              <a:rPr b="1" lang="en" sz="1000"/>
+              <a:t>파이그래머</a:t>
+            </a:r>
+            <a:r>
+              <a:rPr b="1" lang="en" sz="1000"/>
+              <a:t> : 파</a:t>
+            </a:r>
+            <a:r>
+              <a:rPr b="1" lang="en" sz="1000"/>
+              <a:t>트 </a:t>
+            </a:r>
+            <a:r>
+              <a:rPr b="1" lang="en" sz="1000"/>
+              <a:t>1 </a:t>
+            </a:r>
+          </a:p>
+          <a:p>
+            <a:pPr indent="-292100" lvl="0" marL="457200" rtl="0">
+              <a:spcBef>
+                <a:spcPts val="0"/>
+              </a:spcBef>
+              <a:spcAft>
+                <a:spcPts val="0"/>
+              </a:spcAft>
+              <a:buClr>
+                <a:srgbClr val="FF0000"/>
+              </a:buClr>
+              <a:buSzPts val="1000"/>
+              <a:buChar char="●"/>
+            </a:pPr>
+            <a:r>
+              <a:rPr lang="en" sz="1000">
+                <a:solidFill>
+                  <a:srgbClr val="FF0000"/>
+                </a:solidFill>
+              </a:rPr>
+              <a:t>싸이그래머,</a:t>
+            </a:r>
+            <a:r>
+              <a:rPr lang="en" sz="1000">
+                <a:solidFill>
+                  <a:srgbClr val="FF0000"/>
+                </a:solidFill>
+              </a:rPr>
+              <a:t> 격주 화요일, 저녁 7시 30분 - 10시 30분(3시간), 2017</a:t>
+            </a:r>
+            <a:r>
+              <a:rPr lang="en" sz="1000">
+                <a:solidFill>
+                  <a:srgbClr val="FF0000"/>
+                </a:solidFill>
+              </a:rPr>
+              <a:t>년 </a:t>
+            </a:r>
+            <a:r>
+              <a:rPr lang="en" sz="1000">
+                <a:solidFill>
+                  <a:srgbClr val="FF0000"/>
+                </a:solidFill>
+              </a:rPr>
+              <a:t>11월 ~ </a:t>
+            </a:r>
+          </a:p>
+          <a:p>
+            <a:pPr indent="-292100" lvl="0" marL="457200" rtl="0">
+              <a:spcBef>
+                <a:spcPts val="0"/>
+              </a:spcBef>
+              <a:buSzPts val="1000"/>
+              <a:buChar char="●"/>
+            </a:pPr>
+            <a:r>
+              <a:rPr lang="en" sz="1000">
+                <a:solidFill>
+                  <a:srgbClr val="4A86E8"/>
+                </a:solidFill>
+              </a:rPr>
+              <a:t>파이썬을 이용한 자료구조 &amp; 알고리즘</a:t>
+            </a:r>
+          </a:p>
+        </p:txBody>
+      </p:sp>
+      <p:sp>
+        <p:nvSpPr>
+          <p:cNvPr id="342" name="Shape 342"/>
+          <p:cNvSpPr txBox="1"/>
+          <p:nvPr>
+            <p:ph idx="1" type="body"/>
+          </p:nvPr>
+        </p:nvSpPr>
+        <p:spPr>
+          <a:xfrm>
+            <a:off x="6177975" y="1609675"/>
+            <a:ext cx="2842500" cy="1302900"/>
+          </a:xfrm>
+          <a:prstGeom prst="rect">
+            <a:avLst/>
+          </a:prstGeom>
+        </p:spPr>
+        <p:txBody>
+          <a:bodyPr anchorCtr="0" anchor="t" bIns="91425" lIns="91425" rIns="91425" wrap="square" tIns="91425">
+            <a:noAutofit/>
+          </a:bodyPr>
+          <a:lstStyle/>
+          <a:p>
+            <a:pPr lvl="0" rtl="0">
+              <a:spcBef>
+                <a:spcPts val="0"/>
+              </a:spcBef>
+              <a:buNone/>
+            </a:pPr>
+            <a:r>
+              <a:rPr b="1" lang="en" sz="1000"/>
+              <a:t>뷰티플체인</a:t>
+            </a:r>
+            <a:r>
+              <a:rPr b="1" lang="en" sz="1000"/>
+              <a:t> : 파트 1 </a:t>
+            </a:r>
+          </a:p>
+          <a:p>
+            <a:pPr indent="-292100" lvl="0" marL="457200" rtl="0">
+              <a:spcBef>
+                <a:spcPts val="0"/>
+              </a:spcBef>
+              <a:spcAft>
+                <a:spcPts val="0"/>
+              </a:spcAft>
+              <a:buClr>
+                <a:srgbClr val="FF0000"/>
+              </a:buClr>
+              <a:buSzPts val="1000"/>
+              <a:buChar char="●"/>
+            </a:pPr>
+            <a:r>
+              <a:rPr lang="en" sz="1000">
+                <a:solidFill>
+                  <a:srgbClr val="FF0000"/>
+                </a:solidFill>
+              </a:rPr>
+              <a:t>싸이지먼트X싸이그래머, 격주 화요일, 저녁 7시 30분 - 10시 30분(3시간), 2017년 11월 ~ </a:t>
+            </a:r>
+          </a:p>
+          <a:p>
+            <a:pPr indent="-292100" lvl="0" marL="457200" rtl="0">
+              <a:spcBef>
+                <a:spcPts val="0"/>
+              </a:spcBef>
+              <a:buSzPts val="1000"/>
+              <a:buChar char="●"/>
+            </a:pPr>
+            <a:r>
+              <a:rPr lang="en" sz="1000">
+                <a:solidFill>
+                  <a:srgbClr val="4A86E8"/>
+                </a:solidFill>
+              </a:rPr>
+              <a:t>비트코인 + 시계열 데이터 ML + 확률과정</a:t>
+            </a:r>
+          </a:p>
+        </p:txBody>
+      </p:sp>
+      <p:pic>
+        <p:nvPicPr>
+          <p:cNvPr id="343" name="Shape 343"/>
+          <p:cNvPicPr preferRelativeResize="0"/>
+          <p:nvPr/>
+        </p:nvPicPr>
+        <p:blipFill>
+          <a:blip r:embed="rId3">
+            <a:alphaModFix/>
+          </a:blip>
+          <a:stretch>
+            <a:fillRect/>
+          </a:stretch>
+        </p:blipFill>
+        <p:spPr>
+          <a:xfrm>
+            <a:off x="136750" y="3445350"/>
+            <a:ext cx="1517276" cy="1302825"/>
+          </a:xfrm>
+          <a:prstGeom prst="rect">
+            <a:avLst/>
+          </a:prstGeom>
+          <a:noFill/>
+          <a:ln>
+            <a:noFill/>
+          </a:ln>
+        </p:spPr>
+      </p:pic>
+      <p:sp>
+        <p:nvSpPr>
+          <p:cNvPr id="344" name="Shape 344"/>
+          <p:cNvSpPr txBox="1"/>
+          <p:nvPr>
+            <p:ph idx="1" type="body"/>
+          </p:nvPr>
+        </p:nvSpPr>
+        <p:spPr>
+          <a:xfrm>
+            <a:off x="1682175" y="3362275"/>
+            <a:ext cx="2842500" cy="1302900"/>
+          </a:xfrm>
+          <a:prstGeom prst="rect">
+            <a:avLst/>
+          </a:prstGeom>
+        </p:spPr>
+        <p:txBody>
+          <a:bodyPr anchorCtr="0" anchor="t" bIns="91425" lIns="91425" rIns="91425" wrap="square" tIns="91425">
+            <a:noAutofit/>
+          </a:bodyPr>
+          <a:lstStyle/>
+          <a:p>
+            <a:pPr lvl="0" rtl="0">
+              <a:spcBef>
+                <a:spcPts val="0"/>
+              </a:spcBef>
+              <a:buNone/>
+            </a:pPr>
+            <a:r>
+              <a:rPr b="1" lang="en" sz="1000"/>
+              <a:t>손바닥ML : 파트 1</a:t>
+            </a:r>
+          </a:p>
+          <a:p>
+            <a:pPr indent="-292100" lvl="0" marL="457200" rtl="0">
+              <a:spcBef>
+                <a:spcPts val="0"/>
+              </a:spcBef>
+              <a:spcAft>
+                <a:spcPts val="0"/>
+              </a:spcAft>
+              <a:buClr>
+                <a:srgbClr val="FF0000"/>
+              </a:buClr>
+              <a:buSzPts val="1000"/>
+              <a:buChar char="●"/>
+            </a:pPr>
+            <a:r>
+              <a:rPr lang="en" sz="1000">
+                <a:solidFill>
+                  <a:srgbClr val="FF0000"/>
+                </a:solidFill>
+              </a:rPr>
+              <a:t>싸이그래머X캐글뽀개기, 격주 수요일, 저녁 7시 30분 - 10시 30분(3시간), 2017년 11월 ~ </a:t>
+            </a:r>
+          </a:p>
+          <a:p>
+            <a:pPr indent="-292100" lvl="0" marL="457200" rtl="0">
+              <a:spcBef>
+                <a:spcPts val="0"/>
+              </a:spcBef>
+              <a:buSzPts val="1000"/>
+              <a:buChar char="●"/>
+            </a:pPr>
+            <a:r>
+              <a:rPr lang="en" sz="1000">
+                <a:solidFill>
+                  <a:srgbClr val="4A86E8"/>
+                </a:solidFill>
+              </a:rPr>
+              <a:t>머신러닝 기초(tensorflow) + 캐글 분석</a:t>
+            </a:r>
+          </a:p>
+        </p:txBody>
+      </p:sp>
+      <p:sp>
+        <p:nvSpPr>
+          <p:cNvPr id="345" name="Shape 345"/>
+          <p:cNvSpPr txBox="1"/>
+          <p:nvPr>
+            <p:ph idx="1" type="body"/>
+          </p:nvPr>
+        </p:nvSpPr>
+        <p:spPr>
+          <a:xfrm>
+            <a:off x="6177975" y="3438475"/>
+            <a:ext cx="2842500" cy="1302900"/>
+          </a:xfrm>
+          <a:prstGeom prst="rect">
+            <a:avLst/>
+          </a:prstGeom>
+        </p:spPr>
+        <p:txBody>
+          <a:bodyPr anchorCtr="0" anchor="t" bIns="91425" lIns="91425" rIns="91425" wrap="square" tIns="91425">
+            <a:noAutofit/>
+          </a:bodyPr>
+          <a:lstStyle/>
+          <a:p>
+            <a:pPr lvl="0" rtl="0">
+              <a:spcBef>
+                <a:spcPts val="0"/>
+              </a:spcBef>
+              <a:buNone/>
+            </a:pPr>
+            <a:r>
+              <a:rPr b="1" lang="en" sz="1000"/>
+              <a:t>딥레스콜라</a:t>
+            </a:r>
+            <a:r>
+              <a:rPr b="1" lang="en" sz="1000"/>
+              <a:t> : 파트 1</a:t>
+            </a:r>
+          </a:p>
+          <a:p>
+            <a:pPr indent="-292100" lvl="0" marL="457200" rtl="0">
+              <a:spcBef>
+                <a:spcPts val="0"/>
+              </a:spcBef>
+              <a:spcAft>
+                <a:spcPts val="0"/>
+              </a:spcAft>
+              <a:buClr>
+                <a:srgbClr val="FF0000"/>
+              </a:buClr>
+              <a:buSzPts val="1000"/>
+              <a:buChar char="●"/>
+            </a:pPr>
+            <a:r>
+              <a:rPr lang="en" sz="1000">
+                <a:solidFill>
+                  <a:srgbClr val="FF0000"/>
+                </a:solidFill>
+              </a:rPr>
+              <a:t>딥리워드</a:t>
+            </a:r>
+            <a:r>
+              <a:rPr lang="en" sz="1000">
+                <a:solidFill>
+                  <a:srgbClr val="FF0000"/>
+                </a:solidFill>
+              </a:rPr>
+              <a:t>X싸이그래머, 격주 월요일, 저녁 7시 30분 - 10시 30분(3시간), 2017년 11월 ~ </a:t>
+            </a:r>
+          </a:p>
+          <a:p>
+            <a:pPr indent="-292100" lvl="0" marL="457200" rtl="0">
+              <a:spcBef>
+                <a:spcPts val="0"/>
+              </a:spcBef>
+              <a:buSzPts val="1000"/>
+              <a:buChar char="●"/>
+            </a:pPr>
+            <a:r>
+              <a:rPr lang="en" sz="1000">
+                <a:solidFill>
+                  <a:srgbClr val="4A86E8"/>
+                </a:solidFill>
+              </a:rPr>
+              <a:t>딥러닝</a:t>
+            </a:r>
+            <a:r>
+              <a:rPr lang="en" sz="1000">
+                <a:solidFill>
+                  <a:srgbClr val="4A86E8"/>
+                </a:solidFill>
+              </a:rPr>
+              <a:t> 기초 + 딥강화학</a:t>
+            </a:r>
+            <a:r>
+              <a:rPr lang="en" sz="1000">
+                <a:solidFill>
+                  <a:srgbClr val="4A86E8"/>
+                </a:solidFill>
+              </a:rPr>
+              <a:t>습 기초</a:t>
+            </a:r>
+          </a:p>
+        </p:txBody>
+      </p:sp>
+      <p:pic>
+        <p:nvPicPr>
+          <p:cNvPr id="346" name="Shape 346"/>
+          <p:cNvPicPr preferRelativeResize="0"/>
+          <p:nvPr/>
+        </p:nvPicPr>
+        <p:blipFill>
+          <a:blip r:embed="rId4">
+            <a:alphaModFix/>
+          </a:blip>
+          <a:stretch>
+            <a:fillRect/>
+          </a:stretch>
+        </p:blipFill>
+        <p:spPr>
+          <a:xfrm>
+            <a:off x="136750" y="1692750"/>
+            <a:ext cx="1517275" cy="1302825"/>
+          </a:xfrm>
+          <a:prstGeom prst="rect">
+            <a:avLst/>
+          </a:prstGeom>
+          <a:noFill/>
+          <a:ln>
+            <a:noFill/>
+          </a:ln>
+        </p:spPr>
+      </p:pic>
+      <p:pic>
+        <p:nvPicPr>
+          <p:cNvPr id="347" name="Shape 347"/>
+          <p:cNvPicPr preferRelativeResize="0"/>
+          <p:nvPr/>
+        </p:nvPicPr>
+        <p:blipFill>
+          <a:blip r:embed="rId5">
+            <a:alphaModFix/>
+          </a:blip>
+          <a:stretch>
+            <a:fillRect/>
+          </a:stretch>
+        </p:blipFill>
+        <p:spPr>
+          <a:xfrm>
+            <a:off x="4647575" y="1692750"/>
+            <a:ext cx="1517276" cy="1302825"/>
+          </a:xfrm>
+          <a:prstGeom prst="rect">
+            <a:avLst/>
+          </a:prstGeom>
+          <a:noFill/>
+          <a:ln>
+            <a:noFill/>
+          </a:ln>
+        </p:spPr>
+      </p:pic>
+      <p:pic>
+        <p:nvPicPr>
+          <p:cNvPr id="348" name="Shape 348"/>
+          <p:cNvPicPr preferRelativeResize="0"/>
+          <p:nvPr/>
+        </p:nvPicPr>
+        <p:blipFill>
+          <a:blip r:embed="rId6">
+            <a:alphaModFix/>
+          </a:blip>
+          <a:stretch>
+            <a:fillRect/>
+          </a:stretch>
+        </p:blipFill>
+        <p:spPr>
+          <a:xfrm>
+            <a:off x="4647575" y="3504525"/>
+            <a:ext cx="1517275" cy="1302824"/>
+          </a:xfrm>
+          <a:prstGeom prst="rect">
+            <a:avLst/>
+          </a:prstGeom>
+          <a:noFill/>
+          <a:ln>
+            <a:noFill/>
+          </a:ln>
+        </p:spPr>
+      </p:pic>
+    </p:spTree>
+  </p:cSld>
+  <p:clrMapOvr>
+    <a:masterClrMapping/>
+  </p:clrMapOvr>
+</p:sld>
+</file>
+
 <file path=ppt/slides/slide3.xml><?xml version="1.0" encoding="utf-8"?>
 <p:sld xmlns:a="http://schemas.openxmlformats.org/drawingml/2006/main" xmlns:r="http://schemas.openxmlformats.org/officeDocument/2006/relationships" xmlns:mc="http://schemas.openxmlformats.org/markup-compatibility/2006" xmlns:mv="urn:schemas-microsoft-com:mac:vml" xmlns:p="http://schemas.openxmlformats.org/presentationml/2006/main" xmlns:c="http://schemas.openxmlformats.org/drawingml/2006/chart" xmlns:dgm="http://schemas.openxmlformats.org/drawingml/2006/diagram" xmlns:o="urn:schemas-microsoft-com:office:office" xmlns:v="urn:schemas-microsoft-com:vml" xmlns:pvml="urn:schemas-microsoft-com:office:powerpoint" xmlns:com="http://schemas.openxmlformats.org/drawingml/2006/compatibility" xmlns:p14="http://schemas.microsoft.com/office/powerpoint/2010/main" xmlns:p15="http://schemas.microsoft.com/office/powerpoint/2012/main">
   <p:cSld>
@@ -8344,6 +15305,160 @@
             <a:r>
               <a:rPr lang="en" sz="4800"/>
               <a:t>정통 . 심리학 그룹</a:t>
+            </a:r>
+          </a:p>
+        </p:txBody>
+      </p:sp>
+    </p:spTree>
+  </p:cSld>
+  <p:clrMapOvr>
+    <a:masterClrMapping/>
+  </p:clrMapOvr>
+</p:sld>
+</file>
+
+<file path=ppt/slides/slide30.xml><?xml version="1.0" encoding="utf-8"?>
+<p:sld xmlns:a="http://schemas.openxmlformats.org/drawingml/2006/main" xmlns:r="http://schemas.openxmlformats.org/officeDocument/2006/relationships" xmlns:mc="http://schemas.openxmlformats.org/markup-compatibility/2006" xmlns:mv="urn:schemas-microsoft-com:mac:vml" xmlns:p="http://schemas.openxmlformats.org/presentationml/2006/main" xmlns:c="http://schemas.openxmlformats.org/drawingml/2006/chart" xmlns:dgm="http://schemas.openxmlformats.org/drawingml/2006/diagram" xmlns:o="urn:schemas-microsoft-com:office:office" xmlns:v="urn:schemas-microsoft-com:vml" xmlns:pvml="urn:schemas-microsoft-com:office:powerpoint" xmlns:com="http://schemas.openxmlformats.org/drawingml/2006/compatibility" xmlns:p14="http://schemas.microsoft.com/office/powerpoint/2010/main" xmlns:p15="http://schemas.microsoft.com/office/powerpoint/2012/main">
+  <p:cSld>
+    <p:spTree>
+      <p:nvGrpSpPr>
+        <p:cNvPr id="352" name="Shape 352"/>
+        <p:cNvGrpSpPr/>
+        <p:nvPr/>
+      </p:nvGrpSpPr>
+      <p:grpSpPr>
+        <a:xfrm>
+          <a:off x="0" y="0"/>
+          <a:ext cx="0" cy="0"/>
+          <a:chOff x="0" y="0"/>
+          <a:chExt cx="0" cy="0"/>
+        </a:xfrm>
+      </p:grpSpPr>
+      <p:sp>
+        <p:nvSpPr>
+          <p:cNvPr id="353" name="Shape 353"/>
+          <p:cNvSpPr txBox="1"/>
+          <p:nvPr>
+            <p:ph type="title"/>
+          </p:nvPr>
+        </p:nvSpPr>
+        <p:spPr>
+          <a:xfrm>
+            <a:off x="311700" y="292625"/>
+            <a:ext cx="8520600" cy="572700"/>
+          </a:xfrm>
+          <a:prstGeom prst="rect">
+            <a:avLst/>
+          </a:prstGeom>
+        </p:spPr>
+        <p:txBody>
+          <a:bodyPr anchorCtr="0" anchor="t" bIns="91425" lIns="91425" rIns="91425" wrap="square" tIns="91425">
+            <a:noAutofit/>
+          </a:bodyPr>
+          <a:lstStyle/>
+          <a:p>
+            <a:pPr lvl="0" rtl="0" algn="ctr">
+              <a:spcBef>
+                <a:spcPts val="0"/>
+              </a:spcBef>
+              <a:buNone/>
+            </a:pPr>
+            <a:r>
+              <a:rPr lang="en"/>
+              <a:t>언제까</a:t>
+            </a:r>
+            <a:r>
+              <a:rPr lang="en"/>
+              <a:t>지?</a:t>
+            </a:r>
+          </a:p>
+        </p:txBody>
+      </p:sp>
+      <p:pic>
+        <p:nvPicPr>
+          <p:cNvPr id="354" name="Shape 354"/>
+          <p:cNvPicPr preferRelativeResize="0"/>
+          <p:nvPr/>
+        </p:nvPicPr>
+        <p:blipFill>
+          <a:blip r:embed="rId3">
+            <a:alphaModFix/>
+          </a:blip>
+          <a:stretch>
+            <a:fillRect/>
+          </a:stretch>
+        </p:blipFill>
+        <p:spPr>
+          <a:xfrm>
+            <a:off x="2158100" y="1305650"/>
+            <a:ext cx="4885025" cy="3256675"/>
+          </a:xfrm>
+          <a:prstGeom prst="rect">
+            <a:avLst/>
+          </a:prstGeom>
+          <a:noFill/>
+          <a:ln>
+            <a:noFill/>
+          </a:ln>
+        </p:spPr>
+      </p:pic>
+    </p:spTree>
+  </p:cSld>
+  <p:clrMapOvr>
+    <a:masterClrMapping/>
+  </p:clrMapOvr>
+</p:sld>
+</file>
+
+<file path=ppt/slides/slide31.xml><?xml version="1.0" encoding="utf-8"?>
+<p:sld xmlns:a="http://schemas.openxmlformats.org/drawingml/2006/main" xmlns:r="http://schemas.openxmlformats.org/officeDocument/2006/relationships" xmlns:mc="http://schemas.openxmlformats.org/markup-compatibility/2006" xmlns:mv="urn:schemas-microsoft-com:mac:vml" xmlns:p="http://schemas.openxmlformats.org/presentationml/2006/main" xmlns:c="http://schemas.openxmlformats.org/drawingml/2006/chart" xmlns:dgm="http://schemas.openxmlformats.org/drawingml/2006/diagram" xmlns:o="urn:schemas-microsoft-com:office:office" xmlns:v="urn:schemas-microsoft-com:vml" xmlns:pvml="urn:schemas-microsoft-com:office:powerpoint" xmlns:com="http://schemas.openxmlformats.org/drawingml/2006/compatibility" xmlns:p14="http://schemas.microsoft.com/office/powerpoint/2010/main" xmlns:p15="http://schemas.microsoft.com/office/powerpoint/2012/main">
+  <p:cSld>
+    <p:spTree>
+      <p:nvGrpSpPr>
+        <p:cNvPr id="358" name="Shape 358"/>
+        <p:cNvGrpSpPr/>
+        <p:nvPr/>
+      </p:nvGrpSpPr>
+      <p:grpSpPr>
+        <a:xfrm>
+          <a:off x="0" y="0"/>
+          <a:ext cx="0" cy="0"/>
+          <a:chOff x="0" y="0"/>
+          <a:chExt cx="0" cy="0"/>
+        </a:xfrm>
+      </p:grpSpPr>
+      <p:sp>
+        <p:nvSpPr>
+          <p:cNvPr id="359" name="Shape 359"/>
+          <p:cNvSpPr txBox="1"/>
+          <p:nvPr>
+            <p:ph type="title"/>
+          </p:nvPr>
+        </p:nvSpPr>
+        <p:spPr>
+          <a:xfrm>
+            <a:off x="387900" y="2150850"/>
+            <a:ext cx="8520600" cy="841800"/>
+          </a:xfrm>
+          <a:prstGeom prst="rect">
+            <a:avLst/>
+          </a:prstGeom>
+        </p:spPr>
+        <p:txBody>
+          <a:bodyPr anchorCtr="0" anchor="ctr" bIns="91425" lIns="91425" rIns="91425" wrap="square" tIns="91425">
+            <a:noAutofit/>
+          </a:bodyPr>
+          <a:lstStyle/>
+          <a:p>
+            <a:pPr lvl="0">
+              <a:spcBef>
+                <a:spcPts val="0"/>
+              </a:spcBef>
+              <a:buNone/>
+            </a:pPr>
+            <a:r>
+              <a:rPr lang="en"/>
+              <a:t>감사합니다</a:t>
             </a:r>
           </a:p>
         </p:txBody>
@@ -8569,7 +15684,15 @@
             </a:pPr>
             <a:r>
               <a:rPr lang="en" sz="2400"/>
-              <a:t>Psychology  +  Programmer  +  Grammer</a:t>
+              <a:t>Psychology  +  </a:t>
+            </a:r>
+            <a:r>
+              <a:rPr lang="en" sz="2400"/>
+              <a:t>Grammar  +  </a:t>
+            </a:r>
+            <a:r>
+              <a:rPr lang="en" sz="2400"/>
+              <a:t>Programmer   </a:t>
             </a:r>
           </a:p>
           <a:p>
@@ -8690,7 +15813,15 @@
             </a:pPr>
             <a:r>
               <a:rPr lang="en" sz="2400"/>
-              <a:t>Psychology  +  Programmer  +  Grammer</a:t>
+              <a:t>Psychology  +  </a:t>
+            </a:r>
+            <a:r>
+              <a:rPr lang="en" sz="2400"/>
+              <a:t>Grammar  +  </a:t>
+            </a:r>
+            <a:r>
+              <a:rPr lang="en" sz="2400"/>
+              <a:t>Programmer</a:t>
             </a:r>
           </a:p>
           <a:p>
@@ -8822,7 +15953,7 @@
         </p:nvSpPr>
         <p:spPr>
           <a:xfrm>
-            <a:off x="3659400" y="2464725"/>
+            <a:off x="5467975" y="2466225"/>
             <a:ext cx="1822500" cy="1943700"/>
           </a:xfrm>
           <a:prstGeom prst="rect">
@@ -8915,7 +16046,7 @@
         </p:nvSpPr>
         <p:spPr>
           <a:xfrm>
-            <a:off x="5869200" y="2464725"/>
+            <a:off x="3583200" y="2464725"/>
             <a:ext cx="1822500" cy="1943700"/>
           </a:xfrm>
           <a:prstGeom prst="rect">

--- a/2017/presentation/study/싸이그래머_소개_스터디뽀개기2017.pptx
+++ b/2017/presentation/study/싸이그래머_소개_스터디뽀개기2017.pptx
@@ -39,6 +39,7 @@
     <p:sldId id="284" r:id="rId33"/>
     <p:sldId id="285" r:id="rId34"/>
     <p:sldId id="286" r:id="rId35"/>
+    <p:sldId id="287" r:id="rId36"/>
   </p:sldIdLst>
   <p:sldSz cy="5143500" cx="9144000"/>
   <p:notesSz cx="6858000" cy="9144000"/>
@@ -989,7 +990,7 @@
   <p:cSld>
     <p:spTree>
       <p:nvGrpSpPr>
-        <p:cNvPr id="235" name="Shape 235"/>
+        <p:cNvPr id="199" name="Shape 199"/>
         <p:cNvGrpSpPr/>
         <p:nvPr/>
       </p:nvGrpSpPr>
@@ -1003,7 +1004,7 @@
       </p:grpSpPr>
       <p:sp>
         <p:nvSpPr>
-          <p:cNvPr id="236" name="Shape 236"/>
+          <p:cNvPr id="200" name="Shape 200"/>
           <p:cNvSpPr/>
           <p:nvPr>
             <p:ph idx="2" type="sldImg"/>
@@ -1037,7 +1038,7 @@
       </p:sp>
       <p:sp>
         <p:nvSpPr>
-          <p:cNvPr id="237" name="Shape 237"/>
+          <p:cNvPr id="201" name="Shape 201"/>
           <p:cNvSpPr txBox="1"/>
           <p:nvPr>
             <p:ph idx="1" type="body"/>
@@ -1084,7 +1085,7 @@
   <p:cSld>
     <p:spTree>
       <p:nvGrpSpPr>
-        <p:cNvPr id="242" name="Shape 242"/>
+        <p:cNvPr id="241" name="Shape 241"/>
         <p:cNvGrpSpPr/>
         <p:nvPr/>
       </p:nvGrpSpPr>
@@ -1098,7 +1099,7 @@
       </p:grpSpPr>
       <p:sp>
         <p:nvSpPr>
-          <p:cNvPr id="243" name="Shape 243"/>
+          <p:cNvPr id="242" name="Shape 242"/>
           <p:cNvSpPr/>
           <p:nvPr>
             <p:ph idx="2" type="sldImg"/>
@@ -1132,7 +1133,7 @@
       </p:sp>
       <p:sp>
         <p:nvSpPr>
-          <p:cNvPr id="244" name="Shape 244"/>
+          <p:cNvPr id="243" name="Shape 243"/>
           <p:cNvSpPr txBox="1"/>
           <p:nvPr>
             <p:ph idx="1" type="body"/>
@@ -1274,7 +1275,7 @@
   <p:cSld>
     <p:spTree>
       <p:nvGrpSpPr>
-        <p:cNvPr id="255" name="Shape 255"/>
+        <p:cNvPr id="254" name="Shape 254"/>
         <p:cNvGrpSpPr/>
         <p:nvPr/>
       </p:nvGrpSpPr>
@@ -1288,7 +1289,7 @@
       </p:grpSpPr>
       <p:sp>
         <p:nvSpPr>
-          <p:cNvPr id="256" name="Shape 256"/>
+          <p:cNvPr id="255" name="Shape 255"/>
           <p:cNvSpPr/>
           <p:nvPr>
             <p:ph idx="2" type="sldImg"/>
@@ -1322,7 +1323,7 @@
       </p:sp>
       <p:sp>
         <p:nvSpPr>
-          <p:cNvPr id="257" name="Shape 257"/>
+          <p:cNvPr id="256" name="Shape 256"/>
           <p:cNvSpPr txBox="1"/>
           <p:nvPr>
             <p:ph idx="1" type="body"/>
@@ -1654,7 +1655,7 @@
   <p:cSld>
     <p:spTree>
       <p:nvGrpSpPr>
-        <p:cNvPr id="276" name="Shape 276"/>
+        <p:cNvPr id="273" name="Shape 273"/>
         <p:cNvGrpSpPr/>
         <p:nvPr/>
       </p:nvGrpSpPr>
@@ -1668,7 +1669,7 @@
       </p:grpSpPr>
       <p:sp>
         <p:nvSpPr>
-          <p:cNvPr id="277" name="Shape 277"/>
+          <p:cNvPr id="274" name="Shape 274"/>
           <p:cNvSpPr/>
           <p:nvPr>
             <p:ph idx="2" type="sldImg"/>
@@ -1702,7 +1703,7 @@
       </p:sp>
       <p:sp>
         <p:nvSpPr>
-          <p:cNvPr id="278" name="Shape 278"/>
+          <p:cNvPr id="275" name="Shape 275"/>
           <p:cNvSpPr txBox="1"/>
           <p:nvPr>
             <p:ph idx="1" type="body"/>
@@ -1749,7 +1750,7 @@
   <p:cSld>
     <p:spTree>
       <p:nvGrpSpPr>
-        <p:cNvPr id="285" name="Shape 285"/>
+        <p:cNvPr id="282" name="Shape 282"/>
         <p:cNvGrpSpPr/>
         <p:nvPr/>
       </p:nvGrpSpPr>
@@ -1763,7 +1764,7 @@
       </p:grpSpPr>
       <p:sp>
         <p:nvSpPr>
-          <p:cNvPr id="286" name="Shape 286"/>
+          <p:cNvPr id="283" name="Shape 283"/>
           <p:cNvSpPr/>
           <p:nvPr>
             <p:ph idx="2" type="sldImg"/>
@@ -1797,7 +1798,7 @@
       </p:sp>
       <p:sp>
         <p:nvSpPr>
-          <p:cNvPr id="287" name="Shape 287"/>
+          <p:cNvPr id="284" name="Shape 284"/>
           <p:cNvSpPr txBox="1"/>
           <p:nvPr>
             <p:ph idx="1" type="body"/>
@@ -1844,7 +1845,7 @@
   <p:cSld>
     <p:spTree>
       <p:nvGrpSpPr>
-        <p:cNvPr id="294" name="Shape 294"/>
+        <p:cNvPr id="291" name="Shape 291"/>
         <p:cNvGrpSpPr/>
         <p:nvPr/>
       </p:nvGrpSpPr>
@@ -1858,7 +1859,7 @@
       </p:grpSpPr>
       <p:sp>
         <p:nvSpPr>
-          <p:cNvPr id="295" name="Shape 295"/>
+          <p:cNvPr id="292" name="Shape 292"/>
           <p:cNvSpPr/>
           <p:nvPr>
             <p:ph idx="2" type="sldImg"/>
@@ -1892,7 +1893,7 @@
       </p:sp>
       <p:sp>
         <p:nvSpPr>
-          <p:cNvPr id="296" name="Shape 296"/>
+          <p:cNvPr id="293" name="Shape 293"/>
           <p:cNvSpPr txBox="1"/>
           <p:nvPr>
             <p:ph idx="1" type="body"/>
@@ -1939,7 +1940,7 @@
   <p:cSld>
     <p:spTree>
       <p:nvGrpSpPr>
-        <p:cNvPr id="301" name="Shape 301"/>
+        <p:cNvPr id="300" name="Shape 300"/>
         <p:cNvGrpSpPr/>
         <p:nvPr/>
       </p:nvGrpSpPr>
@@ -1953,7 +1954,7 @@
       </p:grpSpPr>
       <p:sp>
         <p:nvSpPr>
-          <p:cNvPr id="302" name="Shape 302"/>
+          <p:cNvPr id="301" name="Shape 301"/>
           <p:cNvSpPr/>
           <p:nvPr>
             <p:ph idx="2" type="sldImg"/>
@@ -1987,7 +1988,7 @@
       </p:sp>
       <p:sp>
         <p:nvSpPr>
-          <p:cNvPr id="303" name="Shape 303"/>
+          <p:cNvPr id="302" name="Shape 302"/>
           <p:cNvSpPr txBox="1"/>
           <p:nvPr>
             <p:ph idx="1" type="body"/>
@@ -2034,7 +2035,7 @@
   <p:cSld>
     <p:spTree>
       <p:nvGrpSpPr>
-        <p:cNvPr id="308" name="Shape 308"/>
+        <p:cNvPr id="307" name="Shape 307"/>
         <p:cNvGrpSpPr/>
         <p:nvPr/>
       </p:nvGrpSpPr>
@@ -2048,7 +2049,7 @@
       </p:grpSpPr>
       <p:sp>
         <p:nvSpPr>
-          <p:cNvPr id="309" name="Shape 309"/>
+          <p:cNvPr id="308" name="Shape 308"/>
           <p:cNvSpPr/>
           <p:nvPr>
             <p:ph idx="2" type="sldImg"/>
@@ -2082,7 +2083,7 @@
       </p:sp>
       <p:sp>
         <p:nvSpPr>
-          <p:cNvPr id="310" name="Shape 310"/>
+          <p:cNvPr id="309" name="Shape 309"/>
           <p:cNvSpPr txBox="1"/>
           <p:nvPr>
             <p:ph idx="1" type="body"/>
@@ -2129,7 +2130,7 @@
   <p:cSld>
     <p:spTree>
       <p:nvGrpSpPr>
-        <p:cNvPr id="315" name="Shape 315"/>
+        <p:cNvPr id="314" name="Shape 314"/>
         <p:cNvGrpSpPr/>
         <p:nvPr/>
       </p:nvGrpSpPr>
@@ -2143,7 +2144,7 @@
       </p:grpSpPr>
       <p:sp>
         <p:nvSpPr>
-          <p:cNvPr id="316" name="Shape 316"/>
+          <p:cNvPr id="315" name="Shape 315"/>
           <p:cNvSpPr/>
           <p:nvPr>
             <p:ph idx="2" type="sldImg"/>
@@ -2177,7 +2178,7 @@
       </p:sp>
       <p:sp>
         <p:nvSpPr>
-          <p:cNvPr id="317" name="Shape 317"/>
+          <p:cNvPr id="316" name="Shape 316"/>
           <p:cNvSpPr txBox="1"/>
           <p:nvPr>
             <p:ph idx="1" type="body"/>
@@ -2224,7 +2225,7 @@
   <p:cSld>
     <p:spTree>
       <p:nvGrpSpPr>
-        <p:cNvPr id="322" name="Shape 322"/>
+        <p:cNvPr id="321" name="Shape 321"/>
         <p:cNvGrpSpPr/>
         <p:nvPr/>
       </p:nvGrpSpPr>
@@ -2238,7 +2239,7 @@
       </p:grpSpPr>
       <p:sp>
         <p:nvSpPr>
-          <p:cNvPr id="323" name="Shape 323"/>
+          <p:cNvPr id="322" name="Shape 322"/>
           <p:cNvSpPr/>
           <p:nvPr>
             <p:ph idx="2" type="sldImg"/>
@@ -2272,7 +2273,7 @@
       </p:sp>
       <p:sp>
         <p:nvSpPr>
-          <p:cNvPr id="324" name="Shape 324"/>
+          <p:cNvPr id="323" name="Shape 323"/>
           <p:cNvSpPr txBox="1"/>
           <p:nvPr>
             <p:ph idx="1" type="body"/>
@@ -2319,7 +2320,7 @@
   <p:cSld>
     <p:spTree>
       <p:nvGrpSpPr>
-        <p:cNvPr id="329" name="Shape 329"/>
+        <p:cNvPr id="328" name="Shape 328"/>
         <p:cNvGrpSpPr/>
         <p:nvPr/>
       </p:nvGrpSpPr>
@@ -2333,7 +2334,7 @@
       </p:grpSpPr>
       <p:sp>
         <p:nvSpPr>
-          <p:cNvPr id="330" name="Shape 330"/>
+          <p:cNvPr id="329" name="Shape 329"/>
           <p:cNvSpPr/>
           <p:nvPr>
             <p:ph idx="2" type="sldImg"/>
@@ -2367,7 +2368,7 @@
       </p:sp>
       <p:sp>
         <p:nvSpPr>
-          <p:cNvPr id="331" name="Shape 331"/>
+          <p:cNvPr id="330" name="Shape 330"/>
           <p:cNvSpPr txBox="1"/>
           <p:nvPr>
             <p:ph idx="1" type="body"/>
@@ -2414,7 +2415,7 @@
   <p:cSld>
     <p:spTree>
       <p:nvGrpSpPr>
-        <p:cNvPr id="336" name="Shape 336"/>
+        <p:cNvPr id="335" name="Shape 335"/>
         <p:cNvGrpSpPr/>
         <p:nvPr/>
       </p:nvGrpSpPr>
@@ -2428,7 +2429,7 @@
       </p:grpSpPr>
       <p:sp>
         <p:nvSpPr>
-          <p:cNvPr id="337" name="Shape 337"/>
+          <p:cNvPr id="336" name="Shape 336"/>
           <p:cNvSpPr/>
           <p:nvPr>
             <p:ph idx="2" type="sldImg"/>
@@ -2462,7 +2463,7 @@
       </p:sp>
       <p:sp>
         <p:nvSpPr>
-          <p:cNvPr id="338" name="Shape 338"/>
+          <p:cNvPr id="337" name="Shape 337"/>
           <p:cNvSpPr txBox="1"/>
           <p:nvPr>
             <p:ph idx="1" type="body"/>
@@ -2604,7 +2605,7 @@
   <p:cSld>
     <p:spTree>
       <p:nvGrpSpPr>
-        <p:cNvPr id="349" name="Shape 349"/>
+        <p:cNvPr id="342" name="Shape 342"/>
         <p:cNvGrpSpPr/>
         <p:nvPr/>
       </p:nvGrpSpPr>
@@ -2618,7 +2619,7 @@
       </p:grpSpPr>
       <p:sp>
         <p:nvSpPr>
-          <p:cNvPr id="350" name="Shape 350"/>
+          <p:cNvPr id="343" name="Shape 343"/>
           <p:cNvSpPr/>
           <p:nvPr>
             <p:ph idx="2" type="sldImg"/>
@@ -2652,7 +2653,7 @@
       </p:sp>
       <p:sp>
         <p:nvSpPr>
-          <p:cNvPr id="351" name="Shape 351"/>
+          <p:cNvPr id="344" name="Shape 344"/>
           <p:cNvSpPr txBox="1"/>
           <p:nvPr>
             <p:ph idx="1" type="body"/>
@@ -2748,6 +2749,101 @@
       <p:sp>
         <p:nvSpPr>
           <p:cNvPr id="357" name="Shape 357"/>
+          <p:cNvSpPr txBox="1"/>
+          <p:nvPr>
+            <p:ph idx="1" type="body"/>
+          </p:nvPr>
+        </p:nvSpPr>
+        <p:spPr>
+          <a:xfrm>
+            <a:off x="685800" y="4343400"/>
+            <a:ext cx="5486400" cy="4114800"/>
+          </a:xfrm>
+          <a:prstGeom prst="rect">
+            <a:avLst/>
+          </a:prstGeom>
+        </p:spPr>
+        <p:txBody>
+          <a:bodyPr anchorCtr="0" anchor="t" bIns="91425" lIns="91425" rIns="91425" wrap="square" tIns="91425">
+            <a:noAutofit/>
+          </a:bodyPr>
+          <a:lstStyle/>
+          <a:p>
+            <a:pPr lvl="0" rtl="0">
+              <a:spcBef>
+                <a:spcPts val="0"/>
+              </a:spcBef>
+              <a:buNone/>
+            </a:pPr>
+            <a:r>
+              <a:t/>
+            </a:r>
+            <a:endParaRPr/>
+          </a:p>
+        </p:txBody>
+      </p:sp>
+    </p:spTree>
+  </p:cSld>
+  <p:clrMapOvr>
+    <a:masterClrMapping/>
+  </p:clrMapOvr>
+</p:notes>
+</file>
+
+<file path=ppt/notesSlides/notesSlide32.xml><?xml version="1.0" encoding="utf-8"?>
+<p:notes xmlns:a="http://schemas.openxmlformats.org/drawingml/2006/main" xmlns:r="http://schemas.openxmlformats.org/officeDocument/2006/relationships" xmlns:mc="http://schemas.openxmlformats.org/markup-compatibility/2006" xmlns:mv="urn:schemas-microsoft-com:mac:vml" xmlns:p="http://schemas.openxmlformats.org/presentationml/2006/main" xmlns:c="http://schemas.openxmlformats.org/drawingml/2006/chart" xmlns:dgm="http://schemas.openxmlformats.org/drawingml/2006/diagram" xmlns:o="urn:schemas-microsoft-com:office:office" xmlns:v="urn:schemas-microsoft-com:vml" xmlns:pvml="urn:schemas-microsoft-com:office:powerpoint" xmlns:com="http://schemas.openxmlformats.org/drawingml/2006/compatibility" xmlns:p14="http://schemas.microsoft.com/office/powerpoint/2010/main" xmlns:p15="http://schemas.microsoft.com/office/powerpoint/2012/main" showMasterPhAnim="0" showMasterSp="0">
+  <p:cSld>
+    <p:spTree>
+      <p:nvGrpSpPr>
+        <p:cNvPr id="361" name="Shape 361"/>
+        <p:cNvGrpSpPr/>
+        <p:nvPr/>
+      </p:nvGrpSpPr>
+      <p:grpSpPr>
+        <a:xfrm>
+          <a:off x="0" y="0"/>
+          <a:ext cx="0" cy="0"/>
+          <a:chOff x="0" y="0"/>
+          <a:chExt cx="0" cy="0"/>
+        </a:xfrm>
+      </p:grpSpPr>
+      <p:sp>
+        <p:nvSpPr>
+          <p:cNvPr id="362" name="Shape 362"/>
+          <p:cNvSpPr/>
+          <p:nvPr>
+            <p:ph idx="2" type="sldImg"/>
+          </p:nvPr>
+        </p:nvSpPr>
+        <p:spPr>
+          <a:xfrm>
+            <a:off x="381300" y="685800"/>
+            <a:ext cx="6096000" cy="3429000"/>
+          </a:xfrm>
+          <a:custGeom>
+            <a:pathLst>
+              <a:path extrusionOk="0" h="120000" w="120000">
+                <a:moveTo>
+                  <a:pt x="0" y="0"/>
+                </a:moveTo>
+                <a:lnTo>
+                  <a:pt x="120000" y="0"/>
+                </a:lnTo>
+                <a:lnTo>
+                  <a:pt x="120000" y="120000"/>
+                </a:lnTo>
+                <a:lnTo>
+                  <a:pt x="0" y="120000"/>
+                </a:lnTo>
+                <a:close/>
+              </a:path>
+            </a:pathLst>
+          </a:custGeom>
+        </p:spPr>
+      </p:sp>
+      <p:sp>
+        <p:nvSpPr>
+          <p:cNvPr id="363" name="Shape 363"/>
           <p:cNvSpPr txBox="1"/>
           <p:nvPr>
             <p:ph idx="1" type="body"/>
@@ -9612,7 +9708,7 @@
             </a:pPr>
             <a:r>
               <a:rPr lang="en"/>
-              <a:t>2017</a:t>
+              <a:t>퀴즈</a:t>
             </a:r>
           </a:p>
         </p:txBody>
@@ -9633,8 +9729,8 @@
         </p:blipFill>
         <p:spPr>
           <a:xfrm>
-            <a:off x="2923775" y="1510950"/>
-            <a:ext cx="3429000" cy="2371725"/>
+            <a:off x="1981200" y="1017725"/>
+            <a:ext cx="5505450" cy="3676650"/>
           </a:xfrm>
           <a:prstGeom prst="rect">
             <a:avLst/>
@@ -9645,1534 +9741,6 @@
           </a:ln>
         </p:spPr>
       </p:pic>
-      <p:sp>
-        <p:nvSpPr>
-          <p:cNvPr id="199" name="Shape 199"/>
-          <p:cNvSpPr txBox="1"/>
-          <p:nvPr/>
-        </p:nvSpPr>
-        <p:spPr>
-          <a:xfrm>
-            <a:off x="4009200" y="3913325"/>
-            <a:ext cx="2724600" cy="404100"/>
-          </a:xfrm>
-          <a:prstGeom prst="rect">
-            <a:avLst/>
-          </a:prstGeom>
-          <a:noFill/>
-          <a:ln>
-            <a:noFill/>
-          </a:ln>
-        </p:spPr>
-        <p:txBody>
-          <a:bodyPr anchorCtr="0" anchor="t" bIns="91425" lIns="91425" rIns="91425" wrap="square" tIns="91425">
-            <a:noAutofit/>
-          </a:bodyPr>
-          <a:lstStyle/>
-          <a:p>
-            <a:pPr lvl="0" rtl="0">
-              <a:spcBef>
-                <a:spcPts val="0"/>
-              </a:spcBef>
-              <a:buNone/>
-            </a:pPr>
-            <a:r>
-              <a:rPr lang="en" sz="2400">
-                <a:solidFill>
-                  <a:srgbClr val="FF0000"/>
-                </a:solidFill>
-              </a:rPr>
-              <a:t>Deep Learning</a:t>
-            </a:r>
-          </a:p>
-        </p:txBody>
-      </p:sp>
-      <p:sp>
-        <p:nvSpPr>
-          <p:cNvPr id="200" name="Shape 200"/>
-          <p:cNvSpPr txBox="1"/>
-          <p:nvPr/>
-        </p:nvSpPr>
-        <p:spPr>
-          <a:xfrm>
-            <a:off x="1632700" y="3913325"/>
-            <a:ext cx="2795700" cy="404100"/>
-          </a:xfrm>
-          <a:prstGeom prst="rect">
-            <a:avLst/>
-          </a:prstGeom>
-          <a:noFill/>
-          <a:ln>
-            <a:noFill/>
-          </a:ln>
-        </p:spPr>
-        <p:txBody>
-          <a:bodyPr anchorCtr="0" anchor="t" bIns="91425" lIns="91425" rIns="91425" wrap="square" tIns="91425">
-            <a:noAutofit/>
-          </a:bodyPr>
-          <a:lstStyle/>
-          <a:p>
-            <a:pPr lvl="0" rtl="0">
-              <a:spcBef>
-                <a:spcPts val="0"/>
-              </a:spcBef>
-              <a:buNone/>
-            </a:pPr>
-            <a:r>
-              <a:rPr lang="en" sz="2400">
-                <a:solidFill>
-                  <a:srgbClr val="FF0000"/>
-                </a:solidFill>
-              </a:rPr>
-              <a:t>베이지안 머신러닝</a:t>
-            </a:r>
-          </a:p>
-        </p:txBody>
-      </p:sp>
-      <p:sp>
-        <p:nvSpPr>
-          <p:cNvPr id="201" name="Shape 201"/>
-          <p:cNvSpPr txBox="1"/>
-          <p:nvPr/>
-        </p:nvSpPr>
-        <p:spPr>
-          <a:xfrm>
-            <a:off x="6187150" y="3913325"/>
-            <a:ext cx="1484400" cy="404100"/>
-          </a:xfrm>
-          <a:prstGeom prst="rect">
-            <a:avLst/>
-          </a:prstGeom>
-          <a:noFill/>
-          <a:ln>
-            <a:noFill/>
-          </a:ln>
-        </p:spPr>
-        <p:txBody>
-          <a:bodyPr anchorCtr="0" anchor="t" bIns="91425" lIns="91425" rIns="91425" wrap="square" tIns="91425">
-            <a:noAutofit/>
-          </a:bodyPr>
-          <a:lstStyle/>
-          <a:p>
-            <a:pPr lvl="0" rtl="0">
-              <a:spcBef>
-                <a:spcPts val="0"/>
-              </a:spcBef>
-              <a:buNone/>
-            </a:pPr>
-            <a:r>
-              <a:rPr lang="en" sz="2400">
-                <a:solidFill>
-                  <a:srgbClr val="FF0000"/>
-                </a:solidFill>
-              </a:rPr>
-              <a:t>강화학습</a:t>
-            </a:r>
-          </a:p>
-        </p:txBody>
-      </p:sp>
-      <p:sp>
-        <p:nvSpPr>
-          <p:cNvPr id="202" name="Shape 202"/>
-          <p:cNvSpPr txBox="1"/>
-          <p:nvPr/>
-        </p:nvSpPr>
-        <p:spPr>
-          <a:xfrm>
-            <a:off x="4282150" y="4294325"/>
-            <a:ext cx="1484400" cy="404100"/>
-          </a:xfrm>
-          <a:prstGeom prst="rect">
-            <a:avLst/>
-          </a:prstGeom>
-          <a:noFill/>
-          <a:ln>
-            <a:noFill/>
-          </a:ln>
-        </p:spPr>
-        <p:txBody>
-          <a:bodyPr anchorCtr="0" anchor="t" bIns="91425" lIns="91425" rIns="91425" wrap="square" tIns="91425">
-            <a:noAutofit/>
-          </a:bodyPr>
-          <a:lstStyle/>
-          <a:p>
-            <a:pPr lvl="0" rtl="0">
-              <a:spcBef>
-                <a:spcPts val="0"/>
-              </a:spcBef>
-              <a:buNone/>
-            </a:pPr>
-            <a:r>
-              <a:rPr lang="en" sz="4800">
-                <a:solidFill>
-                  <a:srgbClr val="FF0000"/>
-                </a:solidFill>
-              </a:rPr>
-              <a:t>AI</a:t>
-            </a:r>
-          </a:p>
-        </p:txBody>
-      </p:sp>
-      <p:sp>
-        <p:nvSpPr>
-          <p:cNvPr id="203" name="Shape 203"/>
-          <p:cNvSpPr txBox="1"/>
-          <p:nvPr/>
-        </p:nvSpPr>
-        <p:spPr>
-          <a:xfrm>
-            <a:off x="6872950" y="1855925"/>
-            <a:ext cx="1484400" cy="404100"/>
-          </a:xfrm>
-          <a:prstGeom prst="rect">
-            <a:avLst/>
-          </a:prstGeom>
-          <a:noFill/>
-          <a:ln>
-            <a:noFill/>
-          </a:ln>
-        </p:spPr>
-        <p:txBody>
-          <a:bodyPr anchorCtr="0" anchor="t" bIns="91425" lIns="91425" rIns="91425" wrap="square" tIns="91425">
-            <a:noAutofit/>
-          </a:bodyPr>
-          <a:lstStyle/>
-          <a:p>
-            <a:pPr lvl="0" rtl="0">
-              <a:spcBef>
-                <a:spcPts val="0"/>
-              </a:spcBef>
-              <a:buNone/>
-            </a:pPr>
-            <a:r>
-              <a:rPr lang="en" sz="2400">
-                <a:solidFill>
-                  <a:srgbClr val="0000FF"/>
-                </a:solidFill>
-              </a:rPr>
-              <a:t>파이썬</a:t>
-            </a:r>
-          </a:p>
-        </p:txBody>
-      </p:sp>
-      <p:sp>
-        <p:nvSpPr>
-          <p:cNvPr id="204" name="Shape 204"/>
-          <p:cNvSpPr txBox="1"/>
-          <p:nvPr/>
-        </p:nvSpPr>
-        <p:spPr>
-          <a:xfrm>
-            <a:off x="1157950" y="3227525"/>
-            <a:ext cx="1689600" cy="455100"/>
-          </a:xfrm>
-          <a:prstGeom prst="rect">
-            <a:avLst/>
-          </a:prstGeom>
-          <a:noFill/>
-          <a:ln>
-            <a:noFill/>
-          </a:ln>
-        </p:spPr>
-        <p:txBody>
-          <a:bodyPr anchorCtr="0" anchor="t" bIns="91425" lIns="91425" rIns="91425" wrap="square" tIns="91425">
-            <a:noAutofit/>
-          </a:bodyPr>
-          <a:lstStyle/>
-          <a:p>
-            <a:pPr lvl="0" rtl="0">
-              <a:spcBef>
-                <a:spcPts val="0"/>
-              </a:spcBef>
-              <a:buNone/>
-            </a:pPr>
-            <a:r>
-              <a:rPr lang="en" sz="2400">
-                <a:solidFill>
-                  <a:srgbClr val="0000FF"/>
-                </a:solidFill>
-              </a:rPr>
-              <a:t>자연어처리</a:t>
-            </a:r>
-          </a:p>
-        </p:txBody>
-      </p:sp>
-      <p:sp>
-        <p:nvSpPr>
-          <p:cNvPr id="205" name="Shape 205"/>
-          <p:cNvSpPr txBox="1"/>
-          <p:nvPr/>
-        </p:nvSpPr>
-        <p:spPr>
-          <a:xfrm>
-            <a:off x="6796750" y="3075125"/>
-            <a:ext cx="2157900" cy="455100"/>
-          </a:xfrm>
-          <a:prstGeom prst="rect">
-            <a:avLst/>
-          </a:prstGeom>
-          <a:noFill/>
-          <a:ln>
-            <a:noFill/>
-          </a:ln>
-        </p:spPr>
-        <p:txBody>
-          <a:bodyPr anchorCtr="0" anchor="t" bIns="91425" lIns="91425" rIns="91425" wrap="square" tIns="91425">
-            <a:noAutofit/>
-          </a:bodyPr>
-          <a:lstStyle/>
-          <a:p>
-            <a:pPr lvl="0" rtl="0">
-              <a:spcBef>
-                <a:spcPts val="0"/>
-              </a:spcBef>
-              <a:buNone/>
-            </a:pPr>
-            <a:r>
-              <a:rPr lang="en" sz="2400">
-                <a:solidFill>
-                  <a:srgbClr val="0000FF"/>
-                </a:solidFill>
-              </a:rPr>
-              <a:t>계산뇌인지과학</a:t>
-            </a:r>
-          </a:p>
-        </p:txBody>
-      </p:sp>
-      <p:sp>
-        <p:nvSpPr>
-          <p:cNvPr id="206" name="Shape 206"/>
-          <p:cNvSpPr txBox="1"/>
-          <p:nvPr/>
-        </p:nvSpPr>
-        <p:spPr>
-          <a:xfrm>
-            <a:off x="1462750" y="1398725"/>
-            <a:ext cx="1689600" cy="455100"/>
-          </a:xfrm>
-          <a:prstGeom prst="rect">
-            <a:avLst/>
-          </a:prstGeom>
-          <a:noFill/>
-          <a:ln>
-            <a:noFill/>
-          </a:ln>
-        </p:spPr>
-        <p:txBody>
-          <a:bodyPr anchorCtr="0" anchor="t" bIns="91425" lIns="91425" rIns="91425" wrap="square" tIns="91425">
-            <a:noAutofit/>
-          </a:bodyPr>
-          <a:lstStyle/>
-          <a:p>
-            <a:pPr lvl="0" algn="ctr">
-              <a:spcBef>
-                <a:spcPts val="0"/>
-              </a:spcBef>
-              <a:buNone/>
-            </a:pPr>
-            <a:r>
-              <a:rPr lang="en" sz="2400">
-                <a:solidFill>
-                  <a:srgbClr val="0000FF"/>
-                </a:solidFill>
-              </a:rPr>
-              <a:t>X </a:t>
-            </a:r>
-          </a:p>
-          <a:p>
-            <a:pPr lvl="0" rtl="0" algn="ctr">
-              <a:spcBef>
-                <a:spcPts val="0"/>
-              </a:spcBef>
-              <a:buNone/>
-            </a:pPr>
-            <a:r>
-              <a:rPr lang="en">
-                <a:solidFill>
-                  <a:srgbClr val="0000FF"/>
-                </a:solidFill>
-              </a:rPr>
-              <a:t>(콜라보레이션)</a:t>
-            </a:r>
-          </a:p>
-        </p:txBody>
-      </p:sp>
-      <p:sp>
-        <p:nvSpPr>
-          <p:cNvPr id="207" name="Shape 207"/>
-          <p:cNvSpPr txBox="1"/>
-          <p:nvPr/>
-        </p:nvSpPr>
-        <p:spPr>
-          <a:xfrm>
-            <a:off x="1386550" y="2236925"/>
-            <a:ext cx="1689600" cy="455100"/>
-          </a:xfrm>
-          <a:prstGeom prst="rect">
-            <a:avLst/>
-          </a:prstGeom>
-          <a:noFill/>
-          <a:ln>
-            <a:noFill/>
-          </a:ln>
-        </p:spPr>
-        <p:txBody>
-          <a:bodyPr anchorCtr="0" anchor="t" bIns="91425" lIns="91425" rIns="91425" wrap="square" tIns="91425">
-            <a:noAutofit/>
-          </a:bodyPr>
-          <a:lstStyle/>
-          <a:p>
-            <a:pPr lvl="0" rtl="0">
-              <a:spcBef>
-                <a:spcPts val="0"/>
-              </a:spcBef>
-              <a:buNone/>
-            </a:pPr>
-            <a:r>
-              <a:rPr lang="en" sz="1800">
-                <a:solidFill>
-                  <a:srgbClr val="9900FF"/>
-                </a:solidFill>
-              </a:rPr>
-              <a:t>바벨피쉬</a:t>
-            </a:r>
-          </a:p>
-        </p:txBody>
-      </p:sp>
-      <p:sp>
-        <p:nvSpPr>
-          <p:cNvPr id="208" name="Shape 208"/>
-          <p:cNvSpPr txBox="1"/>
-          <p:nvPr/>
-        </p:nvSpPr>
-        <p:spPr>
-          <a:xfrm>
-            <a:off x="700750" y="1779725"/>
-            <a:ext cx="1689600" cy="455100"/>
-          </a:xfrm>
-          <a:prstGeom prst="rect">
-            <a:avLst/>
-          </a:prstGeom>
-          <a:noFill/>
-          <a:ln>
-            <a:noFill/>
-          </a:ln>
-        </p:spPr>
-        <p:txBody>
-          <a:bodyPr anchorCtr="0" anchor="t" bIns="91425" lIns="91425" rIns="91425" wrap="square" tIns="91425">
-            <a:noAutofit/>
-          </a:bodyPr>
-          <a:lstStyle/>
-          <a:p>
-            <a:pPr lvl="0" rtl="0">
-              <a:spcBef>
-                <a:spcPts val="0"/>
-              </a:spcBef>
-              <a:buNone/>
-            </a:pPr>
-            <a:r>
-              <a:rPr lang="en" sz="1800">
-                <a:solidFill>
-                  <a:srgbClr val="9900FF"/>
-                </a:solidFill>
-              </a:rPr>
-              <a:t>딥리워드</a:t>
-            </a:r>
-          </a:p>
-        </p:txBody>
-      </p:sp>
-      <p:sp>
-        <p:nvSpPr>
-          <p:cNvPr id="209" name="Shape 209"/>
-          <p:cNvSpPr txBox="1"/>
-          <p:nvPr/>
-        </p:nvSpPr>
-        <p:spPr>
-          <a:xfrm>
-            <a:off x="1691350" y="865325"/>
-            <a:ext cx="1689600" cy="455100"/>
-          </a:xfrm>
-          <a:prstGeom prst="rect">
-            <a:avLst/>
-          </a:prstGeom>
-          <a:noFill/>
-          <a:ln>
-            <a:noFill/>
-          </a:ln>
-        </p:spPr>
-        <p:txBody>
-          <a:bodyPr anchorCtr="0" anchor="t" bIns="91425" lIns="91425" rIns="91425" wrap="square" tIns="91425">
-            <a:noAutofit/>
-          </a:bodyPr>
-          <a:lstStyle/>
-          <a:p>
-            <a:pPr lvl="0" rtl="0">
-              <a:spcBef>
-                <a:spcPts val="0"/>
-              </a:spcBef>
-              <a:buNone/>
-            </a:pPr>
-            <a:r>
-              <a:rPr lang="en" sz="1800">
-                <a:solidFill>
-                  <a:srgbClr val="9900FF"/>
-                </a:solidFill>
-              </a:rPr>
-              <a:t>싸이지먼트</a:t>
-            </a:r>
-          </a:p>
-        </p:txBody>
-      </p:sp>
-      <p:sp>
-        <p:nvSpPr>
-          <p:cNvPr id="210" name="Shape 210"/>
-          <p:cNvSpPr txBox="1"/>
-          <p:nvPr/>
-        </p:nvSpPr>
-        <p:spPr>
-          <a:xfrm>
-            <a:off x="2605750" y="1398725"/>
-            <a:ext cx="1689600" cy="455100"/>
-          </a:xfrm>
-          <a:prstGeom prst="rect">
-            <a:avLst/>
-          </a:prstGeom>
-          <a:noFill/>
-          <a:ln>
-            <a:noFill/>
-          </a:ln>
-        </p:spPr>
-        <p:txBody>
-          <a:bodyPr anchorCtr="0" anchor="t" bIns="91425" lIns="91425" rIns="91425" wrap="square" tIns="91425">
-            <a:noAutofit/>
-          </a:bodyPr>
-          <a:lstStyle/>
-          <a:p>
-            <a:pPr lvl="0" rtl="0">
-              <a:spcBef>
-                <a:spcPts val="0"/>
-              </a:spcBef>
-              <a:buNone/>
-            </a:pPr>
-            <a:r>
-              <a:rPr lang="en" sz="1800">
-                <a:solidFill>
-                  <a:srgbClr val="9900FF"/>
-                </a:solidFill>
-              </a:rPr>
-              <a:t>바이오스핀</a:t>
-            </a:r>
-          </a:p>
-        </p:txBody>
-      </p:sp>
-      <p:sp>
-        <p:nvSpPr>
-          <p:cNvPr id="211" name="Shape 211"/>
-          <p:cNvSpPr txBox="1"/>
-          <p:nvPr/>
-        </p:nvSpPr>
-        <p:spPr>
-          <a:xfrm>
-            <a:off x="853150" y="1246325"/>
-            <a:ext cx="1689600" cy="455100"/>
-          </a:xfrm>
-          <a:prstGeom prst="rect">
-            <a:avLst/>
-          </a:prstGeom>
-          <a:noFill/>
-          <a:ln>
-            <a:noFill/>
-          </a:ln>
-        </p:spPr>
-        <p:txBody>
-          <a:bodyPr anchorCtr="0" anchor="t" bIns="91425" lIns="91425" rIns="91425" wrap="square" tIns="91425">
-            <a:noAutofit/>
-          </a:bodyPr>
-          <a:lstStyle/>
-          <a:p>
-            <a:pPr lvl="0" rtl="0">
-              <a:spcBef>
-                <a:spcPts val="0"/>
-              </a:spcBef>
-              <a:buNone/>
-            </a:pPr>
-            <a:r>
-              <a:rPr lang="en" sz="1800">
-                <a:solidFill>
-                  <a:srgbClr val="9900FF"/>
-                </a:solidFill>
-              </a:rPr>
-              <a:t>캐글뽀개기</a:t>
-            </a:r>
-          </a:p>
-        </p:txBody>
-      </p:sp>
-      <p:sp>
-        <p:nvSpPr>
-          <p:cNvPr id="212" name="Shape 212"/>
-          <p:cNvSpPr txBox="1"/>
-          <p:nvPr/>
-        </p:nvSpPr>
-        <p:spPr>
-          <a:xfrm>
-            <a:off x="7666250" y="1344975"/>
-            <a:ext cx="1484400" cy="404100"/>
-          </a:xfrm>
-          <a:prstGeom prst="rect">
-            <a:avLst/>
-          </a:prstGeom>
-          <a:noFill/>
-          <a:ln>
-            <a:noFill/>
-          </a:ln>
-        </p:spPr>
-        <p:txBody>
-          <a:bodyPr anchorCtr="0" anchor="t" bIns="91425" lIns="91425" rIns="91425" wrap="square" tIns="91425">
-            <a:noAutofit/>
-          </a:bodyPr>
-          <a:lstStyle/>
-          <a:p>
-            <a:pPr lvl="0" rtl="0">
-              <a:spcBef>
-                <a:spcPts val="0"/>
-              </a:spcBef>
-              <a:buNone/>
-            </a:pPr>
-            <a:r>
-              <a:rPr lang="en"/>
-              <a:t>파이</a:t>
-            </a:r>
-            <a:r>
-              <a:rPr lang="en"/>
-              <a:t>썬 중급</a:t>
-            </a:r>
-          </a:p>
-        </p:txBody>
-      </p:sp>
-      <p:sp>
-        <p:nvSpPr>
-          <p:cNvPr id="213" name="Shape 213"/>
-          <p:cNvSpPr txBox="1"/>
-          <p:nvPr/>
-        </p:nvSpPr>
-        <p:spPr>
-          <a:xfrm>
-            <a:off x="7894850" y="1802175"/>
-            <a:ext cx="1484400" cy="404100"/>
-          </a:xfrm>
-          <a:prstGeom prst="rect">
-            <a:avLst/>
-          </a:prstGeom>
-          <a:noFill/>
-          <a:ln>
-            <a:noFill/>
-          </a:ln>
-        </p:spPr>
-        <p:txBody>
-          <a:bodyPr anchorCtr="0" anchor="t" bIns="91425" lIns="91425" rIns="91425" wrap="square" tIns="91425">
-            <a:noAutofit/>
-          </a:bodyPr>
-          <a:lstStyle/>
-          <a:p>
-            <a:pPr lvl="0" rtl="0">
-              <a:spcBef>
-                <a:spcPts val="0"/>
-              </a:spcBef>
-              <a:buNone/>
-            </a:pPr>
-            <a:r>
-              <a:rPr lang="en"/>
-              <a:t>파이썬</a:t>
-            </a:r>
-            <a:r>
-              <a:rPr lang="en"/>
-              <a:t> 기초</a:t>
-            </a:r>
-          </a:p>
-        </p:txBody>
-      </p:sp>
-      <p:sp>
-        <p:nvSpPr>
-          <p:cNvPr id="214" name="Shape 214"/>
-          <p:cNvSpPr txBox="1"/>
-          <p:nvPr/>
-        </p:nvSpPr>
-        <p:spPr>
-          <a:xfrm>
-            <a:off x="7666250" y="2716575"/>
-            <a:ext cx="1484400" cy="404100"/>
-          </a:xfrm>
-          <a:prstGeom prst="rect">
-            <a:avLst/>
-          </a:prstGeom>
-          <a:noFill/>
-          <a:ln>
-            <a:noFill/>
-          </a:ln>
-        </p:spPr>
-        <p:txBody>
-          <a:bodyPr anchorCtr="0" anchor="t" bIns="91425" lIns="91425" rIns="91425" wrap="square" tIns="91425">
-            <a:noAutofit/>
-          </a:bodyPr>
-          <a:lstStyle/>
-          <a:p>
-            <a:pPr lvl="0" rtl="0">
-              <a:spcBef>
-                <a:spcPts val="0"/>
-              </a:spcBef>
-              <a:buNone/>
-            </a:pPr>
-            <a:r>
-              <a:rPr lang="en"/>
-              <a:t>인지신경심리학</a:t>
-            </a:r>
-          </a:p>
-        </p:txBody>
-      </p:sp>
-      <p:sp>
-        <p:nvSpPr>
-          <p:cNvPr id="215" name="Shape 215"/>
-          <p:cNvSpPr txBox="1"/>
-          <p:nvPr/>
-        </p:nvSpPr>
-        <p:spPr>
-          <a:xfrm>
-            <a:off x="7474250" y="2411775"/>
-            <a:ext cx="1484400" cy="404100"/>
-          </a:xfrm>
-          <a:prstGeom prst="rect">
-            <a:avLst/>
-          </a:prstGeom>
-          <a:noFill/>
-          <a:ln>
-            <a:noFill/>
-          </a:ln>
-        </p:spPr>
-        <p:txBody>
-          <a:bodyPr anchorCtr="0" anchor="t" bIns="91425" lIns="91425" rIns="91425" wrap="square" tIns="91425">
-            <a:noAutofit/>
-          </a:bodyPr>
-          <a:lstStyle/>
-          <a:p>
-            <a:pPr lvl="0" rtl="0">
-              <a:spcBef>
-                <a:spcPts val="0"/>
-              </a:spcBef>
-              <a:buNone/>
-            </a:pPr>
-            <a:r>
-              <a:rPr lang="en"/>
-              <a:t>뉴로사이언스</a:t>
-            </a:r>
-          </a:p>
-        </p:txBody>
-      </p:sp>
-      <p:sp>
-        <p:nvSpPr>
-          <p:cNvPr id="216" name="Shape 216"/>
-          <p:cNvSpPr txBox="1"/>
-          <p:nvPr/>
-        </p:nvSpPr>
-        <p:spPr>
-          <a:xfrm>
-            <a:off x="6904250" y="3554775"/>
-            <a:ext cx="1484400" cy="404100"/>
-          </a:xfrm>
-          <a:prstGeom prst="rect">
-            <a:avLst/>
-          </a:prstGeom>
-          <a:noFill/>
-          <a:ln>
-            <a:noFill/>
-          </a:ln>
-        </p:spPr>
-        <p:txBody>
-          <a:bodyPr anchorCtr="0" anchor="t" bIns="91425" lIns="91425" rIns="91425" wrap="square" tIns="91425">
-            <a:noAutofit/>
-          </a:bodyPr>
-          <a:lstStyle/>
-          <a:p>
-            <a:pPr lvl="0" rtl="0">
-              <a:spcBef>
-                <a:spcPts val="0"/>
-              </a:spcBef>
-              <a:buNone/>
-            </a:pPr>
-            <a:r>
-              <a:rPr lang="en">
-                <a:solidFill>
-                  <a:srgbClr val="CC0000"/>
-                </a:solidFill>
-              </a:rPr>
-              <a:t>DeepMind</a:t>
-            </a:r>
-          </a:p>
-        </p:txBody>
-      </p:sp>
-      <p:sp>
-        <p:nvSpPr>
-          <p:cNvPr id="217" name="Shape 217"/>
-          <p:cNvSpPr txBox="1"/>
-          <p:nvPr/>
-        </p:nvSpPr>
-        <p:spPr>
-          <a:xfrm>
-            <a:off x="7437650" y="4088175"/>
-            <a:ext cx="1484400" cy="404100"/>
-          </a:xfrm>
-          <a:prstGeom prst="rect">
-            <a:avLst/>
-          </a:prstGeom>
-          <a:noFill/>
-          <a:ln>
-            <a:noFill/>
-          </a:ln>
-        </p:spPr>
-        <p:txBody>
-          <a:bodyPr anchorCtr="0" anchor="t" bIns="91425" lIns="91425" rIns="91425" wrap="square" tIns="91425">
-            <a:noAutofit/>
-          </a:bodyPr>
-          <a:lstStyle/>
-          <a:p>
-            <a:pPr lvl="0" rtl="0">
-              <a:spcBef>
-                <a:spcPts val="0"/>
-              </a:spcBef>
-              <a:buNone/>
-            </a:pPr>
-            <a:r>
-              <a:rPr lang="en"/>
-              <a:t>에이전</a:t>
-            </a:r>
-            <a:r>
-              <a:rPr lang="en"/>
-              <a:t>트 베이스드 모델링</a:t>
-            </a:r>
-          </a:p>
-        </p:txBody>
-      </p:sp>
-      <p:sp>
-        <p:nvSpPr>
-          <p:cNvPr id="218" name="Shape 218"/>
-          <p:cNvSpPr txBox="1"/>
-          <p:nvPr/>
-        </p:nvSpPr>
-        <p:spPr>
-          <a:xfrm>
-            <a:off x="7666250" y="4621575"/>
-            <a:ext cx="1484400" cy="404100"/>
-          </a:xfrm>
-          <a:prstGeom prst="rect">
-            <a:avLst/>
-          </a:prstGeom>
-          <a:noFill/>
-          <a:ln>
-            <a:noFill/>
-          </a:ln>
-        </p:spPr>
-        <p:txBody>
-          <a:bodyPr anchorCtr="0" anchor="t" bIns="91425" lIns="91425" rIns="91425" wrap="square" tIns="91425">
-            <a:noAutofit/>
-          </a:bodyPr>
-          <a:lstStyle/>
-          <a:p>
-            <a:pPr lvl="0" rtl="0">
-              <a:spcBef>
-                <a:spcPts val="0"/>
-              </a:spcBef>
-              <a:buNone/>
-            </a:pPr>
-            <a:r>
-              <a:rPr lang="en"/>
-              <a:t>네트워크 분석</a:t>
-            </a:r>
-          </a:p>
-        </p:txBody>
-      </p:sp>
-      <p:sp>
-        <p:nvSpPr>
-          <p:cNvPr id="219" name="Shape 219"/>
-          <p:cNvSpPr txBox="1"/>
-          <p:nvPr/>
-        </p:nvSpPr>
-        <p:spPr>
-          <a:xfrm>
-            <a:off x="7894850" y="3783375"/>
-            <a:ext cx="1484400" cy="404100"/>
-          </a:xfrm>
-          <a:prstGeom prst="rect">
-            <a:avLst/>
-          </a:prstGeom>
-          <a:noFill/>
-          <a:ln>
-            <a:noFill/>
-          </a:ln>
-        </p:spPr>
-        <p:txBody>
-          <a:bodyPr anchorCtr="0" anchor="t" bIns="91425" lIns="91425" rIns="91425" wrap="square" tIns="91425">
-            <a:noAutofit/>
-          </a:bodyPr>
-          <a:lstStyle/>
-          <a:p>
-            <a:pPr lvl="0" rtl="0">
-              <a:spcBef>
-                <a:spcPts val="0"/>
-              </a:spcBef>
-              <a:buNone/>
-            </a:pPr>
-            <a:r>
-              <a:rPr lang="en"/>
-              <a:t>인</a:t>
-            </a:r>
-            <a:r>
-              <a:rPr lang="en"/>
-              <a:t>지 아키텍쳐</a:t>
-            </a:r>
-          </a:p>
-        </p:txBody>
-      </p:sp>
-      <p:sp>
-        <p:nvSpPr>
-          <p:cNvPr id="220" name="Shape 220"/>
-          <p:cNvSpPr txBox="1"/>
-          <p:nvPr/>
-        </p:nvSpPr>
-        <p:spPr>
-          <a:xfrm>
-            <a:off x="579900" y="2587275"/>
-            <a:ext cx="2343900" cy="404100"/>
-          </a:xfrm>
-          <a:prstGeom prst="rect">
-            <a:avLst/>
-          </a:prstGeom>
-          <a:noFill/>
-          <a:ln>
-            <a:noFill/>
-          </a:ln>
-        </p:spPr>
-        <p:txBody>
-          <a:bodyPr anchorCtr="0" anchor="t" bIns="91425" lIns="91425" rIns="91425" wrap="square" tIns="91425">
-            <a:noAutofit/>
-          </a:bodyPr>
-          <a:lstStyle/>
-          <a:p>
-            <a:pPr lvl="0" rtl="0">
-              <a:spcBef>
-                <a:spcPts val="0"/>
-              </a:spcBef>
-              <a:buNone/>
-            </a:pPr>
-            <a:r>
-              <a:rPr lang="en"/>
-              <a:t>챗</a:t>
-            </a:r>
-            <a:r>
-              <a:rPr lang="en"/>
-              <a:t>봇, 인지NLP, 추천시스템, 검색엔진, 텍스트 감정분석, 정신병리 텍스트 분석</a:t>
-            </a:r>
-          </a:p>
-        </p:txBody>
-      </p:sp>
-      <p:sp>
-        <p:nvSpPr>
-          <p:cNvPr id="221" name="Shape 221"/>
-          <p:cNvSpPr txBox="1"/>
-          <p:nvPr/>
-        </p:nvSpPr>
-        <p:spPr>
-          <a:xfrm>
-            <a:off x="6447050" y="4392975"/>
-            <a:ext cx="1484400" cy="404100"/>
-          </a:xfrm>
-          <a:prstGeom prst="rect">
-            <a:avLst/>
-          </a:prstGeom>
-          <a:noFill/>
-          <a:ln>
-            <a:noFill/>
-          </a:ln>
-        </p:spPr>
-        <p:txBody>
-          <a:bodyPr anchorCtr="0" anchor="t" bIns="91425" lIns="91425" rIns="91425" wrap="square" tIns="91425">
-            <a:noAutofit/>
-          </a:bodyPr>
-          <a:lstStyle/>
-          <a:p>
-            <a:pPr lvl="0" rtl="0">
-              <a:spcBef>
-                <a:spcPts val="0"/>
-              </a:spcBef>
-              <a:buNone/>
-            </a:pPr>
-            <a:r>
-              <a:rPr lang="en"/>
-              <a:t>역강화학습</a:t>
-            </a:r>
-          </a:p>
-        </p:txBody>
-      </p:sp>
-      <p:sp>
-        <p:nvSpPr>
-          <p:cNvPr id="222" name="Shape 222"/>
-          <p:cNvSpPr txBox="1"/>
-          <p:nvPr/>
-        </p:nvSpPr>
-        <p:spPr>
-          <a:xfrm>
-            <a:off x="6181850" y="1533400"/>
-            <a:ext cx="1484400" cy="404100"/>
-          </a:xfrm>
-          <a:prstGeom prst="rect">
-            <a:avLst/>
-          </a:prstGeom>
-          <a:noFill/>
-          <a:ln>
-            <a:noFill/>
-          </a:ln>
-        </p:spPr>
-        <p:txBody>
-          <a:bodyPr anchorCtr="0" anchor="t" bIns="91425" lIns="91425" rIns="91425" wrap="square" tIns="91425">
-            <a:noAutofit/>
-          </a:bodyPr>
-          <a:lstStyle/>
-          <a:p>
-            <a:pPr lvl="0" rtl="0">
-              <a:spcBef>
-                <a:spcPts val="0"/>
-              </a:spcBef>
-              <a:buNone/>
-            </a:pPr>
-            <a:r>
-              <a:rPr lang="en"/>
-              <a:t>구</a:t>
-            </a:r>
-            <a:r>
-              <a:rPr lang="en"/>
-              <a:t>글 </a:t>
-            </a:r>
-            <a:r>
-              <a:rPr lang="en"/>
-              <a:t>클라우</a:t>
-            </a:r>
-            <a:r>
-              <a:rPr lang="en"/>
-              <a:t>드</a:t>
-            </a:r>
-          </a:p>
-        </p:txBody>
-      </p:sp>
-      <p:sp>
-        <p:nvSpPr>
-          <p:cNvPr id="223" name="Shape 223"/>
-          <p:cNvSpPr txBox="1"/>
-          <p:nvPr/>
-        </p:nvSpPr>
-        <p:spPr>
-          <a:xfrm>
-            <a:off x="5151650" y="4316775"/>
-            <a:ext cx="1484400" cy="404100"/>
-          </a:xfrm>
-          <a:prstGeom prst="rect">
-            <a:avLst/>
-          </a:prstGeom>
-          <a:noFill/>
-          <a:ln>
-            <a:noFill/>
-          </a:ln>
-        </p:spPr>
-        <p:txBody>
-          <a:bodyPr anchorCtr="0" anchor="t" bIns="91425" lIns="91425" rIns="91425" wrap="square" tIns="91425">
-            <a:noAutofit/>
-          </a:bodyPr>
-          <a:lstStyle/>
-          <a:p>
-            <a:pPr lvl="0" rtl="0">
-              <a:spcBef>
-                <a:spcPts val="0"/>
-              </a:spcBef>
-              <a:buNone/>
-            </a:pPr>
-            <a:r>
-              <a:rPr lang="en"/>
-              <a:t>tensorflow</a:t>
-            </a:r>
-          </a:p>
-        </p:txBody>
-      </p:sp>
-      <p:sp>
-        <p:nvSpPr>
-          <p:cNvPr id="224" name="Shape 224"/>
-          <p:cNvSpPr txBox="1"/>
-          <p:nvPr/>
-        </p:nvSpPr>
-        <p:spPr>
-          <a:xfrm>
-            <a:off x="5227850" y="4773975"/>
-            <a:ext cx="1484400" cy="404100"/>
-          </a:xfrm>
-          <a:prstGeom prst="rect">
-            <a:avLst/>
-          </a:prstGeom>
-          <a:noFill/>
-          <a:ln>
-            <a:noFill/>
-          </a:ln>
-        </p:spPr>
-        <p:txBody>
-          <a:bodyPr anchorCtr="0" anchor="t" bIns="91425" lIns="91425" rIns="91425" wrap="square" tIns="91425">
-            <a:noAutofit/>
-          </a:bodyPr>
-          <a:lstStyle/>
-          <a:p>
-            <a:pPr lvl="0" rtl="0">
-              <a:spcBef>
-                <a:spcPts val="0"/>
-              </a:spcBef>
-              <a:buNone/>
-            </a:pPr>
-            <a:r>
-              <a:rPr lang="en"/>
-              <a:t>Pytorch</a:t>
-            </a:r>
-          </a:p>
-        </p:txBody>
-      </p:sp>
-      <p:sp>
-        <p:nvSpPr>
-          <p:cNvPr id="225" name="Shape 225"/>
-          <p:cNvSpPr txBox="1"/>
-          <p:nvPr/>
-        </p:nvSpPr>
-        <p:spPr>
-          <a:xfrm>
-            <a:off x="6599450" y="1116375"/>
-            <a:ext cx="1484400" cy="404100"/>
-          </a:xfrm>
-          <a:prstGeom prst="rect">
-            <a:avLst/>
-          </a:prstGeom>
-          <a:noFill/>
-          <a:ln>
-            <a:noFill/>
-          </a:ln>
-        </p:spPr>
-        <p:txBody>
-          <a:bodyPr anchorCtr="0" anchor="t" bIns="91425" lIns="91425" rIns="91425" wrap="square" tIns="91425">
-            <a:noAutofit/>
-          </a:bodyPr>
-          <a:lstStyle/>
-          <a:p>
-            <a:pPr lvl="0" rtl="0">
-              <a:spcBef>
-                <a:spcPts val="0"/>
-              </a:spcBef>
-              <a:buNone/>
-            </a:pPr>
-            <a:r>
-              <a:rPr lang="en"/>
-              <a:t>AWS</a:t>
-            </a:r>
-          </a:p>
-        </p:txBody>
-      </p:sp>
-      <p:sp>
-        <p:nvSpPr>
-          <p:cNvPr id="226" name="Shape 226"/>
-          <p:cNvSpPr txBox="1"/>
-          <p:nvPr/>
-        </p:nvSpPr>
-        <p:spPr>
-          <a:xfrm>
-            <a:off x="2865650" y="4621575"/>
-            <a:ext cx="1484400" cy="404100"/>
-          </a:xfrm>
-          <a:prstGeom prst="rect">
-            <a:avLst/>
-          </a:prstGeom>
-          <a:noFill/>
-          <a:ln>
-            <a:noFill/>
-          </a:ln>
-        </p:spPr>
-        <p:txBody>
-          <a:bodyPr anchorCtr="0" anchor="t" bIns="91425" lIns="91425" rIns="91425" wrap="square" tIns="91425">
-            <a:noAutofit/>
-          </a:bodyPr>
-          <a:lstStyle/>
-          <a:p>
-            <a:pPr lvl="0" rtl="0">
-              <a:spcBef>
-                <a:spcPts val="0"/>
-              </a:spcBef>
-              <a:buNone/>
-            </a:pPr>
-            <a:r>
-              <a:rPr lang="en"/>
-              <a:t>논리 프로그래밍</a:t>
-            </a:r>
-          </a:p>
-        </p:txBody>
-      </p:sp>
-      <p:sp>
-        <p:nvSpPr>
-          <p:cNvPr id="227" name="Shape 227"/>
-          <p:cNvSpPr txBox="1"/>
-          <p:nvPr/>
-        </p:nvSpPr>
-        <p:spPr>
-          <a:xfrm>
-            <a:off x="6486650" y="2696488"/>
-            <a:ext cx="1484400" cy="404100"/>
-          </a:xfrm>
-          <a:prstGeom prst="rect">
-            <a:avLst/>
-          </a:prstGeom>
-          <a:noFill/>
-          <a:ln>
-            <a:noFill/>
-          </a:ln>
-        </p:spPr>
-        <p:txBody>
-          <a:bodyPr anchorCtr="0" anchor="t" bIns="91425" lIns="91425" rIns="91425" wrap="square" tIns="91425">
-            <a:noAutofit/>
-          </a:bodyPr>
-          <a:lstStyle/>
-          <a:p>
-            <a:pPr lvl="0" rtl="0">
-              <a:spcBef>
-                <a:spcPts val="0"/>
-              </a:spcBef>
-              <a:buNone/>
-            </a:pPr>
-            <a:r>
-              <a:rPr lang="en"/>
-              <a:t>신경경제학</a:t>
-            </a:r>
-          </a:p>
-        </p:txBody>
-      </p:sp>
-      <p:sp>
-        <p:nvSpPr>
-          <p:cNvPr id="228" name="Shape 228"/>
-          <p:cNvSpPr txBox="1"/>
-          <p:nvPr/>
-        </p:nvSpPr>
-        <p:spPr>
-          <a:xfrm>
-            <a:off x="6294650" y="4697775"/>
-            <a:ext cx="1484400" cy="404100"/>
-          </a:xfrm>
-          <a:prstGeom prst="rect">
-            <a:avLst/>
-          </a:prstGeom>
-          <a:noFill/>
-          <a:ln>
-            <a:noFill/>
-          </a:ln>
-        </p:spPr>
-        <p:txBody>
-          <a:bodyPr anchorCtr="0" anchor="t" bIns="91425" lIns="91425" rIns="91425" wrap="square" tIns="91425">
-            <a:noAutofit/>
-          </a:bodyPr>
-          <a:lstStyle/>
-          <a:p>
-            <a:pPr lvl="0" rtl="0">
-              <a:spcBef>
-                <a:spcPts val="0"/>
-              </a:spcBef>
-              <a:buNone/>
-            </a:pPr>
-            <a:r>
-              <a:rPr lang="en"/>
-              <a:t>진화알고리즘</a:t>
-            </a:r>
-          </a:p>
-        </p:txBody>
-      </p:sp>
-      <p:sp>
-        <p:nvSpPr>
-          <p:cNvPr id="229" name="Shape 229"/>
-          <p:cNvSpPr txBox="1"/>
-          <p:nvPr/>
-        </p:nvSpPr>
-        <p:spPr>
-          <a:xfrm>
-            <a:off x="5304050" y="4545375"/>
-            <a:ext cx="1484400" cy="404100"/>
-          </a:xfrm>
-          <a:prstGeom prst="rect">
-            <a:avLst/>
-          </a:prstGeom>
-          <a:noFill/>
-          <a:ln>
-            <a:noFill/>
-          </a:ln>
-        </p:spPr>
-        <p:txBody>
-          <a:bodyPr anchorCtr="0" anchor="t" bIns="91425" lIns="91425" rIns="91425" wrap="square" tIns="91425">
-            <a:noAutofit/>
-          </a:bodyPr>
-          <a:lstStyle/>
-          <a:p>
-            <a:pPr lvl="0" rtl="0">
-              <a:spcBef>
-                <a:spcPts val="0"/>
-              </a:spcBef>
-              <a:buNone/>
-            </a:pPr>
-            <a:r>
-              <a:rPr lang="en"/>
-              <a:t>keras</a:t>
-            </a:r>
-          </a:p>
-        </p:txBody>
-      </p:sp>
-      <p:sp>
-        <p:nvSpPr>
-          <p:cNvPr id="230" name="Shape 230"/>
-          <p:cNvSpPr txBox="1"/>
-          <p:nvPr/>
-        </p:nvSpPr>
-        <p:spPr>
-          <a:xfrm>
-            <a:off x="46250" y="1878375"/>
-            <a:ext cx="1484400" cy="404100"/>
-          </a:xfrm>
-          <a:prstGeom prst="rect">
-            <a:avLst/>
-          </a:prstGeom>
-          <a:noFill/>
-          <a:ln>
-            <a:noFill/>
-          </a:ln>
-        </p:spPr>
-        <p:txBody>
-          <a:bodyPr anchorCtr="0" anchor="t" bIns="91425" lIns="91425" rIns="91425" wrap="square" tIns="91425">
-            <a:noAutofit/>
-          </a:bodyPr>
-          <a:lstStyle/>
-          <a:p>
-            <a:pPr lvl="0" rtl="0">
-              <a:spcBef>
-                <a:spcPts val="0"/>
-              </a:spcBef>
-              <a:buNone/>
-            </a:pPr>
-            <a:r>
-              <a:rPr lang="en"/>
-              <a:t>강화학</a:t>
-            </a:r>
-            <a:r>
-              <a:rPr lang="en"/>
-              <a:t>습, 실험계획법</a:t>
-            </a:r>
-          </a:p>
-        </p:txBody>
-      </p:sp>
-      <p:sp>
-        <p:nvSpPr>
-          <p:cNvPr id="231" name="Shape 231"/>
-          <p:cNvSpPr txBox="1"/>
-          <p:nvPr/>
-        </p:nvSpPr>
-        <p:spPr>
-          <a:xfrm>
-            <a:off x="122450" y="887775"/>
-            <a:ext cx="1484400" cy="404100"/>
-          </a:xfrm>
-          <a:prstGeom prst="rect">
-            <a:avLst/>
-          </a:prstGeom>
-          <a:noFill/>
-          <a:ln>
-            <a:noFill/>
-          </a:ln>
-        </p:spPr>
-        <p:txBody>
-          <a:bodyPr anchorCtr="0" anchor="t" bIns="91425" lIns="91425" rIns="91425" wrap="square" tIns="91425">
-            <a:noAutofit/>
-          </a:bodyPr>
-          <a:lstStyle/>
-          <a:p>
-            <a:pPr lvl="0">
-              <a:spcBef>
-                <a:spcPts val="0"/>
-              </a:spcBef>
-              <a:buNone/>
-            </a:pPr>
-            <a:r>
-              <a:rPr lang="en"/>
-              <a:t>머신러</a:t>
-            </a:r>
-            <a:r>
-              <a:rPr lang="en"/>
-              <a:t>닝</a:t>
-            </a:r>
-          </a:p>
-          <a:p>
-            <a:pPr lvl="0" rtl="0">
-              <a:spcBef>
-                <a:spcPts val="0"/>
-              </a:spcBef>
-              <a:buNone/>
-            </a:pPr>
-            <a:r>
-              <a:rPr lang="en"/>
-              <a:t>+캐글분석</a:t>
-            </a:r>
-          </a:p>
-        </p:txBody>
-      </p:sp>
-      <p:sp>
-        <p:nvSpPr>
-          <p:cNvPr id="232" name="Shape 232"/>
-          <p:cNvSpPr txBox="1"/>
-          <p:nvPr/>
-        </p:nvSpPr>
-        <p:spPr>
-          <a:xfrm>
-            <a:off x="808250" y="430575"/>
-            <a:ext cx="3106200" cy="404100"/>
-          </a:xfrm>
-          <a:prstGeom prst="rect">
-            <a:avLst/>
-          </a:prstGeom>
-          <a:noFill/>
-          <a:ln>
-            <a:noFill/>
-          </a:ln>
-        </p:spPr>
-        <p:txBody>
-          <a:bodyPr anchorCtr="0" anchor="t" bIns="91425" lIns="91425" rIns="91425" wrap="square" tIns="91425">
-            <a:noAutofit/>
-          </a:bodyPr>
-          <a:lstStyle/>
-          <a:p>
-            <a:pPr lvl="0" algn="ctr">
-              <a:spcBef>
-                <a:spcPts val="0"/>
-              </a:spcBef>
-              <a:buNone/>
-            </a:pPr>
-            <a:r>
-              <a:rPr lang="en"/>
-              <a:t>챗</a:t>
-            </a:r>
-            <a:r>
-              <a:rPr lang="en"/>
-              <a:t>봇 코퍼스 분석, </a:t>
-            </a:r>
-            <a:r>
-              <a:rPr lang="en"/>
-              <a:t>뉴</a:t>
-            </a:r>
-            <a:r>
-              <a:rPr lang="en"/>
-              <a:t>스 데이터 분석, </a:t>
-            </a:r>
-          </a:p>
-          <a:p>
-            <a:pPr lvl="0" rtl="0" algn="ctr">
-              <a:spcBef>
-                <a:spcPts val="0"/>
-              </a:spcBef>
-              <a:buNone/>
-            </a:pPr>
-            <a:r>
-              <a:rPr lang="en"/>
-              <a:t>비트코인, 온라인 광고</a:t>
-            </a:r>
-          </a:p>
-        </p:txBody>
-      </p:sp>
-      <p:sp>
-        <p:nvSpPr>
-          <p:cNvPr id="233" name="Shape 233"/>
-          <p:cNvSpPr txBox="1"/>
-          <p:nvPr/>
-        </p:nvSpPr>
-        <p:spPr>
-          <a:xfrm>
-            <a:off x="2865650" y="963975"/>
-            <a:ext cx="2157900" cy="404100"/>
-          </a:xfrm>
-          <a:prstGeom prst="rect">
-            <a:avLst/>
-          </a:prstGeom>
-          <a:noFill/>
-          <a:ln>
-            <a:noFill/>
-          </a:ln>
-        </p:spPr>
-        <p:txBody>
-          <a:bodyPr anchorCtr="0" anchor="t" bIns="91425" lIns="91425" rIns="91425" wrap="square" tIns="91425">
-            <a:noAutofit/>
-          </a:bodyPr>
-          <a:lstStyle/>
-          <a:p>
-            <a:pPr lvl="0" rtl="0">
-              <a:spcBef>
-                <a:spcPts val="0"/>
-              </a:spcBef>
-              <a:buNone/>
-            </a:pPr>
-            <a:r>
-              <a:rPr lang="en"/>
-              <a:t>Psychopy, 뇌영상분</a:t>
-            </a:r>
-            <a:r>
-              <a:rPr lang="en"/>
-              <a:t>석, 계산정신병리학</a:t>
-            </a:r>
-          </a:p>
-        </p:txBody>
-      </p:sp>
-      <p:sp>
-        <p:nvSpPr>
-          <p:cNvPr id="234" name="Shape 234"/>
-          <p:cNvSpPr txBox="1"/>
-          <p:nvPr/>
-        </p:nvSpPr>
-        <p:spPr>
-          <a:xfrm>
-            <a:off x="7437650" y="506775"/>
-            <a:ext cx="1484400" cy="404100"/>
-          </a:xfrm>
-          <a:prstGeom prst="rect">
-            <a:avLst/>
-          </a:prstGeom>
-          <a:noFill/>
-          <a:ln>
-            <a:noFill/>
-          </a:ln>
-        </p:spPr>
-        <p:txBody>
-          <a:bodyPr anchorCtr="0" anchor="t" bIns="91425" lIns="91425" rIns="91425" wrap="square" tIns="91425">
-            <a:noAutofit/>
-          </a:bodyPr>
-          <a:lstStyle/>
-          <a:p>
-            <a:pPr lvl="0" rtl="0" algn="ctr">
-              <a:spcBef>
-                <a:spcPts val="0"/>
-              </a:spcBef>
-              <a:buNone/>
-            </a:pPr>
-            <a:r>
-              <a:rPr lang="en"/>
-              <a:t>파이썬</a:t>
-            </a:r>
-            <a:r>
-              <a:rPr lang="en"/>
-              <a:t>을 이용한 자료구조 &amp; 알고리즘</a:t>
-            </a:r>
-            <a:r>
-              <a:rPr lang="en"/>
-              <a:t> 기초</a:t>
-            </a:r>
-          </a:p>
-        </p:txBody>
-      </p:sp>
     </p:spTree>
   </p:cSld>
   <p:clrMapOvr>
@@ -11186,7 +9754,7 @@
   <p:cSld>
     <p:spTree>
       <p:nvGrpSpPr>
-        <p:cNvPr id="238" name="Shape 238"/>
+        <p:cNvPr id="202" name="Shape 202"/>
         <p:cNvGrpSpPr/>
         <p:nvPr/>
       </p:nvGrpSpPr>
@@ -11200,7 +9768,7 @@
       </p:grpSpPr>
       <p:sp>
         <p:nvSpPr>
-          <p:cNvPr id="239" name="Shape 239"/>
+          <p:cNvPr id="203" name="Shape 203"/>
           <p:cNvSpPr txBox="1"/>
           <p:nvPr>
             <p:ph type="title"/>
@@ -11229,18 +9797,14 @@
             </a:pPr>
             <a:r>
               <a:rPr lang="en"/>
-              <a:t>정</a:t>
-            </a:r>
-            <a:r>
-              <a:rPr lang="en"/>
-              <a:t>통 .. 심리학 그룹?</a:t>
+              <a:t>2017</a:t>
             </a:r>
           </a:p>
         </p:txBody>
       </p:sp>
       <p:pic>
         <p:nvPicPr>
-          <p:cNvPr id="240" name="Shape 240"/>
+          <p:cNvPr id="204" name="Shape 204"/>
           <p:cNvPicPr preferRelativeResize="0"/>
           <p:nvPr/>
         </p:nvPicPr>
@@ -11254,8 +9818,8 @@
         </p:blipFill>
         <p:spPr>
           <a:xfrm>
-            <a:off x="1742425" y="1019225"/>
-            <a:ext cx="6003626" cy="3442825"/>
+            <a:off x="2923775" y="1510950"/>
+            <a:ext cx="3429000" cy="2371725"/>
           </a:xfrm>
           <a:prstGeom prst="rect">
             <a:avLst/>
@@ -11268,14 +9832,14 @@
       </p:pic>
       <p:sp>
         <p:nvSpPr>
-          <p:cNvPr id="241" name="Shape 241"/>
+          <p:cNvPr id="205" name="Shape 205"/>
           <p:cNvSpPr txBox="1"/>
           <p:nvPr/>
         </p:nvSpPr>
         <p:spPr>
           <a:xfrm>
-            <a:off x="2006175" y="4565600"/>
-            <a:ext cx="6146700" cy="717000"/>
+            <a:off x="4009200" y="3913325"/>
+            <a:ext cx="2724600" cy="404100"/>
           </a:xfrm>
           <a:prstGeom prst="rect">
             <a:avLst/>
@@ -11291,7 +9855,7 @@
           </a:bodyPr>
           <a:lstStyle/>
           <a:p>
-            <a:pPr lvl="0">
+            <a:pPr lvl="0" rtl="0">
               <a:spcBef>
                 <a:spcPts val="0"/>
               </a:spcBef>
@@ -11300,10 +9864,1496 @@
             <a:r>
               <a:rPr lang="en" sz="2400">
                 <a:solidFill>
-                  <a:schemeClr val="dk1"/>
+                  <a:srgbClr val="FF0000"/>
                 </a:solidFill>
               </a:rPr>
-              <a:t>https://cocolab.stanford.edu/ndg.html</a:t>
+              <a:t>Deep Learning</a:t>
+            </a:r>
+          </a:p>
+        </p:txBody>
+      </p:sp>
+      <p:sp>
+        <p:nvSpPr>
+          <p:cNvPr id="206" name="Shape 206"/>
+          <p:cNvSpPr txBox="1"/>
+          <p:nvPr/>
+        </p:nvSpPr>
+        <p:spPr>
+          <a:xfrm>
+            <a:off x="1632700" y="3913325"/>
+            <a:ext cx="2795700" cy="404100"/>
+          </a:xfrm>
+          <a:prstGeom prst="rect">
+            <a:avLst/>
+          </a:prstGeom>
+          <a:noFill/>
+          <a:ln>
+            <a:noFill/>
+          </a:ln>
+        </p:spPr>
+        <p:txBody>
+          <a:bodyPr anchorCtr="0" anchor="t" bIns="91425" lIns="91425" rIns="91425" wrap="square" tIns="91425">
+            <a:noAutofit/>
+          </a:bodyPr>
+          <a:lstStyle/>
+          <a:p>
+            <a:pPr lvl="0" rtl="0">
+              <a:spcBef>
+                <a:spcPts val="0"/>
+              </a:spcBef>
+              <a:buNone/>
+            </a:pPr>
+            <a:r>
+              <a:rPr lang="en" sz="2400">
+                <a:solidFill>
+                  <a:srgbClr val="FF0000"/>
+                </a:solidFill>
+              </a:rPr>
+              <a:t>베이지안 머신러닝</a:t>
+            </a:r>
+          </a:p>
+        </p:txBody>
+      </p:sp>
+      <p:sp>
+        <p:nvSpPr>
+          <p:cNvPr id="207" name="Shape 207"/>
+          <p:cNvSpPr txBox="1"/>
+          <p:nvPr/>
+        </p:nvSpPr>
+        <p:spPr>
+          <a:xfrm>
+            <a:off x="6187150" y="3913325"/>
+            <a:ext cx="1484400" cy="404100"/>
+          </a:xfrm>
+          <a:prstGeom prst="rect">
+            <a:avLst/>
+          </a:prstGeom>
+          <a:noFill/>
+          <a:ln>
+            <a:noFill/>
+          </a:ln>
+        </p:spPr>
+        <p:txBody>
+          <a:bodyPr anchorCtr="0" anchor="t" bIns="91425" lIns="91425" rIns="91425" wrap="square" tIns="91425">
+            <a:noAutofit/>
+          </a:bodyPr>
+          <a:lstStyle/>
+          <a:p>
+            <a:pPr lvl="0" rtl="0">
+              <a:spcBef>
+                <a:spcPts val="0"/>
+              </a:spcBef>
+              <a:buNone/>
+            </a:pPr>
+            <a:r>
+              <a:rPr lang="en" sz="2400">
+                <a:solidFill>
+                  <a:srgbClr val="FF0000"/>
+                </a:solidFill>
+              </a:rPr>
+              <a:t>강화학습</a:t>
+            </a:r>
+          </a:p>
+        </p:txBody>
+      </p:sp>
+      <p:sp>
+        <p:nvSpPr>
+          <p:cNvPr id="208" name="Shape 208"/>
+          <p:cNvSpPr txBox="1"/>
+          <p:nvPr/>
+        </p:nvSpPr>
+        <p:spPr>
+          <a:xfrm>
+            <a:off x="4282150" y="4294325"/>
+            <a:ext cx="1484400" cy="404100"/>
+          </a:xfrm>
+          <a:prstGeom prst="rect">
+            <a:avLst/>
+          </a:prstGeom>
+          <a:noFill/>
+          <a:ln>
+            <a:noFill/>
+          </a:ln>
+        </p:spPr>
+        <p:txBody>
+          <a:bodyPr anchorCtr="0" anchor="t" bIns="91425" lIns="91425" rIns="91425" wrap="square" tIns="91425">
+            <a:noAutofit/>
+          </a:bodyPr>
+          <a:lstStyle/>
+          <a:p>
+            <a:pPr lvl="0" rtl="0">
+              <a:spcBef>
+                <a:spcPts val="0"/>
+              </a:spcBef>
+              <a:buNone/>
+            </a:pPr>
+            <a:r>
+              <a:rPr lang="en" sz="4800">
+                <a:solidFill>
+                  <a:srgbClr val="FF0000"/>
+                </a:solidFill>
+              </a:rPr>
+              <a:t>AI</a:t>
+            </a:r>
+          </a:p>
+        </p:txBody>
+      </p:sp>
+      <p:sp>
+        <p:nvSpPr>
+          <p:cNvPr id="209" name="Shape 209"/>
+          <p:cNvSpPr txBox="1"/>
+          <p:nvPr/>
+        </p:nvSpPr>
+        <p:spPr>
+          <a:xfrm>
+            <a:off x="6872950" y="1855925"/>
+            <a:ext cx="1484400" cy="404100"/>
+          </a:xfrm>
+          <a:prstGeom prst="rect">
+            <a:avLst/>
+          </a:prstGeom>
+          <a:noFill/>
+          <a:ln>
+            <a:noFill/>
+          </a:ln>
+        </p:spPr>
+        <p:txBody>
+          <a:bodyPr anchorCtr="0" anchor="t" bIns="91425" lIns="91425" rIns="91425" wrap="square" tIns="91425">
+            <a:noAutofit/>
+          </a:bodyPr>
+          <a:lstStyle/>
+          <a:p>
+            <a:pPr lvl="0" rtl="0">
+              <a:spcBef>
+                <a:spcPts val="0"/>
+              </a:spcBef>
+              <a:buNone/>
+            </a:pPr>
+            <a:r>
+              <a:rPr lang="en" sz="2400">
+                <a:solidFill>
+                  <a:srgbClr val="0000FF"/>
+                </a:solidFill>
+              </a:rPr>
+              <a:t>파이썬</a:t>
+            </a:r>
+          </a:p>
+        </p:txBody>
+      </p:sp>
+      <p:sp>
+        <p:nvSpPr>
+          <p:cNvPr id="210" name="Shape 210"/>
+          <p:cNvSpPr txBox="1"/>
+          <p:nvPr/>
+        </p:nvSpPr>
+        <p:spPr>
+          <a:xfrm>
+            <a:off x="1157950" y="3227525"/>
+            <a:ext cx="1689600" cy="455100"/>
+          </a:xfrm>
+          <a:prstGeom prst="rect">
+            <a:avLst/>
+          </a:prstGeom>
+          <a:noFill/>
+          <a:ln>
+            <a:noFill/>
+          </a:ln>
+        </p:spPr>
+        <p:txBody>
+          <a:bodyPr anchorCtr="0" anchor="t" bIns="91425" lIns="91425" rIns="91425" wrap="square" tIns="91425">
+            <a:noAutofit/>
+          </a:bodyPr>
+          <a:lstStyle/>
+          <a:p>
+            <a:pPr lvl="0" rtl="0">
+              <a:spcBef>
+                <a:spcPts val="0"/>
+              </a:spcBef>
+              <a:buNone/>
+            </a:pPr>
+            <a:r>
+              <a:rPr lang="en" sz="2400">
+                <a:solidFill>
+                  <a:srgbClr val="0000FF"/>
+                </a:solidFill>
+              </a:rPr>
+              <a:t>자연어처리</a:t>
+            </a:r>
+          </a:p>
+        </p:txBody>
+      </p:sp>
+      <p:sp>
+        <p:nvSpPr>
+          <p:cNvPr id="211" name="Shape 211"/>
+          <p:cNvSpPr txBox="1"/>
+          <p:nvPr/>
+        </p:nvSpPr>
+        <p:spPr>
+          <a:xfrm>
+            <a:off x="6796750" y="3075125"/>
+            <a:ext cx="2157900" cy="455100"/>
+          </a:xfrm>
+          <a:prstGeom prst="rect">
+            <a:avLst/>
+          </a:prstGeom>
+          <a:noFill/>
+          <a:ln>
+            <a:noFill/>
+          </a:ln>
+        </p:spPr>
+        <p:txBody>
+          <a:bodyPr anchorCtr="0" anchor="t" bIns="91425" lIns="91425" rIns="91425" wrap="square" tIns="91425">
+            <a:noAutofit/>
+          </a:bodyPr>
+          <a:lstStyle/>
+          <a:p>
+            <a:pPr lvl="0" rtl="0">
+              <a:spcBef>
+                <a:spcPts val="0"/>
+              </a:spcBef>
+              <a:buNone/>
+            </a:pPr>
+            <a:r>
+              <a:rPr lang="en" sz="2400">
+                <a:solidFill>
+                  <a:srgbClr val="0000FF"/>
+                </a:solidFill>
+              </a:rPr>
+              <a:t>계산뇌인지과학</a:t>
+            </a:r>
+          </a:p>
+        </p:txBody>
+      </p:sp>
+      <p:sp>
+        <p:nvSpPr>
+          <p:cNvPr id="212" name="Shape 212"/>
+          <p:cNvSpPr txBox="1"/>
+          <p:nvPr/>
+        </p:nvSpPr>
+        <p:spPr>
+          <a:xfrm>
+            <a:off x="1462750" y="1398725"/>
+            <a:ext cx="1689600" cy="455100"/>
+          </a:xfrm>
+          <a:prstGeom prst="rect">
+            <a:avLst/>
+          </a:prstGeom>
+          <a:noFill/>
+          <a:ln>
+            <a:noFill/>
+          </a:ln>
+        </p:spPr>
+        <p:txBody>
+          <a:bodyPr anchorCtr="0" anchor="t" bIns="91425" lIns="91425" rIns="91425" wrap="square" tIns="91425">
+            <a:noAutofit/>
+          </a:bodyPr>
+          <a:lstStyle/>
+          <a:p>
+            <a:pPr lvl="0" algn="ctr">
+              <a:spcBef>
+                <a:spcPts val="0"/>
+              </a:spcBef>
+              <a:buNone/>
+            </a:pPr>
+            <a:r>
+              <a:rPr lang="en" sz="2400">
+                <a:solidFill>
+                  <a:srgbClr val="0000FF"/>
+                </a:solidFill>
+              </a:rPr>
+              <a:t>X </a:t>
+            </a:r>
+          </a:p>
+          <a:p>
+            <a:pPr lvl="0" rtl="0" algn="ctr">
+              <a:spcBef>
+                <a:spcPts val="0"/>
+              </a:spcBef>
+              <a:buNone/>
+            </a:pPr>
+            <a:r>
+              <a:rPr lang="en">
+                <a:solidFill>
+                  <a:srgbClr val="0000FF"/>
+                </a:solidFill>
+              </a:rPr>
+              <a:t>(콜라보레이션)</a:t>
+            </a:r>
+          </a:p>
+        </p:txBody>
+      </p:sp>
+      <p:sp>
+        <p:nvSpPr>
+          <p:cNvPr id="213" name="Shape 213"/>
+          <p:cNvSpPr txBox="1"/>
+          <p:nvPr/>
+        </p:nvSpPr>
+        <p:spPr>
+          <a:xfrm>
+            <a:off x="1386550" y="2236925"/>
+            <a:ext cx="1689600" cy="455100"/>
+          </a:xfrm>
+          <a:prstGeom prst="rect">
+            <a:avLst/>
+          </a:prstGeom>
+          <a:noFill/>
+          <a:ln>
+            <a:noFill/>
+          </a:ln>
+        </p:spPr>
+        <p:txBody>
+          <a:bodyPr anchorCtr="0" anchor="t" bIns="91425" lIns="91425" rIns="91425" wrap="square" tIns="91425">
+            <a:noAutofit/>
+          </a:bodyPr>
+          <a:lstStyle/>
+          <a:p>
+            <a:pPr lvl="0" rtl="0">
+              <a:spcBef>
+                <a:spcPts val="0"/>
+              </a:spcBef>
+              <a:buNone/>
+            </a:pPr>
+            <a:r>
+              <a:rPr lang="en" sz="1800">
+                <a:solidFill>
+                  <a:srgbClr val="9900FF"/>
+                </a:solidFill>
+              </a:rPr>
+              <a:t>바벨피쉬</a:t>
+            </a:r>
+          </a:p>
+        </p:txBody>
+      </p:sp>
+      <p:sp>
+        <p:nvSpPr>
+          <p:cNvPr id="214" name="Shape 214"/>
+          <p:cNvSpPr txBox="1"/>
+          <p:nvPr/>
+        </p:nvSpPr>
+        <p:spPr>
+          <a:xfrm>
+            <a:off x="700750" y="1779725"/>
+            <a:ext cx="1689600" cy="455100"/>
+          </a:xfrm>
+          <a:prstGeom prst="rect">
+            <a:avLst/>
+          </a:prstGeom>
+          <a:noFill/>
+          <a:ln>
+            <a:noFill/>
+          </a:ln>
+        </p:spPr>
+        <p:txBody>
+          <a:bodyPr anchorCtr="0" anchor="t" bIns="91425" lIns="91425" rIns="91425" wrap="square" tIns="91425">
+            <a:noAutofit/>
+          </a:bodyPr>
+          <a:lstStyle/>
+          <a:p>
+            <a:pPr lvl="0" rtl="0">
+              <a:spcBef>
+                <a:spcPts val="0"/>
+              </a:spcBef>
+              <a:buNone/>
+            </a:pPr>
+            <a:r>
+              <a:rPr lang="en" sz="1800">
+                <a:solidFill>
+                  <a:srgbClr val="9900FF"/>
+                </a:solidFill>
+              </a:rPr>
+              <a:t>딥리워드</a:t>
+            </a:r>
+          </a:p>
+        </p:txBody>
+      </p:sp>
+      <p:sp>
+        <p:nvSpPr>
+          <p:cNvPr id="215" name="Shape 215"/>
+          <p:cNvSpPr txBox="1"/>
+          <p:nvPr/>
+        </p:nvSpPr>
+        <p:spPr>
+          <a:xfrm>
+            <a:off x="1691350" y="865325"/>
+            <a:ext cx="1689600" cy="455100"/>
+          </a:xfrm>
+          <a:prstGeom prst="rect">
+            <a:avLst/>
+          </a:prstGeom>
+          <a:noFill/>
+          <a:ln>
+            <a:noFill/>
+          </a:ln>
+        </p:spPr>
+        <p:txBody>
+          <a:bodyPr anchorCtr="0" anchor="t" bIns="91425" lIns="91425" rIns="91425" wrap="square" tIns="91425">
+            <a:noAutofit/>
+          </a:bodyPr>
+          <a:lstStyle/>
+          <a:p>
+            <a:pPr lvl="0" rtl="0">
+              <a:spcBef>
+                <a:spcPts val="0"/>
+              </a:spcBef>
+              <a:buNone/>
+            </a:pPr>
+            <a:r>
+              <a:rPr lang="en" sz="1800">
+                <a:solidFill>
+                  <a:srgbClr val="9900FF"/>
+                </a:solidFill>
+              </a:rPr>
+              <a:t>싸이지먼트</a:t>
+            </a:r>
+          </a:p>
+        </p:txBody>
+      </p:sp>
+      <p:sp>
+        <p:nvSpPr>
+          <p:cNvPr id="216" name="Shape 216"/>
+          <p:cNvSpPr txBox="1"/>
+          <p:nvPr/>
+        </p:nvSpPr>
+        <p:spPr>
+          <a:xfrm>
+            <a:off x="2605750" y="1398725"/>
+            <a:ext cx="1689600" cy="455100"/>
+          </a:xfrm>
+          <a:prstGeom prst="rect">
+            <a:avLst/>
+          </a:prstGeom>
+          <a:noFill/>
+          <a:ln>
+            <a:noFill/>
+          </a:ln>
+        </p:spPr>
+        <p:txBody>
+          <a:bodyPr anchorCtr="0" anchor="t" bIns="91425" lIns="91425" rIns="91425" wrap="square" tIns="91425">
+            <a:noAutofit/>
+          </a:bodyPr>
+          <a:lstStyle/>
+          <a:p>
+            <a:pPr lvl="0" rtl="0">
+              <a:spcBef>
+                <a:spcPts val="0"/>
+              </a:spcBef>
+              <a:buNone/>
+            </a:pPr>
+            <a:r>
+              <a:rPr lang="en" sz="1800">
+                <a:solidFill>
+                  <a:srgbClr val="9900FF"/>
+                </a:solidFill>
+              </a:rPr>
+              <a:t>바이오스핀</a:t>
+            </a:r>
+          </a:p>
+        </p:txBody>
+      </p:sp>
+      <p:sp>
+        <p:nvSpPr>
+          <p:cNvPr id="217" name="Shape 217"/>
+          <p:cNvSpPr txBox="1"/>
+          <p:nvPr/>
+        </p:nvSpPr>
+        <p:spPr>
+          <a:xfrm>
+            <a:off x="853150" y="1246325"/>
+            <a:ext cx="1689600" cy="455100"/>
+          </a:xfrm>
+          <a:prstGeom prst="rect">
+            <a:avLst/>
+          </a:prstGeom>
+          <a:noFill/>
+          <a:ln>
+            <a:noFill/>
+          </a:ln>
+        </p:spPr>
+        <p:txBody>
+          <a:bodyPr anchorCtr="0" anchor="t" bIns="91425" lIns="91425" rIns="91425" wrap="square" tIns="91425">
+            <a:noAutofit/>
+          </a:bodyPr>
+          <a:lstStyle/>
+          <a:p>
+            <a:pPr lvl="0" rtl="0">
+              <a:spcBef>
+                <a:spcPts val="0"/>
+              </a:spcBef>
+              <a:buNone/>
+            </a:pPr>
+            <a:r>
+              <a:rPr lang="en" sz="1800">
+                <a:solidFill>
+                  <a:srgbClr val="9900FF"/>
+                </a:solidFill>
+              </a:rPr>
+              <a:t>캐글뽀개기</a:t>
+            </a:r>
+          </a:p>
+        </p:txBody>
+      </p:sp>
+      <p:sp>
+        <p:nvSpPr>
+          <p:cNvPr id="218" name="Shape 218"/>
+          <p:cNvSpPr txBox="1"/>
+          <p:nvPr/>
+        </p:nvSpPr>
+        <p:spPr>
+          <a:xfrm>
+            <a:off x="7666250" y="1344975"/>
+            <a:ext cx="1484400" cy="404100"/>
+          </a:xfrm>
+          <a:prstGeom prst="rect">
+            <a:avLst/>
+          </a:prstGeom>
+          <a:noFill/>
+          <a:ln>
+            <a:noFill/>
+          </a:ln>
+        </p:spPr>
+        <p:txBody>
+          <a:bodyPr anchorCtr="0" anchor="t" bIns="91425" lIns="91425" rIns="91425" wrap="square" tIns="91425">
+            <a:noAutofit/>
+          </a:bodyPr>
+          <a:lstStyle/>
+          <a:p>
+            <a:pPr lvl="0" rtl="0">
+              <a:spcBef>
+                <a:spcPts val="0"/>
+              </a:spcBef>
+              <a:buNone/>
+            </a:pPr>
+            <a:r>
+              <a:rPr lang="en"/>
+              <a:t>파이</a:t>
+            </a:r>
+            <a:r>
+              <a:rPr lang="en"/>
+              <a:t>썬 중급</a:t>
+            </a:r>
+          </a:p>
+        </p:txBody>
+      </p:sp>
+      <p:sp>
+        <p:nvSpPr>
+          <p:cNvPr id="219" name="Shape 219"/>
+          <p:cNvSpPr txBox="1"/>
+          <p:nvPr/>
+        </p:nvSpPr>
+        <p:spPr>
+          <a:xfrm>
+            <a:off x="7894850" y="1802175"/>
+            <a:ext cx="1484400" cy="404100"/>
+          </a:xfrm>
+          <a:prstGeom prst="rect">
+            <a:avLst/>
+          </a:prstGeom>
+          <a:noFill/>
+          <a:ln>
+            <a:noFill/>
+          </a:ln>
+        </p:spPr>
+        <p:txBody>
+          <a:bodyPr anchorCtr="0" anchor="t" bIns="91425" lIns="91425" rIns="91425" wrap="square" tIns="91425">
+            <a:noAutofit/>
+          </a:bodyPr>
+          <a:lstStyle/>
+          <a:p>
+            <a:pPr lvl="0" rtl="0">
+              <a:spcBef>
+                <a:spcPts val="0"/>
+              </a:spcBef>
+              <a:buNone/>
+            </a:pPr>
+            <a:r>
+              <a:rPr lang="en"/>
+              <a:t>파이썬</a:t>
+            </a:r>
+            <a:r>
+              <a:rPr lang="en"/>
+              <a:t> 기초</a:t>
+            </a:r>
+          </a:p>
+        </p:txBody>
+      </p:sp>
+      <p:sp>
+        <p:nvSpPr>
+          <p:cNvPr id="220" name="Shape 220"/>
+          <p:cNvSpPr txBox="1"/>
+          <p:nvPr/>
+        </p:nvSpPr>
+        <p:spPr>
+          <a:xfrm>
+            <a:off x="7666250" y="2716575"/>
+            <a:ext cx="1484400" cy="404100"/>
+          </a:xfrm>
+          <a:prstGeom prst="rect">
+            <a:avLst/>
+          </a:prstGeom>
+          <a:noFill/>
+          <a:ln>
+            <a:noFill/>
+          </a:ln>
+        </p:spPr>
+        <p:txBody>
+          <a:bodyPr anchorCtr="0" anchor="t" bIns="91425" lIns="91425" rIns="91425" wrap="square" tIns="91425">
+            <a:noAutofit/>
+          </a:bodyPr>
+          <a:lstStyle/>
+          <a:p>
+            <a:pPr lvl="0" rtl="0">
+              <a:spcBef>
+                <a:spcPts val="0"/>
+              </a:spcBef>
+              <a:buNone/>
+            </a:pPr>
+            <a:r>
+              <a:rPr lang="en"/>
+              <a:t>인지신경심리학</a:t>
+            </a:r>
+          </a:p>
+        </p:txBody>
+      </p:sp>
+      <p:sp>
+        <p:nvSpPr>
+          <p:cNvPr id="221" name="Shape 221"/>
+          <p:cNvSpPr txBox="1"/>
+          <p:nvPr/>
+        </p:nvSpPr>
+        <p:spPr>
+          <a:xfrm>
+            <a:off x="7474250" y="2411775"/>
+            <a:ext cx="1484400" cy="404100"/>
+          </a:xfrm>
+          <a:prstGeom prst="rect">
+            <a:avLst/>
+          </a:prstGeom>
+          <a:noFill/>
+          <a:ln>
+            <a:noFill/>
+          </a:ln>
+        </p:spPr>
+        <p:txBody>
+          <a:bodyPr anchorCtr="0" anchor="t" bIns="91425" lIns="91425" rIns="91425" wrap="square" tIns="91425">
+            <a:noAutofit/>
+          </a:bodyPr>
+          <a:lstStyle/>
+          <a:p>
+            <a:pPr lvl="0" rtl="0">
+              <a:spcBef>
+                <a:spcPts val="0"/>
+              </a:spcBef>
+              <a:buNone/>
+            </a:pPr>
+            <a:r>
+              <a:rPr lang="en"/>
+              <a:t>뉴로사이언스</a:t>
+            </a:r>
+          </a:p>
+        </p:txBody>
+      </p:sp>
+      <p:sp>
+        <p:nvSpPr>
+          <p:cNvPr id="222" name="Shape 222"/>
+          <p:cNvSpPr txBox="1"/>
+          <p:nvPr/>
+        </p:nvSpPr>
+        <p:spPr>
+          <a:xfrm>
+            <a:off x="6904250" y="3554775"/>
+            <a:ext cx="1484400" cy="404100"/>
+          </a:xfrm>
+          <a:prstGeom prst="rect">
+            <a:avLst/>
+          </a:prstGeom>
+          <a:noFill/>
+          <a:ln>
+            <a:noFill/>
+          </a:ln>
+        </p:spPr>
+        <p:txBody>
+          <a:bodyPr anchorCtr="0" anchor="t" bIns="91425" lIns="91425" rIns="91425" wrap="square" tIns="91425">
+            <a:noAutofit/>
+          </a:bodyPr>
+          <a:lstStyle/>
+          <a:p>
+            <a:pPr lvl="0" rtl="0">
+              <a:spcBef>
+                <a:spcPts val="0"/>
+              </a:spcBef>
+              <a:buNone/>
+            </a:pPr>
+            <a:r>
+              <a:rPr lang="en">
+                <a:solidFill>
+                  <a:srgbClr val="CC0000"/>
+                </a:solidFill>
+              </a:rPr>
+              <a:t>DeepMind</a:t>
+            </a:r>
+          </a:p>
+        </p:txBody>
+      </p:sp>
+      <p:sp>
+        <p:nvSpPr>
+          <p:cNvPr id="223" name="Shape 223"/>
+          <p:cNvSpPr txBox="1"/>
+          <p:nvPr/>
+        </p:nvSpPr>
+        <p:spPr>
+          <a:xfrm>
+            <a:off x="7437650" y="4088175"/>
+            <a:ext cx="1484400" cy="404100"/>
+          </a:xfrm>
+          <a:prstGeom prst="rect">
+            <a:avLst/>
+          </a:prstGeom>
+          <a:noFill/>
+          <a:ln>
+            <a:noFill/>
+          </a:ln>
+        </p:spPr>
+        <p:txBody>
+          <a:bodyPr anchorCtr="0" anchor="t" bIns="91425" lIns="91425" rIns="91425" wrap="square" tIns="91425">
+            <a:noAutofit/>
+          </a:bodyPr>
+          <a:lstStyle/>
+          <a:p>
+            <a:pPr lvl="0" rtl="0">
+              <a:spcBef>
+                <a:spcPts val="0"/>
+              </a:spcBef>
+              <a:buNone/>
+            </a:pPr>
+            <a:r>
+              <a:rPr lang="en"/>
+              <a:t>에이전</a:t>
+            </a:r>
+            <a:r>
+              <a:rPr lang="en"/>
+              <a:t>트 베이스드 모델링</a:t>
+            </a:r>
+          </a:p>
+        </p:txBody>
+      </p:sp>
+      <p:sp>
+        <p:nvSpPr>
+          <p:cNvPr id="224" name="Shape 224"/>
+          <p:cNvSpPr txBox="1"/>
+          <p:nvPr/>
+        </p:nvSpPr>
+        <p:spPr>
+          <a:xfrm>
+            <a:off x="7666250" y="4621575"/>
+            <a:ext cx="1484400" cy="404100"/>
+          </a:xfrm>
+          <a:prstGeom prst="rect">
+            <a:avLst/>
+          </a:prstGeom>
+          <a:noFill/>
+          <a:ln>
+            <a:noFill/>
+          </a:ln>
+        </p:spPr>
+        <p:txBody>
+          <a:bodyPr anchorCtr="0" anchor="t" bIns="91425" lIns="91425" rIns="91425" wrap="square" tIns="91425">
+            <a:noAutofit/>
+          </a:bodyPr>
+          <a:lstStyle/>
+          <a:p>
+            <a:pPr lvl="0" rtl="0">
+              <a:spcBef>
+                <a:spcPts val="0"/>
+              </a:spcBef>
+              <a:buNone/>
+            </a:pPr>
+            <a:r>
+              <a:rPr lang="en"/>
+              <a:t>네트워크 분석</a:t>
+            </a:r>
+          </a:p>
+        </p:txBody>
+      </p:sp>
+      <p:sp>
+        <p:nvSpPr>
+          <p:cNvPr id="225" name="Shape 225"/>
+          <p:cNvSpPr txBox="1"/>
+          <p:nvPr/>
+        </p:nvSpPr>
+        <p:spPr>
+          <a:xfrm>
+            <a:off x="7894850" y="3783375"/>
+            <a:ext cx="1484400" cy="404100"/>
+          </a:xfrm>
+          <a:prstGeom prst="rect">
+            <a:avLst/>
+          </a:prstGeom>
+          <a:noFill/>
+          <a:ln>
+            <a:noFill/>
+          </a:ln>
+        </p:spPr>
+        <p:txBody>
+          <a:bodyPr anchorCtr="0" anchor="t" bIns="91425" lIns="91425" rIns="91425" wrap="square" tIns="91425">
+            <a:noAutofit/>
+          </a:bodyPr>
+          <a:lstStyle/>
+          <a:p>
+            <a:pPr lvl="0" rtl="0">
+              <a:spcBef>
+                <a:spcPts val="0"/>
+              </a:spcBef>
+              <a:buNone/>
+            </a:pPr>
+            <a:r>
+              <a:rPr lang="en"/>
+              <a:t>인</a:t>
+            </a:r>
+            <a:r>
+              <a:rPr lang="en"/>
+              <a:t>지 아키텍쳐</a:t>
+            </a:r>
+          </a:p>
+        </p:txBody>
+      </p:sp>
+      <p:sp>
+        <p:nvSpPr>
+          <p:cNvPr id="226" name="Shape 226"/>
+          <p:cNvSpPr txBox="1"/>
+          <p:nvPr/>
+        </p:nvSpPr>
+        <p:spPr>
+          <a:xfrm>
+            <a:off x="579900" y="2587275"/>
+            <a:ext cx="2343900" cy="404100"/>
+          </a:xfrm>
+          <a:prstGeom prst="rect">
+            <a:avLst/>
+          </a:prstGeom>
+          <a:noFill/>
+          <a:ln>
+            <a:noFill/>
+          </a:ln>
+        </p:spPr>
+        <p:txBody>
+          <a:bodyPr anchorCtr="0" anchor="t" bIns="91425" lIns="91425" rIns="91425" wrap="square" tIns="91425">
+            <a:noAutofit/>
+          </a:bodyPr>
+          <a:lstStyle/>
+          <a:p>
+            <a:pPr lvl="0" rtl="0">
+              <a:spcBef>
+                <a:spcPts val="0"/>
+              </a:spcBef>
+              <a:buNone/>
+            </a:pPr>
+            <a:r>
+              <a:rPr lang="en"/>
+              <a:t>챗</a:t>
+            </a:r>
+            <a:r>
+              <a:rPr lang="en"/>
+              <a:t>봇, 인지NLP, 추천시스템, 검색엔진, 텍스트 감정분석, 정신병리 텍스트 분석</a:t>
+            </a:r>
+          </a:p>
+        </p:txBody>
+      </p:sp>
+      <p:sp>
+        <p:nvSpPr>
+          <p:cNvPr id="227" name="Shape 227"/>
+          <p:cNvSpPr txBox="1"/>
+          <p:nvPr/>
+        </p:nvSpPr>
+        <p:spPr>
+          <a:xfrm>
+            <a:off x="6447050" y="4392975"/>
+            <a:ext cx="1484400" cy="404100"/>
+          </a:xfrm>
+          <a:prstGeom prst="rect">
+            <a:avLst/>
+          </a:prstGeom>
+          <a:noFill/>
+          <a:ln>
+            <a:noFill/>
+          </a:ln>
+        </p:spPr>
+        <p:txBody>
+          <a:bodyPr anchorCtr="0" anchor="t" bIns="91425" lIns="91425" rIns="91425" wrap="square" tIns="91425">
+            <a:noAutofit/>
+          </a:bodyPr>
+          <a:lstStyle/>
+          <a:p>
+            <a:pPr lvl="0" rtl="0">
+              <a:spcBef>
+                <a:spcPts val="0"/>
+              </a:spcBef>
+              <a:buNone/>
+            </a:pPr>
+            <a:r>
+              <a:rPr lang="en"/>
+              <a:t>역강화학습</a:t>
+            </a:r>
+          </a:p>
+        </p:txBody>
+      </p:sp>
+      <p:sp>
+        <p:nvSpPr>
+          <p:cNvPr id="228" name="Shape 228"/>
+          <p:cNvSpPr txBox="1"/>
+          <p:nvPr/>
+        </p:nvSpPr>
+        <p:spPr>
+          <a:xfrm>
+            <a:off x="6181850" y="1533400"/>
+            <a:ext cx="1484400" cy="404100"/>
+          </a:xfrm>
+          <a:prstGeom prst="rect">
+            <a:avLst/>
+          </a:prstGeom>
+          <a:noFill/>
+          <a:ln>
+            <a:noFill/>
+          </a:ln>
+        </p:spPr>
+        <p:txBody>
+          <a:bodyPr anchorCtr="0" anchor="t" bIns="91425" lIns="91425" rIns="91425" wrap="square" tIns="91425">
+            <a:noAutofit/>
+          </a:bodyPr>
+          <a:lstStyle/>
+          <a:p>
+            <a:pPr lvl="0" rtl="0">
+              <a:spcBef>
+                <a:spcPts val="0"/>
+              </a:spcBef>
+              <a:buNone/>
+            </a:pPr>
+            <a:r>
+              <a:rPr lang="en"/>
+              <a:t>구</a:t>
+            </a:r>
+            <a:r>
+              <a:rPr lang="en"/>
+              <a:t>글 </a:t>
+            </a:r>
+            <a:r>
+              <a:rPr lang="en"/>
+              <a:t>클라우</a:t>
+            </a:r>
+            <a:r>
+              <a:rPr lang="en"/>
+              <a:t>드</a:t>
+            </a:r>
+          </a:p>
+        </p:txBody>
+      </p:sp>
+      <p:sp>
+        <p:nvSpPr>
+          <p:cNvPr id="229" name="Shape 229"/>
+          <p:cNvSpPr txBox="1"/>
+          <p:nvPr/>
+        </p:nvSpPr>
+        <p:spPr>
+          <a:xfrm>
+            <a:off x="5151650" y="4316775"/>
+            <a:ext cx="1484400" cy="404100"/>
+          </a:xfrm>
+          <a:prstGeom prst="rect">
+            <a:avLst/>
+          </a:prstGeom>
+          <a:noFill/>
+          <a:ln>
+            <a:noFill/>
+          </a:ln>
+        </p:spPr>
+        <p:txBody>
+          <a:bodyPr anchorCtr="0" anchor="t" bIns="91425" lIns="91425" rIns="91425" wrap="square" tIns="91425">
+            <a:noAutofit/>
+          </a:bodyPr>
+          <a:lstStyle/>
+          <a:p>
+            <a:pPr lvl="0" rtl="0">
+              <a:spcBef>
+                <a:spcPts val="0"/>
+              </a:spcBef>
+              <a:buNone/>
+            </a:pPr>
+            <a:r>
+              <a:rPr lang="en"/>
+              <a:t>tensorflow</a:t>
+            </a:r>
+          </a:p>
+        </p:txBody>
+      </p:sp>
+      <p:sp>
+        <p:nvSpPr>
+          <p:cNvPr id="230" name="Shape 230"/>
+          <p:cNvSpPr txBox="1"/>
+          <p:nvPr/>
+        </p:nvSpPr>
+        <p:spPr>
+          <a:xfrm>
+            <a:off x="5227850" y="4773975"/>
+            <a:ext cx="1484400" cy="404100"/>
+          </a:xfrm>
+          <a:prstGeom prst="rect">
+            <a:avLst/>
+          </a:prstGeom>
+          <a:noFill/>
+          <a:ln>
+            <a:noFill/>
+          </a:ln>
+        </p:spPr>
+        <p:txBody>
+          <a:bodyPr anchorCtr="0" anchor="t" bIns="91425" lIns="91425" rIns="91425" wrap="square" tIns="91425">
+            <a:noAutofit/>
+          </a:bodyPr>
+          <a:lstStyle/>
+          <a:p>
+            <a:pPr lvl="0" rtl="0">
+              <a:spcBef>
+                <a:spcPts val="0"/>
+              </a:spcBef>
+              <a:buNone/>
+            </a:pPr>
+            <a:r>
+              <a:rPr lang="en"/>
+              <a:t>Pytorch</a:t>
+            </a:r>
+          </a:p>
+        </p:txBody>
+      </p:sp>
+      <p:sp>
+        <p:nvSpPr>
+          <p:cNvPr id="231" name="Shape 231"/>
+          <p:cNvSpPr txBox="1"/>
+          <p:nvPr/>
+        </p:nvSpPr>
+        <p:spPr>
+          <a:xfrm>
+            <a:off x="6599450" y="1116375"/>
+            <a:ext cx="1484400" cy="404100"/>
+          </a:xfrm>
+          <a:prstGeom prst="rect">
+            <a:avLst/>
+          </a:prstGeom>
+          <a:noFill/>
+          <a:ln>
+            <a:noFill/>
+          </a:ln>
+        </p:spPr>
+        <p:txBody>
+          <a:bodyPr anchorCtr="0" anchor="t" bIns="91425" lIns="91425" rIns="91425" wrap="square" tIns="91425">
+            <a:noAutofit/>
+          </a:bodyPr>
+          <a:lstStyle/>
+          <a:p>
+            <a:pPr lvl="0" rtl="0">
+              <a:spcBef>
+                <a:spcPts val="0"/>
+              </a:spcBef>
+              <a:buNone/>
+            </a:pPr>
+            <a:r>
+              <a:rPr lang="en"/>
+              <a:t>AWS</a:t>
+            </a:r>
+          </a:p>
+        </p:txBody>
+      </p:sp>
+      <p:sp>
+        <p:nvSpPr>
+          <p:cNvPr id="232" name="Shape 232"/>
+          <p:cNvSpPr txBox="1"/>
+          <p:nvPr/>
+        </p:nvSpPr>
+        <p:spPr>
+          <a:xfrm>
+            <a:off x="2865650" y="4621575"/>
+            <a:ext cx="1484400" cy="404100"/>
+          </a:xfrm>
+          <a:prstGeom prst="rect">
+            <a:avLst/>
+          </a:prstGeom>
+          <a:noFill/>
+          <a:ln>
+            <a:noFill/>
+          </a:ln>
+        </p:spPr>
+        <p:txBody>
+          <a:bodyPr anchorCtr="0" anchor="t" bIns="91425" lIns="91425" rIns="91425" wrap="square" tIns="91425">
+            <a:noAutofit/>
+          </a:bodyPr>
+          <a:lstStyle/>
+          <a:p>
+            <a:pPr lvl="0" rtl="0">
+              <a:spcBef>
+                <a:spcPts val="0"/>
+              </a:spcBef>
+              <a:buNone/>
+            </a:pPr>
+            <a:r>
+              <a:rPr lang="en"/>
+              <a:t>논리 프로그래밍</a:t>
+            </a:r>
+          </a:p>
+        </p:txBody>
+      </p:sp>
+      <p:sp>
+        <p:nvSpPr>
+          <p:cNvPr id="233" name="Shape 233"/>
+          <p:cNvSpPr txBox="1"/>
+          <p:nvPr/>
+        </p:nvSpPr>
+        <p:spPr>
+          <a:xfrm>
+            <a:off x="6486650" y="2696488"/>
+            <a:ext cx="1484400" cy="404100"/>
+          </a:xfrm>
+          <a:prstGeom prst="rect">
+            <a:avLst/>
+          </a:prstGeom>
+          <a:noFill/>
+          <a:ln>
+            <a:noFill/>
+          </a:ln>
+        </p:spPr>
+        <p:txBody>
+          <a:bodyPr anchorCtr="0" anchor="t" bIns="91425" lIns="91425" rIns="91425" wrap="square" tIns="91425">
+            <a:noAutofit/>
+          </a:bodyPr>
+          <a:lstStyle/>
+          <a:p>
+            <a:pPr lvl="0" rtl="0">
+              <a:spcBef>
+                <a:spcPts val="0"/>
+              </a:spcBef>
+              <a:buNone/>
+            </a:pPr>
+            <a:r>
+              <a:rPr lang="en"/>
+              <a:t>신경경제학</a:t>
+            </a:r>
+          </a:p>
+        </p:txBody>
+      </p:sp>
+      <p:sp>
+        <p:nvSpPr>
+          <p:cNvPr id="234" name="Shape 234"/>
+          <p:cNvSpPr txBox="1"/>
+          <p:nvPr/>
+        </p:nvSpPr>
+        <p:spPr>
+          <a:xfrm>
+            <a:off x="6294650" y="4697775"/>
+            <a:ext cx="1484400" cy="404100"/>
+          </a:xfrm>
+          <a:prstGeom prst="rect">
+            <a:avLst/>
+          </a:prstGeom>
+          <a:noFill/>
+          <a:ln>
+            <a:noFill/>
+          </a:ln>
+        </p:spPr>
+        <p:txBody>
+          <a:bodyPr anchorCtr="0" anchor="t" bIns="91425" lIns="91425" rIns="91425" wrap="square" tIns="91425">
+            <a:noAutofit/>
+          </a:bodyPr>
+          <a:lstStyle/>
+          <a:p>
+            <a:pPr lvl="0" rtl="0">
+              <a:spcBef>
+                <a:spcPts val="0"/>
+              </a:spcBef>
+              <a:buNone/>
+            </a:pPr>
+            <a:r>
+              <a:rPr lang="en"/>
+              <a:t>진화알고리즘</a:t>
+            </a:r>
+          </a:p>
+        </p:txBody>
+      </p:sp>
+      <p:sp>
+        <p:nvSpPr>
+          <p:cNvPr id="235" name="Shape 235"/>
+          <p:cNvSpPr txBox="1"/>
+          <p:nvPr/>
+        </p:nvSpPr>
+        <p:spPr>
+          <a:xfrm>
+            <a:off x="5304050" y="4545375"/>
+            <a:ext cx="1484400" cy="404100"/>
+          </a:xfrm>
+          <a:prstGeom prst="rect">
+            <a:avLst/>
+          </a:prstGeom>
+          <a:noFill/>
+          <a:ln>
+            <a:noFill/>
+          </a:ln>
+        </p:spPr>
+        <p:txBody>
+          <a:bodyPr anchorCtr="0" anchor="t" bIns="91425" lIns="91425" rIns="91425" wrap="square" tIns="91425">
+            <a:noAutofit/>
+          </a:bodyPr>
+          <a:lstStyle/>
+          <a:p>
+            <a:pPr lvl="0" rtl="0">
+              <a:spcBef>
+                <a:spcPts val="0"/>
+              </a:spcBef>
+              <a:buNone/>
+            </a:pPr>
+            <a:r>
+              <a:rPr lang="en"/>
+              <a:t>keras</a:t>
+            </a:r>
+          </a:p>
+        </p:txBody>
+      </p:sp>
+      <p:sp>
+        <p:nvSpPr>
+          <p:cNvPr id="236" name="Shape 236"/>
+          <p:cNvSpPr txBox="1"/>
+          <p:nvPr/>
+        </p:nvSpPr>
+        <p:spPr>
+          <a:xfrm>
+            <a:off x="46250" y="1878375"/>
+            <a:ext cx="1484400" cy="404100"/>
+          </a:xfrm>
+          <a:prstGeom prst="rect">
+            <a:avLst/>
+          </a:prstGeom>
+          <a:noFill/>
+          <a:ln>
+            <a:noFill/>
+          </a:ln>
+        </p:spPr>
+        <p:txBody>
+          <a:bodyPr anchorCtr="0" anchor="t" bIns="91425" lIns="91425" rIns="91425" wrap="square" tIns="91425">
+            <a:noAutofit/>
+          </a:bodyPr>
+          <a:lstStyle/>
+          <a:p>
+            <a:pPr lvl="0" rtl="0">
+              <a:spcBef>
+                <a:spcPts val="0"/>
+              </a:spcBef>
+              <a:buNone/>
+            </a:pPr>
+            <a:r>
+              <a:rPr lang="en"/>
+              <a:t>강화학</a:t>
+            </a:r>
+            <a:r>
+              <a:rPr lang="en"/>
+              <a:t>습, 실험계획법</a:t>
+            </a:r>
+          </a:p>
+        </p:txBody>
+      </p:sp>
+      <p:sp>
+        <p:nvSpPr>
+          <p:cNvPr id="237" name="Shape 237"/>
+          <p:cNvSpPr txBox="1"/>
+          <p:nvPr/>
+        </p:nvSpPr>
+        <p:spPr>
+          <a:xfrm>
+            <a:off x="122450" y="887775"/>
+            <a:ext cx="1484400" cy="404100"/>
+          </a:xfrm>
+          <a:prstGeom prst="rect">
+            <a:avLst/>
+          </a:prstGeom>
+          <a:noFill/>
+          <a:ln>
+            <a:noFill/>
+          </a:ln>
+        </p:spPr>
+        <p:txBody>
+          <a:bodyPr anchorCtr="0" anchor="t" bIns="91425" lIns="91425" rIns="91425" wrap="square" tIns="91425">
+            <a:noAutofit/>
+          </a:bodyPr>
+          <a:lstStyle/>
+          <a:p>
+            <a:pPr lvl="0">
+              <a:spcBef>
+                <a:spcPts val="0"/>
+              </a:spcBef>
+              <a:buNone/>
+            </a:pPr>
+            <a:r>
+              <a:rPr lang="en"/>
+              <a:t>머신러</a:t>
+            </a:r>
+            <a:r>
+              <a:rPr lang="en"/>
+              <a:t>닝</a:t>
+            </a:r>
+          </a:p>
+          <a:p>
+            <a:pPr lvl="0" rtl="0">
+              <a:spcBef>
+                <a:spcPts val="0"/>
+              </a:spcBef>
+              <a:buNone/>
+            </a:pPr>
+            <a:r>
+              <a:rPr lang="en"/>
+              <a:t>+캐글분석</a:t>
+            </a:r>
+          </a:p>
+        </p:txBody>
+      </p:sp>
+      <p:sp>
+        <p:nvSpPr>
+          <p:cNvPr id="238" name="Shape 238"/>
+          <p:cNvSpPr txBox="1"/>
+          <p:nvPr/>
+        </p:nvSpPr>
+        <p:spPr>
+          <a:xfrm>
+            <a:off x="808250" y="430575"/>
+            <a:ext cx="3106200" cy="404100"/>
+          </a:xfrm>
+          <a:prstGeom prst="rect">
+            <a:avLst/>
+          </a:prstGeom>
+          <a:noFill/>
+          <a:ln>
+            <a:noFill/>
+          </a:ln>
+        </p:spPr>
+        <p:txBody>
+          <a:bodyPr anchorCtr="0" anchor="t" bIns="91425" lIns="91425" rIns="91425" wrap="square" tIns="91425">
+            <a:noAutofit/>
+          </a:bodyPr>
+          <a:lstStyle/>
+          <a:p>
+            <a:pPr lvl="0" algn="ctr">
+              <a:spcBef>
+                <a:spcPts val="0"/>
+              </a:spcBef>
+              <a:buNone/>
+            </a:pPr>
+            <a:r>
+              <a:rPr lang="en"/>
+              <a:t>챗</a:t>
+            </a:r>
+            <a:r>
+              <a:rPr lang="en"/>
+              <a:t>봇 코퍼스 분석, </a:t>
+            </a:r>
+            <a:r>
+              <a:rPr lang="en"/>
+              <a:t>뉴</a:t>
+            </a:r>
+            <a:r>
+              <a:rPr lang="en"/>
+              <a:t>스 데이터 분석, </a:t>
+            </a:r>
+          </a:p>
+          <a:p>
+            <a:pPr lvl="0" rtl="0" algn="ctr">
+              <a:spcBef>
+                <a:spcPts val="0"/>
+              </a:spcBef>
+              <a:buNone/>
+            </a:pPr>
+            <a:r>
+              <a:rPr lang="en"/>
+              <a:t>비트코인, 온라인 광고</a:t>
+            </a:r>
+          </a:p>
+        </p:txBody>
+      </p:sp>
+      <p:sp>
+        <p:nvSpPr>
+          <p:cNvPr id="239" name="Shape 239"/>
+          <p:cNvSpPr txBox="1"/>
+          <p:nvPr/>
+        </p:nvSpPr>
+        <p:spPr>
+          <a:xfrm>
+            <a:off x="2865650" y="963975"/>
+            <a:ext cx="2157900" cy="404100"/>
+          </a:xfrm>
+          <a:prstGeom prst="rect">
+            <a:avLst/>
+          </a:prstGeom>
+          <a:noFill/>
+          <a:ln>
+            <a:noFill/>
+          </a:ln>
+        </p:spPr>
+        <p:txBody>
+          <a:bodyPr anchorCtr="0" anchor="t" bIns="91425" lIns="91425" rIns="91425" wrap="square" tIns="91425">
+            <a:noAutofit/>
+          </a:bodyPr>
+          <a:lstStyle/>
+          <a:p>
+            <a:pPr lvl="0" rtl="0">
+              <a:spcBef>
+                <a:spcPts val="0"/>
+              </a:spcBef>
+              <a:buNone/>
+            </a:pPr>
+            <a:r>
+              <a:rPr lang="en"/>
+              <a:t>Psychopy, 뇌영상분</a:t>
+            </a:r>
+            <a:r>
+              <a:rPr lang="en"/>
+              <a:t>석, 계산정신병리학</a:t>
+            </a:r>
+          </a:p>
+        </p:txBody>
+      </p:sp>
+      <p:sp>
+        <p:nvSpPr>
+          <p:cNvPr id="240" name="Shape 240"/>
+          <p:cNvSpPr txBox="1"/>
+          <p:nvPr/>
+        </p:nvSpPr>
+        <p:spPr>
+          <a:xfrm>
+            <a:off x="7437650" y="506775"/>
+            <a:ext cx="1484400" cy="404100"/>
+          </a:xfrm>
+          <a:prstGeom prst="rect">
+            <a:avLst/>
+          </a:prstGeom>
+          <a:noFill/>
+          <a:ln>
+            <a:noFill/>
+          </a:ln>
+        </p:spPr>
+        <p:txBody>
+          <a:bodyPr anchorCtr="0" anchor="t" bIns="91425" lIns="91425" rIns="91425" wrap="square" tIns="91425">
+            <a:noAutofit/>
+          </a:bodyPr>
+          <a:lstStyle/>
+          <a:p>
+            <a:pPr lvl="0" rtl="0" algn="ctr">
+              <a:spcBef>
+                <a:spcPts val="0"/>
+              </a:spcBef>
+              <a:buNone/>
+            </a:pPr>
+            <a:r>
+              <a:rPr lang="en"/>
+              <a:t>파이썬</a:t>
+            </a:r>
+            <a:r>
+              <a:rPr lang="en"/>
+              <a:t>을 이용한 자료구조 &amp; 알고리즘</a:t>
+            </a:r>
+            <a:r>
+              <a:rPr lang="en"/>
+              <a:t> 기초</a:t>
             </a:r>
           </a:p>
         </p:txBody>
@@ -11321,7 +11371,7 @@
   <p:cSld>
     <p:spTree>
       <p:nvGrpSpPr>
-        <p:cNvPr id="245" name="Shape 245"/>
+        <p:cNvPr id="244" name="Shape 244"/>
         <p:cNvGrpSpPr/>
         <p:nvPr/>
       </p:nvGrpSpPr>
@@ -11335,7 +11385,7 @@
       </p:grpSpPr>
       <p:sp>
         <p:nvSpPr>
-          <p:cNvPr id="246" name="Shape 246"/>
+          <p:cNvPr id="245" name="Shape 245"/>
           <p:cNvSpPr txBox="1"/>
           <p:nvPr>
             <p:ph type="title"/>
@@ -11364,21 +11414,33 @@
             </a:pPr>
             <a:r>
               <a:rPr lang="en"/>
-              <a:t>정통 .. 심리학 그룹!</a:t>
-            </a:r>
-          </a:p>
-        </p:txBody>
-      </p:sp>
-      <p:sp>
-        <p:nvSpPr>
-          <p:cNvPr id="247" name="Shape 247"/>
-          <p:cNvSpPr txBox="1"/>
+              <a:t>정</a:t>
+            </a:r>
+            <a:r>
+              <a:rPr lang="en"/>
+              <a:t>통 .. 심리학 그룹?</a:t>
+            </a:r>
+          </a:p>
+        </p:txBody>
+      </p:sp>
+      <p:pic>
+        <p:nvPicPr>
+          <p:cNvPr id="246" name="Shape 246"/>
+          <p:cNvPicPr preferRelativeResize="0"/>
           <p:nvPr/>
-        </p:nvSpPr>
-        <p:spPr>
-          <a:xfrm>
-            <a:off x="1548975" y="1670000"/>
-            <a:ext cx="6146700" cy="717000"/>
+        </p:nvPicPr>
+        <p:blipFill>
+          <a:blip r:embed="rId3">
+            <a:alphaModFix/>
+          </a:blip>
+          <a:stretch>
+            <a:fillRect/>
+          </a:stretch>
+        </p:blipFill>
+        <p:spPr>
+          <a:xfrm>
+            <a:off x="1742425" y="1019225"/>
+            <a:ext cx="6003626" cy="3442825"/>
           </a:xfrm>
           <a:prstGeom prst="rect">
             <a:avLst/>
@@ -11388,80 +11450,37 @@
             <a:noFill/>
           </a:ln>
         </p:spPr>
-        <p:txBody>
-          <a:bodyPr anchorCtr="0" anchor="t" bIns="91425" lIns="91425" rIns="91425" wrap="square" tIns="91425">
-            <a:noAutofit/>
-          </a:bodyPr>
-          <a:lstStyle/>
-          <a:p>
-            <a:pPr lvl="0" rtl="0" algn="ctr">
-              <a:spcBef>
-                <a:spcPts val="0"/>
-              </a:spcBef>
-              <a:buNone/>
-            </a:pPr>
-            <a:r>
-              <a:rPr lang="en" sz="3600">
-                <a:solidFill>
-                  <a:schemeClr val="dk1"/>
-                </a:solidFill>
-              </a:rPr>
-              <a:t>UBER AI Labs</a:t>
-            </a:r>
-          </a:p>
-          <a:p>
-            <a:pPr lvl="0" algn="ctr">
-              <a:spcBef>
-                <a:spcPts val="0"/>
-              </a:spcBef>
-              <a:buNone/>
-            </a:pPr>
-            <a:r>
-              <a:t/>
-            </a:r>
-            <a:endParaRPr sz="3600">
-              <a:solidFill>
-                <a:schemeClr val="dk1"/>
-              </a:solidFill>
-            </a:endParaRPr>
-          </a:p>
-          <a:p>
-            <a:pPr indent="-381000" lvl="0" marL="457200" rtl="0">
-              <a:spcBef>
-                <a:spcPts val="0"/>
-              </a:spcBef>
-              <a:spcAft>
-                <a:spcPts val="0"/>
-              </a:spcAft>
-              <a:buClr>
-                <a:schemeClr val="dk1"/>
-              </a:buClr>
-              <a:buSzPts val="2400"/>
-              <a:buChar char="●"/>
-            </a:pPr>
-            <a:r>
-              <a:rPr lang="en" sz="2400" u="sng">
-                <a:solidFill>
-                  <a:schemeClr val="hlink"/>
-                </a:solidFill>
-                <a:hlinkClick r:id="rId3"/>
-              </a:rPr>
-              <a:t>http://uber.ai/</a:t>
-            </a:r>
-          </a:p>
-          <a:p>
-            <a:pPr indent="-381000" lvl="0" marL="457200" rtl="0">
-              <a:spcBef>
-                <a:spcPts val="0"/>
-              </a:spcBef>
-              <a:spcAft>
-                <a:spcPts val="0"/>
-              </a:spcAft>
-              <a:buClr>
-                <a:schemeClr val="dk1"/>
-              </a:buClr>
-              <a:buSzPts val="2400"/>
-              <a:buChar char="●"/>
+      </p:pic>
+      <p:sp>
+        <p:nvSpPr>
+          <p:cNvPr id="247" name="Shape 247"/>
+          <p:cNvSpPr txBox="1"/>
+          <p:nvPr/>
+        </p:nvSpPr>
+        <p:spPr>
+          <a:xfrm>
+            <a:off x="2006175" y="4565600"/>
+            <a:ext cx="6146700" cy="717000"/>
+          </a:xfrm>
+          <a:prstGeom prst="rect">
+            <a:avLst/>
+          </a:prstGeom>
+          <a:noFill/>
+          <a:ln>
+            <a:noFill/>
+          </a:ln>
+        </p:spPr>
+        <p:txBody>
+          <a:bodyPr anchorCtr="0" anchor="t" bIns="91425" lIns="91425" rIns="91425" wrap="square" tIns="91425">
+            <a:noAutofit/>
+          </a:bodyPr>
+          <a:lstStyle/>
+          <a:p>
+            <a:pPr lvl="0">
+              <a:spcBef>
+                <a:spcPts val="0"/>
+              </a:spcBef>
+              <a:buNone/>
             </a:pPr>
             <a:r>
               <a:rPr lang="en" sz="2400">
@@ -11469,27 +11488,7 @@
                   <a:schemeClr val="dk1"/>
                 </a:solidFill>
               </a:rPr>
-              <a:t>Probabilistic Models</a:t>
-            </a:r>
-          </a:p>
-          <a:p>
-            <a:pPr indent="-381000" lvl="0" marL="457200" rtl="0">
-              <a:spcBef>
-                <a:spcPts val="0"/>
-              </a:spcBef>
-              <a:buClr>
-                <a:schemeClr val="dk1"/>
-              </a:buClr>
-              <a:buSzPts val="2400"/>
-              <a:buChar char="●"/>
-            </a:pPr>
-            <a:r>
-              <a:rPr lang="en" sz="2400">
-                <a:solidFill>
-                  <a:schemeClr val="dk1"/>
-                </a:solidFill>
-              </a:rPr>
-              <a:t>Deep Probabilistic Programming Library</a:t>
+              <a:t>https://cocolab.stanford.edu/ndg.html</a:t>
             </a:r>
           </a:p>
         </p:txBody>
@@ -11550,7 +11549,7 @@
             </a:pPr>
             <a:r>
               <a:rPr lang="en"/>
-              <a:t>정통 .. 심리학 그룹?</a:t>
+              <a:t>정통 .. 심리학 그룹!</a:t>
             </a:r>
           </a:p>
         </p:txBody>
@@ -11563,8 +11562,8 @@
         </p:nvSpPr>
         <p:spPr>
           <a:xfrm>
-            <a:off x="870375" y="4337000"/>
-            <a:ext cx="7587300" cy="717000"/>
+            <a:off x="1548975" y="1670000"/>
+            <a:ext cx="6146700" cy="717000"/>
           </a:xfrm>
           <a:prstGeom prst="rect">
             <a:avLst/>
@@ -11580,11 +11579,74 @@
           </a:bodyPr>
           <a:lstStyle/>
           <a:p>
-            <a:pPr lvl="0" rtl="0">
-              <a:spcBef>
-                <a:spcPts val="0"/>
-              </a:spcBef>
-              <a:buNone/>
+            <a:pPr lvl="0" rtl="0" algn="ctr">
+              <a:spcBef>
+                <a:spcPts val="0"/>
+              </a:spcBef>
+              <a:buNone/>
+            </a:pPr>
+            <a:r>
+              <a:rPr lang="en" sz="3600">
+                <a:solidFill>
+                  <a:schemeClr val="dk1"/>
+                </a:solidFill>
+              </a:rPr>
+              <a:t>UBER AI Labs</a:t>
+            </a:r>
+          </a:p>
+          <a:p>
+            <a:pPr lvl="0" algn="ctr">
+              <a:spcBef>
+                <a:spcPts val="0"/>
+              </a:spcBef>
+              <a:buNone/>
+            </a:pPr>
+            <a:r>
+              <a:t/>
+            </a:r>
+            <a:endParaRPr sz="3600">
+              <a:solidFill>
+                <a:schemeClr val="dk1"/>
+              </a:solidFill>
+            </a:endParaRPr>
+          </a:p>
+          <a:p>
+            <a:pPr indent="-381000" lvl="0" marL="457200" rtl="0">
+              <a:spcBef>
+                <a:spcPts val="0"/>
+              </a:spcBef>
+              <a:spcAft>
+                <a:spcPts val="0"/>
+              </a:spcAft>
+              <a:buClr>
+                <a:schemeClr val="dk1"/>
+              </a:buClr>
+              <a:buSzPts val="2400"/>
+              <a:buChar char="●"/>
+            </a:pPr>
+            <a:r>
+              <a:rPr lang="en" sz="2400" u="sng">
+                <a:solidFill>
+                  <a:schemeClr val="hlink"/>
+                </a:solidFill>
+                <a:hlinkClick r:id="rId3"/>
+              </a:rPr>
+              <a:t>http://uber.ai/</a:t>
+            </a:r>
+          </a:p>
+          <a:p>
+            <a:pPr indent="-381000" lvl="0" marL="457200" rtl="0">
+              <a:spcBef>
+                <a:spcPts val="0"/>
+              </a:spcBef>
+              <a:spcAft>
+                <a:spcPts val="0"/>
+              </a:spcAft>
+              <a:buClr>
+                <a:schemeClr val="dk1"/>
+              </a:buClr>
+              <a:buSzPts val="2400"/>
+              <a:buChar char="●"/>
             </a:pPr>
             <a:r>
               <a:rPr lang="en" sz="2400">
@@ -11592,39 +11654,31 @@
                   <a:schemeClr val="dk1"/>
                 </a:solidFill>
               </a:rPr>
-              <a:t>http://gershmanlab.webfactional.com/people/sam.html</a:t>
-            </a:r>
-          </a:p>
-        </p:txBody>
-      </p:sp>
-      <p:pic>
-        <p:nvPicPr>
-          <p:cNvPr id="254" name="Shape 254"/>
-          <p:cNvPicPr preferRelativeResize="0"/>
-          <p:nvPr/>
-        </p:nvPicPr>
-        <p:blipFill>
-          <a:blip r:embed="rId3">
-            <a:alphaModFix/>
-          </a:blip>
-          <a:stretch>
-            <a:fillRect/>
-          </a:stretch>
-        </p:blipFill>
-        <p:spPr>
-          <a:xfrm>
-            <a:off x="152400" y="1322525"/>
-            <a:ext cx="8839199" cy="2824802"/>
-          </a:xfrm>
-          <a:prstGeom prst="rect">
-            <a:avLst/>
-          </a:prstGeom>
-          <a:noFill/>
-          <a:ln>
-            <a:noFill/>
-          </a:ln>
-        </p:spPr>
-      </p:pic>
+              <a:t>Probabilistic Models</a:t>
+            </a:r>
+          </a:p>
+          <a:p>
+            <a:pPr indent="-381000" lvl="0" marL="457200" rtl="0">
+              <a:spcBef>
+                <a:spcPts val="0"/>
+              </a:spcBef>
+              <a:buClr>
+                <a:schemeClr val="dk1"/>
+              </a:buClr>
+              <a:buSzPts val="2400"/>
+              <a:buChar char="●"/>
+            </a:pPr>
+            <a:r>
+              <a:rPr lang="en" sz="2400">
+                <a:solidFill>
+                  <a:schemeClr val="dk1"/>
+                </a:solidFill>
+              </a:rPr>
+              <a:t>Deep Probabilistic Programming Library</a:t>
+            </a:r>
+          </a:p>
+        </p:txBody>
+      </p:sp>
     </p:spTree>
   </p:cSld>
   <p:clrMapOvr>
@@ -11638,7 +11692,7 @@
   <p:cSld>
     <p:spTree>
       <p:nvGrpSpPr>
-        <p:cNvPr id="258" name="Shape 258"/>
+        <p:cNvPr id="257" name="Shape 257"/>
         <p:cNvGrpSpPr/>
         <p:nvPr/>
       </p:nvGrpSpPr>
@@ -11652,7 +11706,7 @@
       </p:grpSpPr>
       <p:sp>
         <p:nvSpPr>
-          <p:cNvPr id="259" name="Shape 259"/>
+          <p:cNvPr id="258" name="Shape 258"/>
           <p:cNvSpPr txBox="1"/>
           <p:nvPr>
             <p:ph type="title"/>
@@ -11681,21 +11735,21 @@
             </a:pPr>
             <a:r>
               <a:rPr lang="en"/>
-              <a:t>정통 .. 심리학 그룹!</a:t>
-            </a:r>
-          </a:p>
-        </p:txBody>
-      </p:sp>
-      <p:sp>
-        <p:nvSpPr>
-          <p:cNvPr id="260" name="Shape 260"/>
+              <a:t>정통 .. 심리학 그룹?</a:t>
+            </a:r>
+          </a:p>
+        </p:txBody>
+      </p:sp>
+      <p:sp>
+        <p:nvSpPr>
+          <p:cNvPr id="259" name="Shape 259"/>
           <p:cNvSpPr txBox="1"/>
           <p:nvPr/>
         </p:nvSpPr>
         <p:spPr>
           <a:xfrm>
-            <a:off x="1167975" y="1365200"/>
-            <a:ext cx="6881400" cy="717000"/>
+            <a:off x="870375" y="4337000"/>
+            <a:ext cx="7587300" cy="717000"/>
           </a:xfrm>
           <a:prstGeom prst="rect">
             <a:avLst/>
@@ -11711,50 +11765,11 @@
           </a:bodyPr>
           <a:lstStyle/>
           <a:p>
-            <a:pPr lvl="0" rtl="0" algn="ctr">
-              <a:spcBef>
-                <a:spcPts val="0"/>
-              </a:spcBef>
-              <a:buNone/>
-            </a:pPr>
-            <a:r>
-              <a:rPr lang="en" sz="3600">
-                <a:solidFill>
-                  <a:schemeClr val="dk1"/>
-                </a:solidFill>
-              </a:rPr>
-              <a:t>DeepMind</a:t>
-            </a:r>
-          </a:p>
-          <a:p>
-            <a:pPr lvl="0" rtl="0" algn="l">
-              <a:spcBef>
-                <a:spcPts val="0"/>
-              </a:spcBef>
-              <a:buNone/>
-            </a:pPr>
-            <a:r>
-              <a:t/>
-            </a:r>
-            <a:endParaRPr sz="3600">
-              <a:solidFill>
-                <a:schemeClr val="dk1"/>
-              </a:solidFill>
-            </a:endParaRPr>
-          </a:p>
-          <a:p>
-            <a:pPr indent="-381000" lvl="0" marL="457200" rtl="0">
-              <a:spcBef>
-                <a:spcPts val="0"/>
-              </a:spcBef>
-              <a:spcAft>
-                <a:spcPts val="0"/>
-              </a:spcAft>
-              <a:buClr>
-                <a:schemeClr val="dk1"/>
-              </a:buClr>
-              <a:buSzPts val="2400"/>
-              <a:buChar char="●"/>
+            <a:pPr lvl="0" rtl="0">
+              <a:spcBef>
+                <a:spcPts val="0"/>
+              </a:spcBef>
+              <a:buNone/>
             </a:pPr>
             <a:r>
               <a:rPr lang="en" sz="2400">
@@ -11762,77 +11777,39 @@
                   <a:schemeClr val="dk1"/>
                 </a:solidFill>
               </a:rPr>
-              <a:t>The hippocampus as a 'predictive map'</a:t>
-            </a:r>
-          </a:p>
-          <a:p>
-            <a:pPr indent="-342900" lvl="1" marL="914400" rtl="0">
-              <a:spcBef>
-                <a:spcPts val="0"/>
-              </a:spcBef>
-              <a:spcAft>
-                <a:spcPts val="0"/>
-              </a:spcAft>
-              <a:buClr>
-                <a:schemeClr val="dk1"/>
-              </a:buClr>
-              <a:buSzPts val="1800"/>
-              <a:buChar char="○"/>
-            </a:pPr>
-            <a:r>
-              <a:rPr lang="en" sz="1800">
-                <a:solidFill>
-                  <a:schemeClr val="dk1"/>
-                </a:solidFill>
-              </a:rPr>
-              <a:t>https://deepmind.com/blog/hippocampus-predictive-map/</a:t>
-            </a:r>
-          </a:p>
-          <a:p>
-            <a:pPr indent="-381000" lvl="0" marL="457200" rtl="0">
-              <a:spcBef>
-                <a:spcPts val="0"/>
-              </a:spcBef>
-              <a:spcAft>
-                <a:spcPts val="0"/>
-              </a:spcAft>
-              <a:buClr>
-                <a:schemeClr val="dk1"/>
-              </a:buClr>
-              <a:buSzPts val="2400"/>
-              <a:buChar char="●"/>
-            </a:pPr>
-            <a:r>
-              <a:rPr lang="en" sz="2400">
-                <a:solidFill>
-                  <a:schemeClr val="dk1"/>
-                </a:solidFill>
-              </a:rPr>
-              <a:t>The successor representation in human reinforcement learning</a:t>
-            </a:r>
-          </a:p>
-          <a:p>
-            <a:pPr indent="-342900" lvl="1" marL="914400" rtl="0">
-              <a:spcBef>
-                <a:spcPts val="0"/>
-              </a:spcBef>
-              <a:buClr>
-                <a:schemeClr val="dk1"/>
-              </a:buClr>
-              <a:buSzPts val="1800"/>
-              <a:buChar char="○"/>
-            </a:pPr>
-            <a:r>
-              <a:rPr lang="en" sz="1800">
-                <a:solidFill>
-                  <a:schemeClr val="dk1"/>
-                </a:solidFill>
-              </a:rPr>
-              <a:t>https://deepmind.com/research/publications/successor-representation-human-reinforcement-learning/</a:t>
-            </a:r>
-          </a:p>
-        </p:txBody>
-      </p:sp>
+              <a:t>http://gershmanlab.webfactional.com/people/sam.html</a:t>
+            </a:r>
+          </a:p>
+        </p:txBody>
+      </p:sp>
+      <p:pic>
+        <p:nvPicPr>
+          <p:cNvPr id="260" name="Shape 260"/>
+          <p:cNvPicPr preferRelativeResize="0"/>
+          <p:nvPr/>
+        </p:nvPicPr>
+        <p:blipFill>
+          <a:blip r:embed="rId3">
+            <a:alphaModFix/>
+          </a:blip>
+          <a:stretch>
+            <a:fillRect/>
+          </a:stretch>
+        </p:blipFill>
+        <p:spPr>
+          <a:xfrm>
+            <a:off x="152400" y="1322525"/>
+            <a:ext cx="8839199" cy="2824802"/>
+          </a:xfrm>
+          <a:prstGeom prst="rect">
+            <a:avLst/>
+          </a:prstGeom>
+          <a:noFill/>
+          <a:ln>
+            <a:noFill/>
+          </a:ln>
+        </p:spPr>
+      </p:pic>
     </p:spTree>
   </p:cSld>
   <p:clrMapOvr>
@@ -11889,29 +11866,21 @@
             </a:pPr>
             <a:r>
               <a:rPr lang="en"/>
-              <a:t>2018</a:t>
-            </a:r>
-          </a:p>
-        </p:txBody>
-      </p:sp>
-      <p:pic>
-        <p:nvPicPr>
+              <a:t>정통 .. 심리학 그룹!</a:t>
+            </a:r>
+          </a:p>
+        </p:txBody>
+      </p:sp>
+      <p:sp>
+        <p:nvSpPr>
           <p:cNvPr id="266" name="Shape 266"/>
-          <p:cNvPicPr preferRelativeResize="0"/>
+          <p:cNvSpPr txBox="1"/>
           <p:nvPr/>
-        </p:nvPicPr>
-        <p:blipFill>
-          <a:blip r:embed="rId3">
-            <a:alphaModFix/>
-          </a:blip>
-          <a:stretch>
-            <a:fillRect/>
-          </a:stretch>
-        </p:blipFill>
-        <p:spPr>
-          <a:xfrm>
-            <a:off x="2667000" y="1029475"/>
-            <a:ext cx="3810000" cy="3810000"/>
+        </p:nvSpPr>
+        <p:spPr>
+          <a:xfrm>
+            <a:off x="1167975" y="1365200"/>
+            <a:ext cx="6881400" cy="717000"/>
           </a:xfrm>
           <a:prstGeom prst="rect">
             <a:avLst/>
@@ -11921,7 +11890,134 @@
             <a:noFill/>
           </a:ln>
         </p:spPr>
-      </p:pic>
+        <p:txBody>
+          <a:bodyPr anchorCtr="0" anchor="t" bIns="91425" lIns="91425" rIns="91425" wrap="square" tIns="91425">
+            <a:noAutofit/>
+          </a:bodyPr>
+          <a:lstStyle/>
+          <a:p>
+            <a:pPr lvl="0" rtl="0" algn="ctr">
+              <a:spcBef>
+                <a:spcPts val="0"/>
+              </a:spcBef>
+              <a:buNone/>
+            </a:pPr>
+            <a:r>
+              <a:rPr lang="en" sz="3600">
+                <a:solidFill>
+                  <a:schemeClr val="dk1"/>
+                </a:solidFill>
+              </a:rPr>
+              <a:t>DeepMind</a:t>
+            </a:r>
+          </a:p>
+          <a:p>
+            <a:pPr lvl="0" rtl="0" algn="l">
+              <a:spcBef>
+                <a:spcPts val="0"/>
+              </a:spcBef>
+              <a:buNone/>
+            </a:pPr>
+            <a:r>
+              <a:t/>
+            </a:r>
+            <a:endParaRPr sz="3600">
+              <a:solidFill>
+                <a:schemeClr val="dk1"/>
+              </a:solidFill>
+            </a:endParaRPr>
+          </a:p>
+          <a:p>
+            <a:pPr indent="-381000" lvl="0" marL="457200" rtl="0">
+              <a:spcBef>
+                <a:spcPts val="0"/>
+              </a:spcBef>
+              <a:spcAft>
+                <a:spcPts val="0"/>
+              </a:spcAft>
+              <a:buClr>
+                <a:schemeClr val="dk1"/>
+              </a:buClr>
+              <a:buSzPts val="2400"/>
+              <a:buChar char="●"/>
+            </a:pPr>
+            <a:r>
+              <a:rPr lang="en" sz="2400">
+                <a:solidFill>
+                  <a:schemeClr val="dk1"/>
+                </a:solidFill>
+              </a:rPr>
+              <a:t>The hippocampus as a 'predictive map'</a:t>
+            </a:r>
+          </a:p>
+          <a:p>
+            <a:pPr indent="-342900" lvl="1" marL="914400" rtl="0">
+              <a:spcBef>
+                <a:spcPts val="0"/>
+              </a:spcBef>
+              <a:spcAft>
+                <a:spcPts val="0"/>
+              </a:spcAft>
+              <a:buClr>
+                <a:schemeClr val="dk1"/>
+              </a:buClr>
+              <a:buSzPts val="1800"/>
+              <a:buChar char="○"/>
+            </a:pPr>
+            <a:r>
+              <a:rPr lang="en" sz="1800">
+                <a:solidFill>
+                  <a:schemeClr val="dk1"/>
+                </a:solidFill>
+              </a:rPr>
+              <a:t>https://deepmind.com/blog/hippocampus-predictive-map/</a:t>
+            </a:r>
+          </a:p>
+          <a:p>
+            <a:pPr indent="-381000" lvl="0" marL="457200" rtl="0">
+              <a:spcBef>
+                <a:spcPts val="0"/>
+              </a:spcBef>
+              <a:spcAft>
+                <a:spcPts val="0"/>
+              </a:spcAft>
+              <a:buClr>
+                <a:schemeClr val="dk1"/>
+              </a:buClr>
+              <a:buSzPts val="2400"/>
+              <a:buChar char="●"/>
+            </a:pPr>
+            <a:r>
+              <a:rPr lang="en" sz="2400">
+                <a:solidFill>
+                  <a:schemeClr val="dk1"/>
+                </a:solidFill>
+              </a:rPr>
+              <a:t>The successor representation in human reinforcement learning</a:t>
+            </a:r>
+          </a:p>
+          <a:p>
+            <a:pPr indent="-342900" lvl="1" marL="914400" rtl="0">
+              <a:spcBef>
+                <a:spcPts val="0"/>
+              </a:spcBef>
+              <a:buClr>
+                <a:schemeClr val="dk1"/>
+              </a:buClr>
+              <a:buSzPts val="1800"/>
+              <a:buChar char="○"/>
+            </a:pPr>
+            <a:r>
+              <a:rPr lang="en" sz="1800">
+                <a:solidFill>
+                  <a:schemeClr val="dk1"/>
+                </a:solidFill>
+              </a:rPr>
+              <a:t>https://deepmind.com/research/publications/successor-representation-human-reinforcement-learning/</a:t>
+            </a:r>
+          </a:p>
+        </p:txBody>
+      </p:sp>
     </p:spTree>
   </p:cSld>
   <p:clrMapOvr>
@@ -12128,132 +12224,6 @@
           </a:ln>
         </p:spPr>
       </p:pic>
-      <p:sp>
-        <p:nvSpPr>
-          <p:cNvPr id="273" name="Shape 273"/>
-          <p:cNvSpPr txBox="1"/>
-          <p:nvPr/>
-        </p:nvSpPr>
-        <p:spPr>
-          <a:xfrm>
-            <a:off x="6676125" y="2569400"/>
-            <a:ext cx="2795700" cy="404100"/>
-          </a:xfrm>
-          <a:prstGeom prst="rect">
-            <a:avLst/>
-          </a:prstGeom>
-          <a:noFill/>
-          <a:ln>
-            <a:noFill/>
-          </a:ln>
-        </p:spPr>
-        <p:txBody>
-          <a:bodyPr anchorCtr="0" anchor="t" bIns="91425" lIns="91425" rIns="91425" wrap="square" tIns="91425">
-            <a:noAutofit/>
-          </a:bodyPr>
-          <a:lstStyle/>
-          <a:p>
-            <a:pPr lvl="0" rtl="0">
-              <a:spcBef>
-                <a:spcPts val="0"/>
-              </a:spcBef>
-              <a:buNone/>
-            </a:pPr>
-            <a:r>
-              <a:rPr lang="en" sz="2400">
-                <a:solidFill>
-                  <a:srgbClr val="FF0000"/>
-                </a:solidFill>
-              </a:rPr>
-              <a:t>클라우드 컴퓨팅</a:t>
-            </a:r>
-          </a:p>
-        </p:txBody>
-      </p:sp>
-      <p:sp>
-        <p:nvSpPr>
-          <p:cNvPr id="274" name="Shape 274"/>
-          <p:cNvSpPr txBox="1"/>
-          <p:nvPr/>
-        </p:nvSpPr>
-        <p:spPr>
-          <a:xfrm>
-            <a:off x="718300" y="3684725"/>
-            <a:ext cx="2795700" cy="404100"/>
-          </a:xfrm>
-          <a:prstGeom prst="rect">
-            <a:avLst/>
-          </a:prstGeom>
-          <a:noFill/>
-          <a:ln>
-            <a:noFill/>
-          </a:ln>
-        </p:spPr>
-        <p:txBody>
-          <a:bodyPr anchorCtr="0" anchor="t" bIns="91425" lIns="91425" rIns="91425" wrap="square" tIns="91425">
-            <a:noAutofit/>
-          </a:bodyPr>
-          <a:lstStyle/>
-          <a:p>
-            <a:pPr lvl="0" rtl="0">
-              <a:spcBef>
-                <a:spcPts val="0"/>
-              </a:spcBef>
-              <a:buNone/>
-            </a:pPr>
-            <a:r>
-              <a:rPr lang="en" sz="2400">
-                <a:solidFill>
-                  <a:srgbClr val="FF0000"/>
-                </a:solidFill>
-              </a:rPr>
-              <a:t>웹 프로그래밍</a:t>
-            </a:r>
-          </a:p>
-        </p:txBody>
-      </p:sp>
-      <p:sp>
-        <p:nvSpPr>
-          <p:cNvPr id="275" name="Shape 275"/>
-          <p:cNvSpPr txBox="1"/>
-          <p:nvPr/>
-        </p:nvSpPr>
-        <p:spPr>
-          <a:xfrm>
-            <a:off x="1429875" y="1596500"/>
-            <a:ext cx="2795700" cy="404100"/>
-          </a:xfrm>
-          <a:prstGeom prst="rect">
-            <a:avLst/>
-          </a:prstGeom>
-          <a:noFill/>
-          <a:ln>
-            <a:noFill/>
-          </a:ln>
-        </p:spPr>
-        <p:txBody>
-          <a:bodyPr anchorCtr="0" anchor="t" bIns="91425" lIns="91425" rIns="91425" wrap="square" tIns="91425">
-            <a:noAutofit/>
-          </a:bodyPr>
-          <a:lstStyle/>
-          <a:p>
-            <a:pPr lvl="0" rtl="0">
-              <a:spcBef>
-                <a:spcPts val="0"/>
-              </a:spcBef>
-              <a:buNone/>
-            </a:pPr>
-            <a:r>
-              <a:rPr lang="en" sz="2400">
-                <a:solidFill>
-                  <a:srgbClr val="FF0000"/>
-                </a:solidFill>
-              </a:rPr>
-              <a:t>파이썬</a:t>
-            </a:r>
-          </a:p>
-        </p:txBody>
-      </p:sp>
     </p:spTree>
   </p:cSld>
   <p:clrMapOvr>
@@ -12267,7 +12237,7 @@
   <p:cSld>
     <p:spTree>
       <p:nvGrpSpPr>
-        <p:cNvPr id="279" name="Shape 279"/>
+        <p:cNvPr id="276" name="Shape 276"/>
         <p:cNvGrpSpPr/>
         <p:nvPr/>
       </p:nvGrpSpPr>
@@ -12281,7 +12251,7 @@
       </p:grpSpPr>
       <p:sp>
         <p:nvSpPr>
-          <p:cNvPr id="280" name="Shape 280"/>
+          <p:cNvPr id="277" name="Shape 277"/>
           <p:cNvSpPr txBox="1"/>
           <p:nvPr>
             <p:ph type="title"/>
@@ -12310,18 +12280,14 @@
             </a:pPr>
             <a:r>
               <a:rPr lang="en"/>
-              <a:t>2018 (상반</a:t>
-            </a:r>
-            <a:r>
-              <a:rPr lang="en"/>
-              <a:t>기)</a:t>
+              <a:t>2018</a:t>
             </a:r>
           </a:p>
         </p:txBody>
       </p:sp>
       <p:pic>
         <p:nvPicPr>
-          <p:cNvPr id="281" name="Shape 281"/>
+          <p:cNvPr id="278" name="Shape 278"/>
           <p:cNvPicPr preferRelativeResize="0"/>
           <p:nvPr/>
         </p:nvPicPr>
@@ -12349,13 +12315,13 @@
       </p:pic>
       <p:sp>
         <p:nvSpPr>
-          <p:cNvPr id="282" name="Shape 282"/>
+          <p:cNvPr id="279" name="Shape 279"/>
           <p:cNvSpPr txBox="1"/>
           <p:nvPr/>
         </p:nvSpPr>
         <p:spPr>
           <a:xfrm>
-            <a:off x="413500" y="1474925"/>
+            <a:off x="6676125" y="2569400"/>
             <a:ext cx="2795700" cy="404100"/>
           </a:xfrm>
           <a:prstGeom prst="rect">
@@ -12384,20 +12350,20 @@
                   <a:srgbClr val="FF0000"/>
                 </a:solidFill>
               </a:rPr>
-              <a:t>베이지안 딥러닝</a:t>
-            </a:r>
-          </a:p>
-        </p:txBody>
-      </p:sp>
-      <p:sp>
-        <p:nvSpPr>
-          <p:cNvPr id="283" name="Shape 283"/>
+              <a:t>클라우드 컴퓨팅</a:t>
+            </a:r>
+          </a:p>
+        </p:txBody>
+      </p:sp>
+      <p:sp>
+        <p:nvSpPr>
+          <p:cNvPr id="280" name="Shape 280"/>
           <p:cNvSpPr txBox="1"/>
           <p:nvPr/>
         </p:nvSpPr>
         <p:spPr>
           <a:xfrm>
-            <a:off x="1099300" y="3684725"/>
+            <a:off x="718300" y="3684725"/>
             <a:ext cx="2795700" cy="404100"/>
           </a:xfrm>
           <a:prstGeom prst="rect">
@@ -12426,20 +12392,20 @@
                   <a:srgbClr val="FF0000"/>
                 </a:solidFill>
               </a:rPr>
-              <a:t>강화학습</a:t>
-            </a:r>
-          </a:p>
-        </p:txBody>
-      </p:sp>
-      <p:sp>
-        <p:nvSpPr>
-          <p:cNvPr id="284" name="Shape 284"/>
+              <a:t>웹 프로그래밍</a:t>
+            </a:r>
+          </a:p>
+        </p:txBody>
+      </p:sp>
+      <p:sp>
+        <p:nvSpPr>
+          <p:cNvPr id="281" name="Shape 281"/>
           <p:cNvSpPr txBox="1"/>
           <p:nvPr/>
         </p:nvSpPr>
         <p:spPr>
           <a:xfrm>
-            <a:off x="6738100" y="2694125"/>
+            <a:off x="1429875" y="1596500"/>
             <a:ext cx="2795700" cy="404100"/>
           </a:xfrm>
           <a:prstGeom prst="rect">
@@ -12468,7 +12434,7 @@
                   <a:srgbClr val="FF0000"/>
                 </a:solidFill>
               </a:rPr>
-              <a:t>계산뇌인지과학</a:t>
+              <a:t>파이썬</a:t>
             </a:r>
           </a:p>
         </p:txBody>
@@ -12486,7 +12452,7 @@
   <p:cSld>
     <p:spTree>
       <p:nvGrpSpPr>
-        <p:cNvPr id="288" name="Shape 288"/>
+        <p:cNvPr id="285" name="Shape 285"/>
         <p:cNvGrpSpPr/>
         <p:nvPr/>
       </p:nvGrpSpPr>
@@ -12500,7 +12466,7 @@
       </p:grpSpPr>
       <p:sp>
         <p:nvSpPr>
-          <p:cNvPr id="289" name="Shape 289"/>
+          <p:cNvPr id="286" name="Shape 286"/>
           <p:cNvSpPr txBox="1"/>
           <p:nvPr>
             <p:ph type="title"/>
@@ -12529,14 +12495,18 @@
             </a:pPr>
             <a:r>
               <a:rPr lang="en"/>
-              <a:t>2018 (하반기)</a:t>
+              <a:t>2018 (상반</a:t>
+            </a:r>
+            <a:r>
+              <a:rPr lang="en"/>
+              <a:t>기)</a:t>
             </a:r>
           </a:p>
         </p:txBody>
       </p:sp>
       <p:pic>
         <p:nvPicPr>
-          <p:cNvPr id="290" name="Shape 290"/>
+          <p:cNvPr id="287" name="Shape 287"/>
           <p:cNvPicPr preferRelativeResize="0"/>
           <p:nvPr/>
         </p:nvPicPr>
@@ -12564,13 +12534,13 @@
       </p:pic>
       <p:sp>
         <p:nvSpPr>
-          <p:cNvPr id="291" name="Shape 291"/>
+          <p:cNvPr id="288" name="Shape 288"/>
           <p:cNvSpPr txBox="1"/>
           <p:nvPr/>
         </p:nvSpPr>
         <p:spPr>
           <a:xfrm>
-            <a:off x="1632700" y="1627325"/>
+            <a:off x="413500" y="1474925"/>
             <a:ext cx="2795700" cy="404100"/>
           </a:xfrm>
           <a:prstGeom prst="rect">
@@ -12599,20 +12569,20 @@
                   <a:srgbClr val="FF0000"/>
                 </a:solidFill>
               </a:rPr>
-              <a:t>지능</a:t>
-            </a:r>
-          </a:p>
-        </p:txBody>
-      </p:sp>
-      <p:sp>
-        <p:nvSpPr>
-          <p:cNvPr id="292" name="Shape 292"/>
+              <a:t>베이지안 딥러닝</a:t>
+            </a:r>
+          </a:p>
+        </p:txBody>
+      </p:sp>
+      <p:sp>
+        <p:nvSpPr>
+          <p:cNvPr id="289" name="Shape 289"/>
           <p:cNvSpPr txBox="1"/>
           <p:nvPr/>
         </p:nvSpPr>
         <p:spPr>
           <a:xfrm>
-            <a:off x="1708900" y="3684725"/>
+            <a:off x="1099300" y="3684725"/>
             <a:ext cx="2795700" cy="404100"/>
           </a:xfrm>
           <a:prstGeom prst="rect">
@@ -12641,20 +12611,20 @@
                   <a:srgbClr val="FF0000"/>
                 </a:solidFill>
               </a:rPr>
-              <a:t>성격</a:t>
-            </a:r>
-          </a:p>
-        </p:txBody>
-      </p:sp>
-      <p:sp>
-        <p:nvSpPr>
-          <p:cNvPr id="293" name="Shape 293"/>
+              <a:t>강화학습</a:t>
+            </a:r>
+          </a:p>
+        </p:txBody>
+      </p:sp>
+      <p:sp>
+        <p:nvSpPr>
+          <p:cNvPr id="290" name="Shape 290"/>
           <p:cNvSpPr txBox="1"/>
           <p:nvPr/>
         </p:nvSpPr>
         <p:spPr>
           <a:xfrm>
-            <a:off x="6585700" y="2770325"/>
+            <a:off x="6738100" y="2694125"/>
             <a:ext cx="2795700" cy="404100"/>
           </a:xfrm>
           <a:prstGeom prst="rect">
@@ -12683,7 +12653,7 @@
                   <a:srgbClr val="FF0000"/>
                 </a:solidFill>
               </a:rPr>
-              <a:t>정서</a:t>
+              <a:t>계산뇌인지과학</a:t>
             </a:r>
           </a:p>
         </p:txBody>
@@ -12701,7 +12671,7 @@
   <p:cSld>
     <p:spTree>
       <p:nvGrpSpPr>
-        <p:cNvPr id="297" name="Shape 297"/>
+        <p:cNvPr id="294" name="Shape 294"/>
         <p:cNvGrpSpPr/>
         <p:nvPr/>
       </p:nvGrpSpPr>
@@ -12715,7 +12685,7 @@
       </p:grpSpPr>
       <p:sp>
         <p:nvSpPr>
-          <p:cNvPr id="298" name="Shape 298"/>
+          <p:cNvPr id="295" name="Shape 295"/>
           <p:cNvSpPr txBox="1"/>
           <p:nvPr>
             <p:ph type="title"/>
@@ -12723,7 +12693,7 @@
         </p:nvSpPr>
         <p:spPr>
           <a:xfrm>
-            <a:off x="311700" y="445025"/>
+            <a:off x="311700" y="292625"/>
             <a:ext cx="8520600" cy="572700"/>
           </a:xfrm>
           <a:prstGeom prst="rect">
@@ -12744,293 +12714,14 @@
             </a:pPr>
             <a:r>
               <a:rPr lang="en"/>
-              <a:t>2018 (상반기) </a:t>
-            </a:r>
-          </a:p>
-          <a:p>
-            <a:pPr lvl="0" rtl="0">
-              <a:spcBef>
-                <a:spcPts val="0"/>
-              </a:spcBef>
-              <a:buNone/>
-            </a:pPr>
-            <a:r>
-              <a:t/>
-            </a:r>
-            <a:endParaRPr/>
-          </a:p>
-        </p:txBody>
-      </p:sp>
-      <p:sp>
-        <p:nvSpPr>
-          <p:cNvPr id="299" name="Shape 299"/>
-          <p:cNvSpPr txBox="1"/>
-          <p:nvPr>
-            <p:ph idx="1" type="body"/>
-          </p:nvPr>
-        </p:nvSpPr>
-        <p:spPr>
-          <a:xfrm>
-            <a:off x="4044375" y="1304875"/>
-            <a:ext cx="5004600" cy="3416400"/>
-          </a:xfrm>
-          <a:prstGeom prst="rect">
-            <a:avLst/>
-          </a:prstGeom>
-        </p:spPr>
-        <p:txBody>
-          <a:bodyPr anchorCtr="0" anchor="t" bIns="91425" lIns="91425" rIns="91425" wrap="square" tIns="91425">
-            <a:noAutofit/>
-          </a:bodyPr>
-          <a:lstStyle/>
-          <a:p>
-            <a:pPr lvl="0">
-              <a:spcBef>
-                <a:spcPts val="0"/>
-              </a:spcBef>
-              <a:buNone/>
-            </a:pPr>
-            <a:r>
-              <a:rPr b="1" lang="en"/>
-              <a:t>Psygent : 시</a:t>
-            </a:r>
-            <a:r>
-              <a:rPr b="1" lang="en"/>
-              <a:t>즌 1</a:t>
-            </a:r>
-            <a:r>
-              <a:rPr lang="en"/>
-              <a:t> </a:t>
-            </a:r>
-          </a:p>
-          <a:p>
-            <a:pPr indent="-317500" lvl="0" marL="457200" rtl="0">
-              <a:spcBef>
-                <a:spcPts val="0"/>
-              </a:spcBef>
-              <a:spcAft>
-                <a:spcPts val="0"/>
-              </a:spcAft>
-              <a:buClr>
-                <a:srgbClr val="FF0000"/>
-              </a:buClr>
-              <a:buSzPts val="1400"/>
-              <a:buChar char="●"/>
-            </a:pPr>
-            <a:r>
-              <a:rPr lang="en" sz="1400">
-                <a:solidFill>
-                  <a:srgbClr val="FF0000"/>
-                </a:solidFill>
-              </a:rPr>
-              <a:t>격주 수요일, 저녁 7시 - 10시 30분 (3시간 30분), 1월~6월</a:t>
-            </a:r>
-          </a:p>
-          <a:p>
-            <a:pPr indent="-317500" lvl="0" marL="457200" rtl="0">
-              <a:spcBef>
-                <a:spcPts val="0"/>
-              </a:spcBef>
-              <a:spcAft>
-                <a:spcPts val="0"/>
-              </a:spcAft>
-              <a:buSzPts val="1400"/>
-              <a:buChar char="●"/>
-            </a:pPr>
-            <a:r>
-              <a:rPr lang="en" sz="1400">
-                <a:solidFill>
-                  <a:srgbClr val="4A86E8"/>
-                </a:solidFill>
-              </a:rPr>
-              <a:t>(머피ML)</a:t>
-            </a:r>
-            <a:r>
-              <a:rPr lang="en" sz="1400"/>
-              <a:t> </a:t>
-            </a:r>
-            <a:r>
-              <a:rPr lang="en" sz="1400">
-                <a:solidFill>
-                  <a:srgbClr val="111111"/>
-                </a:solidFill>
-                <a:highlight>
-                  <a:srgbClr val="FFFFFF"/>
-                </a:highlight>
-              </a:rPr>
-              <a:t>Machine Learning: A Probabilistic Perspective </a:t>
-            </a:r>
-            <a:r>
-              <a:rPr lang="en" sz="1400"/>
-              <a:t>- 확률 그래피컬 모델링 챕터</a:t>
-            </a:r>
-          </a:p>
-          <a:p>
-            <a:pPr indent="-317500" lvl="0" marL="457200" rtl="0">
-              <a:spcBef>
-                <a:spcPts val="0"/>
-              </a:spcBef>
-              <a:spcAft>
-                <a:spcPts val="0"/>
-              </a:spcAft>
-              <a:buSzPts val="1400"/>
-              <a:buChar char="●"/>
-            </a:pPr>
-            <a:r>
-              <a:rPr lang="en" sz="1400">
-                <a:solidFill>
-                  <a:srgbClr val="4A86E8"/>
-                </a:solidFill>
-              </a:rPr>
-              <a:t>(인지AI 논문)</a:t>
-            </a:r>
-            <a:r>
-              <a:rPr lang="en" sz="1400"/>
-              <a:t> </a:t>
-            </a:r>
-            <a:r>
-              <a:rPr lang="en" sz="1400">
-                <a:solidFill>
-                  <a:srgbClr val="1D2129"/>
-                </a:solidFill>
-                <a:highlight>
-                  <a:srgbClr val="FFFFFF"/>
-                </a:highlight>
-              </a:rPr>
-              <a:t>NIPS 2017 - Cognitively Informed Artificial Intelligence: Insights From Natural Intelligence</a:t>
-            </a:r>
-          </a:p>
-          <a:p>
-            <a:pPr indent="-317500" lvl="0" marL="457200" rtl="0">
-              <a:spcBef>
-                <a:spcPts val="0"/>
-              </a:spcBef>
-              <a:spcAft>
-                <a:spcPts val="0"/>
-              </a:spcAft>
-              <a:buSzPts val="1400"/>
-              <a:buChar char="●"/>
-            </a:pPr>
-            <a:r>
-              <a:rPr lang="en" sz="1400">
-                <a:solidFill>
-                  <a:srgbClr val="4A86E8"/>
-                </a:solidFill>
-              </a:rPr>
-              <a:t>(베이지안 딥러닝 논문)</a:t>
-            </a:r>
-            <a:r>
-              <a:rPr lang="en" sz="1400"/>
-              <a:t> </a:t>
-            </a:r>
-            <a:r>
-              <a:rPr lang="en" sz="1400">
-                <a:solidFill>
-                  <a:srgbClr val="1D2129"/>
-                </a:solidFill>
-                <a:highlight>
-                  <a:srgbClr val="FFFFFF"/>
-                </a:highlight>
-              </a:rPr>
-              <a:t>NIPS 2017 - Bayesian Deep Learning</a:t>
-            </a:r>
-          </a:p>
-          <a:p>
-            <a:pPr indent="-317500" lvl="0" marL="457200" rtl="0">
-              <a:spcBef>
-                <a:spcPts val="0"/>
-              </a:spcBef>
-              <a:spcAft>
-                <a:spcPts val="0"/>
-              </a:spcAft>
-              <a:buSzPts val="1400"/>
-              <a:buChar char="●"/>
-            </a:pPr>
-            <a:r>
-              <a:rPr lang="en" sz="1400">
-                <a:solidFill>
-                  <a:srgbClr val="4A86E8"/>
-                </a:solidFill>
-              </a:rPr>
-              <a:t>(계층형 강화학습 논문)</a:t>
-            </a:r>
-            <a:r>
-              <a:rPr lang="en" sz="1400"/>
-              <a:t> </a:t>
-            </a:r>
-            <a:r>
-              <a:rPr lang="en" sz="1400">
-                <a:solidFill>
-                  <a:srgbClr val="1D2129"/>
-                </a:solidFill>
-                <a:highlight>
-                  <a:srgbClr val="FFFFFF"/>
-                </a:highlight>
-              </a:rPr>
-              <a:t>NIPS 2017 - Hierarchical RL</a:t>
-            </a:r>
-          </a:p>
-          <a:p>
-            <a:pPr indent="-317500" lvl="0" marL="457200" rtl="0">
-              <a:spcBef>
-                <a:spcPts val="0"/>
-              </a:spcBef>
-              <a:spcAft>
-                <a:spcPts val="0"/>
-              </a:spcAft>
-              <a:buSzPts val="1400"/>
-              <a:buChar char="●"/>
-            </a:pPr>
-            <a:r>
-              <a:rPr lang="en" sz="1400">
-                <a:solidFill>
-                  <a:srgbClr val="4A86E8"/>
-                </a:solidFill>
-              </a:rPr>
-              <a:t>(전략적 행동 논문)</a:t>
-            </a:r>
-            <a:r>
-              <a:rPr lang="en" sz="1400"/>
-              <a:t> </a:t>
-            </a:r>
-            <a:r>
-              <a:rPr lang="en" sz="1400">
-                <a:solidFill>
-                  <a:srgbClr val="1D2129"/>
-                </a:solidFill>
-                <a:highlight>
-                  <a:srgbClr val="FFFFFF"/>
-                </a:highlight>
-              </a:rPr>
-              <a:t>NIPS 2017 - Learning in the Presence of Strategic Behavior</a:t>
-            </a:r>
-          </a:p>
-          <a:p>
-            <a:pPr indent="-317500" lvl="0" marL="457200" rtl="0">
-              <a:spcBef>
-                <a:spcPts val="0"/>
-              </a:spcBef>
-              <a:buSzPts val="1400"/>
-              <a:buChar char="●"/>
-            </a:pPr>
-            <a:r>
-              <a:rPr lang="en" sz="1400">
-                <a:solidFill>
-                  <a:srgbClr val="4A86E8"/>
-                </a:solidFill>
-              </a:rPr>
-              <a:t>(딥마인드 논문)</a:t>
-            </a:r>
-            <a:r>
-              <a:rPr lang="en" sz="1400"/>
-              <a:t> DeepMind 사이트 게시 최신순</a:t>
+              <a:t>2018 (하반기)</a:t>
             </a:r>
           </a:p>
         </p:txBody>
       </p:sp>
       <p:pic>
         <p:nvPicPr>
-          <p:cNvPr id="300" name="Shape 300"/>
+          <p:cNvPr id="296" name="Shape 296"/>
           <p:cNvPicPr preferRelativeResize="0"/>
           <p:nvPr/>
         </p:nvPicPr>
@@ -13044,8 +12735,8 @@
         </p:blipFill>
         <p:spPr>
           <a:xfrm>
-            <a:off x="152400" y="1398725"/>
-            <a:ext cx="3686225" cy="1943646"/>
+            <a:off x="2667000" y="1029475"/>
+            <a:ext cx="3810000" cy="3810000"/>
           </a:xfrm>
           <a:prstGeom prst="rect">
             <a:avLst/>
@@ -13056,6 +12747,132 @@
           </a:ln>
         </p:spPr>
       </p:pic>
+      <p:sp>
+        <p:nvSpPr>
+          <p:cNvPr id="297" name="Shape 297"/>
+          <p:cNvSpPr txBox="1"/>
+          <p:nvPr/>
+        </p:nvSpPr>
+        <p:spPr>
+          <a:xfrm>
+            <a:off x="1632700" y="1627325"/>
+            <a:ext cx="2795700" cy="404100"/>
+          </a:xfrm>
+          <a:prstGeom prst="rect">
+            <a:avLst/>
+          </a:prstGeom>
+          <a:noFill/>
+          <a:ln>
+            <a:noFill/>
+          </a:ln>
+        </p:spPr>
+        <p:txBody>
+          <a:bodyPr anchorCtr="0" anchor="t" bIns="91425" lIns="91425" rIns="91425" wrap="square" tIns="91425">
+            <a:noAutofit/>
+          </a:bodyPr>
+          <a:lstStyle/>
+          <a:p>
+            <a:pPr lvl="0" rtl="0">
+              <a:spcBef>
+                <a:spcPts val="0"/>
+              </a:spcBef>
+              <a:buNone/>
+            </a:pPr>
+            <a:r>
+              <a:rPr lang="en" sz="2400">
+                <a:solidFill>
+                  <a:srgbClr val="FF0000"/>
+                </a:solidFill>
+              </a:rPr>
+              <a:t>지능</a:t>
+            </a:r>
+          </a:p>
+        </p:txBody>
+      </p:sp>
+      <p:sp>
+        <p:nvSpPr>
+          <p:cNvPr id="298" name="Shape 298"/>
+          <p:cNvSpPr txBox="1"/>
+          <p:nvPr/>
+        </p:nvSpPr>
+        <p:spPr>
+          <a:xfrm>
+            <a:off x="1708900" y="3684725"/>
+            <a:ext cx="2795700" cy="404100"/>
+          </a:xfrm>
+          <a:prstGeom prst="rect">
+            <a:avLst/>
+          </a:prstGeom>
+          <a:noFill/>
+          <a:ln>
+            <a:noFill/>
+          </a:ln>
+        </p:spPr>
+        <p:txBody>
+          <a:bodyPr anchorCtr="0" anchor="t" bIns="91425" lIns="91425" rIns="91425" wrap="square" tIns="91425">
+            <a:noAutofit/>
+          </a:bodyPr>
+          <a:lstStyle/>
+          <a:p>
+            <a:pPr lvl="0" rtl="0">
+              <a:spcBef>
+                <a:spcPts val="0"/>
+              </a:spcBef>
+              <a:buNone/>
+            </a:pPr>
+            <a:r>
+              <a:rPr lang="en" sz="2400">
+                <a:solidFill>
+                  <a:srgbClr val="FF0000"/>
+                </a:solidFill>
+              </a:rPr>
+              <a:t>성격</a:t>
+            </a:r>
+          </a:p>
+        </p:txBody>
+      </p:sp>
+      <p:sp>
+        <p:nvSpPr>
+          <p:cNvPr id="299" name="Shape 299"/>
+          <p:cNvSpPr txBox="1"/>
+          <p:nvPr/>
+        </p:nvSpPr>
+        <p:spPr>
+          <a:xfrm>
+            <a:off x="6585700" y="2770325"/>
+            <a:ext cx="2795700" cy="404100"/>
+          </a:xfrm>
+          <a:prstGeom prst="rect">
+            <a:avLst/>
+          </a:prstGeom>
+          <a:noFill/>
+          <a:ln>
+            <a:noFill/>
+          </a:ln>
+        </p:spPr>
+        <p:txBody>
+          <a:bodyPr anchorCtr="0" anchor="t" bIns="91425" lIns="91425" rIns="91425" wrap="square" tIns="91425">
+            <a:noAutofit/>
+          </a:bodyPr>
+          <a:lstStyle/>
+          <a:p>
+            <a:pPr lvl="0" rtl="0">
+              <a:spcBef>
+                <a:spcPts val="0"/>
+              </a:spcBef>
+              <a:buNone/>
+            </a:pPr>
+            <a:r>
+              <a:rPr lang="en" sz="2400">
+                <a:solidFill>
+                  <a:srgbClr val="FF0000"/>
+                </a:solidFill>
+              </a:rPr>
+              <a:t>정서</a:t>
+            </a:r>
+          </a:p>
+        </p:txBody>
+      </p:sp>
     </p:spTree>
   </p:cSld>
   <p:clrMapOvr>
@@ -13069,7 +12886,7 @@
   <p:cSld>
     <p:spTree>
       <p:nvGrpSpPr>
-        <p:cNvPr id="304" name="Shape 304"/>
+        <p:cNvPr id="303" name="Shape 303"/>
         <p:cNvGrpSpPr/>
         <p:nvPr/>
       </p:nvGrpSpPr>
@@ -13083,7 +12900,7 @@
       </p:grpSpPr>
       <p:sp>
         <p:nvSpPr>
-          <p:cNvPr id="305" name="Shape 305"/>
+          <p:cNvPr id="304" name="Shape 304"/>
           <p:cNvSpPr txBox="1"/>
           <p:nvPr>
             <p:ph type="title"/>
@@ -13131,7 +12948,7 @@
       </p:sp>
       <p:sp>
         <p:nvSpPr>
-          <p:cNvPr id="306" name="Shape 306"/>
+          <p:cNvPr id="305" name="Shape 305"/>
           <p:cNvSpPr txBox="1"/>
           <p:nvPr>
             <p:ph idx="1" type="body"/>
@@ -13152,7 +12969,7 @@
           </a:bodyPr>
           <a:lstStyle/>
           <a:p>
-            <a:pPr lvl="0" rtl="0">
+            <a:pPr lvl="0">
               <a:spcBef>
                 <a:spcPts val="0"/>
               </a:spcBef>
@@ -13160,7 +12977,11 @@
             </a:pPr>
             <a:r>
               <a:rPr b="1" lang="en"/>
-              <a:t>Psycode : 시즌 1</a:t>
+              <a:t>Psygent : 시</a:t>
+            </a:r>
+            <a:r>
+              <a:rPr b="1" lang="en"/>
+              <a:t>즌 1</a:t>
             </a:r>
             <a:r>
               <a:rPr lang="en"/>
@@ -13207,15 +13028,11 @@
                   <a:srgbClr val="4A86E8"/>
                 </a:solidFill>
               </a:rPr>
-              <a:t>(인공지능개론)</a:t>
+              <a:t>(머피ML)</a:t>
             </a:r>
             <a:r>
               <a:rPr lang="en" sz="1400"/>
-              <a:t> 인공지</a:t>
-            </a:r>
-            <a:r>
-              <a:rPr lang="en" sz="1400"/>
-              <a:t>능 : 현대적 접근(3판)</a:t>
+              <a:t> </a:t>
             </a:r>
             <a:r>
               <a:rPr lang="en" sz="1400">
@@ -13226,15 +13043,11 @@
                   <a:srgbClr val="FFFFFF"/>
                 </a:highlight>
               </a:rPr>
-              <a:t> </a:t>
+              <a:t>Machine Learning: A Probabilistic Perspective </a:t>
             </a:r>
             <a:r>
               <a:rPr lang="en" sz="1400"/>
-              <a:t>- 논</a:t>
-            </a:r>
-            <a:r>
-              <a:rPr lang="en" sz="1400"/>
-              <a:t>리, 지식</a:t>
+              <a:t>- 확률 그래피컬 모델링 챕터</a:t>
             </a:r>
           </a:p>
           <a:p>
@@ -13254,27 +13067,11 @@
                   <a:srgbClr val="4A86E8"/>
                 </a:solidFill>
               </a:rPr>
-              <a:t>(확</a:t>
-            </a:r>
-            <a:r>
-              <a:rPr lang="en" sz="1400">
-                <a:solidFill>
-                  <a:srgbClr val="4A86E8"/>
-                </a:solidFill>
-              </a:rPr>
-              <a:t>률 프로그래밍 실습</a:t>
-            </a:r>
-            <a:r>
-              <a:rPr lang="en" sz="1400">
-                <a:solidFill>
-                  <a:srgbClr val="4A86E8"/>
-                </a:solidFill>
-              </a:rPr>
-              <a:t>)</a:t>
+              <a:t>(인지AI 논문)</a:t>
             </a:r>
             <a:r>
               <a:rPr lang="en" sz="1400"/>
-              <a:t> Practical Probabilistic Programming</a:t>
+              <a:t> </a:t>
             </a:r>
             <a:r>
               <a:rPr lang="en" sz="1400">
@@ -13285,7 +13082,31 @@
                   <a:srgbClr val="FFFFFF"/>
                 </a:highlight>
               </a:rPr>
-              <a:t> (book, Scala) &amp; 최</a:t>
+              <a:t>NIPS 2017 - Cognitively Informed Artificial Intelligence: Insights From Natural Intelligence</a:t>
+            </a:r>
+          </a:p>
+          <a:p>
+            <a:pPr indent="-317500" lvl="0" marL="457200" rtl="0">
+              <a:spcBef>
+                <a:spcPts val="0"/>
+              </a:spcBef>
+              <a:spcAft>
+                <a:spcPts val="0"/>
+              </a:spcAft>
+              <a:buSzPts val="1400"/>
+              <a:buChar char="●"/>
+            </a:pPr>
+            <a:r>
+              <a:rPr lang="en" sz="1400">
+                <a:solidFill>
+                  <a:srgbClr val="4A86E8"/>
+                </a:solidFill>
+              </a:rPr>
+              <a:t>(베이지안 딥러닝 논문)</a:t>
+            </a:r>
+            <a:r>
+              <a:rPr lang="en" sz="1400"/>
+              <a:t> </a:t>
             </a:r>
             <a:r>
               <a:rPr lang="en" sz="1400">
@@ -13296,7 +13117,7 @@
                   <a:srgbClr val="FFFFFF"/>
                 </a:highlight>
               </a:rPr>
-              <a:t>신 파이썬 기반 라이브러리</a:t>
+              <a:t>NIPS 2017 - Bayesian Deep Learning</a:t>
             </a:r>
           </a:p>
           <a:p>
@@ -13316,51 +13137,7 @@
                   <a:srgbClr val="4A86E8"/>
                 </a:solidFill>
               </a:rPr>
-              <a:t>(강화학</a:t>
-            </a:r>
-            <a:r>
-              <a:rPr lang="en" sz="1400">
-                <a:solidFill>
-                  <a:srgbClr val="4A86E8"/>
-                </a:solidFill>
-              </a:rPr>
-              <a:t>습 실습</a:t>
-            </a:r>
-            <a:r>
-              <a:rPr lang="en" sz="1400">
-                <a:solidFill>
-                  <a:srgbClr val="4A86E8"/>
-                </a:solidFill>
-              </a:rPr>
-              <a:t>)</a:t>
-            </a:r>
-            <a:r>
-              <a:rPr lang="en" sz="1400"/>
-              <a:t> Python</a:t>
-            </a:r>
-            <a:r>
-              <a:rPr lang="en" sz="1400"/>
-              <a:t>을 이용한 강화학습 코딩 실습</a:t>
-            </a:r>
-          </a:p>
-          <a:p>
-            <a:pPr indent="-317500" lvl="0" marL="457200" rtl="0">
-              <a:spcBef>
-                <a:spcPts val="0"/>
-              </a:spcBef>
-              <a:spcAft>
-                <a:spcPts val="0"/>
-              </a:spcAft>
-              <a:buSzPts val="1400"/>
-              <a:buChar char="●"/>
-            </a:pPr>
-            <a:r>
-              <a:rPr lang="en" sz="1400">
-                <a:solidFill>
-                  <a:srgbClr val="4A86E8"/>
-                </a:solidFill>
-              </a:rPr>
-              <a:t>(딥강화학습 논문)</a:t>
+              <a:t>(계층형 강화학습 논문)</a:t>
             </a:r>
             <a:r>
               <a:rPr lang="en" sz="1400"/>
@@ -13375,7 +13152,42 @@
                   <a:srgbClr val="FFFFFF"/>
                 </a:highlight>
               </a:rPr>
-              <a:t>NIPS 2017 - Deep Reinfocement Learning</a:t>
+              <a:t>NIPS 2017 - Hierarchical RL</a:t>
+            </a:r>
+          </a:p>
+          <a:p>
+            <a:pPr indent="-317500" lvl="0" marL="457200" rtl="0">
+              <a:spcBef>
+                <a:spcPts val="0"/>
+              </a:spcBef>
+              <a:spcAft>
+                <a:spcPts val="0"/>
+              </a:spcAft>
+              <a:buSzPts val="1400"/>
+              <a:buChar char="●"/>
+            </a:pPr>
+            <a:r>
+              <a:rPr lang="en" sz="1400">
+                <a:solidFill>
+                  <a:srgbClr val="4A86E8"/>
+                </a:solidFill>
+              </a:rPr>
+              <a:t>(전략적 행동 논문)</a:t>
+            </a:r>
+            <a:r>
+              <a:rPr lang="en" sz="1400"/>
+              <a:t> </a:t>
+            </a:r>
+            <a:r>
+              <a:rPr lang="en" sz="1400">
+                <a:solidFill>
+                  <a:srgbClr val="1D2129"/>
+                </a:solidFill>
+                <a:highlight>
+                  <a:srgbClr val="FFFFFF"/>
+                </a:highlight>
+              </a:rPr>
+              <a:t>NIPS 2017 - Learning in the Presence of Strategic Behavior</a:t>
             </a:r>
           </a:p>
           <a:p>
@@ -13403,7 +13215,7 @@
       </p:sp>
       <p:pic>
         <p:nvPicPr>
-          <p:cNvPr id="307" name="Shape 307"/>
+          <p:cNvPr id="306" name="Shape 306"/>
           <p:cNvPicPr preferRelativeResize="0"/>
           <p:nvPr/>
         </p:nvPicPr>
@@ -13417,8 +13229,8 @@
         </p:blipFill>
         <p:spPr>
           <a:xfrm>
-            <a:off x="235500" y="1397788"/>
-            <a:ext cx="3686224" cy="1945516"/>
+            <a:off x="152400" y="1398725"/>
+            <a:ext cx="3686225" cy="1943646"/>
           </a:xfrm>
           <a:prstGeom prst="rect">
             <a:avLst/>
@@ -13442,7 +13254,7 @@
   <p:cSld>
     <p:spTree>
       <p:nvGrpSpPr>
-        <p:cNvPr id="311" name="Shape 311"/>
+        <p:cNvPr id="310" name="Shape 310"/>
         <p:cNvGrpSpPr/>
         <p:nvPr/>
       </p:nvGrpSpPr>
@@ -13456,7 +13268,7 @@
       </p:grpSpPr>
       <p:sp>
         <p:nvSpPr>
-          <p:cNvPr id="312" name="Shape 312"/>
+          <p:cNvPr id="311" name="Shape 311"/>
           <p:cNvSpPr txBox="1"/>
           <p:nvPr>
             <p:ph type="title"/>
@@ -13504,7 +13316,7 @@
       </p:sp>
       <p:sp>
         <p:nvSpPr>
-          <p:cNvPr id="313" name="Shape 313"/>
+          <p:cNvPr id="312" name="Shape 312"/>
           <p:cNvSpPr txBox="1"/>
           <p:nvPr>
             <p:ph idx="1" type="body"/>
@@ -13533,7 +13345,7 @@
             </a:pPr>
             <a:r>
               <a:rPr b="1" lang="en"/>
-              <a:t>Second Foundation</a:t>
+              <a:t>Psycode : 시즌 1</a:t>
             </a:r>
             <a:r>
               <a:rPr lang="en"/>
@@ -13560,7 +13372,7 @@
                   <a:srgbClr val="FF0000"/>
                 </a:solidFill>
               </a:rPr>
-              <a:t>매주 토요일, 오후 1시-3시(2시간), 1월~3월</a:t>
+              <a:t>격주 수요일, 저녁 7시 - 10시 30분 (3시간 30분), 1월~6월</a:t>
             </a:r>
           </a:p>
           <a:p>
@@ -13580,15 +13392,62 @@
                   <a:srgbClr val="4A86E8"/>
                 </a:solidFill>
               </a:rPr>
-              <a:t>(파이</a:t>
-            </a:r>
+              <a:t>(인공지능개론)</a:t>
+            </a:r>
+            <a:r>
+              <a:rPr lang="en" sz="1400"/>
+              <a:t> 인공지</a:t>
+            </a:r>
+            <a:r>
+              <a:rPr lang="en" sz="1400"/>
+              <a:t>능 : 현대적 접근(3판)</a:t>
+            </a:r>
+            <a:r>
+              <a:rPr lang="en" sz="1400">
+                <a:solidFill>
+                  <a:srgbClr val="111111"/>
+                </a:solidFill>
+                <a:highlight>
+                  <a:srgbClr val="FFFFFF"/>
+                </a:highlight>
+              </a:rPr>
+              <a:t> </a:t>
+            </a:r>
+            <a:r>
+              <a:rPr lang="en" sz="1400"/>
+              <a:t>- 논</a:t>
+            </a:r>
+            <a:r>
+              <a:rPr lang="en" sz="1400"/>
+              <a:t>리, 지식</a:t>
+            </a:r>
+          </a:p>
+          <a:p>
+            <a:pPr indent="-317500" lvl="0" marL="457200" rtl="0">
+              <a:spcBef>
+                <a:spcPts val="0"/>
+              </a:spcBef>
+              <a:spcAft>
+                <a:spcPts val="0"/>
+              </a:spcAft>
+              <a:buSzPts val="1400"/>
+              <a:buChar char="●"/>
+            </a:pPr>
             <a:r>
               <a:rPr lang="en" sz="1400">
                 <a:solidFill>
                   <a:srgbClr val="4A86E8"/>
                 </a:solidFill>
               </a:rPr>
-              <a:t>썬 중급</a:t>
+              <a:t>(확</a:t>
+            </a:r>
+            <a:r>
+              <a:rPr lang="en" sz="1400">
+                <a:solidFill>
+                  <a:srgbClr val="4A86E8"/>
+                </a:solidFill>
+              </a:rPr>
+              <a:t>률 프로그래밍 실습</a:t>
             </a:r>
             <a:r>
               <a:rPr lang="en" sz="1400">
@@ -13600,72 +13459,7 @@
             </a:r>
             <a:r>
               <a:rPr lang="en" sz="1400"/>
-              <a:t> 전문가</a:t>
-            </a:r>
-            <a:r>
-              <a:rPr lang="en" sz="1400"/>
-              <a:t>를 위한 파이썬 - 9장부터</a:t>
-            </a:r>
-          </a:p>
-          <a:p>
-            <a:pPr indent="-317500" lvl="0" marL="457200" rtl="0">
-              <a:spcBef>
-                <a:spcPts val="0"/>
-              </a:spcBef>
-              <a:spcAft>
-                <a:spcPts val="0"/>
-              </a:spcAft>
-              <a:buSzPts val="1400"/>
-              <a:buChar char="●"/>
-            </a:pPr>
-            <a:r>
-              <a:rPr lang="en" sz="1400">
-                <a:solidFill>
-                  <a:srgbClr val="4A86E8"/>
-                </a:solidFill>
-              </a:rPr>
-              <a:t>(Computational Emotion)</a:t>
-            </a:r>
-            <a:r>
-              <a:rPr lang="en" sz="1400"/>
-              <a:t> Engineering Computational Emotion - Reference Model for Emotion in Artificial Systems</a:t>
-            </a:r>
-          </a:p>
-          <a:p>
-            <a:pPr indent="-317500" lvl="0" marL="457200" rtl="0">
-              <a:spcBef>
-                <a:spcPts val="0"/>
-              </a:spcBef>
-              <a:buSzPts val="1400"/>
-              <a:buChar char="●"/>
-            </a:pPr>
-            <a:r>
-              <a:rPr lang="en" sz="1400">
-                <a:solidFill>
-                  <a:srgbClr val="4A86E8"/>
-                </a:solidFill>
-              </a:rPr>
-              <a:t>(멀티에이전</a:t>
-            </a:r>
-            <a:r>
-              <a:rPr lang="en" sz="1400">
-                <a:solidFill>
-                  <a:srgbClr val="4A86E8"/>
-                </a:solidFill>
-              </a:rPr>
-              <a:t>트 시스템 논문</a:t>
-            </a:r>
-            <a:r>
-              <a:rPr lang="en" sz="1400">
-                <a:solidFill>
-                  <a:srgbClr val="4A86E8"/>
-                </a:solidFill>
-              </a:rPr>
-              <a:t>)</a:t>
-            </a:r>
-            <a:r>
-              <a:rPr lang="en" sz="1400"/>
-              <a:t> </a:t>
+              <a:t> Practical Probabilistic Programming</a:t>
             </a:r>
             <a:r>
               <a:rPr lang="en" sz="1400">
@@ -13676,14 +13470,125 @@
                   <a:srgbClr val="FFFFFF"/>
                 </a:highlight>
               </a:rPr>
-              <a:t>NIPS 2016 - Learning, Inference and Control of Multi-Agent Systems</a:t>
+              <a:t> (book, Scala) &amp; 최</a:t>
+            </a:r>
+            <a:r>
+              <a:rPr lang="en" sz="1400">
+                <a:solidFill>
+                  <a:srgbClr val="1D2129"/>
+                </a:solidFill>
+                <a:highlight>
+                  <a:srgbClr val="FFFFFF"/>
+                </a:highlight>
+              </a:rPr>
+              <a:t>신 파이썬 기반 라이브러리</a:t>
+            </a:r>
+          </a:p>
+          <a:p>
+            <a:pPr indent="-317500" lvl="0" marL="457200" rtl="0">
+              <a:spcBef>
+                <a:spcPts val="0"/>
+              </a:spcBef>
+              <a:spcAft>
+                <a:spcPts val="0"/>
+              </a:spcAft>
+              <a:buSzPts val="1400"/>
+              <a:buChar char="●"/>
+            </a:pPr>
+            <a:r>
+              <a:rPr lang="en" sz="1400">
+                <a:solidFill>
+                  <a:srgbClr val="4A86E8"/>
+                </a:solidFill>
+              </a:rPr>
+              <a:t>(강화학</a:t>
+            </a:r>
+            <a:r>
+              <a:rPr lang="en" sz="1400">
+                <a:solidFill>
+                  <a:srgbClr val="4A86E8"/>
+                </a:solidFill>
+              </a:rPr>
+              <a:t>습 실습</a:t>
+            </a:r>
+            <a:r>
+              <a:rPr lang="en" sz="1400">
+                <a:solidFill>
+                  <a:srgbClr val="4A86E8"/>
+                </a:solidFill>
+              </a:rPr>
+              <a:t>)</a:t>
+            </a:r>
+            <a:r>
+              <a:rPr lang="en" sz="1400"/>
+              <a:t> Python</a:t>
+            </a:r>
+            <a:r>
+              <a:rPr lang="en" sz="1400"/>
+              <a:t>을 이용한 강화학습 코딩 실습</a:t>
+            </a:r>
+          </a:p>
+          <a:p>
+            <a:pPr indent="-317500" lvl="0" marL="457200" rtl="0">
+              <a:spcBef>
+                <a:spcPts val="0"/>
+              </a:spcBef>
+              <a:spcAft>
+                <a:spcPts val="0"/>
+              </a:spcAft>
+              <a:buSzPts val="1400"/>
+              <a:buChar char="●"/>
+            </a:pPr>
+            <a:r>
+              <a:rPr lang="en" sz="1400">
+                <a:solidFill>
+                  <a:srgbClr val="4A86E8"/>
+                </a:solidFill>
+              </a:rPr>
+              <a:t>(딥강화학습 논문)</a:t>
+            </a:r>
+            <a:r>
+              <a:rPr lang="en" sz="1400"/>
+              <a:t> </a:t>
+            </a:r>
+            <a:r>
+              <a:rPr lang="en" sz="1400">
+                <a:solidFill>
+                  <a:srgbClr val="1D2129"/>
+                </a:solidFill>
+                <a:highlight>
+                  <a:srgbClr val="FFFFFF"/>
+                </a:highlight>
+              </a:rPr>
+              <a:t>NIPS 2017 - Deep Reinfocement Learning</a:t>
+            </a:r>
+          </a:p>
+          <a:p>
+            <a:pPr indent="-317500" lvl="0" marL="457200" rtl="0">
+              <a:spcBef>
+                <a:spcPts val="0"/>
+              </a:spcBef>
+              <a:buSzPts val="1400"/>
+              <a:buChar char="●"/>
+            </a:pPr>
+            <a:r>
+              <a:rPr lang="en" sz="1400">
+                <a:solidFill>
+                  <a:srgbClr val="4A86E8"/>
+                </a:solidFill>
+              </a:rPr>
+              <a:t>(딥마인드 논문)</a:t>
+            </a:r>
+            <a:r>
+              <a:rPr lang="en" sz="1400"/>
+              <a:t> DeepMind 사이트 게시 최신순</a:t>
             </a:r>
           </a:p>
         </p:txBody>
       </p:sp>
       <p:pic>
         <p:nvPicPr>
-          <p:cNvPr id="314" name="Shape 314"/>
+          <p:cNvPr id="313" name="Shape 313"/>
           <p:cNvPicPr preferRelativeResize="0"/>
           <p:nvPr/>
         </p:nvPicPr>
@@ -13697,8 +13602,8 @@
         </p:blipFill>
         <p:spPr>
           <a:xfrm>
-            <a:off x="235500" y="1397800"/>
-            <a:ext cx="3686225" cy="1945494"/>
+            <a:off x="235500" y="1397788"/>
+            <a:ext cx="3686224" cy="1945516"/>
           </a:xfrm>
           <a:prstGeom prst="rect">
             <a:avLst/>
@@ -13722,7 +13627,7 @@
   <p:cSld>
     <p:spTree>
       <p:nvGrpSpPr>
-        <p:cNvPr id="318" name="Shape 318"/>
+        <p:cNvPr id="317" name="Shape 317"/>
         <p:cNvGrpSpPr/>
         <p:nvPr/>
       </p:nvGrpSpPr>
@@ -13736,7 +13641,7 @@
       </p:grpSpPr>
       <p:sp>
         <p:nvSpPr>
-          <p:cNvPr id="319" name="Shape 319"/>
+          <p:cNvPr id="318" name="Shape 318"/>
           <p:cNvSpPr txBox="1"/>
           <p:nvPr>
             <p:ph type="title"/>
@@ -13784,7 +13689,7 @@
       </p:sp>
       <p:sp>
         <p:nvSpPr>
-          <p:cNvPr id="320" name="Shape 320"/>
+          <p:cNvPr id="319" name="Shape 319"/>
           <p:cNvSpPr txBox="1"/>
           <p:nvPr>
             <p:ph idx="1" type="body"/>
@@ -13813,7 +13718,11 @@
             </a:pPr>
             <a:r>
               <a:rPr b="1" lang="en"/>
-              <a:t>어바웃 파이썬 : 겨울방학 특강</a:t>
+              <a:t>Second Foundation</a:t>
+            </a:r>
+            <a:r>
+              <a:rPr lang="en"/>
+              <a:t> </a:t>
             </a:r>
           </a:p>
           <a:p>
@@ -13836,31 +13745,7 @@
                   <a:srgbClr val="FF0000"/>
                 </a:solidFill>
               </a:rPr>
-              <a:t>매주 토요일, 오</a:t>
-            </a:r>
-            <a:r>
-              <a:rPr lang="en" sz="1400">
-                <a:solidFill>
-                  <a:srgbClr val="FF0000"/>
-                </a:solidFill>
-              </a:rPr>
-              <a:t>후 </a:t>
-            </a:r>
-            <a:r>
-              <a:rPr lang="en" sz="1400">
-                <a:solidFill>
-                  <a:srgbClr val="FF0000"/>
-                </a:solidFill>
-              </a:rPr>
-              <a:t>3시-6시(3시간), 1</a:t>
-            </a:r>
-            <a:r>
-              <a:rPr lang="en" sz="1400">
-                <a:solidFill>
-                  <a:srgbClr val="FF0000"/>
-                </a:solidFill>
-              </a:rPr>
-              <a:t>월~3월</a:t>
+              <a:t>매주 토요일, 오후 1시-3시(2시간), 1월~3월</a:t>
             </a:r>
           </a:p>
           <a:p>
@@ -13880,76 +13765,15 @@
                   <a:srgbClr val="4A86E8"/>
                 </a:solidFill>
               </a:rPr>
-              <a:t>(파이썬 기초)</a:t>
-            </a:r>
-            <a:r>
-              <a:rPr lang="en" sz="1400"/>
-              <a:t> 격주</a:t>
-            </a:r>
-            <a:r>
-              <a:rPr lang="en" sz="1400"/>
-              <a:t>로, 파이썬 기초 실습</a:t>
-            </a:r>
-          </a:p>
-          <a:p>
-            <a:pPr indent="-317500" lvl="0" marL="457200" rtl="0">
-              <a:spcBef>
-                <a:spcPts val="0"/>
-              </a:spcBef>
-              <a:spcAft>
-                <a:spcPts val="0"/>
-              </a:spcAft>
-              <a:buSzPts val="1400"/>
-              <a:buChar char="●"/>
-            </a:pPr>
+              <a:t>(파이</a:t>
+            </a:r>
             <a:r>
               <a:rPr lang="en" sz="1400">
                 <a:solidFill>
                   <a:srgbClr val="4A86E8"/>
                 </a:solidFill>
               </a:rPr>
-              <a:t>(PsychoPy 사례)</a:t>
-            </a:r>
-            <a:r>
-              <a:rPr lang="en" sz="1400"/>
-              <a:t> 격주</a:t>
-            </a:r>
-            <a:r>
-              <a:rPr lang="en" sz="1400"/>
-              <a:t>로, </a:t>
-            </a:r>
-            <a:r>
-              <a:rPr lang="en" sz="1400"/>
-              <a:t>여</a:t>
-            </a:r>
-            <a:r>
-              <a:rPr lang="en" sz="1400"/>
-              <a:t>러 인지 실험을 PsychoPy로 구현한 사례 </a:t>
-            </a:r>
-          </a:p>
-          <a:p>
-            <a:pPr indent="-317500" lvl="0" marL="457200" rtl="0">
-              <a:spcBef>
-                <a:spcPts val="0"/>
-              </a:spcBef>
-              <a:buSzPts val="1400"/>
-              <a:buChar char="●"/>
-            </a:pPr>
-            <a:r>
-              <a:rPr lang="en" sz="1400">
-                <a:solidFill>
-                  <a:srgbClr val="4A86E8"/>
-                </a:solidFill>
-              </a:rPr>
-              <a:t>(실</a:t>
-            </a:r>
-            <a:r>
-              <a:rPr lang="en" sz="1400">
-                <a:solidFill>
-                  <a:srgbClr val="4A86E8"/>
-                </a:solidFill>
-              </a:rPr>
-              <a:t>전 텍스트마이닝</a:t>
+              <a:t>썬 중급</a:t>
             </a:r>
             <a:r>
               <a:rPr lang="en" sz="1400">
@@ -13961,11 +13785,72 @@
             </a:r>
             <a:r>
               <a:rPr lang="en" sz="1400"/>
-              <a:t> 매</a:t>
+              <a:t> 전문가</a:t>
             </a:r>
             <a:r>
               <a:rPr lang="en" sz="1400"/>
-              <a:t>주 </a:t>
+              <a:t>를 위한 파이썬 - 9장부터</a:t>
+            </a:r>
+          </a:p>
+          <a:p>
+            <a:pPr indent="-317500" lvl="0" marL="457200" rtl="0">
+              <a:spcBef>
+                <a:spcPts val="0"/>
+              </a:spcBef>
+              <a:spcAft>
+                <a:spcPts val="0"/>
+              </a:spcAft>
+              <a:buSzPts val="1400"/>
+              <a:buChar char="●"/>
+            </a:pPr>
+            <a:r>
+              <a:rPr lang="en" sz="1400">
+                <a:solidFill>
+                  <a:srgbClr val="4A86E8"/>
+                </a:solidFill>
+              </a:rPr>
+              <a:t>(Computational Emotion)</a:t>
+            </a:r>
+            <a:r>
+              <a:rPr lang="en" sz="1400"/>
+              <a:t> Engineering Computational Emotion - Reference Model for Emotion in Artificial Systems</a:t>
+            </a:r>
+          </a:p>
+          <a:p>
+            <a:pPr indent="-317500" lvl="0" marL="457200" rtl="0">
+              <a:spcBef>
+                <a:spcPts val="0"/>
+              </a:spcBef>
+              <a:buSzPts val="1400"/>
+              <a:buChar char="●"/>
+            </a:pPr>
+            <a:r>
+              <a:rPr lang="en" sz="1400">
+                <a:solidFill>
+                  <a:srgbClr val="4A86E8"/>
+                </a:solidFill>
+              </a:rPr>
+              <a:t>(멀티에이전</a:t>
+            </a:r>
+            <a:r>
+              <a:rPr lang="en" sz="1400">
+                <a:solidFill>
+                  <a:srgbClr val="4A86E8"/>
+                </a:solidFill>
+              </a:rPr>
+              <a:t>트 시스템 논문</a:t>
+            </a:r>
+            <a:r>
+              <a:rPr lang="en" sz="1400">
+                <a:solidFill>
+                  <a:srgbClr val="4A86E8"/>
+                </a:solidFill>
+              </a:rPr>
+              <a:t>)</a:t>
+            </a:r>
+            <a:r>
+              <a:rPr lang="en" sz="1400"/>
+              <a:t> </a:t>
             </a:r>
             <a:r>
               <a:rPr lang="en" sz="1400">
@@ -13976,14 +13861,14 @@
                   <a:srgbClr val="FFFFFF"/>
                 </a:highlight>
               </a:rPr>
-              <a:t>한글 텍스트마이닝 실습 (토픽모델링, 워드임베딩, NER, 크롤링 등)</a:t>
+              <a:t>NIPS 2016 - Learning, Inference and Control of Multi-Agent Systems</a:t>
             </a:r>
           </a:p>
         </p:txBody>
       </p:sp>
       <p:pic>
         <p:nvPicPr>
-          <p:cNvPr id="321" name="Shape 321"/>
+          <p:cNvPr id="320" name="Shape 320"/>
           <p:cNvPicPr preferRelativeResize="0"/>
           <p:nvPr/>
         </p:nvPicPr>
@@ -13997,8 +13882,8 @@
         </p:blipFill>
         <p:spPr>
           <a:xfrm>
-            <a:off x="311700" y="1392150"/>
-            <a:ext cx="3686225" cy="1945500"/>
+            <a:off x="235500" y="1397800"/>
+            <a:ext cx="3686225" cy="1945494"/>
           </a:xfrm>
           <a:prstGeom prst="rect">
             <a:avLst/>
@@ -14022,7 +13907,7 @@
   <p:cSld>
     <p:spTree>
       <p:nvGrpSpPr>
-        <p:cNvPr id="325" name="Shape 325"/>
+        <p:cNvPr id="324" name="Shape 324"/>
         <p:cNvGrpSpPr/>
         <p:nvPr/>
       </p:nvGrpSpPr>
@@ -14036,7 +13921,7 @@
       </p:grpSpPr>
       <p:sp>
         <p:nvSpPr>
-          <p:cNvPr id="326" name="Shape 326"/>
+          <p:cNvPr id="325" name="Shape 325"/>
           <p:cNvSpPr txBox="1"/>
           <p:nvPr>
             <p:ph type="title"/>
@@ -14084,7 +13969,7 @@
       </p:sp>
       <p:sp>
         <p:nvSpPr>
-          <p:cNvPr id="327" name="Shape 327"/>
+          <p:cNvPr id="326" name="Shape 326"/>
           <p:cNvSpPr txBox="1"/>
           <p:nvPr>
             <p:ph idx="1" type="body"/>
@@ -14113,15 +13998,7 @@
             </a:pPr>
             <a:r>
               <a:rPr b="1" lang="en"/>
-              <a:t>바벨봇</a:t>
-            </a:r>
-            <a:r>
-              <a:rPr b="1" lang="en"/>
-              <a:t> : 시</a:t>
-            </a:r>
-            <a:r>
-              <a:rPr b="1" lang="en"/>
-              <a:t>즌 1</a:t>
+              <a:t>어바웃 파이썬 : 겨울방학 특강</a:t>
             </a:r>
           </a:p>
           <a:p>
@@ -14144,7 +14021,7 @@
                   <a:srgbClr val="FF0000"/>
                 </a:solidFill>
               </a:rPr>
-              <a:t>바벨피쉬X싸이그래머, 격주</a:t>
+              <a:t>매주 토요일, 오</a:t>
             </a:r>
             <a:r>
               <a:rPr lang="en" sz="1400">
@@ -14152,7 +14029,7 @@
                   <a:srgbClr val="FF0000"/>
                 </a:solidFill>
               </a:rPr>
-              <a:t> 목요일, 저</a:t>
+              <a:t>후 </a:t>
             </a:r>
             <a:r>
               <a:rPr lang="en" sz="1400">
@@ -14160,7 +14037,7 @@
                   <a:srgbClr val="FF0000"/>
                 </a:solidFill>
               </a:rPr>
-              <a:t>녁 7시 30분 </a:t>
+              <a:t>3시-6시(3시간), 1</a:t>
             </a:r>
             <a:r>
               <a:rPr lang="en" sz="1400">
@@ -14168,7 +14045,7 @@
                   <a:srgbClr val="FF0000"/>
                 </a:solidFill>
               </a:rPr>
-              <a:t>- 10시 30분(3시간), 1월~6월</a:t>
+              <a:t>월~3월</a:t>
             </a:r>
           </a:p>
           <a:p>
@@ -14188,15 +14065,76 @@
                   <a:srgbClr val="4A86E8"/>
                 </a:solidFill>
               </a:rPr>
-              <a:t>(대화</a:t>
-            </a:r>
+              <a:t>(파이썬 기초)</a:t>
+            </a:r>
+            <a:r>
+              <a:rPr lang="en" sz="1400"/>
+              <a:t> 격주</a:t>
+            </a:r>
+            <a:r>
+              <a:rPr lang="en" sz="1400"/>
+              <a:t>로, 파이썬 기초 실습</a:t>
+            </a:r>
+          </a:p>
+          <a:p>
+            <a:pPr indent="-317500" lvl="0" marL="457200" rtl="0">
+              <a:spcBef>
+                <a:spcPts val="0"/>
+              </a:spcBef>
+              <a:spcAft>
+                <a:spcPts val="0"/>
+              </a:spcAft>
+              <a:buSzPts val="1400"/>
+              <a:buChar char="●"/>
+            </a:pPr>
             <a:r>
               <a:rPr lang="en" sz="1400">
                 <a:solidFill>
                   <a:srgbClr val="4A86E8"/>
                 </a:solidFill>
               </a:rPr>
-              <a:t>형 에이전트 논문</a:t>
+              <a:t>(PsychoPy 사례)</a:t>
+            </a:r>
+            <a:r>
+              <a:rPr lang="en" sz="1400"/>
+              <a:t> 격주</a:t>
+            </a:r>
+            <a:r>
+              <a:rPr lang="en" sz="1400"/>
+              <a:t>로, </a:t>
+            </a:r>
+            <a:r>
+              <a:rPr lang="en" sz="1400"/>
+              <a:t>여</a:t>
+            </a:r>
+            <a:r>
+              <a:rPr lang="en" sz="1400"/>
+              <a:t>러 인지 실험을 PsychoPy로 구현한 사례 </a:t>
+            </a:r>
+          </a:p>
+          <a:p>
+            <a:pPr indent="-317500" lvl="0" marL="457200" rtl="0">
+              <a:spcBef>
+                <a:spcPts val="0"/>
+              </a:spcBef>
+              <a:buSzPts val="1400"/>
+              <a:buChar char="●"/>
+            </a:pPr>
+            <a:r>
+              <a:rPr lang="en" sz="1400">
+                <a:solidFill>
+                  <a:srgbClr val="4A86E8"/>
+                </a:solidFill>
+              </a:rPr>
+              <a:t>(실</a:t>
+            </a:r>
+            <a:r>
+              <a:rPr lang="en" sz="1400">
+                <a:solidFill>
+                  <a:srgbClr val="4A86E8"/>
+                </a:solidFill>
+              </a:rPr>
+              <a:t>전 텍스트마이닝</a:t>
             </a:r>
             <a:r>
               <a:rPr lang="en" sz="1400">
@@ -14208,147 +14146,29 @@
             </a:r>
             <a:r>
               <a:rPr lang="en" sz="1400"/>
-              <a:t> NIPS 2017 - Conversational AI : “Today’s Practice and Tomorrow’s Potential” </a:t>
-            </a:r>
-          </a:p>
-          <a:p>
-            <a:pPr indent="-317500" lvl="0" marL="457200" rtl="0">
-              <a:spcBef>
-                <a:spcPts val="0"/>
-              </a:spcBef>
-              <a:spcAft>
-                <a:spcPts val="0"/>
-              </a:spcAft>
-              <a:buSzPts val="1400"/>
-              <a:buChar char="●"/>
-            </a:pPr>
+              <a:t> 매</a:t>
+            </a:r>
+            <a:r>
+              <a:rPr lang="en" sz="1400"/>
+              <a:t>주 </a:t>
+            </a:r>
             <a:r>
               <a:rPr lang="en" sz="1400">
                 <a:solidFill>
-                  <a:srgbClr val="4A86E8"/>
+                  <a:srgbClr val="1D2129"/>
                 </a:solidFill>
+                <a:highlight>
+                  <a:srgbClr val="FFFFFF"/>
+                </a:highlight>
               </a:rPr>
-              <a:t>(로봇학습 논문) </a:t>
-            </a:r>
-            <a:r>
-              <a:rPr lang="en" sz="1400"/>
-              <a:t>NIPS 2017 - Acting and Interacting in Real World : Challenges in Robot Learning</a:t>
-            </a:r>
-          </a:p>
-          <a:p>
-            <a:pPr indent="-317500" lvl="0" marL="457200" rtl="0">
-              <a:spcBef>
-                <a:spcPts val="0"/>
-              </a:spcBef>
-              <a:spcAft>
-                <a:spcPts val="0"/>
-              </a:spcAft>
-              <a:buSzPts val="1400"/>
-              <a:buChar char="●"/>
-            </a:pPr>
-            <a:r>
-              <a:rPr lang="en" sz="1400">
-                <a:solidFill>
-                  <a:srgbClr val="4A86E8"/>
-                </a:solidFill>
-              </a:rPr>
-              <a:t>(커뮤니케이</a:t>
-            </a:r>
-            <a:r>
-              <a:rPr lang="en" sz="1400">
-                <a:solidFill>
-                  <a:srgbClr val="4A86E8"/>
-                </a:solidFill>
-              </a:rPr>
-              <a:t>션 창발</a:t>
-            </a:r>
-            <a:r>
-              <a:rPr lang="en" sz="1400">
-                <a:solidFill>
-                  <a:srgbClr val="4A86E8"/>
-                </a:solidFill>
-              </a:rPr>
-              <a:t>)</a:t>
-            </a:r>
-            <a:r>
-              <a:rPr lang="en" sz="1400"/>
-              <a:t> NIPS 2017 - Emergent Communication</a:t>
-            </a:r>
-          </a:p>
-          <a:p>
-            <a:pPr indent="-317500" lvl="0" marL="457200" rtl="0">
-              <a:spcBef>
-                <a:spcPts val="0"/>
-              </a:spcBef>
-              <a:spcAft>
-                <a:spcPts val="0"/>
-              </a:spcAft>
-              <a:buSzPts val="1400"/>
-              <a:buChar char="●"/>
-            </a:pPr>
-            <a:r>
-              <a:rPr lang="en" sz="1400">
-                <a:solidFill>
-                  <a:srgbClr val="4A86E8"/>
-                </a:solidFill>
-              </a:rPr>
-              <a:t>(딥러닝 추천시스템)</a:t>
-            </a:r>
-            <a:r>
-              <a:rPr lang="en" sz="1400"/>
-              <a:t> DLRS 2017 - Deep Learning for Recommender Systems</a:t>
-            </a:r>
-          </a:p>
-          <a:p>
-            <a:pPr indent="-317500" lvl="0" marL="457200" rtl="0">
-              <a:spcBef>
-                <a:spcPts val="0"/>
-              </a:spcBef>
-              <a:spcAft>
-                <a:spcPts val="0"/>
-              </a:spcAft>
-              <a:buSzPts val="1400"/>
-              <a:buChar char="●"/>
-            </a:pPr>
-            <a:r>
-              <a:rPr lang="en" sz="1400">
-                <a:solidFill>
-                  <a:srgbClr val="4A86E8"/>
-                </a:solidFill>
-              </a:rPr>
-              <a:t>(딥러닝 검색시스템)</a:t>
-            </a:r>
-            <a:r>
-              <a:rPr lang="en" sz="1400"/>
-              <a:t> Neur-IR 2017 : Workshop on Neural Information Retrieval</a:t>
-            </a:r>
-          </a:p>
-          <a:p>
-            <a:pPr indent="-317500" lvl="0" marL="457200" rtl="0">
-              <a:spcBef>
-                <a:spcPts val="0"/>
-              </a:spcBef>
-              <a:buSzPts val="1400"/>
-              <a:buChar char="●"/>
-            </a:pPr>
-            <a:r>
-              <a:rPr lang="en" sz="1400">
-                <a:solidFill>
-                  <a:srgbClr val="4A86E8"/>
-                </a:solidFill>
-              </a:rPr>
-              <a:t>(ML 시스템)</a:t>
-            </a:r>
-            <a:r>
-              <a:rPr lang="en" sz="1400"/>
-              <a:t> NIPS 2017 - ML Systems</a:t>
+              <a:t>한글 텍스트마이닝 실습 (토픽모델링, 워드임베딩, NER, 크롤링 등)</a:t>
             </a:r>
           </a:p>
         </p:txBody>
       </p:sp>
       <p:pic>
         <p:nvPicPr>
-          <p:cNvPr id="328" name="Shape 328"/>
+          <p:cNvPr id="327" name="Shape 327"/>
           <p:cNvPicPr preferRelativeResize="0"/>
           <p:nvPr/>
         </p:nvPicPr>
@@ -14387,7 +14207,7 @@
   <p:cSld>
     <p:spTree>
       <p:nvGrpSpPr>
-        <p:cNvPr id="332" name="Shape 332"/>
+        <p:cNvPr id="331" name="Shape 331"/>
         <p:cNvGrpSpPr/>
         <p:nvPr/>
       </p:nvGrpSpPr>
@@ -14401,7 +14221,7 @@
       </p:grpSpPr>
       <p:sp>
         <p:nvSpPr>
-          <p:cNvPr id="333" name="Shape 333"/>
+          <p:cNvPr id="332" name="Shape 332"/>
           <p:cNvSpPr txBox="1"/>
           <p:nvPr>
             <p:ph type="title"/>
@@ -14449,7 +14269,7 @@
       </p:sp>
       <p:sp>
         <p:nvSpPr>
-          <p:cNvPr id="334" name="Shape 334"/>
+          <p:cNvPr id="333" name="Shape 333"/>
           <p:cNvSpPr txBox="1"/>
           <p:nvPr>
             <p:ph idx="1" type="body"/>
@@ -14478,11 +14298,15 @@
             </a:pPr>
             <a:r>
               <a:rPr b="1" lang="en"/>
-              <a:t>ReBasic</a:t>
+              <a:t>바벨봇</a:t>
             </a:r>
             <a:r>
               <a:rPr b="1" lang="en"/>
-              <a:t> : 시즌 1</a:t>
+              <a:t> : 시</a:t>
+            </a:r>
+            <a:r>
+              <a:rPr b="1" lang="en"/>
+              <a:t>즌 1</a:t>
             </a:r>
           </a:p>
           <a:p>
@@ -14505,7 +14329,7 @@
                   <a:srgbClr val="FF0000"/>
                 </a:solidFill>
               </a:rPr>
-              <a:t>딥리워드</a:t>
+              <a:t>바벨피쉬X싸이그래머, 격주</a:t>
             </a:r>
             <a:r>
               <a:rPr lang="en" sz="1400">
@@ -14513,7 +14337,23 @@
                   <a:srgbClr val="FF0000"/>
                 </a:solidFill>
               </a:rPr>
-              <a:t>X싸이그래머, 격주 월요일, 저녁 7시 30분 - 10시 30분(3시간), 1월~6월</a:t>
+              <a:t> 목요일, 저</a:t>
+            </a:r>
+            <a:r>
+              <a:rPr lang="en" sz="1400">
+                <a:solidFill>
+                  <a:srgbClr val="FF0000"/>
+                </a:solidFill>
+              </a:rPr>
+              <a:t>녁 7시 30분 </a:t>
+            </a:r>
+            <a:r>
+              <a:rPr lang="en" sz="1400">
+                <a:solidFill>
+                  <a:srgbClr val="FF0000"/>
+                </a:solidFill>
+              </a:rPr>
+              <a:t>- 10시 30분(3시간), 1월~6월</a:t>
             </a:r>
           </a:p>
           <a:p>
@@ -14533,7 +14373,7 @@
                   <a:srgbClr val="4A86E8"/>
                 </a:solidFill>
               </a:rPr>
-              <a:t>(강화학</a:t>
+              <a:t>(대화</a:t>
             </a:r>
             <a:r>
               <a:rPr lang="en" sz="1400">
@@ -14541,7 +14381,7 @@
                   <a:srgbClr val="4A86E8"/>
                 </a:solidFill>
               </a:rPr>
-              <a:t>습 기초</a:t>
+              <a:t>형 에이전트 논문</a:t>
             </a:r>
             <a:r>
               <a:rPr lang="en" sz="1400">
@@ -14553,19 +14393,7 @@
             </a:r>
             <a:r>
               <a:rPr lang="en" sz="1400"/>
-              <a:t> </a:t>
-            </a:r>
-            <a:r>
-              <a:rPr lang="en" sz="1400">
-                <a:solidFill>
-                  <a:srgbClr val="000000"/>
-                </a:solidFill>
-              </a:rPr>
-              <a:t>Sutton &amp; Barto's book Reinforcement Learning: An Introduction (2nd Edition)</a:t>
-            </a:r>
-            <a:r>
-              <a:rPr lang="en" sz="1400"/>
-              <a:t> </a:t>
+              <a:t> NIPS 2017 - Conversational AI : “Today’s Practice and Tomorrow’s Potential” </a:t>
             </a:r>
           </a:p>
           <a:p>
@@ -14573,6 +14401,9 @@
               <a:spcBef>
                 <a:spcPts val="0"/>
               </a:spcBef>
+              <a:spcAft>
+                <a:spcPts val="0"/>
+              </a:spcAft>
               <a:buSzPts val="1400"/>
               <a:buChar char="●"/>
             </a:pPr>
@@ -14582,15 +14413,31 @@
                   <a:srgbClr val="4A86E8"/>
                 </a:solidFill>
               </a:rPr>
-              <a:t>(딥강화학</a:t>
-            </a:r>
+              <a:t>(로봇학습 논문) </a:t>
+            </a:r>
+            <a:r>
+              <a:rPr lang="en" sz="1400"/>
+              <a:t>NIPS 2017 - Acting and Interacting in Real World : Challenges in Robot Learning</a:t>
+            </a:r>
+          </a:p>
+          <a:p>
+            <a:pPr indent="-317500" lvl="0" marL="457200" rtl="0">
+              <a:spcBef>
+                <a:spcPts val="0"/>
+              </a:spcBef>
+              <a:spcAft>
+                <a:spcPts val="0"/>
+              </a:spcAft>
+              <a:buSzPts val="1400"/>
+              <a:buChar char="●"/>
+            </a:pPr>
             <a:r>
               <a:rPr lang="en" sz="1400">
                 <a:solidFill>
                   <a:srgbClr val="4A86E8"/>
                 </a:solidFill>
               </a:rPr>
-              <a:t>습 부트캠프</a:t>
+              <a:t>(커뮤니케이</a:t>
             </a:r>
             <a:r>
               <a:rPr lang="en" sz="1400">
@@ -14598,22 +14445,95 @@
                   <a:srgbClr val="4A86E8"/>
                 </a:solidFill>
               </a:rPr>
-              <a:t>) </a:t>
+              <a:t>션 창발</a:t>
             </a:r>
             <a:r>
               <a:rPr lang="en" sz="1400">
                 <a:solidFill>
-                  <a:srgbClr val="000000"/>
+                  <a:srgbClr val="4A86E8"/>
                 </a:solidFill>
               </a:rPr>
-              <a:t>Deep Reinforcement Learning Bootcamp (2017)</a:t>
+              <a:t>)</a:t>
+            </a:r>
+            <a:r>
+              <a:rPr lang="en" sz="1400"/>
+              <a:t> NIPS 2017 - Emergent Communication</a:t>
+            </a:r>
+          </a:p>
+          <a:p>
+            <a:pPr indent="-317500" lvl="0" marL="457200" rtl="0">
+              <a:spcBef>
+                <a:spcPts val="0"/>
+              </a:spcBef>
+              <a:spcAft>
+                <a:spcPts val="0"/>
+              </a:spcAft>
+              <a:buSzPts val="1400"/>
+              <a:buChar char="●"/>
+            </a:pPr>
+            <a:r>
+              <a:rPr lang="en" sz="1400">
+                <a:solidFill>
+                  <a:srgbClr val="4A86E8"/>
+                </a:solidFill>
+              </a:rPr>
+              <a:t>(딥러닝 추천시스템)</a:t>
+            </a:r>
+            <a:r>
+              <a:rPr lang="en" sz="1400"/>
+              <a:t> DLRS 2017 - Deep Learning for Recommender Systems</a:t>
+            </a:r>
+          </a:p>
+          <a:p>
+            <a:pPr indent="-317500" lvl="0" marL="457200" rtl="0">
+              <a:spcBef>
+                <a:spcPts val="0"/>
+              </a:spcBef>
+              <a:spcAft>
+                <a:spcPts val="0"/>
+              </a:spcAft>
+              <a:buSzPts val="1400"/>
+              <a:buChar char="●"/>
+            </a:pPr>
+            <a:r>
+              <a:rPr lang="en" sz="1400">
+                <a:solidFill>
+                  <a:srgbClr val="4A86E8"/>
+                </a:solidFill>
+              </a:rPr>
+              <a:t>(딥러닝 검색시스템)</a:t>
+            </a:r>
+            <a:r>
+              <a:rPr lang="en" sz="1400"/>
+              <a:t> Neur-IR 2017 : Workshop on Neural Information Retrieval</a:t>
+            </a:r>
+          </a:p>
+          <a:p>
+            <a:pPr indent="-317500" lvl="0" marL="457200" rtl="0">
+              <a:spcBef>
+                <a:spcPts val="0"/>
+              </a:spcBef>
+              <a:buSzPts val="1400"/>
+              <a:buChar char="●"/>
+            </a:pPr>
+            <a:r>
+              <a:rPr lang="en" sz="1400">
+                <a:solidFill>
+                  <a:srgbClr val="4A86E8"/>
+                </a:solidFill>
+              </a:rPr>
+              <a:t>(ML 시스템)</a:t>
+            </a:r>
+            <a:r>
+              <a:rPr lang="en" sz="1400"/>
+              <a:t> NIPS 2017 - ML Systems</a:t>
             </a:r>
           </a:p>
         </p:txBody>
       </p:sp>
       <p:pic>
         <p:nvPicPr>
-          <p:cNvPr id="335" name="Shape 335"/>
+          <p:cNvPr id="334" name="Shape 334"/>
           <p:cNvPicPr preferRelativeResize="0"/>
           <p:nvPr/>
         </p:nvPicPr>
@@ -14627,8 +14547,8 @@
         </p:blipFill>
         <p:spPr>
           <a:xfrm>
-            <a:off x="311700" y="1488600"/>
-            <a:ext cx="3686225" cy="1905000"/>
+            <a:off x="311700" y="1392150"/>
+            <a:ext cx="3686225" cy="1945500"/>
           </a:xfrm>
           <a:prstGeom prst="rect">
             <a:avLst/>
@@ -14652,7 +14572,7 @@
   <p:cSld>
     <p:spTree>
       <p:nvGrpSpPr>
-        <p:cNvPr id="339" name="Shape 339"/>
+        <p:cNvPr id="338" name="Shape 338"/>
         <p:cNvGrpSpPr/>
         <p:nvPr/>
       </p:nvGrpSpPr>
@@ -14666,7 +14586,7 @@
       </p:grpSpPr>
       <p:sp>
         <p:nvSpPr>
-          <p:cNvPr id="340" name="Shape 340"/>
+          <p:cNvPr id="339" name="Shape 339"/>
           <p:cNvSpPr txBox="1"/>
           <p:nvPr>
             <p:ph type="title"/>
@@ -14695,7 +14615,7 @@
             </a:pPr>
             <a:r>
               <a:rPr lang="en"/>
-              <a:t>2018 (상반기)</a:t>
+              <a:t>2018 (상반기) </a:t>
             </a:r>
           </a:p>
           <a:p>
@@ -14714,7 +14634,7 @@
       </p:sp>
       <p:sp>
         <p:nvSpPr>
-          <p:cNvPr id="341" name="Shape 341"/>
+          <p:cNvPr id="340" name="Shape 340"/>
           <p:cNvSpPr txBox="1"/>
           <p:nvPr>
             <p:ph idx="1" type="body"/>
@@ -14722,8 +14642,8 @@
         </p:nvSpPr>
         <p:spPr>
           <a:xfrm>
-            <a:off x="1682175" y="1609675"/>
-            <a:ext cx="2842500" cy="1302900"/>
+            <a:off x="4044375" y="1304875"/>
+            <a:ext cx="5004600" cy="3416400"/>
           </a:xfrm>
           <a:prstGeom prst="rect">
             <a:avLst/>
@@ -14742,24 +14662,16 @@
               <a:buNone/>
             </a:pPr>
             <a:r>
-              <a:rPr b="1" lang="en" sz="1000"/>
-              <a:t>파이그래머</a:t>
-            </a:r>
-            <a:r>
-              <a:rPr b="1" lang="en" sz="1000"/>
-              <a:t> : 파</a:t>
-            </a:r>
-            <a:r>
-              <a:rPr b="1" lang="en" sz="1000"/>
-              <a:t>트 </a:t>
-            </a:r>
-            <a:r>
-              <a:rPr b="1" lang="en" sz="1000"/>
-              <a:t>1 </a:t>
-            </a:r>
-          </a:p>
-          <a:p>
-            <a:pPr indent="-292100" lvl="0" marL="457200" rtl="0">
+              <a:rPr b="1" lang="en"/>
+              <a:t>ReBasic</a:t>
+            </a:r>
+            <a:r>
+              <a:rPr b="1" lang="en"/>
+              <a:t> : 시즌 1</a:t>
+            </a:r>
+          </a:p>
+          <a:p>
+            <a:pPr indent="-317500" lvl="0" marL="457200" rtl="0">
               <a:spcBef>
                 <a:spcPts val="0"/>
               </a:spcBef>
@@ -14769,144 +14681,124 @@
               <a:buClr>
                 <a:srgbClr val="FF0000"/>
               </a:buClr>
-              <a:buSzPts val="1000"/>
+              <a:buSzPts val="1400"/>
               <a:buChar char="●"/>
             </a:pPr>
             <a:r>
-              <a:rPr lang="en" sz="1000">
+              <a:rPr lang="en" sz="1400">
                 <a:solidFill>
                   <a:srgbClr val="FF0000"/>
                 </a:solidFill>
               </a:rPr>
-              <a:t>싸이그래머,</a:t>
-            </a:r>
-            <a:r>
-              <a:rPr lang="en" sz="1000">
+              <a:t>딥리워드</a:t>
+            </a:r>
+            <a:r>
+              <a:rPr lang="en" sz="1400">
                 <a:solidFill>
                   <a:srgbClr val="FF0000"/>
                 </a:solidFill>
               </a:rPr>
-              <a:t> 격주 화요일, 저녁 7시 30분 - 10시 30분(3시간), 2017</a:t>
-            </a:r>
-            <a:r>
-              <a:rPr lang="en" sz="1000">
-                <a:solidFill>
-                  <a:srgbClr val="FF0000"/>
-                </a:solidFill>
-              </a:rPr>
-              <a:t>년 </a:t>
-            </a:r>
-            <a:r>
-              <a:rPr lang="en" sz="1000">
-                <a:solidFill>
-                  <a:srgbClr val="FF0000"/>
-                </a:solidFill>
-              </a:rPr>
-              <a:t>11월 ~ </a:t>
-            </a:r>
-          </a:p>
-          <a:p>
-            <a:pPr indent="-292100" lvl="0" marL="457200" rtl="0">
-              <a:spcBef>
-                <a:spcPts val="0"/>
-              </a:spcBef>
-              <a:buSzPts val="1000"/>
+              <a:t>X싸이그래머, 격주 월요일, 저녁 7시 30분 - 10시 30분(3시간), 1월~6월</a:t>
+            </a:r>
+          </a:p>
+          <a:p>
+            <a:pPr indent="-317500" lvl="0" marL="457200" rtl="0">
+              <a:spcBef>
+                <a:spcPts val="0"/>
+              </a:spcBef>
+              <a:spcAft>
+                <a:spcPts val="0"/>
+              </a:spcAft>
+              <a:buSzPts val="1400"/>
               <a:buChar char="●"/>
             </a:pPr>
             <a:r>
-              <a:rPr lang="en" sz="1000">
+              <a:rPr lang="en" sz="1400">
                 <a:solidFill>
                   <a:srgbClr val="4A86E8"/>
                 </a:solidFill>
               </a:rPr>
-              <a:t>파이썬을 이용한 자료구조 &amp; 알고리즘</a:t>
-            </a:r>
-          </a:p>
-        </p:txBody>
-      </p:sp>
-      <p:sp>
-        <p:nvSpPr>
-          <p:cNvPr id="342" name="Shape 342"/>
-          <p:cNvSpPr txBox="1"/>
-          <p:nvPr>
-            <p:ph idx="1" type="body"/>
-          </p:nvPr>
-        </p:nvSpPr>
-        <p:spPr>
-          <a:xfrm>
-            <a:off x="6177975" y="1609675"/>
-            <a:ext cx="2842500" cy="1302900"/>
-          </a:xfrm>
-          <a:prstGeom prst="rect">
-            <a:avLst/>
-          </a:prstGeom>
-        </p:spPr>
-        <p:txBody>
-          <a:bodyPr anchorCtr="0" anchor="t" bIns="91425" lIns="91425" rIns="91425" wrap="square" tIns="91425">
-            <a:noAutofit/>
-          </a:bodyPr>
-          <a:lstStyle/>
-          <a:p>
-            <a:pPr lvl="0" rtl="0">
-              <a:spcBef>
-                <a:spcPts val="0"/>
-              </a:spcBef>
-              <a:buNone/>
-            </a:pPr>
-            <a:r>
-              <a:rPr b="1" lang="en" sz="1000"/>
-              <a:t>뷰티플체인</a:t>
-            </a:r>
-            <a:r>
-              <a:rPr b="1" lang="en" sz="1000"/>
-              <a:t> : 파트 1 </a:t>
-            </a:r>
-          </a:p>
-          <a:p>
-            <a:pPr indent="-292100" lvl="0" marL="457200" rtl="0">
-              <a:spcBef>
-                <a:spcPts val="0"/>
-              </a:spcBef>
-              <a:spcAft>
-                <a:spcPts val="0"/>
-              </a:spcAft>
-              <a:buClr>
-                <a:srgbClr val="FF0000"/>
-              </a:buClr>
-              <a:buSzPts val="1000"/>
-              <a:buChar char="●"/>
-            </a:pPr>
-            <a:r>
-              <a:rPr lang="en" sz="1000">
-                <a:solidFill>
-                  <a:srgbClr val="FF0000"/>
-                </a:solidFill>
-              </a:rPr>
-              <a:t>싸이지먼트X싸이그래머, 격주 화요일, 저녁 7시 30분 - 10시 30분(3시간), 2017년 11월 ~ </a:t>
-            </a:r>
-          </a:p>
-          <a:p>
-            <a:pPr indent="-292100" lvl="0" marL="457200" rtl="0">
-              <a:spcBef>
-                <a:spcPts val="0"/>
-              </a:spcBef>
-              <a:buSzPts val="1000"/>
-              <a:buChar char="●"/>
-            </a:pPr>
-            <a:r>
-              <a:rPr lang="en" sz="1000">
+              <a:t>(강화학</a:t>
+            </a:r>
+            <a:r>
+              <a:rPr lang="en" sz="1400">
                 <a:solidFill>
                   <a:srgbClr val="4A86E8"/>
                 </a:solidFill>
               </a:rPr>
-              <a:t>비트코인 + 시계열 데이터 ML + 확률과정</a:t>
+              <a:t>습 기초</a:t>
+            </a:r>
+            <a:r>
+              <a:rPr lang="en" sz="1400">
+                <a:solidFill>
+                  <a:srgbClr val="4A86E8"/>
+                </a:solidFill>
+              </a:rPr>
+              <a:t>)</a:t>
+            </a:r>
+            <a:r>
+              <a:rPr lang="en" sz="1400"/>
+              <a:t> </a:t>
+            </a:r>
+            <a:r>
+              <a:rPr lang="en" sz="1400">
+                <a:solidFill>
+                  <a:srgbClr val="000000"/>
+                </a:solidFill>
+              </a:rPr>
+              <a:t>Sutton &amp; Barto's book Reinforcement Learning: An Introduction (2nd Edition)</a:t>
+            </a:r>
+            <a:r>
+              <a:rPr lang="en" sz="1400"/>
+              <a:t> </a:t>
+            </a:r>
+          </a:p>
+          <a:p>
+            <a:pPr indent="-317500" lvl="0" marL="457200" rtl="0">
+              <a:spcBef>
+                <a:spcPts val="0"/>
+              </a:spcBef>
+              <a:buSzPts val="1400"/>
+              <a:buChar char="●"/>
+            </a:pPr>
+            <a:r>
+              <a:rPr lang="en" sz="1400">
+                <a:solidFill>
+                  <a:srgbClr val="4A86E8"/>
+                </a:solidFill>
+              </a:rPr>
+              <a:t>(딥강화학</a:t>
+            </a:r>
+            <a:r>
+              <a:rPr lang="en" sz="1400">
+                <a:solidFill>
+                  <a:srgbClr val="4A86E8"/>
+                </a:solidFill>
+              </a:rPr>
+              <a:t>습 부트캠프</a:t>
+            </a:r>
+            <a:r>
+              <a:rPr lang="en" sz="1400">
+                <a:solidFill>
+                  <a:srgbClr val="4A86E8"/>
+                </a:solidFill>
+              </a:rPr>
+              <a:t>) </a:t>
+            </a:r>
+            <a:r>
+              <a:rPr lang="en" sz="1400">
+                <a:solidFill>
+                  <a:srgbClr val="000000"/>
+                </a:solidFill>
+              </a:rPr>
+              <a:t>Deep Reinforcement Learning Bootcamp (2017)</a:t>
             </a:r>
           </a:p>
         </p:txBody>
       </p:sp>
       <p:pic>
         <p:nvPicPr>
-          <p:cNvPr id="343" name="Shape 343"/>
+          <p:cNvPr id="341" name="Shape 341"/>
           <p:cNvPicPr preferRelativeResize="0"/>
           <p:nvPr/>
         </p:nvPicPr>
@@ -14920,272 +14812,8 @@
         </p:blipFill>
         <p:spPr>
           <a:xfrm>
-            <a:off x="136750" y="3445350"/>
-            <a:ext cx="1517276" cy="1302825"/>
-          </a:xfrm>
-          <a:prstGeom prst="rect">
-            <a:avLst/>
-          </a:prstGeom>
-          <a:noFill/>
-          <a:ln>
-            <a:noFill/>
-          </a:ln>
-        </p:spPr>
-      </p:pic>
-      <p:sp>
-        <p:nvSpPr>
-          <p:cNvPr id="344" name="Shape 344"/>
-          <p:cNvSpPr txBox="1"/>
-          <p:nvPr>
-            <p:ph idx="1" type="body"/>
-          </p:nvPr>
-        </p:nvSpPr>
-        <p:spPr>
-          <a:xfrm>
-            <a:off x="1682175" y="3362275"/>
-            <a:ext cx="2842500" cy="1302900"/>
-          </a:xfrm>
-          <a:prstGeom prst="rect">
-            <a:avLst/>
-          </a:prstGeom>
-        </p:spPr>
-        <p:txBody>
-          <a:bodyPr anchorCtr="0" anchor="t" bIns="91425" lIns="91425" rIns="91425" wrap="square" tIns="91425">
-            <a:noAutofit/>
-          </a:bodyPr>
-          <a:lstStyle/>
-          <a:p>
-            <a:pPr lvl="0" rtl="0">
-              <a:spcBef>
-                <a:spcPts val="0"/>
-              </a:spcBef>
-              <a:buNone/>
-            </a:pPr>
-            <a:r>
-              <a:rPr b="1" lang="en" sz="1000"/>
-              <a:t>손바닥ML : 파트 1</a:t>
-            </a:r>
-          </a:p>
-          <a:p>
-            <a:pPr indent="-292100" lvl="0" marL="457200" rtl="0">
-              <a:spcBef>
-                <a:spcPts val="0"/>
-              </a:spcBef>
-              <a:spcAft>
-                <a:spcPts val="0"/>
-              </a:spcAft>
-              <a:buClr>
-                <a:srgbClr val="FF0000"/>
-              </a:buClr>
-              <a:buSzPts val="1000"/>
-              <a:buChar char="●"/>
-            </a:pPr>
-            <a:r>
-              <a:rPr lang="en" sz="1000">
-                <a:solidFill>
-                  <a:srgbClr val="FF0000"/>
-                </a:solidFill>
-              </a:rPr>
-              <a:t>싸이그래머X캐글뽀개기, 격주 수요일, 저녁 7시 30분 - 10시 30분(3시간), 2017년 11월 ~ </a:t>
-            </a:r>
-          </a:p>
-          <a:p>
-            <a:pPr indent="-292100" lvl="0" marL="457200" rtl="0">
-              <a:spcBef>
-                <a:spcPts val="0"/>
-              </a:spcBef>
-              <a:buSzPts val="1000"/>
-              <a:buChar char="●"/>
-            </a:pPr>
-            <a:r>
-              <a:rPr lang="en" sz="1000">
-                <a:solidFill>
-                  <a:srgbClr val="4A86E8"/>
-                </a:solidFill>
-              </a:rPr>
-              <a:t>머신러닝 기초(tensorflow) + 캐글 분석</a:t>
-            </a:r>
-          </a:p>
-        </p:txBody>
-      </p:sp>
-      <p:sp>
-        <p:nvSpPr>
-          <p:cNvPr id="345" name="Shape 345"/>
-          <p:cNvSpPr txBox="1"/>
-          <p:nvPr>
-            <p:ph idx="1" type="body"/>
-          </p:nvPr>
-        </p:nvSpPr>
-        <p:spPr>
-          <a:xfrm>
-            <a:off x="6177975" y="3438475"/>
-            <a:ext cx="2842500" cy="1302900"/>
-          </a:xfrm>
-          <a:prstGeom prst="rect">
-            <a:avLst/>
-          </a:prstGeom>
-        </p:spPr>
-        <p:txBody>
-          <a:bodyPr anchorCtr="0" anchor="t" bIns="91425" lIns="91425" rIns="91425" wrap="square" tIns="91425">
-            <a:noAutofit/>
-          </a:bodyPr>
-          <a:lstStyle/>
-          <a:p>
-            <a:pPr lvl="0" rtl="0">
-              <a:spcBef>
-                <a:spcPts val="0"/>
-              </a:spcBef>
-              <a:buNone/>
-            </a:pPr>
-            <a:r>
-              <a:rPr b="1" lang="en" sz="1000"/>
-              <a:t>딥레스콜라</a:t>
-            </a:r>
-            <a:r>
-              <a:rPr b="1" lang="en" sz="1000"/>
-              <a:t> : 파트 1</a:t>
-            </a:r>
-          </a:p>
-          <a:p>
-            <a:pPr indent="-292100" lvl="0" marL="457200" rtl="0">
-              <a:spcBef>
-                <a:spcPts val="0"/>
-              </a:spcBef>
-              <a:spcAft>
-                <a:spcPts val="0"/>
-              </a:spcAft>
-              <a:buClr>
-                <a:srgbClr val="FF0000"/>
-              </a:buClr>
-              <a:buSzPts val="1000"/>
-              <a:buChar char="●"/>
-            </a:pPr>
-            <a:r>
-              <a:rPr lang="en" sz="1000">
-                <a:solidFill>
-                  <a:srgbClr val="FF0000"/>
-                </a:solidFill>
-              </a:rPr>
-              <a:t>딥리워드</a:t>
-            </a:r>
-            <a:r>
-              <a:rPr lang="en" sz="1000">
-                <a:solidFill>
-                  <a:srgbClr val="FF0000"/>
-                </a:solidFill>
-              </a:rPr>
-              <a:t>X싸이그래머, 격주 월요일, 저녁 7시 30분 - 10시 30분(3시간), 2017년 11월 ~ </a:t>
-            </a:r>
-          </a:p>
-          <a:p>
-            <a:pPr indent="-292100" lvl="0" marL="457200" rtl="0">
-              <a:spcBef>
-                <a:spcPts val="0"/>
-              </a:spcBef>
-              <a:buSzPts val="1000"/>
-              <a:buChar char="●"/>
-            </a:pPr>
-            <a:r>
-              <a:rPr lang="en" sz="1000">
-                <a:solidFill>
-                  <a:srgbClr val="4A86E8"/>
-                </a:solidFill>
-              </a:rPr>
-              <a:t>딥러닝</a:t>
-            </a:r>
-            <a:r>
-              <a:rPr lang="en" sz="1000">
-                <a:solidFill>
-                  <a:srgbClr val="4A86E8"/>
-                </a:solidFill>
-              </a:rPr>
-              <a:t> 기초 + 딥강화학</a:t>
-            </a:r>
-            <a:r>
-              <a:rPr lang="en" sz="1000">
-                <a:solidFill>
-                  <a:srgbClr val="4A86E8"/>
-                </a:solidFill>
-              </a:rPr>
-              <a:t>습 기초</a:t>
-            </a:r>
-          </a:p>
-        </p:txBody>
-      </p:sp>
-      <p:pic>
-        <p:nvPicPr>
-          <p:cNvPr id="346" name="Shape 346"/>
-          <p:cNvPicPr preferRelativeResize="0"/>
-          <p:nvPr/>
-        </p:nvPicPr>
-        <p:blipFill>
-          <a:blip r:embed="rId4">
-            <a:alphaModFix/>
-          </a:blip>
-          <a:stretch>
-            <a:fillRect/>
-          </a:stretch>
-        </p:blipFill>
-        <p:spPr>
-          <a:xfrm>
-            <a:off x="136750" y="1692750"/>
-            <a:ext cx="1517275" cy="1302825"/>
-          </a:xfrm>
-          <a:prstGeom prst="rect">
-            <a:avLst/>
-          </a:prstGeom>
-          <a:noFill/>
-          <a:ln>
-            <a:noFill/>
-          </a:ln>
-        </p:spPr>
-      </p:pic>
-      <p:pic>
-        <p:nvPicPr>
-          <p:cNvPr id="347" name="Shape 347"/>
-          <p:cNvPicPr preferRelativeResize="0"/>
-          <p:nvPr/>
-        </p:nvPicPr>
-        <p:blipFill>
-          <a:blip r:embed="rId5">
-            <a:alphaModFix/>
-          </a:blip>
-          <a:stretch>
-            <a:fillRect/>
-          </a:stretch>
-        </p:blipFill>
-        <p:spPr>
-          <a:xfrm>
-            <a:off x="4647575" y="1692750"/>
-            <a:ext cx="1517276" cy="1302825"/>
-          </a:xfrm>
-          <a:prstGeom prst="rect">
-            <a:avLst/>
-          </a:prstGeom>
-          <a:noFill/>
-          <a:ln>
-            <a:noFill/>
-          </a:ln>
-        </p:spPr>
-      </p:pic>
-      <p:pic>
-        <p:nvPicPr>
-          <p:cNvPr id="348" name="Shape 348"/>
-          <p:cNvPicPr preferRelativeResize="0"/>
-          <p:nvPr/>
-        </p:nvPicPr>
-        <p:blipFill>
-          <a:blip r:embed="rId6">
-            <a:alphaModFix/>
-          </a:blip>
-          <a:stretch>
-            <a:fillRect/>
-          </a:stretch>
-        </p:blipFill>
-        <p:spPr>
-          <a:xfrm>
-            <a:off x="4647575" y="3504525"/>
-            <a:ext cx="1517275" cy="1302824"/>
+            <a:off x="311700" y="1488600"/>
+            <a:ext cx="3686225" cy="1905000"/>
           </a:xfrm>
           <a:prstGeom prst="rect">
             <a:avLst/>
@@ -15322,7 +14950,7 @@
   <p:cSld>
     <p:spTree>
       <p:nvGrpSpPr>
-        <p:cNvPr id="352" name="Shape 352"/>
+        <p:cNvPr id="345" name="Shape 345"/>
         <p:cNvGrpSpPr/>
         <p:nvPr/>
       </p:nvGrpSpPr>
@@ -15336,7 +14964,7 @@
       </p:grpSpPr>
       <p:sp>
         <p:nvSpPr>
-          <p:cNvPr id="353" name="Shape 353"/>
+          <p:cNvPr id="346" name="Shape 346"/>
           <p:cNvSpPr txBox="1"/>
           <p:nvPr>
             <p:ph type="title"/>
@@ -15344,7 +14972,7 @@
         </p:nvSpPr>
         <p:spPr>
           <a:xfrm>
-            <a:off x="311700" y="292625"/>
+            <a:off x="311700" y="445025"/>
             <a:ext cx="8520600" cy="572700"/>
           </a:xfrm>
           <a:prstGeom prst="rect">
@@ -15365,18 +14993,218 @@
             </a:pPr>
             <a:r>
               <a:rPr lang="en"/>
-              <a:t>언제까</a:t>
-            </a:r>
-            <a:r>
-              <a:rPr lang="en"/>
-              <a:t>지?</a:t>
+              <a:t>2018 (상반기)</a:t>
+            </a:r>
+          </a:p>
+          <a:p>
+            <a:pPr lvl="0" rtl="0">
+              <a:spcBef>
+                <a:spcPts val="0"/>
+              </a:spcBef>
+              <a:buNone/>
+            </a:pPr>
+            <a:r>
+              <a:t/>
+            </a:r>
+            <a:endParaRPr/>
+          </a:p>
+        </p:txBody>
+      </p:sp>
+      <p:sp>
+        <p:nvSpPr>
+          <p:cNvPr id="347" name="Shape 347"/>
+          <p:cNvSpPr txBox="1"/>
+          <p:nvPr>
+            <p:ph idx="1" type="body"/>
+          </p:nvPr>
+        </p:nvSpPr>
+        <p:spPr>
+          <a:xfrm>
+            <a:off x="1682175" y="1609675"/>
+            <a:ext cx="2842500" cy="1302900"/>
+          </a:xfrm>
+          <a:prstGeom prst="rect">
+            <a:avLst/>
+          </a:prstGeom>
+        </p:spPr>
+        <p:txBody>
+          <a:bodyPr anchorCtr="0" anchor="t" bIns="91425" lIns="91425" rIns="91425" wrap="square" tIns="91425">
+            <a:noAutofit/>
+          </a:bodyPr>
+          <a:lstStyle/>
+          <a:p>
+            <a:pPr lvl="0" rtl="0">
+              <a:spcBef>
+                <a:spcPts val="0"/>
+              </a:spcBef>
+              <a:buNone/>
+            </a:pPr>
+            <a:r>
+              <a:rPr b="1" lang="en" sz="1000"/>
+              <a:t>파이그래머</a:t>
+            </a:r>
+            <a:r>
+              <a:rPr b="1" lang="en" sz="1000"/>
+              <a:t> : 파</a:t>
+            </a:r>
+            <a:r>
+              <a:rPr b="1" lang="en" sz="1000"/>
+              <a:t>트 </a:t>
+            </a:r>
+            <a:r>
+              <a:rPr b="1" lang="en" sz="1000"/>
+              <a:t>1 </a:t>
+            </a:r>
+          </a:p>
+          <a:p>
+            <a:pPr indent="-292100" lvl="0" marL="457200" rtl="0">
+              <a:spcBef>
+                <a:spcPts val="0"/>
+              </a:spcBef>
+              <a:spcAft>
+                <a:spcPts val="0"/>
+              </a:spcAft>
+              <a:buClr>
+                <a:srgbClr val="FF0000"/>
+              </a:buClr>
+              <a:buSzPts val="1000"/>
+              <a:buChar char="●"/>
+            </a:pPr>
+            <a:r>
+              <a:rPr lang="en" sz="1000">
+                <a:solidFill>
+                  <a:srgbClr val="FF0000"/>
+                </a:solidFill>
+              </a:rPr>
+              <a:t>싸이그래머,</a:t>
+            </a:r>
+            <a:r>
+              <a:rPr lang="en" sz="1000">
+                <a:solidFill>
+                  <a:srgbClr val="FF0000"/>
+                </a:solidFill>
+              </a:rPr>
+              <a:t> 격주 화요일, 저녁 7시 30분 - 10시 30분(3시간), 2017</a:t>
+            </a:r>
+            <a:r>
+              <a:rPr lang="en" sz="1000">
+                <a:solidFill>
+                  <a:srgbClr val="FF0000"/>
+                </a:solidFill>
+              </a:rPr>
+              <a:t>년 </a:t>
+            </a:r>
+            <a:r>
+              <a:rPr lang="en" sz="1000">
+                <a:solidFill>
+                  <a:srgbClr val="FF0000"/>
+                </a:solidFill>
+              </a:rPr>
+              <a:t>11월 ~ </a:t>
+            </a:r>
+          </a:p>
+          <a:p>
+            <a:pPr indent="-292100" lvl="0" marL="457200" rtl="0">
+              <a:spcBef>
+                <a:spcPts val="0"/>
+              </a:spcBef>
+              <a:buSzPts val="1000"/>
+              <a:buChar char="●"/>
+            </a:pPr>
+            <a:r>
+              <a:rPr lang="en" sz="1000">
+                <a:solidFill>
+                  <a:srgbClr val="4A86E8"/>
+                </a:solidFill>
+              </a:rPr>
+              <a:t>파이썬을 이용한 자료구조 &amp; 알고리즘</a:t>
+            </a:r>
+          </a:p>
+        </p:txBody>
+      </p:sp>
+      <p:sp>
+        <p:nvSpPr>
+          <p:cNvPr id="348" name="Shape 348"/>
+          <p:cNvSpPr txBox="1"/>
+          <p:nvPr>
+            <p:ph idx="1" type="body"/>
+          </p:nvPr>
+        </p:nvSpPr>
+        <p:spPr>
+          <a:xfrm>
+            <a:off x="6177975" y="1609675"/>
+            <a:ext cx="2842500" cy="1302900"/>
+          </a:xfrm>
+          <a:prstGeom prst="rect">
+            <a:avLst/>
+          </a:prstGeom>
+        </p:spPr>
+        <p:txBody>
+          <a:bodyPr anchorCtr="0" anchor="t" bIns="91425" lIns="91425" rIns="91425" wrap="square" tIns="91425">
+            <a:noAutofit/>
+          </a:bodyPr>
+          <a:lstStyle/>
+          <a:p>
+            <a:pPr lvl="0" rtl="0">
+              <a:spcBef>
+                <a:spcPts val="0"/>
+              </a:spcBef>
+              <a:buNone/>
+            </a:pPr>
+            <a:r>
+              <a:rPr b="1" lang="en" sz="1000"/>
+              <a:t>뷰티플체인</a:t>
+            </a:r>
+            <a:r>
+              <a:rPr b="1" lang="en" sz="1000"/>
+              <a:t> : 파트 1 </a:t>
+            </a:r>
+          </a:p>
+          <a:p>
+            <a:pPr indent="-292100" lvl="0" marL="457200" rtl="0">
+              <a:spcBef>
+                <a:spcPts val="0"/>
+              </a:spcBef>
+              <a:spcAft>
+                <a:spcPts val="0"/>
+              </a:spcAft>
+              <a:buClr>
+                <a:srgbClr val="FF0000"/>
+              </a:buClr>
+              <a:buSzPts val="1000"/>
+              <a:buChar char="●"/>
+            </a:pPr>
+            <a:r>
+              <a:rPr lang="en" sz="1000">
+                <a:solidFill>
+                  <a:srgbClr val="FF0000"/>
+                </a:solidFill>
+              </a:rPr>
+              <a:t>싸이지먼트X싸이그래머, 격주 화요일, 저녁 7시 30분 - 10시 30분(3시간), 2017년 11월 ~ </a:t>
+            </a:r>
+          </a:p>
+          <a:p>
+            <a:pPr indent="-292100" lvl="0" marL="457200" rtl="0">
+              <a:spcBef>
+                <a:spcPts val="0"/>
+              </a:spcBef>
+              <a:buSzPts val="1000"/>
+              <a:buChar char="●"/>
+            </a:pPr>
+            <a:r>
+              <a:rPr lang="en" sz="1000">
+                <a:solidFill>
+                  <a:srgbClr val="4A86E8"/>
+                </a:solidFill>
+              </a:rPr>
+              <a:t>비트코인 + 시계열 데이터 ML + 확률과정</a:t>
             </a:r>
           </a:p>
         </p:txBody>
       </p:sp>
       <p:pic>
         <p:nvPicPr>
-          <p:cNvPr id="354" name="Shape 354"/>
+          <p:cNvPr id="349" name="Shape 349"/>
           <p:cNvPicPr preferRelativeResize="0"/>
           <p:nvPr/>
         </p:nvPicPr>
@@ -15390,8 +15218,272 @@
         </p:blipFill>
         <p:spPr>
           <a:xfrm>
-            <a:off x="2158100" y="1305650"/>
-            <a:ext cx="4885025" cy="3256675"/>
+            <a:off x="136750" y="3445350"/>
+            <a:ext cx="1517276" cy="1302825"/>
+          </a:xfrm>
+          <a:prstGeom prst="rect">
+            <a:avLst/>
+          </a:prstGeom>
+          <a:noFill/>
+          <a:ln>
+            <a:noFill/>
+          </a:ln>
+        </p:spPr>
+      </p:pic>
+      <p:sp>
+        <p:nvSpPr>
+          <p:cNvPr id="350" name="Shape 350"/>
+          <p:cNvSpPr txBox="1"/>
+          <p:nvPr>
+            <p:ph idx="1" type="body"/>
+          </p:nvPr>
+        </p:nvSpPr>
+        <p:spPr>
+          <a:xfrm>
+            <a:off x="1682175" y="3362275"/>
+            <a:ext cx="2842500" cy="1302900"/>
+          </a:xfrm>
+          <a:prstGeom prst="rect">
+            <a:avLst/>
+          </a:prstGeom>
+        </p:spPr>
+        <p:txBody>
+          <a:bodyPr anchorCtr="0" anchor="t" bIns="91425" lIns="91425" rIns="91425" wrap="square" tIns="91425">
+            <a:noAutofit/>
+          </a:bodyPr>
+          <a:lstStyle/>
+          <a:p>
+            <a:pPr lvl="0" rtl="0">
+              <a:spcBef>
+                <a:spcPts val="0"/>
+              </a:spcBef>
+              <a:buNone/>
+            </a:pPr>
+            <a:r>
+              <a:rPr b="1" lang="en" sz="1000"/>
+              <a:t>손바닥ML : 파트 1</a:t>
+            </a:r>
+          </a:p>
+          <a:p>
+            <a:pPr indent="-292100" lvl="0" marL="457200" rtl="0">
+              <a:spcBef>
+                <a:spcPts val="0"/>
+              </a:spcBef>
+              <a:spcAft>
+                <a:spcPts val="0"/>
+              </a:spcAft>
+              <a:buClr>
+                <a:srgbClr val="FF0000"/>
+              </a:buClr>
+              <a:buSzPts val="1000"/>
+              <a:buChar char="●"/>
+            </a:pPr>
+            <a:r>
+              <a:rPr lang="en" sz="1000">
+                <a:solidFill>
+                  <a:srgbClr val="FF0000"/>
+                </a:solidFill>
+              </a:rPr>
+              <a:t>싸이그래머X캐글뽀개기, 격주 수요일, 저녁 7시 30분 - 10시 30분(3시간), 2017년 11월 ~ </a:t>
+            </a:r>
+          </a:p>
+          <a:p>
+            <a:pPr indent="-292100" lvl="0" marL="457200" rtl="0">
+              <a:spcBef>
+                <a:spcPts val="0"/>
+              </a:spcBef>
+              <a:buSzPts val="1000"/>
+              <a:buChar char="●"/>
+            </a:pPr>
+            <a:r>
+              <a:rPr lang="en" sz="1000">
+                <a:solidFill>
+                  <a:srgbClr val="4A86E8"/>
+                </a:solidFill>
+              </a:rPr>
+              <a:t>머신러닝 기초(tensorflow) + 캐글 분석</a:t>
+            </a:r>
+          </a:p>
+        </p:txBody>
+      </p:sp>
+      <p:sp>
+        <p:nvSpPr>
+          <p:cNvPr id="351" name="Shape 351"/>
+          <p:cNvSpPr txBox="1"/>
+          <p:nvPr>
+            <p:ph idx="1" type="body"/>
+          </p:nvPr>
+        </p:nvSpPr>
+        <p:spPr>
+          <a:xfrm>
+            <a:off x="6177975" y="3438475"/>
+            <a:ext cx="2842500" cy="1302900"/>
+          </a:xfrm>
+          <a:prstGeom prst="rect">
+            <a:avLst/>
+          </a:prstGeom>
+        </p:spPr>
+        <p:txBody>
+          <a:bodyPr anchorCtr="0" anchor="t" bIns="91425" lIns="91425" rIns="91425" wrap="square" tIns="91425">
+            <a:noAutofit/>
+          </a:bodyPr>
+          <a:lstStyle/>
+          <a:p>
+            <a:pPr lvl="0" rtl="0">
+              <a:spcBef>
+                <a:spcPts val="0"/>
+              </a:spcBef>
+              <a:buNone/>
+            </a:pPr>
+            <a:r>
+              <a:rPr b="1" lang="en" sz="1000"/>
+              <a:t>딥레스콜라</a:t>
+            </a:r>
+            <a:r>
+              <a:rPr b="1" lang="en" sz="1000"/>
+              <a:t> : 파트 1</a:t>
+            </a:r>
+          </a:p>
+          <a:p>
+            <a:pPr indent="-292100" lvl="0" marL="457200" rtl="0">
+              <a:spcBef>
+                <a:spcPts val="0"/>
+              </a:spcBef>
+              <a:spcAft>
+                <a:spcPts val="0"/>
+              </a:spcAft>
+              <a:buClr>
+                <a:srgbClr val="FF0000"/>
+              </a:buClr>
+              <a:buSzPts val="1000"/>
+              <a:buChar char="●"/>
+            </a:pPr>
+            <a:r>
+              <a:rPr lang="en" sz="1000">
+                <a:solidFill>
+                  <a:srgbClr val="FF0000"/>
+                </a:solidFill>
+              </a:rPr>
+              <a:t>딥리워드</a:t>
+            </a:r>
+            <a:r>
+              <a:rPr lang="en" sz="1000">
+                <a:solidFill>
+                  <a:srgbClr val="FF0000"/>
+                </a:solidFill>
+              </a:rPr>
+              <a:t>X싸이그래머, 격주 월요일, 저녁 7시 30분 - 10시 30분(3시간), 2017년 11월 ~ </a:t>
+            </a:r>
+          </a:p>
+          <a:p>
+            <a:pPr indent="-292100" lvl="0" marL="457200" rtl="0">
+              <a:spcBef>
+                <a:spcPts val="0"/>
+              </a:spcBef>
+              <a:buSzPts val="1000"/>
+              <a:buChar char="●"/>
+            </a:pPr>
+            <a:r>
+              <a:rPr lang="en" sz="1000">
+                <a:solidFill>
+                  <a:srgbClr val="4A86E8"/>
+                </a:solidFill>
+              </a:rPr>
+              <a:t>딥러닝</a:t>
+            </a:r>
+            <a:r>
+              <a:rPr lang="en" sz="1000">
+                <a:solidFill>
+                  <a:srgbClr val="4A86E8"/>
+                </a:solidFill>
+              </a:rPr>
+              <a:t> 기초 + 딥강화학</a:t>
+            </a:r>
+            <a:r>
+              <a:rPr lang="en" sz="1000">
+                <a:solidFill>
+                  <a:srgbClr val="4A86E8"/>
+                </a:solidFill>
+              </a:rPr>
+              <a:t>습 기초</a:t>
+            </a:r>
+          </a:p>
+        </p:txBody>
+      </p:sp>
+      <p:pic>
+        <p:nvPicPr>
+          <p:cNvPr id="352" name="Shape 352"/>
+          <p:cNvPicPr preferRelativeResize="0"/>
+          <p:nvPr/>
+        </p:nvPicPr>
+        <p:blipFill>
+          <a:blip r:embed="rId4">
+            <a:alphaModFix/>
+          </a:blip>
+          <a:stretch>
+            <a:fillRect/>
+          </a:stretch>
+        </p:blipFill>
+        <p:spPr>
+          <a:xfrm>
+            <a:off x="136750" y="1692750"/>
+            <a:ext cx="1517275" cy="1302825"/>
+          </a:xfrm>
+          <a:prstGeom prst="rect">
+            <a:avLst/>
+          </a:prstGeom>
+          <a:noFill/>
+          <a:ln>
+            <a:noFill/>
+          </a:ln>
+        </p:spPr>
+      </p:pic>
+      <p:pic>
+        <p:nvPicPr>
+          <p:cNvPr id="353" name="Shape 353"/>
+          <p:cNvPicPr preferRelativeResize="0"/>
+          <p:nvPr/>
+        </p:nvPicPr>
+        <p:blipFill>
+          <a:blip r:embed="rId5">
+            <a:alphaModFix/>
+          </a:blip>
+          <a:stretch>
+            <a:fillRect/>
+          </a:stretch>
+        </p:blipFill>
+        <p:spPr>
+          <a:xfrm>
+            <a:off x="4647575" y="1692750"/>
+            <a:ext cx="1517276" cy="1302825"/>
+          </a:xfrm>
+          <a:prstGeom prst="rect">
+            <a:avLst/>
+          </a:prstGeom>
+          <a:noFill/>
+          <a:ln>
+            <a:noFill/>
+          </a:ln>
+        </p:spPr>
+      </p:pic>
+      <p:pic>
+        <p:nvPicPr>
+          <p:cNvPr id="354" name="Shape 354"/>
+          <p:cNvPicPr preferRelativeResize="0"/>
+          <p:nvPr/>
+        </p:nvPicPr>
+        <p:blipFill>
+          <a:blip r:embed="rId6">
+            <a:alphaModFix/>
+          </a:blip>
+          <a:stretch>
+            <a:fillRect/>
+          </a:stretch>
+        </p:blipFill>
+        <p:spPr>
+          <a:xfrm>
+            <a:off x="4647575" y="3504525"/>
+            <a:ext cx="1517275" cy="1302824"/>
           </a:xfrm>
           <a:prstGeom prst="rect">
             <a:avLst/>
@@ -15430,6 +15522,99 @@
       <p:sp>
         <p:nvSpPr>
           <p:cNvPr id="359" name="Shape 359"/>
+          <p:cNvSpPr txBox="1"/>
+          <p:nvPr>
+            <p:ph type="title"/>
+          </p:nvPr>
+        </p:nvSpPr>
+        <p:spPr>
+          <a:xfrm>
+            <a:off x="311700" y="292625"/>
+            <a:ext cx="8520600" cy="572700"/>
+          </a:xfrm>
+          <a:prstGeom prst="rect">
+            <a:avLst/>
+          </a:prstGeom>
+        </p:spPr>
+        <p:txBody>
+          <a:bodyPr anchorCtr="0" anchor="t" bIns="91425" lIns="91425" rIns="91425" wrap="square" tIns="91425">
+            <a:noAutofit/>
+          </a:bodyPr>
+          <a:lstStyle/>
+          <a:p>
+            <a:pPr lvl="0" rtl="0" algn="ctr">
+              <a:spcBef>
+                <a:spcPts val="0"/>
+              </a:spcBef>
+              <a:buNone/>
+            </a:pPr>
+            <a:r>
+              <a:rPr lang="en"/>
+              <a:t>언제까</a:t>
+            </a:r>
+            <a:r>
+              <a:rPr lang="en"/>
+              <a:t>지?</a:t>
+            </a:r>
+          </a:p>
+        </p:txBody>
+      </p:sp>
+      <p:pic>
+        <p:nvPicPr>
+          <p:cNvPr id="360" name="Shape 360"/>
+          <p:cNvPicPr preferRelativeResize="0"/>
+          <p:nvPr/>
+        </p:nvPicPr>
+        <p:blipFill>
+          <a:blip r:embed="rId3">
+            <a:alphaModFix/>
+          </a:blip>
+          <a:stretch>
+            <a:fillRect/>
+          </a:stretch>
+        </p:blipFill>
+        <p:spPr>
+          <a:xfrm>
+            <a:off x="2158100" y="1305650"/>
+            <a:ext cx="4885025" cy="3256675"/>
+          </a:xfrm>
+          <a:prstGeom prst="rect">
+            <a:avLst/>
+          </a:prstGeom>
+          <a:noFill/>
+          <a:ln>
+            <a:noFill/>
+          </a:ln>
+        </p:spPr>
+      </p:pic>
+    </p:spTree>
+  </p:cSld>
+  <p:clrMapOvr>
+    <a:masterClrMapping/>
+  </p:clrMapOvr>
+</p:sld>
+</file>
+
+<file path=ppt/slides/slide32.xml><?xml version="1.0" encoding="utf-8"?>
+<p:sld xmlns:a="http://schemas.openxmlformats.org/drawingml/2006/main" xmlns:r="http://schemas.openxmlformats.org/officeDocument/2006/relationships" xmlns:mc="http://schemas.openxmlformats.org/markup-compatibility/2006" xmlns:mv="urn:schemas-microsoft-com:mac:vml" xmlns:p="http://schemas.openxmlformats.org/presentationml/2006/main" xmlns:c="http://schemas.openxmlformats.org/drawingml/2006/chart" xmlns:dgm="http://schemas.openxmlformats.org/drawingml/2006/diagram" xmlns:o="urn:schemas-microsoft-com:office:office" xmlns:v="urn:schemas-microsoft-com:vml" xmlns:pvml="urn:schemas-microsoft-com:office:powerpoint" xmlns:com="http://schemas.openxmlformats.org/drawingml/2006/compatibility" xmlns:p14="http://schemas.microsoft.com/office/powerpoint/2010/main" xmlns:p15="http://schemas.microsoft.com/office/powerpoint/2012/main">
+  <p:cSld>
+    <p:spTree>
+      <p:nvGrpSpPr>
+        <p:cNvPr id="364" name="Shape 364"/>
+        <p:cNvGrpSpPr/>
+        <p:nvPr/>
+      </p:nvGrpSpPr>
+      <p:grpSpPr>
+        <a:xfrm>
+          <a:off x="0" y="0"/>
+          <a:ext cx="0" cy="0"/>
+          <a:chOff x="0" y="0"/>
+          <a:chExt cx="0" cy="0"/>
+        </a:xfrm>
+      </p:grpSpPr>
+      <p:sp>
+        <p:nvSpPr>
+          <p:cNvPr id="365" name="Shape 365"/>
           <p:cNvSpPr txBox="1"/>
           <p:nvPr>
             <p:ph type="title"/>
